--- a/crashcourse-websec/slides.pptx
+++ b/crashcourse-websec/slides.pptx
@@ -10,40 +10,41 @@
     <p:sldId id="262" r:id="rId4"/>
     <p:sldId id="260" r:id="rId5"/>
     <p:sldId id="265" r:id="rId6"/>
-    <p:sldId id="257" r:id="rId7"/>
-    <p:sldId id="258" r:id="rId8"/>
-    <p:sldId id="259" r:id="rId9"/>
-    <p:sldId id="266" r:id="rId10"/>
+    <p:sldId id="266" r:id="rId7"/>
+    <p:sldId id="257" r:id="rId8"/>
+    <p:sldId id="258" r:id="rId9"/>
+    <p:sldId id="259" r:id="rId10"/>
     <p:sldId id="267" r:id="rId11"/>
-    <p:sldId id="268" r:id="rId12"/>
-    <p:sldId id="276" r:id="rId13"/>
-    <p:sldId id="263" r:id="rId14"/>
-    <p:sldId id="264" r:id="rId15"/>
-    <p:sldId id="269" r:id="rId16"/>
-    <p:sldId id="270" r:id="rId17"/>
-    <p:sldId id="271" r:id="rId18"/>
-    <p:sldId id="272" r:id="rId19"/>
-    <p:sldId id="273" r:id="rId20"/>
-    <p:sldId id="274" r:id="rId21"/>
-    <p:sldId id="275" r:id="rId22"/>
-    <p:sldId id="277" r:id="rId23"/>
-    <p:sldId id="278" r:id="rId24"/>
-    <p:sldId id="279" r:id="rId25"/>
-    <p:sldId id="280" r:id="rId26"/>
-    <p:sldId id="281" r:id="rId27"/>
-    <p:sldId id="282" r:id="rId28"/>
-    <p:sldId id="283" r:id="rId29"/>
-    <p:sldId id="284" r:id="rId30"/>
-    <p:sldId id="285" r:id="rId31"/>
-    <p:sldId id="286" r:id="rId32"/>
-    <p:sldId id="287" r:id="rId33"/>
-    <p:sldId id="288" r:id="rId34"/>
-    <p:sldId id="289" r:id="rId35"/>
-    <p:sldId id="292" r:id="rId36"/>
-    <p:sldId id="290" r:id="rId37"/>
-    <p:sldId id="291" r:id="rId38"/>
-    <p:sldId id="293" r:id="rId39"/>
-    <p:sldId id="294" r:id="rId40"/>
+    <p:sldId id="263" r:id="rId12"/>
+    <p:sldId id="295" r:id="rId13"/>
+    <p:sldId id="269" r:id="rId14"/>
+    <p:sldId id="270" r:id="rId15"/>
+    <p:sldId id="271" r:id="rId16"/>
+    <p:sldId id="272" r:id="rId17"/>
+    <p:sldId id="273" r:id="rId18"/>
+    <p:sldId id="274" r:id="rId19"/>
+    <p:sldId id="296" r:id="rId20"/>
+    <p:sldId id="275" r:id="rId21"/>
+    <p:sldId id="277" r:id="rId22"/>
+    <p:sldId id="278" r:id="rId23"/>
+    <p:sldId id="279" r:id="rId24"/>
+    <p:sldId id="280" r:id="rId25"/>
+    <p:sldId id="281" r:id="rId26"/>
+    <p:sldId id="282" r:id="rId27"/>
+    <p:sldId id="283" r:id="rId28"/>
+    <p:sldId id="284" r:id="rId29"/>
+    <p:sldId id="285" r:id="rId30"/>
+    <p:sldId id="286" r:id="rId31"/>
+    <p:sldId id="287" r:id="rId32"/>
+    <p:sldId id="288" r:id="rId33"/>
+    <p:sldId id="289" r:id="rId34"/>
+    <p:sldId id="292" r:id="rId35"/>
+    <p:sldId id="290" r:id="rId36"/>
+    <p:sldId id="291" r:id="rId37"/>
+    <p:sldId id="293" r:id="rId38"/>
+    <p:sldId id="268" r:id="rId39"/>
+    <p:sldId id="276" r:id="rId40"/>
+    <p:sldId id="294" r:id="rId41"/>
   </p:sldIdLst>
   <p:sldSz cx="12192000" cy="6858000"/>
   <p:notesSz cx="6858000" cy="9144000"/>
@@ -142,6 +143,11 @@
       </a:defRPr>
     </a:lvl9pPr>
   </p:defaultTextStyle>
+  <p:extLst>
+    <p:ext uri="{EFAFB233-063F-42B5-8137-9DF3F51BA10A}">
+      <p15:sldGuideLst xmlns:p15="http://schemas.microsoft.com/office/powerpoint/2012/main"/>
+    </p:ext>
+  </p:extLst>
 </p:presentation>
 </file>
 
@@ -341,7 +347,7 @@
           <a:p>
             <a:fld id="{3470D768-73B4-4290-8858-743FFC81183B}" type="datetimeFigureOut">
               <a:rPr lang="en-US" smtClean="0"/>
-              <a:t>11/1/2013</a:t>
+              <a:t>11/2/2013</a:t>
             </a:fld>
             <a:endParaRPr lang="en-US"/>
           </a:p>
@@ -622,7 +628,7 @@
           <a:p>
             <a:fld id="{3470D768-73B4-4290-8858-743FFC81183B}" type="datetimeFigureOut">
               <a:rPr lang="en-US" smtClean="0"/>
-              <a:t>11/1/2013</a:t>
+              <a:t>11/2/2013</a:t>
             </a:fld>
             <a:endParaRPr lang="en-US"/>
           </a:p>
@@ -814,7 +820,7 @@
           <a:p>
             <a:fld id="{3470D768-73B4-4290-8858-743FFC81183B}" type="datetimeFigureOut">
               <a:rPr lang="en-US" smtClean="0"/>
-              <a:t>11/1/2013</a:t>
+              <a:t>11/2/2013</a:t>
             </a:fld>
             <a:endParaRPr lang="en-US"/>
           </a:p>
@@ -1075,7 +1081,7 @@
           <a:p>
             <a:fld id="{3470D768-73B4-4290-8858-743FFC81183B}" type="datetimeFigureOut">
               <a:rPr lang="en-US" smtClean="0"/>
-              <a:t>11/1/2013</a:t>
+              <a:t>11/2/2013</a:t>
             </a:fld>
             <a:endParaRPr lang="en-US"/>
           </a:p>
@@ -1501,7 +1507,7 @@
           <a:p>
             <a:fld id="{3470D768-73B4-4290-8858-743FFC81183B}" type="datetimeFigureOut">
               <a:rPr lang="en-US" smtClean="0"/>
-              <a:t>11/1/2013</a:t>
+              <a:t>11/2/2013</a:t>
             </a:fld>
             <a:endParaRPr lang="en-US"/>
           </a:p>
@@ -2047,7 +2053,7 @@
           <a:p>
             <a:fld id="{3470D768-73B4-4290-8858-743FFC81183B}" type="datetimeFigureOut">
               <a:rPr lang="en-US" smtClean="0"/>
-              <a:t>11/1/2013</a:t>
+              <a:t>11/2/2013</a:t>
             </a:fld>
             <a:endParaRPr lang="en-US"/>
           </a:p>
@@ -2878,7 +2884,7 @@
           <a:p>
             <a:fld id="{3470D768-73B4-4290-8858-743FFC81183B}" type="datetimeFigureOut">
               <a:rPr lang="en-US" smtClean="0"/>
-              <a:t>11/1/2013</a:t>
+              <a:t>11/2/2013</a:t>
             </a:fld>
             <a:endParaRPr lang="en-US"/>
           </a:p>
@@ -3048,7 +3054,7 @@
           <a:p>
             <a:fld id="{3470D768-73B4-4290-8858-743FFC81183B}" type="datetimeFigureOut">
               <a:rPr lang="en-US" smtClean="0"/>
-              <a:t>11/1/2013</a:t>
+              <a:t>11/2/2013</a:t>
             </a:fld>
             <a:endParaRPr lang="en-US"/>
           </a:p>
@@ -3228,7 +3234,7 @@
           <a:p>
             <a:fld id="{3470D768-73B4-4290-8858-743FFC81183B}" type="datetimeFigureOut">
               <a:rPr lang="en-US" smtClean="0"/>
-              <a:t>11/1/2013</a:t>
+              <a:t>11/2/2013</a:t>
             </a:fld>
             <a:endParaRPr lang="en-US"/>
           </a:p>
@@ -3398,7 +3404,7 @@
           <a:p>
             <a:fld id="{3470D768-73B4-4290-8858-743FFC81183B}" type="datetimeFigureOut">
               <a:rPr lang="en-US" smtClean="0"/>
-              <a:t>11/1/2013</a:t>
+              <a:t>11/2/2013</a:t>
             </a:fld>
             <a:endParaRPr lang="en-US"/>
           </a:p>
@@ -3655,7 +3661,7 @@
           <a:p>
             <a:fld id="{3470D768-73B4-4290-8858-743FFC81183B}" type="datetimeFigureOut">
               <a:rPr lang="en-US" smtClean="0"/>
-              <a:t>11/1/2013</a:t>
+              <a:t>11/2/2013</a:t>
             </a:fld>
             <a:endParaRPr lang="en-US"/>
           </a:p>
@@ -3887,7 +3893,7 @@
           <a:p>
             <a:fld id="{3470D768-73B4-4290-8858-743FFC81183B}" type="datetimeFigureOut">
               <a:rPr lang="en-US" smtClean="0"/>
-              <a:t>11/1/2013</a:t>
+              <a:t>11/2/2013</a:t>
             </a:fld>
             <a:endParaRPr lang="en-US"/>
           </a:p>
@@ -4280,7 +4286,7 @@
           <a:p>
             <a:fld id="{3470D768-73B4-4290-8858-743FFC81183B}" type="datetimeFigureOut">
               <a:rPr lang="en-US" smtClean="0"/>
-              <a:t>11/1/2013</a:t>
+              <a:t>11/2/2013</a:t>
             </a:fld>
             <a:endParaRPr lang="en-US"/>
           </a:p>
@@ -4398,7 +4404,7 @@
           <a:p>
             <a:fld id="{3470D768-73B4-4290-8858-743FFC81183B}" type="datetimeFigureOut">
               <a:rPr lang="en-US" smtClean="0"/>
-              <a:t>11/1/2013</a:t>
+              <a:t>11/2/2013</a:t>
             </a:fld>
             <a:endParaRPr lang="en-US"/>
           </a:p>
@@ -4493,7 +4499,7 @@
           <a:p>
             <a:fld id="{3470D768-73B4-4290-8858-743FFC81183B}" type="datetimeFigureOut">
               <a:rPr lang="en-US" smtClean="0"/>
-              <a:t>11/1/2013</a:t>
+              <a:t>11/2/2013</a:t>
             </a:fld>
             <a:endParaRPr lang="en-US"/>
           </a:p>
@@ -4766,7 +4772,7 @@
           <a:p>
             <a:fld id="{3470D768-73B4-4290-8858-743FFC81183B}" type="datetimeFigureOut">
               <a:rPr lang="en-US" smtClean="0"/>
-              <a:t>11/1/2013</a:t>
+              <a:t>11/2/2013</a:t>
             </a:fld>
             <a:endParaRPr lang="en-US"/>
           </a:p>
@@ -5047,7 +5053,7 @@
           <a:p>
             <a:fld id="{3470D768-73B4-4290-8858-743FFC81183B}" type="datetimeFigureOut">
               <a:rPr lang="en-US" smtClean="0"/>
-              <a:t>11/1/2013</a:t>
+              <a:t>11/2/2013</a:t>
             </a:fld>
             <a:endParaRPr lang="en-US"/>
           </a:p>
@@ -5287,7 +5293,7 @@
           <a:p>
             <a:fld id="{3470D768-73B4-4290-8858-743FFC81183B}" type="datetimeFigureOut">
               <a:rPr lang="en-US" smtClean="0"/>
-              <a:t>11/1/2013</a:t>
+              <a:t>11/2/2013</a:t>
             </a:fld>
             <a:endParaRPr lang="en-US"/>
           </a:p>
@@ -6043,7 +6049,7 @@
           <a:p>
             <a:r>
               <a:rPr lang="en-US" dirty="0" smtClean="0"/>
-              <a:t>An Example</a:t>
+              <a:t>Cookies</a:t>
             </a:r>
             <a:endParaRPr lang="en-US" dirty="0"/>
           </a:p>
@@ -6051,361 +6057,94 @@
       </p:sp>
       <p:sp>
         <p:nvSpPr>
-          <p:cNvPr id="5" name="TextBox 4"/>
-          <p:cNvSpPr txBox="1"/>
-          <p:nvPr/>
-        </p:nvSpPr>
-        <p:spPr>
-          <a:xfrm>
-            <a:off x="1326776" y="1550894"/>
-            <a:ext cx="10121153" cy="4524315"/>
-          </a:xfrm>
-          <a:prstGeom prst="rect">
-            <a:avLst/>
-          </a:prstGeom>
-          <a:noFill/>
-        </p:spPr>
-        <p:txBody>
-          <a:bodyPr wrap="square" rtlCol="0">
-            <a:spAutoFit/>
-          </a:bodyPr>
+          <p:cNvPr id="3" name="Content Placeholder 2"/>
+          <p:cNvSpPr>
+            <a:spLocks noGrp="1"/>
+          </p:cNvSpPr>
+          <p:nvPr>
+            <p:ph idx="1"/>
+          </p:nvPr>
+        </p:nvSpPr>
+        <p:spPr/>
+        <p:txBody>
+          <a:bodyPr/>
           <a:lstStyle/>
           <a:p>
             <a:r>
-              <a:rPr lang="en-US" b="1" dirty="0"/>
-              <a:t>&lt;?</a:t>
-            </a:r>
-            <a:r>
-              <a:rPr lang="en-US" dirty="0" err="1"/>
-              <a:t>php</a:t>
-            </a:r>
-            <a:endParaRPr lang="en-US" dirty="0"/>
-          </a:p>
-          <a:p>
-            <a:r>
-              <a:rPr lang="en-US" dirty="0" smtClean="0"/>
-              <a:t>	</a:t>
-            </a:r>
-            <a:r>
-              <a:rPr lang="en-US" dirty="0" err="1" smtClean="0"/>
-              <a:t>session_start</a:t>
-            </a:r>
-            <a:r>
-              <a:rPr lang="en-US" dirty="0"/>
-              <a:t>();</a:t>
-            </a:r>
-          </a:p>
-          <a:p>
-            <a:r>
-              <a:rPr lang="en-US" b="1" dirty="0" smtClean="0"/>
-              <a:t>	if </a:t>
-            </a:r>
-            <a:r>
-              <a:rPr lang="en-US" dirty="0"/>
-              <a:t>($_FILES["</a:t>
-            </a:r>
-            <a:r>
-              <a:rPr lang="en-US" dirty="0" err="1"/>
-              <a:t>dispic</a:t>
-            </a:r>
-            <a:r>
-              <a:rPr lang="en-US" dirty="0"/>
-              <a:t>"]["error"] </a:t>
-            </a:r>
-            <a:r>
-              <a:rPr lang="en-US" b="1" dirty="0"/>
-              <a:t>&gt; </a:t>
-            </a:r>
-            <a:r>
-              <a:rPr lang="en-US" dirty="0"/>
-              <a:t>0) {</a:t>
-            </a:r>
-          </a:p>
-          <a:p>
-            <a:r>
-              <a:rPr lang="es-ES" b="1" dirty="0" smtClean="0"/>
-              <a:t>		echo </a:t>
-            </a:r>
-            <a:r>
-              <a:rPr lang="es-ES" dirty="0"/>
-              <a:t>"&lt;p&gt;Error: " </a:t>
-            </a:r>
-            <a:r>
-              <a:rPr lang="es-ES" b="1" dirty="0"/>
-              <a:t>. </a:t>
-            </a:r>
-            <a:r>
-              <a:rPr lang="es-ES" dirty="0"/>
-              <a:t>$_FILES["</a:t>
-            </a:r>
-            <a:r>
-              <a:rPr lang="es-ES" dirty="0" err="1"/>
-              <a:t>dispic</a:t>
-            </a:r>
-            <a:r>
-              <a:rPr lang="es-ES" dirty="0"/>
-              <a:t>"]["error"] </a:t>
-            </a:r>
-            <a:r>
-              <a:rPr lang="es-ES" b="1" dirty="0"/>
-              <a:t>. </a:t>
-            </a:r>
-            <a:r>
-              <a:rPr lang="es-ES" dirty="0"/>
-              <a:t>"&lt;/p&gt;";</a:t>
-            </a:r>
-          </a:p>
-          <a:p>
-            <a:r>
-              <a:rPr lang="en-US" dirty="0" smtClean="0"/>
-              <a:t>	}</a:t>
-            </a:r>
-            <a:endParaRPr lang="en-US" dirty="0"/>
-          </a:p>
-          <a:p>
-            <a:r>
-              <a:rPr lang="en-US" b="1" dirty="0" smtClean="0"/>
-              <a:t>	else</a:t>
-            </a:r>
-            <a:endParaRPr lang="en-US" b="1" dirty="0"/>
-          </a:p>
-          <a:p>
-            <a:r>
-              <a:rPr lang="en-US" dirty="0" smtClean="0"/>
-              <a:t>	{</a:t>
-            </a:r>
-            <a:endParaRPr lang="en-US" dirty="0"/>
-          </a:p>
-          <a:p>
-            <a:r>
-              <a:rPr lang="en-US" dirty="0" smtClean="0"/>
-              <a:t>		$</a:t>
-            </a:r>
-            <a:r>
-              <a:rPr lang="en-US" dirty="0" err="1"/>
-              <a:t>dest_dir</a:t>
-            </a:r>
-            <a:r>
-              <a:rPr lang="en-US" dirty="0"/>
+              <a:rPr lang="en-US" dirty="0" smtClean="0"/>
+              <a:t>HTTP is</a:t>
+            </a:r>
+            <a:r>
+              <a:rPr lang="en-US" i="1" dirty="0"/>
               <a:t> </a:t>
             </a:r>
             <a:r>
-              <a:rPr lang="en-US" b="1" dirty="0"/>
-              <a:t>= </a:t>
-            </a:r>
-            <a:r>
-              <a:rPr lang="en-US" dirty="0"/>
-              <a:t>"uploads/";</a:t>
-            </a:r>
-          </a:p>
-          <a:p>
-            <a:r>
-              <a:rPr lang="en-US" dirty="0" smtClean="0"/>
-              <a:t>		$</a:t>
-            </a:r>
-            <a:r>
-              <a:rPr lang="en-US" dirty="0" err="1"/>
-              <a:t>dest</a:t>
-            </a:r>
-            <a:r>
-              <a:rPr lang="en-US" dirty="0"/>
-              <a:t> </a:t>
-            </a:r>
-            <a:r>
-              <a:rPr lang="en-US" b="1" dirty="0"/>
-              <a:t>= </a:t>
-            </a:r>
-            <a:r>
-              <a:rPr lang="en-US" dirty="0"/>
-              <a:t>$</a:t>
-            </a:r>
-            <a:r>
-              <a:rPr lang="en-US" dirty="0" err="1"/>
-              <a:t>dest_dir</a:t>
-            </a:r>
-            <a:r>
-              <a:rPr lang="en-US" dirty="0"/>
-              <a:t> </a:t>
-            </a:r>
-            <a:r>
-              <a:rPr lang="en-US" b="1" dirty="0"/>
-              <a:t>. </a:t>
-            </a:r>
-            <a:r>
-              <a:rPr lang="en-US" dirty="0" err="1"/>
-              <a:t>basename</a:t>
-            </a:r>
-            <a:r>
-              <a:rPr lang="en-US" dirty="0"/>
-              <a:t>($_FILES["</a:t>
-            </a:r>
-            <a:r>
-              <a:rPr lang="en-US" dirty="0" err="1"/>
-              <a:t>dispic</a:t>
-            </a:r>
-            <a:r>
-              <a:rPr lang="en-US" dirty="0"/>
-              <a:t>"]["name"]);</a:t>
-            </a:r>
-          </a:p>
-          <a:p>
-            <a:r>
-              <a:rPr lang="en-US" dirty="0" smtClean="0"/>
-              <a:t>		$</a:t>
-            </a:r>
-            <a:r>
-              <a:rPr lang="en-US" dirty="0" err="1"/>
-              <a:t>src</a:t>
-            </a:r>
-            <a:r>
-              <a:rPr lang="en-US" dirty="0"/>
-              <a:t> </a:t>
-            </a:r>
-            <a:r>
-              <a:rPr lang="en-US" b="1" dirty="0"/>
-              <a:t>= </a:t>
-            </a:r>
-            <a:r>
-              <a:rPr lang="en-US" dirty="0"/>
-              <a:t>$_FILES["</a:t>
-            </a:r>
-            <a:r>
-              <a:rPr lang="en-US" dirty="0" err="1"/>
-              <a:t>dispic</a:t>
-            </a:r>
-            <a:r>
-              <a:rPr lang="en-US" dirty="0"/>
-              <a:t>"]["</a:t>
-            </a:r>
-            <a:r>
-              <a:rPr lang="en-US" dirty="0" err="1"/>
-              <a:t>tmp_name</a:t>
-            </a:r>
-            <a:r>
-              <a:rPr lang="en-US" dirty="0"/>
-              <a:t>"];</a:t>
-            </a:r>
-          </a:p>
-          <a:p>
-            <a:r>
-              <a:rPr lang="en-US" b="1" dirty="0" smtClean="0"/>
-              <a:t>		if </a:t>
-            </a:r>
-            <a:r>
-              <a:rPr lang="en-US" dirty="0"/>
-              <a:t>(</a:t>
-            </a:r>
-            <a:r>
-              <a:rPr lang="en-US" dirty="0" err="1"/>
-              <a:t>move_uploaded_file</a:t>
-            </a:r>
-            <a:r>
-              <a:rPr lang="en-US" dirty="0"/>
-              <a:t>($</a:t>
-            </a:r>
-            <a:r>
-              <a:rPr lang="en-US" dirty="0" err="1"/>
-              <a:t>src</a:t>
-            </a:r>
-            <a:r>
-              <a:rPr lang="en-US" dirty="0"/>
-              <a:t>, $</a:t>
-            </a:r>
-            <a:r>
-              <a:rPr lang="en-US" dirty="0" err="1"/>
-              <a:t>dest</a:t>
-            </a:r>
-            <a:r>
-              <a:rPr lang="en-US" dirty="0"/>
-              <a:t>)) {</a:t>
-            </a:r>
-          </a:p>
-          <a:p>
-            <a:r>
-              <a:rPr lang="en-US" dirty="0" smtClean="0"/>
-              <a:t>			$_</a:t>
-            </a:r>
-            <a:r>
-              <a:rPr lang="en-US" dirty="0"/>
-              <a:t>SESSION["</a:t>
-            </a:r>
-            <a:r>
-              <a:rPr lang="en-US" dirty="0" err="1"/>
-              <a:t>dispic_url</a:t>
-            </a:r>
-            <a:r>
-              <a:rPr lang="en-US" dirty="0"/>
-              <a:t>"] </a:t>
-            </a:r>
-            <a:r>
-              <a:rPr lang="en-US" b="1" dirty="0"/>
-              <a:t>= </a:t>
-            </a:r>
-            <a:r>
-              <a:rPr lang="en-US" dirty="0"/>
-              <a:t>$</a:t>
-            </a:r>
-            <a:r>
-              <a:rPr lang="en-US" dirty="0" err="1"/>
-              <a:t>dest</a:t>
-            </a:r>
-            <a:r>
-              <a:rPr lang="en-US" dirty="0"/>
-              <a:t>;</a:t>
-            </a:r>
-          </a:p>
-          <a:p>
-            <a:r>
-              <a:rPr lang="en-US" dirty="0" smtClean="0"/>
-              <a:t>			</a:t>
-            </a:r>
-            <a:r>
-              <a:rPr lang="en-US" dirty="0" err="1" smtClean="0"/>
-              <a:t>chmod</a:t>
-            </a:r>
-            <a:r>
-              <a:rPr lang="en-US" dirty="0"/>
-              <a:t>($</a:t>
-            </a:r>
-            <a:r>
-              <a:rPr lang="en-US" dirty="0" err="1"/>
-              <a:t>dest</a:t>
-            </a:r>
-            <a:r>
-              <a:rPr lang="en-US" dirty="0"/>
-              <a:t>, 0644);</a:t>
-            </a:r>
-          </a:p>
-          <a:p>
-            <a:r>
-              <a:rPr lang="en-US" b="1" dirty="0" smtClean="0"/>
-              <a:t>			echo </a:t>
-            </a:r>
-            <a:r>
-              <a:rPr lang="en-US" dirty="0"/>
-              <a:t>"&lt;p&gt;Successfully uploaded your display picture.&lt;/p&gt;";</a:t>
-            </a:r>
-          </a:p>
-          <a:p>
-            <a:r>
-              <a:rPr lang="en-US" dirty="0" smtClean="0"/>
-              <a:t>		}</a:t>
-            </a:r>
-            <a:endParaRPr lang="en-US" dirty="0"/>
-          </a:p>
-          <a:p>
-            <a:r>
-              <a:rPr lang="en-US" dirty="0" smtClean="0"/>
-              <a:t>	}</a:t>
-            </a:r>
-            <a:endParaRPr lang="en-US" dirty="0"/>
+              <a:rPr lang="en-US" i="1" dirty="0" smtClean="0"/>
+              <a:t>stateless</a:t>
+            </a:r>
+            <a:endParaRPr lang="en-US" dirty="0" smtClean="0"/>
+          </a:p>
+          <a:p>
+            <a:pPr lvl="1"/>
+            <a:r>
+              <a:rPr lang="en-US" dirty="0" smtClean="0"/>
+              <a:t>There’s no “remembering” things across requests!</a:t>
+            </a:r>
+          </a:p>
+          <a:p>
+            <a:r>
+              <a:rPr lang="en-US" dirty="0" smtClean="0"/>
+              <a:t>Workaround: </a:t>
+            </a:r>
+            <a:r>
+              <a:rPr lang="en-US" i="1" dirty="0" smtClean="0"/>
+              <a:t>cookies</a:t>
+            </a:r>
+            <a:endParaRPr lang="en-US" dirty="0" smtClean="0"/>
+          </a:p>
+          <a:p>
+            <a:pPr lvl="1"/>
+            <a:r>
+              <a:rPr lang="en-US" dirty="0" smtClean="0"/>
+              <a:t>Give user some data to store!</a:t>
+            </a:r>
+          </a:p>
+          <a:p>
+            <a:pPr lvl="1"/>
+            <a:r>
+              <a:rPr lang="en-US" dirty="0" smtClean="0"/>
+              <a:t>Use some cryptography to ward against malicious </a:t>
+            </a:r>
+            <a:r>
+              <a:rPr lang="en-US" dirty="0" smtClean="0"/>
+              <a:t>users</a:t>
+            </a:r>
+          </a:p>
+          <a:p>
+            <a:r>
+              <a:rPr lang="en-US" dirty="0" smtClean="0"/>
+              <a:t>Lots of people have exposed vulnerabilities through cookies</a:t>
+            </a:r>
+          </a:p>
+          <a:p>
+            <a:pPr lvl="1"/>
+            <a:r>
+              <a:rPr lang="en-US" dirty="0" smtClean="0"/>
+              <a:t>Yahoo!, Flickr, Facebook…</a:t>
+            </a:r>
+          </a:p>
+          <a:p>
+            <a:r>
+              <a:rPr lang="en-US" dirty="0" smtClean="0"/>
+              <a:t>In essence, they trusted user-modifiable data!</a:t>
+            </a:r>
           </a:p>
         </p:txBody>
       </p:sp>
     </p:spTree>
     <p:extLst>
       <p:ext uri="{BB962C8B-B14F-4D97-AF65-F5344CB8AC3E}">
-        <p14:creationId xmlns:p14="http://schemas.microsoft.com/office/powerpoint/2010/main" val="1407764466"/>
+        <p14:creationId xmlns:p14="http://schemas.microsoft.com/office/powerpoint/2010/main" val="1263840190"/>
       </p:ext>
     </p:extLst>
   </p:cSld>
@@ -6455,12 +6194,8 @@
           <a:lstStyle/>
           <a:p>
             <a:r>
-              <a:rPr lang="en-US" dirty="0" err="1" smtClean="0"/>
-              <a:t>Hm</a:t>
-            </a:r>
-            <a:r>
-              <a:rPr lang="en-US" dirty="0" smtClean="0"/>
-              <a:t>…</a:t>
+              <a:rPr lang="en-US" dirty="0" smtClean="0"/>
+              <a:t>Cookies &amp; Cryptography</a:t>
             </a:r>
             <a:endParaRPr lang="en-US" dirty="0"/>
           </a:p>
@@ -6483,7 +6218,19 @@
           <a:p>
             <a:r>
               <a:rPr lang="en-US" dirty="0" smtClean="0"/>
-              <a:t>What if my picture has code in it?</a:t>
+              <a:t>You can’t trust users not to mess with their cookies.</a:t>
+            </a:r>
+          </a:p>
+          <a:p>
+            <a:r>
+              <a:rPr lang="en-US" dirty="0" smtClean="0"/>
+              <a:t>Crypto that guarantees that users can’t mess with their cookies without you noticing is surprisingly hard to get right</a:t>
+            </a:r>
+          </a:p>
+          <a:p>
+            <a:r>
+              <a:rPr lang="en-US" dirty="0" smtClean="0"/>
+              <a:t>Don’t do it by hand – there exist libraries to do it for you</a:t>
             </a:r>
             <a:endParaRPr lang="en-US" dirty="0"/>
           </a:p>
@@ -6492,7 +6239,7 @@
     </p:spTree>
     <p:extLst>
       <p:ext uri="{BB962C8B-B14F-4D97-AF65-F5344CB8AC3E}">
-        <p14:creationId xmlns:p14="http://schemas.microsoft.com/office/powerpoint/2010/main" val="489475349"/>
+        <p14:creationId xmlns:p14="http://schemas.microsoft.com/office/powerpoint/2010/main" val="791314974"/>
       </p:ext>
     </p:extLst>
   </p:cSld>
@@ -6543,7 +6290,7 @@
           <a:p>
             <a:r>
               <a:rPr lang="en-US" dirty="0" smtClean="0"/>
-              <a:t>Some important notes</a:t>
+              <a:t>JavaScript</a:t>
             </a:r>
             <a:endParaRPr lang="en-US" dirty="0"/>
           </a:p>
@@ -6566,57 +6313,54 @@
           <a:p>
             <a:r>
               <a:rPr lang="en-US" dirty="0" smtClean="0"/>
-              <a:t>HTTP is</a:t>
-            </a:r>
-            <a:r>
-              <a:rPr lang="en-US" i="1" dirty="0"/>
-              <a:t> </a:t>
+              <a:t>The web isn’t just for HTML, CSS and media</a:t>
+            </a:r>
+          </a:p>
+          <a:p>
+            <a:r>
+              <a:rPr lang="en-US" dirty="0" smtClean="0"/>
+              <a:t>Often, we want interactive websites…</a:t>
+            </a:r>
+          </a:p>
+          <a:p>
+            <a:pPr lvl="1"/>
+            <a:r>
+              <a:rPr lang="en-US" dirty="0" smtClean="0"/>
+              <a:t>Gmail, Facebook, </a:t>
+            </a:r>
+            <a:r>
+              <a:rPr lang="en-US" dirty="0" err="1" smtClean="0"/>
+              <a:t>etc</a:t>
+            </a:r>
+            <a:endParaRPr lang="en-US" dirty="0"/>
+          </a:p>
+          <a:p>
+            <a:r>
+              <a:rPr lang="en-US" dirty="0" smtClean="0"/>
+              <a:t>JavaScript is embedded in all modern browsers</a:t>
+            </a:r>
+          </a:p>
+          <a:p>
+            <a:pPr lvl="1"/>
+            <a:r>
+              <a:rPr lang="en-US" dirty="0" smtClean="0"/>
+              <a:t>There is </a:t>
             </a:r>
             <a:r>
               <a:rPr lang="en-US" i="1" dirty="0" smtClean="0"/>
-              <a:t>stateless</a:t>
-            </a:r>
-            <a:endParaRPr lang="en-US" dirty="0" smtClean="0"/>
-          </a:p>
-          <a:p>
-            <a:pPr lvl="1"/>
-            <a:r>
-              <a:rPr lang="en-US" dirty="0" smtClean="0"/>
-              <a:t>There’s no “remembering” things across requests!</a:t>
-            </a:r>
-          </a:p>
-          <a:p>
-            <a:r>
-              <a:rPr lang="en-US" dirty="0" smtClean="0"/>
-              <a:t>Workaround: </a:t>
-            </a:r>
-            <a:r>
-              <a:rPr lang="en-US" i="1" dirty="0" smtClean="0"/>
-              <a:t>cookies</a:t>
-            </a:r>
-            <a:endParaRPr lang="en-US" dirty="0" smtClean="0"/>
-          </a:p>
-          <a:p>
-            <a:pPr lvl="1"/>
-            <a:r>
-              <a:rPr lang="en-US" dirty="0" smtClean="0"/>
-              <a:t>Give user some data to store!</a:t>
-            </a:r>
-          </a:p>
-          <a:p>
-            <a:pPr lvl="1"/>
-            <a:r>
-              <a:rPr lang="en-US" dirty="0" smtClean="0"/>
-              <a:t>Use some cryptography to ward against malicious users</a:t>
-            </a:r>
-            <a:endParaRPr lang="en-US" dirty="0"/>
+              <a:t>code</a:t>
+            </a:r>
+            <a:r>
+              <a:rPr lang="en-US" dirty="0" smtClean="0"/>
+              <a:t> running in the browser, sent by the server</a:t>
+            </a:r>
           </a:p>
         </p:txBody>
       </p:sp>
     </p:spTree>
     <p:extLst>
       <p:ext uri="{BB962C8B-B14F-4D97-AF65-F5344CB8AC3E}">
-        <p14:creationId xmlns:p14="http://schemas.microsoft.com/office/powerpoint/2010/main" val="1263840190"/>
+        <p14:creationId xmlns:p14="http://schemas.microsoft.com/office/powerpoint/2010/main" val="3722309064"/>
       </p:ext>
     </p:extLst>
   </p:cSld>
@@ -6667,7 +6411,7 @@
           <a:p>
             <a:r>
               <a:rPr lang="en-US" dirty="0" smtClean="0"/>
-              <a:t>Cookies</a:t>
+              <a:t>JavaScript</a:t>
             </a:r>
             <a:endParaRPr lang="en-US" dirty="0"/>
           </a:p>
@@ -6690,20 +6434,35 @@
           <a:p>
             <a:r>
               <a:rPr lang="en-US" dirty="0" smtClean="0"/>
-              <a:t>A lot of people have exposed vulnerabilities through cookies</a:t>
+              <a:t>People </a:t>
+            </a:r>
+            <a:r>
+              <a:rPr lang="en-US" i="1" dirty="0" smtClean="0"/>
+              <a:t>often</a:t>
+            </a:r>
+            <a:r>
+              <a:rPr lang="en-US" dirty="0" smtClean="0"/>
+              <a:t> put sensitive information into their browsers</a:t>
             </a:r>
           </a:p>
           <a:p>
             <a:pPr lvl="1"/>
             <a:r>
               <a:rPr lang="en-US" dirty="0" smtClean="0"/>
-              <a:t>Yahoo, Flickr, Facebook…</a:t>
-            </a:r>
-          </a:p>
-          <a:p>
-            <a:r>
-              <a:rPr lang="en-US" dirty="0" smtClean="0"/>
-              <a:t>Basically, they trusted user-modifiable data!</a:t>
+              <a:t>Bank account numbers, usernames, passwords, SSNs, …</a:t>
+            </a:r>
+          </a:p>
+          <a:p>
+            <a:r>
+              <a:rPr lang="en-US" dirty="0" smtClean="0"/>
+              <a:t>If we can run code in the browser, can we steal sensitive data?</a:t>
+            </a:r>
+          </a:p>
+          <a:p>
+            <a:pPr lvl="1"/>
+            <a:r>
+              <a:rPr lang="en-US" dirty="0" smtClean="0"/>
+              <a:t>Not as another site – “Same Origin Policy”</a:t>
             </a:r>
           </a:p>
         </p:txBody>
@@ -6711,7 +6470,7 @@
     </p:spTree>
     <p:extLst>
       <p:ext uri="{BB962C8B-B14F-4D97-AF65-F5344CB8AC3E}">
-        <p14:creationId xmlns:p14="http://schemas.microsoft.com/office/powerpoint/2010/main" val="3805089388"/>
+        <p14:creationId xmlns:p14="http://schemas.microsoft.com/office/powerpoint/2010/main" val="1889281437"/>
       </p:ext>
     </p:extLst>
   </p:cSld>
@@ -6762,7 +6521,7 @@
           <a:p>
             <a:r>
               <a:rPr lang="en-US" dirty="0" smtClean="0"/>
-              <a:t>JavaScript</a:t>
+              <a:t>Cross-Site Scripting (XSS)</a:t>
             </a:r>
             <a:endParaRPr lang="en-US" dirty="0"/>
           </a:p>
@@ -6785,260 +6544,47 @@
           <a:p>
             <a:r>
               <a:rPr lang="en-US" dirty="0" smtClean="0"/>
-              <a:t>The web isn’t just for HTML, CSS and media</a:t>
-            </a:r>
-          </a:p>
-          <a:p>
-            <a:r>
-              <a:rPr lang="en-US" dirty="0" smtClean="0"/>
-              <a:t>Often, we want interactive websites…</a:t>
-            </a:r>
-          </a:p>
-          <a:p>
-            <a:pPr lvl="1"/>
-            <a:r>
-              <a:rPr lang="en-US" dirty="0" smtClean="0"/>
-              <a:t>Gmail, Facebook, </a:t>
-            </a:r>
-            <a:r>
-              <a:rPr lang="en-US" dirty="0" err="1" smtClean="0"/>
-              <a:t>etc</a:t>
-            </a:r>
-            <a:endParaRPr lang="en-US" dirty="0"/>
-          </a:p>
-          <a:p>
-            <a:r>
-              <a:rPr lang="en-US" dirty="0" smtClean="0"/>
-              <a:t>JavaScript is embedded in all modern browsers</a:t>
-            </a:r>
-          </a:p>
-          <a:p>
-            <a:pPr lvl="1"/>
-            <a:r>
-              <a:rPr lang="en-US" dirty="0" smtClean="0"/>
-              <a:t>There is </a:t>
+              <a:t>A work-around for the Same Origin Policy</a:t>
+            </a:r>
+          </a:p>
+          <a:p>
+            <a:r>
+              <a:rPr lang="en-US" dirty="0" smtClean="0"/>
+              <a:t>Inject </a:t>
+            </a:r>
+            <a:r>
+              <a:rPr lang="en-US" dirty="0" smtClean="0"/>
+              <a:t>code into a page on a domain with sensitive information</a:t>
+            </a:r>
+          </a:p>
+          <a:p>
+            <a:r>
+              <a:rPr lang="en-US" dirty="0" smtClean="0"/>
+              <a:t>Code sends sensitive info to the attacker’s server</a:t>
+            </a:r>
+          </a:p>
+          <a:p>
+            <a:r>
+              <a:rPr lang="en-US" dirty="0" smtClean="0"/>
+              <a:t>Code can be injected in various ways…</a:t>
+            </a:r>
+          </a:p>
+          <a:p>
+            <a:r>
+              <a:rPr lang="en-US" dirty="0" smtClean="0"/>
+              <a:t>Gist is: put &lt;script&gt;&lt;/script&gt; </a:t>
             </a:r>
             <a:r>
               <a:rPr lang="en-US" i="1" dirty="0" smtClean="0"/>
-              <a:t>code</a:t>
-            </a:r>
-            <a:r>
-              <a:rPr lang="en-US" dirty="0" smtClean="0"/>
-              <a:t> running in the browser, sent by the server</a:t>
-            </a:r>
-          </a:p>
-        </p:txBody>
-      </p:sp>
-    </p:spTree>
-    <p:extLst>
-      <p:ext uri="{BB962C8B-B14F-4D97-AF65-F5344CB8AC3E}">
-        <p14:creationId xmlns:p14="http://schemas.microsoft.com/office/powerpoint/2010/main" val="3722309064"/>
-      </p:ext>
-    </p:extLst>
-  </p:cSld>
-  <p:clrMapOvr>
-    <a:masterClrMapping/>
-  </p:clrMapOvr>
-  <p:timing>
-    <p:tnLst>
-      <p:par>
-        <p:cTn id="1" dur="indefinite" restart="never" nodeType="tmRoot"/>
-      </p:par>
-    </p:tnLst>
-  </p:timing>
-</p:sld>
-</file>
-
-<file path=ppt/slides/slide16.xml><?xml version="1.0" encoding="utf-8"?>
-<p:sld xmlns:a="http://schemas.openxmlformats.org/drawingml/2006/main" xmlns:r="http://schemas.openxmlformats.org/officeDocument/2006/relationships" xmlns:p="http://schemas.openxmlformats.org/presentationml/2006/main">
-  <p:cSld>
-    <p:spTree>
-      <p:nvGrpSpPr>
-        <p:cNvPr id="1" name=""/>
-        <p:cNvGrpSpPr/>
-        <p:nvPr/>
-      </p:nvGrpSpPr>
-      <p:grpSpPr>
-        <a:xfrm>
-          <a:off x="0" y="0"/>
-          <a:ext cx="0" cy="0"/>
-          <a:chOff x="0" y="0"/>
-          <a:chExt cx="0" cy="0"/>
-        </a:xfrm>
-      </p:grpSpPr>
-      <p:sp>
-        <p:nvSpPr>
-          <p:cNvPr id="2" name="Title 1"/>
-          <p:cNvSpPr>
-            <a:spLocks noGrp="1"/>
-          </p:cNvSpPr>
-          <p:nvPr>
-            <p:ph type="title"/>
-          </p:nvPr>
-        </p:nvSpPr>
-        <p:spPr/>
-        <p:txBody>
-          <a:bodyPr/>
-          <a:lstStyle/>
-          <a:p>
-            <a:r>
-              <a:rPr lang="en-US" dirty="0" smtClean="0"/>
-              <a:t>JavaScript</a:t>
-            </a:r>
-            <a:endParaRPr lang="en-US" dirty="0"/>
-          </a:p>
-        </p:txBody>
-      </p:sp>
-      <p:sp>
-        <p:nvSpPr>
-          <p:cNvPr id="3" name="Content Placeholder 2"/>
-          <p:cNvSpPr>
-            <a:spLocks noGrp="1"/>
-          </p:cNvSpPr>
-          <p:nvPr>
-            <p:ph idx="1"/>
-          </p:nvPr>
-        </p:nvSpPr>
-        <p:spPr/>
-        <p:txBody>
-          <a:bodyPr/>
-          <a:lstStyle/>
-          <a:p>
-            <a:r>
-              <a:rPr lang="en-US" dirty="0" smtClean="0"/>
-              <a:t>People </a:t>
+              <a:t>everywhere </a:t>
             </a:r>
             <a:r>
               <a:rPr lang="en-US" i="1" dirty="0" smtClean="0"/>
-              <a:t>often</a:t>
-            </a:r>
-            <a:r>
-              <a:rPr lang="en-US" dirty="0" smtClean="0"/>
-              <a:t> put sensitive information into their browsers</a:t>
-            </a:r>
-          </a:p>
-          <a:p>
-            <a:pPr lvl="1"/>
-            <a:r>
-              <a:rPr lang="en-US" dirty="0" smtClean="0"/>
-              <a:t>Bank account numbers, usernames, passwords, SSNs, …</a:t>
-            </a:r>
-          </a:p>
-          <a:p>
-            <a:r>
-              <a:rPr lang="en-US" dirty="0" smtClean="0"/>
-              <a:t>If we can run code in the browser, can we steal sensitive data?</a:t>
-            </a:r>
-          </a:p>
-          <a:p>
-            <a:pPr lvl="1"/>
-            <a:r>
-              <a:rPr lang="en-US" dirty="0" smtClean="0"/>
-              <a:t>Not as another site – “Same Origin Policy”</a:t>
-            </a:r>
-          </a:p>
-        </p:txBody>
-      </p:sp>
-    </p:spTree>
-    <p:extLst>
-      <p:ext uri="{BB962C8B-B14F-4D97-AF65-F5344CB8AC3E}">
-        <p14:creationId xmlns:p14="http://schemas.microsoft.com/office/powerpoint/2010/main" val="1889281437"/>
-      </p:ext>
-    </p:extLst>
-  </p:cSld>
-  <p:clrMapOvr>
-    <a:masterClrMapping/>
-  </p:clrMapOvr>
-  <p:timing>
-    <p:tnLst>
-      <p:par>
-        <p:cTn id="1" dur="indefinite" restart="never" nodeType="tmRoot"/>
-      </p:par>
-    </p:tnLst>
-  </p:timing>
-</p:sld>
-</file>
-
-<file path=ppt/slides/slide17.xml><?xml version="1.0" encoding="utf-8"?>
-<p:sld xmlns:a="http://schemas.openxmlformats.org/drawingml/2006/main" xmlns:r="http://schemas.openxmlformats.org/officeDocument/2006/relationships" xmlns:p="http://schemas.openxmlformats.org/presentationml/2006/main">
-  <p:cSld>
-    <p:spTree>
-      <p:nvGrpSpPr>
-        <p:cNvPr id="1" name=""/>
-        <p:cNvGrpSpPr/>
-        <p:nvPr/>
-      </p:nvGrpSpPr>
-      <p:grpSpPr>
-        <a:xfrm>
-          <a:off x="0" y="0"/>
-          <a:ext cx="0" cy="0"/>
-          <a:chOff x="0" y="0"/>
-          <a:chExt cx="0" cy="0"/>
-        </a:xfrm>
-      </p:grpSpPr>
-      <p:sp>
-        <p:nvSpPr>
-          <p:cNvPr id="2" name="Title 1"/>
-          <p:cNvSpPr>
-            <a:spLocks noGrp="1"/>
-          </p:cNvSpPr>
-          <p:nvPr>
-            <p:ph type="title"/>
-          </p:nvPr>
-        </p:nvSpPr>
-        <p:spPr/>
-        <p:txBody>
-          <a:bodyPr/>
-          <a:lstStyle/>
-          <a:p>
-            <a:r>
-              <a:rPr lang="en-US" dirty="0" smtClean="0"/>
-              <a:t>Cross-Site Scripting (XSS)</a:t>
-            </a:r>
-            <a:endParaRPr lang="en-US" dirty="0"/>
-          </a:p>
-        </p:txBody>
-      </p:sp>
-      <p:sp>
-        <p:nvSpPr>
-          <p:cNvPr id="3" name="Content Placeholder 2"/>
-          <p:cNvSpPr>
-            <a:spLocks noGrp="1"/>
-          </p:cNvSpPr>
-          <p:nvPr>
-            <p:ph idx="1"/>
-          </p:nvPr>
-        </p:nvSpPr>
-        <p:spPr/>
-        <p:txBody>
-          <a:bodyPr/>
-          <a:lstStyle/>
-          <a:p>
-            <a:r>
-              <a:rPr lang="en-US" dirty="0" smtClean="0"/>
-              <a:t>Inject code into a page on a domain with sensitive information</a:t>
-            </a:r>
-          </a:p>
-          <a:p>
-            <a:r>
-              <a:rPr lang="en-US" dirty="0" smtClean="0"/>
-              <a:t>Code sends sensitive info to the attacker’s server</a:t>
-            </a:r>
-          </a:p>
-          <a:p>
-            <a:r>
-              <a:rPr lang="en-US" dirty="0" smtClean="0"/>
-              <a:t>Code can be injected in various ways…</a:t>
-            </a:r>
-          </a:p>
-          <a:p>
-            <a:r>
-              <a:rPr lang="en-US" dirty="0" smtClean="0"/>
-              <a:t>Gist is: put &lt;script&gt;&lt;/script&gt; into </a:t>
+              <a:t>you </a:t>
             </a:r>
             <a:r>
               <a:rPr lang="en-US" i="1" dirty="0" smtClean="0"/>
-              <a:t>every field you can find</a:t>
+              <a:t>can find</a:t>
             </a:r>
             <a:endParaRPr lang="en-US" dirty="0"/>
           </a:p>
@@ -7258,6 +6804,55 @@
                       </p:childTnLst>
                     </p:cTn>
                   </p:par>
+                  <p:par>
+                    <p:cTn id="19" fill="hold">
+                      <p:stCondLst>
+                        <p:cond delay="indefinite"/>
+                      </p:stCondLst>
+                      <p:childTnLst>
+                        <p:par>
+                          <p:cTn id="20" fill="hold">
+                            <p:stCondLst>
+                              <p:cond delay="0"/>
+                            </p:stCondLst>
+                            <p:childTnLst>
+                              <p:par>
+                                <p:cTn id="21" presetID="1" presetClass="entr" presetSubtype="0" fill="hold" grpId="0" nodeType="clickEffect">
+                                  <p:stCondLst>
+                                    <p:cond delay="0"/>
+                                  </p:stCondLst>
+                                  <p:childTnLst>
+                                    <p:set>
+                                      <p:cBhvr>
+                                        <p:cTn id="22" dur="1" fill="hold">
+                                          <p:stCondLst>
+                                            <p:cond delay="0"/>
+                                          </p:stCondLst>
+                                        </p:cTn>
+                                        <p:tgtEl>
+                                          <p:spTgt spid="3">
+                                            <p:txEl>
+                                              <p:pRg st="4" end="4"/>
+                                            </p:txEl>
+                                          </p:spTgt>
+                                        </p:tgtEl>
+                                        <p:attrNameLst>
+                                          <p:attrName>style.visibility</p:attrName>
+                                        </p:attrNameLst>
+                                      </p:cBhvr>
+                                      <p:to>
+                                        <p:strVal val="visible"/>
+                                      </p:to>
+                                    </p:set>
+                                  </p:childTnLst>
+                                </p:cTn>
+                              </p:par>
+                            </p:childTnLst>
+                          </p:cTn>
+                        </p:par>
+                      </p:childTnLst>
+                    </p:cTn>
+                  </p:par>
                 </p:childTnLst>
               </p:cTn>
               <p:prevCondLst>
@@ -7286,7 +6881,7 @@
 </p:sld>
 </file>
 
-<file path=ppt/slides/slide18.xml><?xml version="1.0" encoding="utf-8"?>
+<file path=ppt/slides/slide16.xml><?xml version="1.0" encoding="utf-8"?>
 <p:sld xmlns:a="http://schemas.openxmlformats.org/drawingml/2006/main" xmlns:r="http://schemas.openxmlformats.org/officeDocument/2006/relationships" xmlns:p="http://schemas.openxmlformats.org/presentationml/2006/main">
   <p:cSld>
     <p:spTree>
@@ -7777,6 +7372,293 @@
 </p:sld>
 </file>
 
+<file path=ppt/slides/slide17.xml><?xml version="1.0" encoding="utf-8"?>
+<p:sld xmlns:a="http://schemas.openxmlformats.org/drawingml/2006/main" xmlns:r="http://schemas.openxmlformats.org/officeDocument/2006/relationships" xmlns:p="http://schemas.openxmlformats.org/presentationml/2006/main">
+  <p:cSld>
+    <p:spTree>
+      <p:nvGrpSpPr>
+        <p:cNvPr id="1" name=""/>
+        <p:cNvGrpSpPr/>
+        <p:nvPr/>
+      </p:nvGrpSpPr>
+      <p:grpSpPr>
+        <a:xfrm>
+          <a:off x="0" y="0"/>
+          <a:ext cx="0" cy="0"/>
+          <a:chOff x="0" y="0"/>
+          <a:chExt cx="0" cy="0"/>
+        </a:xfrm>
+      </p:grpSpPr>
+      <p:sp>
+        <p:nvSpPr>
+          <p:cNvPr id="2" name="Title 1"/>
+          <p:cNvSpPr>
+            <a:spLocks noGrp="1"/>
+          </p:cNvSpPr>
+          <p:nvPr>
+            <p:ph type="title"/>
+          </p:nvPr>
+        </p:nvSpPr>
+        <p:spPr/>
+        <p:txBody>
+          <a:bodyPr/>
+          <a:lstStyle/>
+          <a:p>
+            <a:r>
+              <a:rPr lang="en-US" dirty="0" smtClean="0"/>
+              <a:t>An example</a:t>
+            </a:r>
+            <a:endParaRPr lang="en-US" dirty="0"/>
+          </a:p>
+        </p:txBody>
+      </p:sp>
+      <p:sp>
+        <p:nvSpPr>
+          <p:cNvPr id="4" name="TextBox 3"/>
+          <p:cNvSpPr txBox="1"/>
+          <p:nvPr/>
+        </p:nvSpPr>
+        <p:spPr>
+          <a:xfrm>
+            <a:off x="1013012" y="1909482"/>
+            <a:ext cx="10340788" cy="4524315"/>
+          </a:xfrm>
+          <a:prstGeom prst="rect">
+            <a:avLst/>
+          </a:prstGeom>
+          <a:noFill/>
+        </p:spPr>
+        <p:txBody>
+          <a:bodyPr wrap="square" rtlCol="0">
+            <a:spAutoFit/>
+          </a:bodyPr>
+          <a:lstStyle/>
+          <a:p>
+            <a:r>
+              <a:rPr lang="en-US" dirty="0" smtClean="0"/>
+              <a:t>post '/register' do</a:t>
+            </a:r>
+          </a:p>
+          <a:p>
+            <a:r>
+              <a:rPr lang="en-US" dirty="0" smtClean="0"/>
+              <a:t>	username = </a:t>
+            </a:r>
+            <a:r>
+              <a:rPr lang="en-US" dirty="0" err="1" smtClean="0"/>
+              <a:t>params</a:t>
+            </a:r>
+            <a:r>
+              <a:rPr lang="en-US" dirty="0" smtClean="0"/>
+              <a:t>[:username]</a:t>
+            </a:r>
+          </a:p>
+          <a:p>
+            <a:r>
+              <a:rPr lang="en-US" dirty="0" smtClean="0"/>
+              <a:t>	password = </a:t>
+            </a:r>
+            <a:r>
+              <a:rPr lang="en-US" dirty="0" err="1" smtClean="0"/>
+              <a:t>params</a:t>
+            </a:r>
+            <a:r>
+              <a:rPr lang="en-US" dirty="0" smtClean="0"/>
+              <a:t>[:password]</a:t>
+            </a:r>
+          </a:p>
+          <a:p>
+            <a:r>
+              <a:rPr lang="en-US" dirty="0" smtClean="0"/>
+              <a:t>	unless username &amp;&amp; password</a:t>
+            </a:r>
+          </a:p>
+          <a:p>
+            <a:r>
+              <a:rPr lang="en-US" dirty="0" smtClean="0"/>
+              <a:t>		die("Please specify both a username and a password.", :register)</a:t>
+            </a:r>
+          </a:p>
+          <a:p>
+            <a:r>
+              <a:rPr lang="en-US" dirty="0" smtClean="0"/>
+              <a:t>	end</a:t>
+            </a:r>
+          </a:p>
+          <a:p>
+            <a:r>
+              <a:rPr lang="en-US" dirty="0" smtClean="0"/>
+              <a:t>	unless username =~ /^\w+$/</a:t>
+            </a:r>
+          </a:p>
+          <a:p>
+            <a:r>
+              <a:rPr lang="en-US" dirty="0" smtClean="0"/>
+              <a:t>		die("Invalid username. Usernames must match /^\w+$/", :register)</a:t>
+            </a:r>
+          </a:p>
+          <a:p>
+            <a:r>
+              <a:rPr lang="en-US" dirty="0" smtClean="0"/>
+              <a:t>	end</a:t>
+            </a:r>
+          </a:p>
+          <a:p>
+            <a:r>
+              <a:rPr lang="en-US" dirty="0" smtClean="0"/>
+              <a:t>	unless </a:t>
+            </a:r>
+            <a:r>
+              <a:rPr lang="en-US" dirty="0" err="1" smtClean="0"/>
+              <a:t>DB.conn</a:t>
+            </a:r>
+            <a:r>
+              <a:rPr lang="en-US" dirty="0" smtClean="0"/>
+              <a:t>[:users].where(:username =&gt; username).count == 0</a:t>
+            </a:r>
+          </a:p>
+          <a:p>
+            <a:r>
+              <a:rPr lang="en-US" dirty="0" smtClean="0"/>
+              <a:t>		die("This username is already registered. Try another one.", :register)</a:t>
+            </a:r>
+          </a:p>
+          <a:p>
+            <a:r>
+              <a:rPr lang="en-US" dirty="0" smtClean="0"/>
+              <a:t>end</a:t>
+            </a:r>
+          </a:p>
+          <a:p>
+            <a:r>
+              <a:rPr lang="en-US" dirty="0" smtClean="0"/>
+              <a:t>.....</a:t>
+            </a:r>
+          </a:p>
+          <a:p>
+            <a:r>
+              <a:rPr lang="en-US" dirty="0" smtClean="0"/>
+              <a:t/>
+            </a:r>
+            <a:br>
+              <a:rPr lang="en-US" dirty="0" smtClean="0"/>
+            </a:br>
+            <a:endParaRPr lang="en-US" dirty="0" smtClean="0"/>
+          </a:p>
+          <a:p>
+            <a:endParaRPr lang="en-US" dirty="0"/>
+          </a:p>
+        </p:txBody>
+      </p:sp>
+    </p:spTree>
+    <p:extLst>
+      <p:ext uri="{BB962C8B-B14F-4D97-AF65-F5344CB8AC3E}">
+        <p14:creationId xmlns:p14="http://schemas.microsoft.com/office/powerpoint/2010/main" val="4273620764"/>
+      </p:ext>
+    </p:extLst>
+  </p:cSld>
+  <p:clrMapOvr>
+    <a:masterClrMapping/>
+  </p:clrMapOvr>
+  <p:timing>
+    <p:tnLst>
+      <p:par>
+        <p:cTn id="1" dur="indefinite" restart="never" nodeType="tmRoot"/>
+      </p:par>
+    </p:tnLst>
+  </p:timing>
+</p:sld>
+</file>
+
+<file path=ppt/slides/slide18.xml><?xml version="1.0" encoding="utf-8"?>
+<p:sld xmlns:a="http://schemas.openxmlformats.org/drawingml/2006/main" xmlns:r="http://schemas.openxmlformats.org/officeDocument/2006/relationships" xmlns:p="http://schemas.openxmlformats.org/presentationml/2006/main">
+  <p:cSld>
+    <p:spTree>
+      <p:nvGrpSpPr>
+        <p:cNvPr id="1" name=""/>
+        <p:cNvGrpSpPr/>
+        <p:nvPr/>
+      </p:nvGrpSpPr>
+      <p:grpSpPr>
+        <a:xfrm>
+          <a:off x="0" y="0"/>
+          <a:ext cx="0" cy="0"/>
+          <a:chOff x="0" y="0"/>
+          <a:chExt cx="0" cy="0"/>
+        </a:xfrm>
+      </p:grpSpPr>
+      <p:sp>
+        <p:nvSpPr>
+          <p:cNvPr id="2" name="Title 1"/>
+          <p:cNvSpPr>
+            <a:spLocks noGrp="1"/>
+          </p:cNvSpPr>
+          <p:nvPr>
+            <p:ph type="title"/>
+          </p:nvPr>
+        </p:nvSpPr>
+        <p:spPr/>
+        <p:txBody>
+          <a:bodyPr/>
+          <a:lstStyle/>
+          <a:p>
+            <a:r>
+              <a:rPr lang="en-US" dirty="0" smtClean="0"/>
+              <a:t>Notice…</a:t>
+            </a:r>
+            <a:endParaRPr lang="en-US" dirty="0"/>
+          </a:p>
+        </p:txBody>
+      </p:sp>
+      <p:sp>
+        <p:nvSpPr>
+          <p:cNvPr id="3" name="Content Placeholder 2"/>
+          <p:cNvSpPr>
+            <a:spLocks noGrp="1"/>
+          </p:cNvSpPr>
+          <p:nvPr>
+            <p:ph idx="1"/>
+          </p:nvPr>
+        </p:nvSpPr>
+        <p:spPr/>
+        <p:txBody>
+          <a:bodyPr/>
+          <a:lstStyle/>
+          <a:p>
+            <a:r>
+              <a:rPr lang="en-US" dirty="0" smtClean="0"/>
+              <a:t>Username is filtered, but not password</a:t>
+            </a:r>
+          </a:p>
+          <a:p>
+            <a:r>
+              <a:rPr lang="en-US" dirty="0" smtClean="0"/>
+              <a:t>If passwords are ever displayed (… hopefully not …), put code in password!</a:t>
+            </a:r>
+            <a:endParaRPr lang="en-US" dirty="0"/>
+          </a:p>
+        </p:txBody>
+      </p:sp>
+    </p:spTree>
+    <p:extLst>
+      <p:ext uri="{BB962C8B-B14F-4D97-AF65-F5344CB8AC3E}">
+        <p14:creationId xmlns:p14="http://schemas.microsoft.com/office/powerpoint/2010/main" val="1116435035"/>
+      </p:ext>
+    </p:extLst>
+  </p:cSld>
+  <p:clrMapOvr>
+    <a:masterClrMapping/>
+  </p:clrMapOvr>
+  <p:timing>
+    <p:tnLst>
+      <p:par>
+        <p:cTn id="1" dur="indefinite" restart="never" nodeType="tmRoot"/>
+      </p:par>
+    </p:tnLst>
+  </p:timing>
+</p:sld>
+</file>
+
 <file path=ppt/slides/slide19.xml><?xml version="1.0" encoding="utf-8"?>
 <p:sld xmlns:a="http://schemas.openxmlformats.org/drawingml/2006/main" xmlns:r="http://schemas.openxmlformats.org/officeDocument/2006/relationships" xmlns:p="http://schemas.openxmlformats.org/presentationml/2006/main">
   <p:cSld>
@@ -7811,7 +7693,7 @@
           <a:p>
             <a:r>
               <a:rPr lang="en-US" dirty="0" smtClean="0"/>
-              <a:t>An example</a:t>
+              <a:t>What went wrong?</a:t>
             </a:r>
             <a:endParaRPr lang="en-US" dirty="0"/>
           </a:p>
@@ -7819,138 +7701,34 @@
       </p:sp>
       <p:sp>
         <p:nvSpPr>
-          <p:cNvPr id="4" name="TextBox 3"/>
-          <p:cNvSpPr txBox="1"/>
-          <p:nvPr/>
-        </p:nvSpPr>
-        <p:spPr>
-          <a:xfrm>
-            <a:off x="1013012" y="1909482"/>
-            <a:ext cx="10340788" cy="4524315"/>
-          </a:xfrm>
-          <a:prstGeom prst="rect">
-            <a:avLst/>
-          </a:prstGeom>
-          <a:noFill/>
-        </p:spPr>
-        <p:txBody>
-          <a:bodyPr wrap="square" rtlCol="0">
-            <a:spAutoFit/>
-          </a:bodyPr>
+          <p:cNvPr id="3" name="Content Placeholder 2"/>
+          <p:cNvSpPr>
+            <a:spLocks noGrp="1"/>
+          </p:cNvSpPr>
+          <p:nvPr>
+            <p:ph idx="1"/>
+          </p:nvPr>
+        </p:nvSpPr>
+        <p:spPr/>
+        <p:txBody>
+          <a:bodyPr/>
           <a:lstStyle/>
           <a:p>
-            <a:r>
-              <a:rPr lang="en-US" dirty="0" smtClean="0"/>
-              <a:t>post '/register' do</a:t>
-            </a:r>
-          </a:p>
-          <a:p>
-            <a:r>
-              <a:rPr lang="en-US" dirty="0" smtClean="0"/>
-              <a:t>	username = </a:t>
-            </a:r>
-            <a:r>
-              <a:rPr lang="en-US" dirty="0" err="1" smtClean="0"/>
-              <a:t>params</a:t>
-            </a:r>
-            <a:r>
-              <a:rPr lang="en-US" dirty="0" smtClean="0"/>
-              <a:t>[:username]</a:t>
-            </a:r>
-          </a:p>
-          <a:p>
-            <a:r>
-              <a:rPr lang="en-US" dirty="0" smtClean="0"/>
-              <a:t>	password = </a:t>
-            </a:r>
-            <a:r>
-              <a:rPr lang="en-US" dirty="0" err="1" smtClean="0"/>
-              <a:t>params</a:t>
-            </a:r>
-            <a:r>
-              <a:rPr lang="en-US" dirty="0" smtClean="0"/>
-              <a:t>[:password]</a:t>
-            </a:r>
-          </a:p>
-          <a:p>
-            <a:r>
-              <a:rPr lang="en-US" dirty="0" smtClean="0"/>
-              <a:t>	unless username &amp;&amp; password</a:t>
-            </a:r>
-          </a:p>
-          <a:p>
-            <a:r>
-              <a:rPr lang="en-US" dirty="0" smtClean="0"/>
-              <a:t>		die("Please specify both a username and a password.", :register)</a:t>
-            </a:r>
-          </a:p>
-          <a:p>
-            <a:r>
-              <a:rPr lang="en-US" dirty="0" smtClean="0"/>
-              <a:t>	end</a:t>
-            </a:r>
-          </a:p>
-          <a:p>
-            <a:r>
-              <a:rPr lang="en-US" dirty="0" smtClean="0"/>
-              <a:t>	unless username =~ /^\w+$/</a:t>
-            </a:r>
-          </a:p>
-          <a:p>
-            <a:r>
-              <a:rPr lang="en-US" dirty="0" smtClean="0"/>
-              <a:t>		die("Invalid username. Usernames must match /^\w+$/", :register)</a:t>
-            </a:r>
-          </a:p>
-          <a:p>
-            <a:r>
-              <a:rPr lang="en-US" dirty="0" smtClean="0"/>
-              <a:t>	end</a:t>
-            </a:r>
-          </a:p>
-          <a:p>
-            <a:r>
-              <a:rPr lang="en-US" dirty="0" smtClean="0"/>
-              <a:t>	unless </a:t>
-            </a:r>
-            <a:r>
-              <a:rPr lang="en-US" dirty="0" err="1" smtClean="0"/>
-              <a:t>DB.conn</a:t>
-            </a:r>
-            <a:r>
-              <a:rPr lang="en-US" dirty="0" smtClean="0"/>
-              <a:t>[:users].where(:username =&gt; username).count == 0</a:t>
-            </a:r>
-          </a:p>
-          <a:p>
-            <a:r>
-              <a:rPr lang="en-US" dirty="0" smtClean="0"/>
-              <a:t>		die("This username is already registered. Try another one.", :register)</a:t>
-            </a:r>
-          </a:p>
-          <a:p>
-            <a:r>
-              <a:rPr lang="en-US" dirty="0" smtClean="0"/>
-              <a:t>end</a:t>
-            </a:r>
-          </a:p>
-          <a:p>
-            <a:r>
-              <a:rPr lang="en-US" dirty="0" smtClean="0"/>
-              <a:t>.....</a:t>
-            </a:r>
-          </a:p>
-          <a:p>
-            <a:r>
-              <a:rPr lang="en-US" dirty="0" smtClean="0"/>
-              <a:t/>
-            </a:r>
-            <a:br>
-              <a:rPr lang="en-US" dirty="0" smtClean="0"/>
-            </a:br>
-            <a:endParaRPr lang="en-US" dirty="0" smtClean="0"/>
-          </a:p>
-          <a:p>
+            <a:pPr marL="0" indent="0" algn="ctr">
+              <a:buNone/>
+            </a:pPr>
+            <a:r>
+              <a:rPr lang="en-US" dirty="0" smtClean="0"/>
+              <a:t>We </a:t>
+            </a:r>
+            <a:r>
+              <a:rPr lang="en-US" i="1" dirty="0" smtClean="0"/>
+              <a:t>trusted</a:t>
+            </a:r>
+            <a:r>
+              <a:rPr lang="en-US" dirty="0" smtClean="0"/>
+              <a:t> user-controlled data to appear on our site, and assumed it would play well with HTML.</a:t>
+            </a:r>
             <a:endParaRPr lang="en-US" dirty="0"/>
           </a:p>
         </p:txBody>
@@ -7958,7 +7736,7 @@
     </p:spTree>
     <p:extLst>
       <p:ext uri="{BB962C8B-B14F-4D97-AF65-F5344CB8AC3E}">
-        <p14:creationId xmlns:p14="http://schemas.microsoft.com/office/powerpoint/2010/main" val="4273620764"/>
+        <p14:creationId xmlns:p14="http://schemas.microsoft.com/office/powerpoint/2010/main" val="3774350779"/>
       </p:ext>
     </p:extLst>
   </p:cSld>
@@ -8042,14 +7820,43 @@
           </a:p>
         </p:txBody>
       </p:sp>
-      <p:sp>
-        <p:nvSpPr>
-          <p:cNvPr id="6" name="Content Placeholder 5"/>
-          <p:cNvSpPr>
-            <a:spLocks noGrp="1"/>
-          </p:cNvSpPr>
+      <p:pic>
+        <p:nvPicPr>
+          <p:cNvPr id="3" name="Content Placeholder 2"/>
+          <p:cNvPicPr>
+            <a:picLocks noGrp="1" noChangeAspect="1"/>
+          </p:cNvPicPr>
           <p:nvPr>
             <p:ph sz="half" idx="2"/>
+          </p:nvPr>
+        </p:nvPicPr>
+        <p:blipFill>
+          <a:blip r:embed="rId2">
+            <a:extLst>
+              <a:ext uri="{28A0092B-C50C-407E-A947-70E740481C1C}">
+                <a14:useLocalDpi xmlns:a14="http://schemas.microsoft.com/office/drawing/2010/main" val="0"/>
+              </a:ext>
+            </a:extLst>
+          </a:blip>
+          <a:stretch>
+            <a:fillRect/>
+          </a:stretch>
+        </p:blipFill>
+        <p:spPr>
+          <a:xfrm>
+            <a:off x="1120775" y="2672556"/>
+            <a:ext cx="5024438" cy="3349625"/>
+          </a:xfrm>
+        </p:spPr>
+      </p:pic>
+      <p:sp>
+        <p:nvSpPr>
+          <p:cNvPr id="7" name="Text Placeholder 6"/>
+          <p:cNvSpPr>
+            <a:spLocks noGrp="1"/>
+          </p:cNvSpPr>
+          <p:nvPr>
+            <p:ph type="body" sz="quarter" idx="3"/>
           </p:nvPr>
         </p:nvSpPr>
         <p:spPr/>
@@ -8057,25 +7864,6 @@
           <a:bodyPr/>
           <a:lstStyle/>
           <a:p>
-            <a:endParaRPr lang="en-US"/>
-          </a:p>
-        </p:txBody>
-      </p:sp>
-      <p:sp>
-        <p:nvSpPr>
-          <p:cNvPr id="7" name="Text Placeholder 6"/>
-          <p:cNvSpPr>
-            <a:spLocks noGrp="1"/>
-          </p:cNvSpPr>
-          <p:nvPr>
-            <p:ph type="body" sz="quarter" idx="3"/>
-          </p:nvPr>
-        </p:nvSpPr>
-        <p:spPr/>
-        <p:txBody>
-          <a:bodyPr/>
-          <a:lstStyle/>
-          <a:p>
             <a:r>
               <a:rPr lang="en-US" dirty="0" smtClean="0"/>
               <a:t>Ryan </a:t>
@@ -8092,25 +7880,35 @@
           </a:p>
         </p:txBody>
       </p:sp>
-      <p:sp>
-        <p:nvSpPr>
-          <p:cNvPr id="8" name="Content Placeholder 7"/>
-          <p:cNvSpPr>
-            <a:spLocks noGrp="1"/>
-          </p:cNvSpPr>
+      <p:pic>
+        <p:nvPicPr>
+          <p:cNvPr id="2" name="Content Placeholder 1"/>
+          <p:cNvPicPr>
+            <a:picLocks noGrp="1" noChangeAspect="1"/>
+          </p:cNvPicPr>
           <p:nvPr>
             <p:ph sz="quarter" idx="4"/>
           </p:nvPr>
-        </p:nvSpPr>
-        <p:spPr/>
-        <p:txBody>
-          <a:bodyPr/>
-          <a:lstStyle/>
-          <a:p>
-            <a:endParaRPr lang="en-US"/>
-          </a:p>
-        </p:txBody>
-      </p:sp>
+        </p:nvPicPr>
+        <p:blipFill>
+          <a:blip r:embed="rId3">
+            <a:extLst>
+              <a:ext uri="{28A0092B-C50C-407E-A947-70E740481C1C}">
+                <a14:useLocalDpi xmlns:a14="http://schemas.microsoft.com/office/drawing/2010/main" val="0"/>
+              </a:ext>
+            </a:extLst>
+          </a:blip>
+          <a:stretch>
+            <a:fillRect/>
+          </a:stretch>
+        </p:blipFill>
+        <p:spPr>
+          <a:xfrm>
+            <a:off x="6987045" y="2505075"/>
+            <a:ext cx="3701135" cy="3684588"/>
+          </a:xfrm>
+        </p:spPr>
+      </p:pic>
     </p:spTree>
     <p:extLst>
       <p:ext uri="{BB962C8B-B14F-4D97-AF65-F5344CB8AC3E}">
@@ -8165,36 +7963,7 @@
           <a:p>
             <a:r>
               <a:rPr lang="en-US" dirty="0" smtClean="0"/>
-              <a:t>Notice…</a:t>
-            </a:r>
-            <a:endParaRPr lang="en-US" dirty="0"/>
-          </a:p>
-        </p:txBody>
-      </p:sp>
-      <p:sp>
-        <p:nvSpPr>
-          <p:cNvPr id="3" name="Content Placeholder 2"/>
-          <p:cNvSpPr>
-            <a:spLocks noGrp="1"/>
-          </p:cNvSpPr>
-          <p:nvPr>
-            <p:ph idx="1"/>
-          </p:nvPr>
-        </p:nvSpPr>
-        <p:spPr/>
-        <p:txBody>
-          <a:bodyPr/>
-          <a:lstStyle/>
-          <a:p>
-            <a:r>
-              <a:rPr lang="en-US" dirty="0" smtClean="0"/>
-              <a:t>Username is filtered, but not password</a:t>
-            </a:r>
-          </a:p>
-          <a:p>
-            <a:r>
-              <a:rPr lang="en-US" dirty="0" smtClean="0"/>
-              <a:t>If passwords are ever displayed (… hopefully not …), put code in password!</a:t>
+              <a:t>Demo(s)!</a:t>
             </a:r>
             <a:endParaRPr lang="en-US" dirty="0"/>
           </a:p>
@@ -8203,7 +7972,7 @@
     </p:spTree>
     <p:extLst>
       <p:ext uri="{BB962C8B-B14F-4D97-AF65-F5344CB8AC3E}">
-        <p14:creationId xmlns:p14="http://schemas.microsoft.com/office/powerpoint/2010/main" val="1116435035"/>
+        <p14:creationId xmlns:p14="http://schemas.microsoft.com/office/powerpoint/2010/main" val="43830645"/>
       </p:ext>
     </p:extLst>
   </p:cSld>
@@ -8254,66 +8023,6 @@
           <a:p>
             <a:r>
               <a:rPr lang="en-US" dirty="0" smtClean="0"/>
-              <a:t>Demo(s)!</a:t>
-            </a:r>
-            <a:endParaRPr lang="en-US" dirty="0"/>
-          </a:p>
-        </p:txBody>
-      </p:sp>
-    </p:spTree>
-    <p:extLst>
-      <p:ext uri="{BB962C8B-B14F-4D97-AF65-F5344CB8AC3E}">
-        <p14:creationId xmlns:p14="http://schemas.microsoft.com/office/powerpoint/2010/main" val="43830645"/>
-      </p:ext>
-    </p:extLst>
-  </p:cSld>
-  <p:clrMapOvr>
-    <a:masterClrMapping/>
-  </p:clrMapOvr>
-  <p:timing>
-    <p:tnLst>
-      <p:par>
-        <p:cTn id="1" dur="indefinite" restart="never" nodeType="tmRoot"/>
-      </p:par>
-    </p:tnLst>
-  </p:timing>
-</p:sld>
-</file>
-
-<file path=ppt/slides/slide22.xml><?xml version="1.0" encoding="utf-8"?>
-<p:sld xmlns:a="http://schemas.openxmlformats.org/drawingml/2006/main" xmlns:r="http://schemas.openxmlformats.org/officeDocument/2006/relationships" xmlns:p="http://schemas.openxmlformats.org/presentationml/2006/main">
-  <p:cSld>
-    <p:spTree>
-      <p:nvGrpSpPr>
-        <p:cNvPr id="1" name=""/>
-        <p:cNvGrpSpPr/>
-        <p:nvPr/>
-      </p:nvGrpSpPr>
-      <p:grpSpPr>
-        <a:xfrm>
-          <a:off x="0" y="0"/>
-          <a:ext cx="0" cy="0"/>
-          <a:chOff x="0" y="0"/>
-          <a:chExt cx="0" cy="0"/>
-        </a:xfrm>
-      </p:grpSpPr>
-      <p:sp>
-        <p:nvSpPr>
-          <p:cNvPr id="2" name="Title 1"/>
-          <p:cNvSpPr>
-            <a:spLocks noGrp="1"/>
-          </p:cNvSpPr>
-          <p:nvPr>
-            <p:ph type="title"/>
-          </p:nvPr>
-        </p:nvSpPr>
-        <p:spPr/>
-        <p:txBody>
-          <a:bodyPr/>
-          <a:lstStyle/>
-          <a:p>
-            <a:r>
-              <a:rPr lang="en-US" dirty="0" smtClean="0"/>
               <a:t>Databases</a:t>
             </a:r>
             <a:endParaRPr lang="en-US" dirty="0"/>
@@ -8387,7 +8096,7 @@
 </p:sld>
 </file>
 
-<file path=ppt/slides/slide23.xml><?xml version="1.0" encoding="utf-8"?>
+<file path=ppt/slides/slide22.xml><?xml version="1.0" encoding="utf-8"?>
 <p:sld xmlns:a="http://schemas.openxmlformats.org/drawingml/2006/main" xmlns:r="http://schemas.openxmlformats.org/officeDocument/2006/relationships" xmlns:p="http://schemas.openxmlformats.org/presentationml/2006/main">
   <p:cSld>
     <p:spTree>
@@ -9012,7 +8721,7 @@
 </p:sld>
 </file>
 
-<file path=ppt/slides/slide24.xml><?xml version="1.0" encoding="utf-8"?>
+<file path=ppt/slides/slide23.xml><?xml version="1.0" encoding="utf-8"?>
 <p:sld xmlns:a="http://schemas.openxmlformats.org/drawingml/2006/main" xmlns:r="http://schemas.openxmlformats.org/officeDocument/2006/relationships" xmlns:p="http://schemas.openxmlformats.org/presentationml/2006/main">
   <p:cSld>
     <p:spTree>
@@ -9416,7 +9125,7 @@
 </p:sld>
 </file>
 
-<file path=ppt/slides/slide25.xml><?xml version="1.0" encoding="utf-8"?>
+<file path=ppt/slides/slide24.xml><?xml version="1.0" encoding="utf-8"?>
 <p:sld xmlns:a="http://schemas.openxmlformats.org/drawingml/2006/main" xmlns:r="http://schemas.openxmlformats.org/officeDocument/2006/relationships" xmlns:p="http://schemas.openxmlformats.org/presentationml/2006/main">
   <p:cSld>
     <p:spTree>
@@ -9450,7 +9159,7 @@
           <a:p>
             <a:r>
               <a:rPr lang="en-US" dirty="0" smtClean="0"/>
-              <a:t>This is bad</a:t>
+              <a:t>What could go wrong?</a:t>
             </a:r>
             <a:endParaRPr lang="en-US" dirty="0"/>
           </a:p>
@@ -9530,7 +9239,7 @@
 </p:sld>
 </file>
 
-<file path=ppt/slides/slide26.xml><?xml version="1.0" encoding="utf-8"?>
+<file path=ppt/slides/slide25.xml><?xml version="1.0" encoding="utf-8"?>
 <p:sld xmlns:a="http://schemas.openxmlformats.org/drawingml/2006/main" xmlns:r="http://schemas.openxmlformats.org/officeDocument/2006/relationships" xmlns:p="http://schemas.openxmlformats.org/presentationml/2006/main">
   <p:cSld>
     <p:spTree>
@@ -9879,7 +9588,7 @@
 </p:sld>
 </file>
 
-<file path=ppt/slides/slide27.xml><?xml version="1.0" encoding="utf-8"?>
+<file path=ppt/slides/slide26.xml><?xml version="1.0" encoding="utf-8"?>
 <p:sld xmlns:a="http://schemas.openxmlformats.org/drawingml/2006/main" xmlns:r="http://schemas.openxmlformats.org/officeDocument/2006/relationships" xmlns:p="http://schemas.openxmlformats.org/presentationml/2006/main">
   <p:cSld>
     <p:spTree>
@@ -10155,7 +9864,7 @@
 </p:sld>
 </file>
 
-<file path=ppt/slides/slide28.xml><?xml version="1.0" encoding="utf-8"?>
+<file path=ppt/slides/slide27.xml><?xml version="1.0" encoding="utf-8"?>
 <p:sld xmlns:a="http://schemas.openxmlformats.org/drawingml/2006/main" xmlns:r="http://schemas.openxmlformats.org/officeDocument/2006/relationships" xmlns:p="http://schemas.openxmlformats.org/presentationml/2006/main">
   <p:cSld>
     <p:spTree>
@@ -10237,7 +9946,7 @@
 </p:sld>
 </file>
 
-<file path=ppt/slides/slide29.xml><?xml version="1.0" encoding="utf-8"?>
+<file path=ppt/slides/slide28.xml><?xml version="1.0" encoding="utf-8"?>
 <p:sld xmlns:a="http://schemas.openxmlformats.org/drawingml/2006/main" xmlns:r="http://schemas.openxmlformats.org/officeDocument/2006/relationships" xmlns:p="http://schemas.openxmlformats.org/presentationml/2006/main">
   <p:cSld>
     <p:spTree>
@@ -10326,434 +10035,7 @@
 </p:sld>
 </file>
 
-<file path=ppt/slides/slide3.xml><?xml version="1.0" encoding="utf-8"?>
-<p:sld xmlns:a="http://schemas.openxmlformats.org/drawingml/2006/main" xmlns:r="http://schemas.openxmlformats.org/officeDocument/2006/relationships" xmlns:p="http://schemas.openxmlformats.org/presentationml/2006/main">
-  <p:cSld>
-    <p:spTree>
-      <p:nvGrpSpPr>
-        <p:cNvPr id="1" name=""/>
-        <p:cNvGrpSpPr/>
-        <p:nvPr/>
-      </p:nvGrpSpPr>
-      <p:grpSpPr>
-        <a:xfrm>
-          <a:off x="0" y="0"/>
-          <a:ext cx="0" cy="0"/>
-          <a:chOff x="0" y="0"/>
-          <a:chExt cx="0" cy="0"/>
-        </a:xfrm>
-      </p:grpSpPr>
-      <p:sp>
-        <p:nvSpPr>
-          <p:cNvPr id="7" name="Title 6"/>
-          <p:cNvSpPr>
-            <a:spLocks noGrp="1"/>
-          </p:cNvSpPr>
-          <p:nvPr>
-            <p:ph type="title"/>
-          </p:nvPr>
-        </p:nvSpPr>
-        <p:spPr/>
-        <p:txBody>
-          <a:bodyPr/>
-          <a:lstStyle/>
-          <a:p>
-            <a:r>
-              <a:rPr lang="en-US" dirty="0" smtClean="0"/>
-              <a:t>Who are we?</a:t>
-            </a:r>
-            <a:endParaRPr lang="en-US" dirty="0"/>
-          </a:p>
-        </p:txBody>
-      </p:sp>
-      <p:sp>
-        <p:nvSpPr>
-          <p:cNvPr id="8" name="Content Placeholder 7"/>
-          <p:cNvSpPr>
-            <a:spLocks noGrp="1"/>
-          </p:cNvSpPr>
-          <p:nvPr>
-            <p:ph idx="1"/>
-          </p:nvPr>
-        </p:nvSpPr>
-        <p:spPr>
-          <a:xfrm>
-            <a:off x="838200" y="2438400"/>
-            <a:ext cx="5935224" cy="2671482"/>
-          </a:xfrm>
-        </p:spPr>
-        <p:txBody>
-          <a:bodyPr>
-            <a:normAutofit/>
-          </a:bodyPr>
-          <a:lstStyle/>
-          <a:p>
-            <a:r>
-              <a:rPr lang="en-US" dirty="0" smtClean="0"/>
-              <a:t>Co-leaders of PPP</a:t>
-            </a:r>
-          </a:p>
-          <a:p>
-            <a:pPr lvl="1"/>
-            <a:r>
-              <a:rPr lang="en-US" dirty="0" smtClean="0"/>
-              <a:t>http://pwning.net</a:t>
-            </a:r>
-          </a:p>
-          <a:p>
-            <a:pPr lvl="1"/>
-            <a:r>
-              <a:rPr lang="en-US" dirty="0" smtClean="0"/>
-              <a:t>CMU’s competitive security team</a:t>
-            </a:r>
-          </a:p>
-          <a:p>
-            <a:pPr lvl="1"/>
-            <a:r>
-              <a:rPr lang="en-US" dirty="0" smtClean="0"/>
-              <a:t>Currently ranked the best in the world</a:t>
-            </a:r>
-          </a:p>
-          <a:p>
-            <a:pPr lvl="2"/>
-            <a:r>
-              <a:rPr lang="en-US" dirty="0" smtClean="0"/>
-              <a:t>First place holders at DEFCON, Hack.lu, Ghost in the </a:t>
-            </a:r>
-            <a:r>
-              <a:rPr lang="en-US" dirty="0" err="1" smtClean="0"/>
-              <a:t>Shellcode</a:t>
-            </a:r>
-            <a:r>
-              <a:rPr lang="en-US" dirty="0" smtClean="0"/>
-              <a:t>, CSAW CTF, others</a:t>
-            </a:r>
-            <a:endParaRPr lang="en-US" dirty="0"/>
-          </a:p>
-        </p:txBody>
-      </p:sp>
-      <p:pic>
-        <p:nvPicPr>
-          <p:cNvPr id="9" name="Picture 8"/>
-          <p:cNvPicPr>
-            <a:picLocks noChangeAspect="1"/>
-          </p:cNvPicPr>
-          <p:nvPr/>
-        </p:nvPicPr>
-        <p:blipFill>
-          <a:blip r:embed="rId2">
-            <a:extLst>
-              <a:ext uri="{28A0092B-C50C-407E-A947-70E740481C1C}">
-                <a14:useLocalDpi xmlns:a14="http://schemas.microsoft.com/office/drawing/2010/main" val="0"/>
-              </a:ext>
-            </a:extLst>
-          </a:blip>
-          <a:stretch>
-            <a:fillRect/>
-          </a:stretch>
-        </p:blipFill>
-        <p:spPr>
-          <a:xfrm>
-            <a:off x="7996519" y="2267823"/>
-            <a:ext cx="2302262" cy="2394352"/>
-          </a:xfrm>
-          <a:prstGeom prst="rect">
-            <a:avLst/>
-          </a:prstGeom>
-        </p:spPr>
-      </p:pic>
-    </p:spTree>
-    <p:extLst>
-      <p:ext uri="{BB962C8B-B14F-4D97-AF65-F5344CB8AC3E}">
-        <p14:creationId xmlns:p14="http://schemas.microsoft.com/office/powerpoint/2010/main" val="869614413"/>
-      </p:ext>
-    </p:extLst>
-  </p:cSld>
-  <p:clrMapOvr>
-    <a:masterClrMapping/>
-  </p:clrMapOvr>
-  <p:timing>
-    <p:tnLst>
-      <p:par>
-        <p:cTn id="1" dur="indefinite" restart="never" nodeType="tmRoot">
-          <p:childTnLst>
-            <p:seq concurrent="1" nextAc="seek">
-              <p:cTn id="2" dur="indefinite" nodeType="mainSeq">
-                <p:childTnLst>
-                  <p:par>
-                    <p:cTn id="3" fill="hold">
-                      <p:stCondLst>
-                        <p:cond delay="indefinite"/>
-                      </p:stCondLst>
-                      <p:childTnLst>
-                        <p:par>
-                          <p:cTn id="4" fill="hold">
-                            <p:stCondLst>
-                              <p:cond delay="0"/>
-                            </p:stCondLst>
-                            <p:childTnLst>
-                              <p:par>
-                                <p:cTn id="5" presetID="1" presetClass="entr" presetSubtype="0" fill="hold" grpId="0" nodeType="clickEffect">
-                                  <p:stCondLst>
-                                    <p:cond delay="0"/>
-                                  </p:stCondLst>
-                                  <p:childTnLst>
-                                    <p:set>
-                                      <p:cBhvr>
-                                        <p:cTn id="6" dur="1" fill="hold">
-                                          <p:stCondLst>
-                                            <p:cond delay="0"/>
-                                          </p:stCondLst>
-                                        </p:cTn>
-                                        <p:tgtEl>
-                                          <p:spTgt spid="8">
-                                            <p:txEl>
-                                              <p:pRg st="0" end="0"/>
-                                            </p:txEl>
-                                          </p:spTgt>
-                                        </p:tgtEl>
-                                        <p:attrNameLst>
-                                          <p:attrName>style.visibility</p:attrName>
-                                        </p:attrNameLst>
-                                      </p:cBhvr>
-                                      <p:to>
-                                        <p:strVal val="visible"/>
-                                      </p:to>
-                                    </p:set>
-                                  </p:childTnLst>
-                                </p:cTn>
-                              </p:par>
-                            </p:childTnLst>
-                          </p:cTn>
-                        </p:par>
-                      </p:childTnLst>
-                    </p:cTn>
-                  </p:par>
-                  <p:par>
-                    <p:cTn id="7" fill="hold">
-                      <p:stCondLst>
-                        <p:cond delay="indefinite"/>
-                      </p:stCondLst>
-                      <p:childTnLst>
-                        <p:par>
-                          <p:cTn id="8" fill="hold">
-                            <p:stCondLst>
-                              <p:cond delay="0"/>
-                            </p:stCondLst>
-                            <p:childTnLst>
-                              <p:par>
-                                <p:cTn id="9" presetID="1" presetClass="entr" presetSubtype="0" fill="hold" grpId="0" nodeType="clickEffect">
-                                  <p:stCondLst>
-                                    <p:cond delay="0"/>
-                                  </p:stCondLst>
-                                  <p:childTnLst>
-                                    <p:set>
-                                      <p:cBhvr>
-                                        <p:cTn id="10" dur="1" fill="hold">
-                                          <p:stCondLst>
-                                            <p:cond delay="0"/>
-                                          </p:stCondLst>
-                                        </p:cTn>
-                                        <p:tgtEl>
-                                          <p:spTgt spid="8">
-                                            <p:txEl>
-                                              <p:pRg st="1" end="1"/>
-                                            </p:txEl>
-                                          </p:spTgt>
-                                        </p:tgtEl>
-                                        <p:attrNameLst>
-                                          <p:attrName>style.visibility</p:attrName>
-                                        </p:attrNameLst>
-                                      </p:cBhvr>
-                                      <p:to>
-                                        <p:strVal val="visible"/>
-                                      </p:to>
-                                    </p:set>
-                                  </p:childTnLst>
-                                </p:cTn>
-                              </p:par>
-                            </p:childTnLst>
-                          </p:cTn>
-                        </p:par>
-                      </p:childTnLst>
-                    </p:cTn>
-                  </p:par>
-                  <p:par>
-                    <p:cTn id="11" fill="hold">
-                      <p:stCondLst>
-                        <p:cond delay="indefinite"/>
-                      </p:stCondLst>
-                      <p:childTnLst>
-                        <p:par>
-                          <p:cTn id="12" fill="hold">
-                            <p:stCondLst>
-                              <p:cond delay="0"/>
-                            </p:stCondLst>
-                            <p:childTnLst>
-                              <p:par>
-                                <p:cTn id="13" presetID="1" presetClass="entr" presetSubtype="0" fill="hold" grpId="0" nodeType="clickEffect">
-                                  <p:stCondLst>
-                                    <p:cond delay="0"/>
-                                  </p:stCondLst>
-                                  <p:childTnLst>
-                                    <p:set>
-                                      <p:cBhvr>
-                                        <p:cTn id="14" dur="1" fill="hold">
-                                          <p:stCondLst>
-                                            <p:cond delay="0"/>
-                                          </p:stCondLst>
-                                        </p:cTn>
-                                        <p:tgtEl>
-                                          <p:spTgt spid="8">
-                                            <p:txEl>
-                                              <p:pRg st="2" end="2"/>
-                                            </p:txEl>
-                                          </p:spTgt>
-                                        </p:tgtEl>
-                                        <p:attrNameLst>
-                                          <p:attrName>style.visibility</p:attrName>
-                                        </p:attrNameLst>
-                                      </p:cBhvr>
-                                      <p:to>
-                                        <p:strVal val="visible"/>
-                                      </p:to>
-                                    </p:set>
-                                  </p:childTnLst>
-                                </p:cTn>
-                              </p:par>
-                            </p:childTnLst>
-                          </p:cTn>
-                        </p:par>
-                      </p:childTnLst>
-                    </p:cTn>
-                  </p:par>
-                  <p:par>
-                    <p:cTn id="15" fill="hold">
-                      <p:stCondLst>
-                        <p:cond delay="indefinite"/>
-                      </p:stCondLst>
-                      <p:childTnLst>
-                        <p:par>
-                          <p:cTn id="16" fill="hold">
-                            <p:stCondLst>
-                              <p:cond delay="0"/>
-                            </p:stCondLst>
-                            <p:childTnLst>
-                              <p:par>
-                                <p:cTn id="17" presetID="1" presetClass="entr" presetSubtype="0" fill="hold" grpId="0" nodeType="clickEffect">
-                                  <p:stCondLst>
-                                    <p:cond delay="0"/>
-                                  </p:stCondLst>
-                                  <p:childTnLst>
-                                    <p:set>
-                                      <p:cBhvr>
-                                        <p:cTn id="18" dur="1" fill="hold">
-                                          <p:stCondLst>
-                                            <p:cond delay="0"/>
-                                          </p:stCondLst>
-                                        </p:cTn>
-                                        <p:tgtEl>
-                                          <p:spTgt spid="8">
-                                            <p:txEl>
-                                              <p:pRg st="3" end="3"/>
-                                            </p:txEl>
-                                          </p:spTgt>
-                                        </p:tgtEl>
-                                        <p:attrNameLst>
-                                          <p:attrName>style.visibility</p:attrName>
-                                        </p:attrNameLst>
-                                      </p:cBhvr>
-                                      <p:to>
-                                        <p:strVal val="visible"/>
-                                      </p:to>
-                                    </p:set>
-                                  </p:childTnLst>
-                                </p:cTn>
-                              </p:par>
-                            </p:childTnLst>
-                          </p:cTn>
-                        </p:par>
-                      </p:childTnLst>
-                    </p:cTn>
-                  </p:par>
-                  <p:par>
-                    <p:cTn id="19" fill="hold">
-                      <p:stCondLst>
-                        <p:cond delay="indefinite"/>
-                      </p:stCondLst>
-                      <p:childTnLst>
-                        <p:par>
-                          <p:cTn id="20" fill="hold">
-                            <p:stCondLst>
-                              <p:cond delay="0"/>
-                            </p:stCondLst>
-                            <p:childTnLst>
-                              <p:par>
-                                <p:cTn id="21" presetID="1" presetClass="entr" presetSubtype="0" fill="hold" grpId="0" nodeType="clickEffect">
-                                  <p:stCondLst>
-                                    <p:cond delay="0"/>
-                                  </p:stCondLst>
-                                  <p:childTnLst>
-                                    <p:set>
-                                      <p:cBhvr>
-                                        <p:cTn id="22" dur="1" fill="hold">
-                                          <p:stCondLst>
-                                            <p:cond delay="0"/>
-                                          </p:stCondLst>
-                                        </p:cTn>
-                                        <p:tgtEl>
-                                          <p:spTgt spid="8">
-                                            <p:txEl>
-                                              <p:pRg st="4" end="4"/>
-                                            </p:txEl>
-                                          </p:spTgt>
-                                        </p:tgtEl>
-                                        <p:attrNameLst>
-                                          <p:attrName>style.visibility</p:attrName>
-                                        </p:attrNameLst>
-                                      </p:cBhvr>
-                                      <p:to>
-                                        <p:strVal val="visible"/>
-                                      </p:to>
-                                    </p:set>
-                                  </p:childTnLst>
-                                </p:cTn>
-                              </p:par>
-                            </p:childTnLst>
-                          </p:cTn>
-                        </p:par>
-                      </p:childTnLst>
-                    </p:cTn>
-                  </p:par>
-                </p:childTnLst>
-              </p:cTn>
-              <p:prevCondLst>
-                <p:cond evt="onPrev" delay="0">
-                  <p:tgtEl>
-                    <p:sldTgt/>
-                  </p:tgtEl>
-                </p:cond>
-              </p:prevCondLst>
-              <p:nextCondLst>
-                <p:cond evt="onNext" delay="0">
-                  <p:tgtEl>
-                    <p:sldTgt/>
-                  </p:tgtEl>
-                </p:cond>
-              </p:nextCondLst>
-            </p:seq>
-          </p:childTnLst>
-        </p:cTn>
-      </p:par>
-    </p:tnLst>
-    <p:bldLst>
-      <p:bldP spid="8" grpId="0" uiExpand="1" build="p"/>
-    </p:bldLst>
-  </p:timing>
-</p:sld>
-</file>
-
-<file path=ppt/slides/slide30.xml><?xml version="1.0" encoding="utf-8"?>
+<file path=ppt/slides/slide29.xml><?xml version="1.0" encoding="utf-8"?>
 <p:sld xmlns:a="http://schemas.openxmlformats.org/drawingml/2006/main" xmlns:r="http://schemas.openxmlformats.org/officeDocument/2006/relationships" xmlns:p="http://schemas.openxmlformats.org/presentationml/2006/main">
   <p:cSld>
     <p:spTree>
@@ -11365,7 +10647,434 @@
 </p:sld>
 </file>
 
-<file path=ppt/slides/slide31.xml><?xml version="1.0" encoding="utf-8"?>
+<file path=ppt/slides/slide3.xml><?xml version="1.0" encoding="utf-8"?>
+<p:sld xmlns:a="http://schemas.openxmlformats.org/drawingml/2006/main" xmlns:r="http://schemas.openxmlformats.org/officeDocument/2006/relationships" xmlns:p="http://schemas.openxmlformats.org/presentationml/2006/main">
+  <p:cSld>
+    <p:spTree>
+      <p:nvGrpSpPr>
+        <p:cNvPr id="1" name=""/>
+        <p:cNvGrpSpPr/>
+        <p:nvPr/>
+      </p:nvGrpSpPr>
+      <p:grpSpPr>
+        <a:xfrm>
+          <a:off x="0" y="0"/>
+          <a:ext cx="0" cy="0"/>
+          <a:chOff x="0" y="0"/>
+          <a:chExt cx="0" cy="0"/>
+        </a:xfrm>
+      </p:grpSpPr>
+      <p:sp>
+        <p:nvSpPr>
+          <p:cNvPr id="7" name="Title 6"/>
+          <p:cNvSpPr>
+            <a:spLocks noGrp="1"/>
+          </p:cNvSpPr>
+          <p:nvPr>
+            <p:ph type="title"/>
+          </p:nvPr>
+        </p:nvSpPr>
+        <p:spPr/>
+        <p:txBody>
+          <a:bodyPr/>
+          <a:lstStyle/>
+          <a:p>
+            <a:r>
+              <a:rPr lang="en-US" dirty="0" smtClean="0"/>
+              <a:t>Who are we?</a:t>
+            </a:r>
+            <a:endParaRPr lang="en-US" dirty="0"/>
+          </a:p>
+        </p:txBody>
+      </p:sp>
+      <p:sp>
+        <p:nvSpPr>
+          <p:cNvPr id="8" name="Content Placeholder 7"/>
+          <p:cNvSpPr>
+            <a:spLocks noGrp="1"/>
+          </p:cNvSpPr>
+          <p:nvPr>
+            <p:ph idx="1"/>
+          </p:nvPr>
+        </p:nvSpPr>
+        <p:spPr>
+          <a:xfrm>
+            <a:off x="838200" y="2438400"/>
+            <a:ext cx="5935224" cy="2671482"/>
+          </a:xfrm>
+        </p:spPr>
+        <p:txBody>
+          <a:bodyPr>
+            <a:normAutofit/>
+          </a:bodyPr>
+          <a:lstStyle/>
+          <a:p>
+            <a:r>
+              <a:rPr lang="en-US" dirty="0" smtClean="0"/>
+              <a:t>Co-leaders of PPP</a:t>
+            </a:r>
+          </a:p>
+          <a:p>
+            <a:pPr lvl="1"/>
+            <a:r>
+              <a:rPr lang="en-US" dirty="0" smtClean="0"/>
+              <a:t>http://pwning.net</a:t>
+            </a:r>
+          </a:p>
+          <a:p>
+            <a:pPr lvl="1"/>
+            <a:r>
+              <a:rPr lang="en-US" dirty="0" smtClean="0"/>
+              <a:t>CMU’s competitive security team</a:t>
+            </a:r>
+          </a:p>
+          <a:p>
+            <a:pPr lvl="1"/>
+            <a:r>
+              <a:rPr lang="en-US" dirty="0" smtClean="0"/>
+              <a:t>Currently ranked the best in the world</a:t>
+            </a:r>
+          </a:p>
+          <a:p>
+            <a:pPr lvl="2"/>
+            <a:r>
+              <a:rPr lang="en-US" dirty="0" smtClean="0"/>
+              <a:t>First place holders at DEFCON, Hack.lu, Ghost in the </a:t>
+            </a:r>
+            <a:r>
+              <a:rPr lang="en-US" dirty="0" err="1" smtClean="0"/>
+              <a:t>Shellcode</a:t>
+            </a:r>
+            <a:r>
+              <a:rPr lang="en-US" dirty="0" smtClean="0"/>
+              <a:t>, CSAW CTF, others</a:t>
+            </a:r>
+            <a:endParaRPr lang="en-US" dirty="0"/>
+          </a:p>
+        </p:txBody>
+      </p:sp>
+      <p:pic>
+        <p:nvPicPr>
+          <p:cNvPr id="9" name="Picture 8"/>
+          <p:cNvPicPr>
+            <a:picLocks noChangeAspect="1"/>
+          </p:cNvPicPr>
+          <p:nvPr/>
+        </p:nvPicPr>
+        <p:blipFill>
+          <a:blip r:embed="rId2">
+            <a:extLst>
+              <a:ext uri="{28A0092B-C50C-407E-A947-70E740481C1C}">
+                <a14:useLocalDpi xmlns:a14="http://schemas.microsoft.com/office/drawing/2010/main" val="0"/>
+              </a:ext>
+            </a:extLst>
+          </a:blip>
+          <a:stretch>
+            <a:fillRect/>
+          </a:stretch>
+        </p:blipFill>
+        <p:spPr>
+          <a:xfrm>
+            <a:off x="7996519" y="2267823"/>
+            <a:ext cx="2302262" cy="2394352"/>
+          </a:xfrm>
+          <a:prstGeom prst="rect">
+            <a:avLst/>
+          </a:prstGeom>
+        </p:spPr>
+      </p:pic>
+    </p:spTree>
+    <p:extLst>
+      <p:ext uri="{BB962C8B-B14F-4D97-AF65-F5344CB8AC3E}">
+        <p14:creationId xmlns:p14="http://schemas.microsoft.com/office/powerpoint/2010/main" val="869614413"/>
+      </p:ext>
+    </p:extLst>
+  </p:cSld>
+  <p:clrMapOvr>
+    <a:masterClrMapping/>
+  </p:clrMapOvr>
+  <p:timing>
+    <p:tnLst>
+      <p:par>
+        <p:cTn id="1" dur="indefinite" restart="never" nodeType="tmRoot">
+          <p:childTnLst>
+            <p:seq concurrent="1" nextAc="seek">
+              <p:cTn id="2" dur="indefinite" nodeType="mainSeq">
+                <p:childTnLst>
+                  <p:par>
+                    <p:cTn id="3" fill="hold">
+                      <p:stCondLst>
+                        <p:cond delay="indefinite"/>
+                      </p:stCondLst>
+                      <p:childTnLst>
+                        <p:par>
+                          <p:cTn id="4" fill="hold">
+                            <p:stCondLst>
+                              <p:cond delay="0"/>
+                            </p:stCondLst>
+                            <p:childTnLst>
+                              <p:par>
+                                <p:cTn id="5" presetID="1" presetClass="entr" presetSubtype="0" fill="hold" grpId="0" nodeType="clickEffect">
+                                  <p:stCondLst>
+                                    <p:cond delay="0"/>
+                                  </p:stCondLst>
+                                  <p:childTnLst>
+                                    <p:set>
+                                      <p:cBhvr>
+                                        <p:cTn id="6" dur="1" fill="hold">
+                                          <p:stCondLst>
+                                            <p:cond delay="0"/>
+                                          </p:stCondLst>
+                                        </p:cTn>
+                                        <p:tgtEl>
+                                          <p:spTgt spid="8">
+                                            <p:txEl>
+                                              <p:pRg st="0" end="0"/>
+                                            </p:txEl>
+                                          </p:spTgt>
+                                        </p:tgtEl>
+                                        <p:attrNameLst>
+                                          <p:attrName>style.visibility</p:attrName>
+                                        </p:attrNameLst>
+                                      </p:cBhvr>
+                                      <p:to>
+                                        <p:strVal val="visible"/>
+                                      </p:to>
+                                    </p:set>
+                                  </p:childTnLst>
+                                </p:cTn>
+                              </p:par>
+                            </p:childTnLst>
+                          </p:cTn>
+                        </p:par>
+                      </p:childTnLst>
+                    </p:cTn>
+                  </p:par>
+                  <p:par>
+                    <p:cTn id="7" fill="hold">
+                      <p:stCondLst>
+                        <p:cond delay="indefinite"/>
+                      </p:stCondLst>
+                      <p:childTnLst>
+                        <p:par>
+                          <p:cTn id="8" fill="hold">
+                            <p:stCondLst>
+                              <p:cond delay="0"/>
+                            </p:stCondLst>
+                            <p:childTnLst>
+                              <p:par>
+                                <p:cTn id="9" presetID="1" presetClass="entr" presetSubtype="0" fill="hold" grpId="0" nodeType="clickEffect">
+                                  <p:stCondLst>
+                                    <p:cond delay="0"/>
+                                  </p:stCondLst>
+                                  <p:childTnLst>
+                                    <p:set>
+                                      <p:cBhvr>
+                                        <p:cTn id="10" dur="1" fill="hold">
+                                          <p:stCondLst>
+                                            <p:cond delay="0"/>
+                                          </p:stCondLst>
+                                        </p:cTn>
+                                        <p:tgtEl>
+                                          <p:spTgt spid="8">
+                                            <p:txEl>
+                                              <p:pRg st="1" end="1"/>
+                                            </p:txEl>
+                                          </p:spTgt>
+                                        </p:tgtEl>
+                                        <p:attrNameLst>
+                                          <p:attrName>style.visibility</p:attrName>
+                                        </p:attrNameLst>
+                                      </p:cBhvr>
+                                      <p:to>
+                                        <p:strVal val="visible"/>
+                                      </p:to>
+                                    </p:set>
+                                  </p:childTnLst>
+                                </p:cTn>
+                              </p:par>
+                            </p:childTnLst>
+                          </p:cTn>
+                        </p:par>
+                      </p:childTnLst>
+                    </p:cTn>
+                  </p:par>
+                  <p:par>
+                    <p:cTn id="11" fill="hold">
+                      <p:stCondLst>
+                        <p:cond delay="indefinite"/>
+                      </p:stCondLst>
+                      <p:childTnLst>
+                        <p:par>
+                          <p:cTn id="12" fill="hold">
+                            <p:stCondLst>
+                              <p:cond delay="0"/>
+                            </p:stCondLst>
+                            <p:childTnLst>
+                              <p:par>
+                                <p:cTn id="13" presetID="1" presetClass="entr" presetSubtype="0" fill="hold" grpId="0" nodeType="clickEffect">
+                                  <p:stCondLst>
+                                    <p:cond delay="0"/>
+                                  </p:stCondLst>
+                                  <p:childTnLst>
+                                    <p:set>
+                                      <p:cBhvr>
+                                        <p:cTn id="14" dur="1" fill="hold">
+                                          <p:stCondLst>
+                                            <p:cond delay="0"/>
+                                          </p:stCondLst>
+                                        </p:cTn>
+                                        <p:tgtEl>
+                                          <p:spTgt spid="8">
+                                            <p:txEl>
+                                              <p:pRg st="2" end="2"/>
+                                            </p:txEl>
+                                          </p:spTgt>
+                                        </p:tgtEl>
+                                        <p:attrNameLst>
+                                          <p:attrName>style.visibility</p:attrName>
+                                        </p:attrNameLst>
+                                      </p:cBhvr>
+                                      <p:to>
+                                        <p:strVal val="visible"/>
+                                      </p:to>
+                                    </p:set>
+                                  </p:childTnLst>
+                                </p:cTn>
+                              </p:par>
+                            </p:childTnLst>
+                          </p:cTn>
+                        </p:par>
+                      </p:childTnLst>
+                    </p:cTn>
+                  </p:par>
+                  <p:par>
+                    <p:cTn id="15" fill="hold">
+                      <p:stCondLst>
+                        <p:cond delay="indefinite"/>
+                      </p:stCondLst>
+                      <p:childTnLst>
+                        <p:par>
+                          <p:cTn id="16" fill="hold">
+                            <p:stCondLst>
+                              <p:cond delay="0"/>
+                            </p:stCondLst>
+                            <p:childTnLst>
+                              <p:par>
+                                <p:cTn id="17" presetID="1" presetClass="entr" presetSubtype="0" fill="hold" grpId="0" nodeType="clickEffect">
+                                  <p:stCondLst>
+                                    <p:cond delay="0"/>
+                                  </p:stCondLst>
+                                  <p:childTnLst>
+                                    <p:set>
+                                      <p:cBhvr>
+                                        <p:cTn id="18" dur="1" fill="hold">
+                                          <p:stCondLst>
+                                            <p:cond delay="0"/>
+                                          </p:stCondLst>
+                                        </p:cTn>
+                                        <p:tgtEl>
+                                          <p:spTgt spid="8">
+                                            <p:txEl>
+                                              <p:pRg st="3" end="3"/>
+                                            </p:txEl>
+                                          </p:spTgt>
+                                        </p:tgtEl>
+                                        <p:attrNameLst>
+                                          <p:attrName>style.visibility</p:attrName>
+                                        </p:attrNameLst>
+                                      </p:cBhvr>
+                                      <p:to>
+                                        <p:strVal val="visible"/>
+                                      </p:to>
+                                    </p:set>
+                                  </p:childTnLst>
+                                </p:cTn>
+                              </p:par>
+                            </p:childTnLst>
+                          </p:cTn>
+                        </p:par>
+                      </p:childTnLst>
+                    </p:cTn>
+                  </p:par>
+                  <p:par>
+                    <p:cTn id="19" fill="hold">
+                      <p:stCondLst>
+                        <p:cond delay="indefinite"/>
+                      </p:stCondLst>
+                      <p:childTnLst>
+                        <p:par>
+                          <p:cTn id="20" fill="hold">
+                            <p:stCondLst>
+                              <p:cond delay="0"/>
+                            </p:stCondLst>
+                            <p:childTnLst>
+                              <p:par>
+                                <p:cTn id="21" presetID="1" presetClass="entr" presetSubtype="0" fill="hold" grpId="0" nodeType="clickEffect">
+                                  <p:stCondLst>
+                                    <p:cond delay="0"/>
+                                  </p:stCondLst>
+                                  <p:childTnLst>
+                                    <p:set>
+                                      <p:cBhvr>
+                                        <p:cTn id="22" dur="1" fill="hold">
+                                          <p:stCondLst>
+                                            <p:cond delay="0"/>
+                                          </p:stCondLst>
+                                        </p:cTn>
+                                        <p:tgtEl>
+                                          <p:spTgt spid="8">
+                                            <p:txEl>
+                                              <p:pRg st="4" end="4"/>
+                                            </p:txEl>
+                                          </p:spTgt>
+                                        </p:tgtEl>
+                                        <p:attrNameLst>
+                                          <p:attrName>style.visibility</p:attrName>
+                                        </p:attrNameLst>
+                                      </p:cBhvr>
+                                      <p:to>
+                                        <p:strVal val="visible"/>
+                                      </p:to>
+                                    </p:set>
+                                  </p:childTnLst>
+                                </p:cTn>
+                              </p:par>
+                            </p:childTnLst>
+                          </p:cTn>
+                        </p:par>
+                      </p:childTnLst>
+                    </p:cTn>
+                  </p:par>
+                </p:childTnLst>
+              </p:cTn>
+              <p:prevCondLst>
+                <p:cond evt="onPrev" delay="0">
+                  <p:tgtEl>
+                    <p:sldTgt/>
+                  </p:tgtEl>
+                </p:cond>
+              </p:prevCondLst>
+              <p:nextCondLst>
+                <p:cond evt="onNext" delay="0">
+                  <p:tgtEl>
+                    <p:sldTgt/>
+                  </p:tgtEl>
+                </p:cond>
+              </p:nextCondLst>
+            </p:seq>
+          </p:childTnLst>
+        </p:cTn>
+      </p:par>
+    </p:tnLst>
+    <p:bldLst>
+      <p:bldP spid="8" grpId="0" uiExpand="1" build="p"/>
+    </p:bldLst>
+  </p:timing>
+</p:sld>
+</file>
+
+<file path=ppt/slides/slide30.xml><?xml version="1.0" encoding="utf-8"?>
 <p:sld xmlns:a="http://schemas.openxmlformats.org/drawingml/2006/main" xmlns:r="http://schemas.openxmlformats.org/officeDocument/2006/relationships" xmlns:p="http://schemas.openxmlformats.org/presentationml/2006/main">
   <p:cSld>
     <p:spTree>
@@ -11936,7 +11645,7 @@
 </p:sld>
 </file>
 
-<file path=ppt/slides/slide32.xml><?xml version="1.0" encoding="utf-8"?>
+<file path=ppt/slides/slide31.xml><?xml version="1.0" encoding="utf-8"?>
 <p:sld xmlns:a="http://schemas.openxmlformats.org/drawingml/2006/main" xmlns:r="http://schemas.openxmlformats.org/officeDocument/2006/relationships" xmlns:p="http://schemas.openxmlformats.org/presentationml/2006/main">
   <p:cSld>
     <p:spTree>
@@ -12335,6 +12044,757 @@
 </p:sld>
 </file>
 
+<file path=ppt/slides/slide32.xml><?xml version="1.0" encoding="utf-8"?>
+<p:sld xmlns:a="http://schemas.openxmlformats.org/drawingml/2006/main" xmlns:r="http://schemas.openxmlformats.org/officeDocument/2006/relationships" xmlns:p="http://schemas.openxmlformats.org/presentationml/2006/main">
+  <p:cSld>
+    <p:spTree>
+      <p:nvGrpSpPr>
+        <p:cNvPr id="1" name=""/>
+        <p:cNvGrpSpPr/>
+        <p:nvPr/>
+      </p:nvGrpSpPr>
+      <p:grpSpPr>
+        <a:xfrm>
+          <a:off x="0" y="0"/>
+          <a:ext cx="0" cy="0"/>
+          <a:chOff x="0" y="0"/>
+          <a:chExt cx="0" cy="0"/>
+        </a:xfrm>
+      </p:grpSpPr>
+      <p:sp>
+        <p:nvSpPr>
+          <p:cNvPr id="2" name="Title 1"/>
+          <p:cNvSpPr>
+            <a:spLocks noGrp="1"/>
+          </p:cNvSpPr>
+          <p:nvPr>
+            <p:ph type="title"/>
+          </p:nvPr>
+        </p:nvSpPr>
+        <p:spPr/>
+        <p:txBody>
+          <a:bodyPr/>
+          <a:lstStyle/>
+          <a:p>
+            <a:r>
+              <a:rPr lang="en-US" dirty="0" smtClean="0"/>
+              <a:t>How common is SQL injection?</a:t>
+            </a:r>
+            <a:endParaRPr lang="en-US" dirty="0"/>
+          </a:p>
+        </p:txBody>
+      </p:sp>
+      <p:sp>
+        <p:nvSpPr>
+          <p:cNvPr id="3" name="Content Placeholder 2"/>
+          <p:cNvSpPr>
+            <a:spLocks noGrp="1"/>
+          </p:cNvSpPr>
+          <p:nvPr>
+            <p:ph idx="1"/>
+          </p:nvPr>
+        </p:nvSpPr>
+        <p:spPr/>
+        <p:txBody>
+          <a:bodyPr/>
+          <a:lstStyle/>
+          <a:p>
+            <a:endParaRPr lang="en-US" dirty="0" smtClean="0"/>
+          </a:p>
+          <a:p>
+            <a:endParaRPr lang="en-US" dirty="0"/>
+          </a:p>
+          <a:p>
+            <a:r>
+              <a:rPr lang="en-US" dirty="0" smtClean="0"/>
+              <a:t>Oklahoma</a:t>
+            </a:r>
+            <a:r>
+              <a:rPr lang="en-US" dirty="0" smtClean="0"/>
+              <a:t>, Rhode Island, Taiwan, British Royal Navy</a:t>
+            </a:r>
+          </a:p>
+          <a:p>
+            <a:r>
+              <a:rPr lang="en-US" dirty="0" smtClean="0"/>
+              <a:t>The Pirate Bay</a:t>
+            </a:r>
+          </a:p>
+          <a:p>
+            <a:r>
+              <a:rPr lang="en-US" dirty="0" smtClean="0"/>
+              <a:t>MySQL.com</a:t>
+            </a:r>
+          </a:p>
+          <a:p>
+            <a:r>
+              <a:rPr lang="en-US" dirty="0" smtClean="0"/>
+              <a:t>Harvard, Princeton, Stanford, Cornell, Johns Hopkins</a:t>
+            </a:r>
+          </a:p>
+          <a:p>
+            <a:r>
+              <a:rPr lang="en-US" dirty="0" smtClean="0"/>
+              <a:t>Kaspersky Labs</a:t>
+            </a:r>
+          </a:p>
+          <a:p>
+            <a:r>
+              <a:rPr lang="en-US" dirty="0" smtClean="0"/>
+              <a:t>Alberto Gonzalez (~130 million credit card numbers)</a:t>
+            </a:r>
+          </a:p>
+          <a:p>
+            <a:endParaRPr lang="en-US" dirty="0" smtClean="0"/>
+          </a:p>
+          <a:p>
+            <a:endParaRPr lang="en-US" dirty="0" smtClean="0"/>
+          </a:p>
+          <a:p>
+            <a:endParaRPr lang="en-US" dirty="0"/>
+          </a:p>
+        </p:txBody>
+      </p:sp>
+      <p:pic>
+        <p:nvPicPr>
+          <p:cNvPr id="4" name="Picture 3"/>
+          <p:cNvPicPr>
+            <a:picLocks noChangeAspect="1"/>
+          </p:cNvPicPr>
+          <p:nvPr/>
+        </p:nvPicPr>
+        <p:blipFill>
+          <a:blip r:embed="rId2" cstate="print">
+            <a:extLst>
+              <a:ext uri="{28A0092B-C50C-407E-A947-70E740481C1C}">
+                <a14:useLocalDpi xmlns:a14="http://schemas.microsoft.com/office/drawing/2010/main" val="0"/>
+              </a:ext>
+            </a:extLst>
+          </a:blip>
+          <a:stretch>
+            <a:fillRect/>
+          </a:stretch>
+        </p:blipFill>
+        <p:spPr>
+          <a:xfrm>
+            <a:off x="3505200" y="1718352"/>
+            <a:ext cx="870516" cy="768803"/>
+          </a:xfrm>
+          <a:prstGeom prst="rect">
+            <a:avLst/>
+          </a:prstGeom>
+        </p:spPr>
+      </p:pic>
+      <p:pic>
+        <p:nvPicPr>
+          <p:cNvPr id="5" name="Picture 4"/>
+          <p:cNvPicPr>
+            <a:picLocks noChangeAspect="1"/>
+          </p:cNvPicPr>
+          <p:nvPr/>
+        </p:nvPicPr>
+        <p:blipFill>
+          <a:blip r:embed="rId3" cstate="print">
+            <a:extLst>
+              <a:ext uri="{28A0092B-C50C-407E-A947-70E740481C1C}">
+                <a14:useLocalDpi xmlns:a14="http://schemas.microsoft.com/office/drawing/2010/main" val="0"/>
+              </a:ext>
+            </a:extLst>
+          </a:blip>
+          <a:stretch>
+            <a:fillRect/>
+          </a:stretch>
+        </p:blipFill>
+        <p:spPr>
+          <a:xfrm>
+            <a:off x="5100918" y="1703405"/>
+            <a:ext cx="3249601" cy="756086"/>
+          </a:xfrm>
+          <a:prstGeom prst="rect">
+            <a:avLst/>
+          </a:prstGeom>
+        </p:spPr>
+      </p:pic>
+      <p:pic>
+        <p:nvPicPr>
+          <p:cNvPr id="6" name="Picture 5"/>
+          <p:cNvPicPr>
+            <a:picLocks noChangeAspect="1"/>
+          </p:cNvPicPr>
+          <p:nvPr/>
+        </p:nvPicPr>
+        <p:blipFill>
+          <a:blip r:embed="rId4">
+            <a:extLst>
+              <a:ext uri="{28A0092B-C50C-407E-A947-70E740481C1C}">
+                <a14:useLocalDpi xmlns:a14="http://schemas.microsoft.com/office/drawing/2010/main" val="0"/>
+              </a:ext>
+            </a:extLst>
+          </a:blip>
+          <a:stretch>
+            <a:fillRect/>
+          </a:stretch>
+        </p:blipFill>
+        <p:spPr>
+          <a:xfrm>
+            <a:off x="8746137" y="1797961"/>
+            <a:ext cx="2127141" cy="554255"/>
+          </a:xfrm>
+          <a:prstGeom prst="rect">
+            <a:avLst/>
+          </a:prstGeom>
+        </p:spPr>
+      </p:pic>
+      <p:pic>
+        <p:nvPicPr>
+          <p:cNvPr id="7" name="Picture 6"/>
+          <p:cNvPicPr>
+            <a:picLocks noChangeAspect="1"/>
+          </p:cNvPicPr>
+          <p:nvPr/>
+        </p:nvPicPr>
+        <p:blipFill>
+          <a:blip r:embed="rId5" cstate="print">
+            <a:extLst>
+              <a:ext uri="{28A0092B-C50C-407E-A947-70E740481C1C}">
+                <a14:useLocalDpi xmlns:a14="http://schemas.microsoft.com/office/drawing/2010/main" val="0"/>
+              </a:ext>
+            </a:extLst>
+          </a:blip>
+          <a:stretch>
+            <a:fillRect/>
+          </a:stretch>
+        </p:blipFill>
+        <p:spPr>
+          <a:xfrm>
+            <a:off x="1003872" y="1482856"/>
+            <a:ext cx="2105710" cy="1184462"/>
+          </a:xfrm>
+          <a:prstGeom prst="rect">
+            <a:avLst/>
+          </a:prstGeom>
+        </p:spPr>
+      </p:pic>
+    </p:spTree>
+    <p:extLst>
+      <p:ext uri="{BB962C8B-B14F-4D97-AF65-F5344CB8AC3E}">
+        <p14:creationId xmlns:p14="http://schemas.microsoft.com/office/powerpoint/2010/main" val="300079602"/>
+      </p:ext>
+    </p:extLst>
+  </p:cSld>
+  <p:clrMapOvr>
+    <a:masterClrMapping/>
+  </p:clrMapOvr>
+  <p:timing>
+    <p:tnLst>
+      <p:par>
+        <p:cTn id="1" dur="indefinite" restart="never" nodeType="tmRoot">
+          <p:childTnLst>
+            <p:seq concurrent="1" nextAc="seek">
+              <p:cTn id="2" dur="indefinite" nodeType="mainSeq">
+                <p:childTnLst>
+                  <p:par>
+                    <p:cTn id="3" fill="hold">
+                      <p:stCondLst>
+                        <p:cond delay="indefinite"/>
+                      </p:stCondLst>
+                      <p:childTnLst>
+                        <p:par>
+                          <p:cTn id="4" fill="hold">
+                            <p:stCondLst>
+                              <p:cond delay="0"/>
+                            </p:stCondLst>
+                            <p:childTnLst>
+                              <p:par>
+                                <p:cTn id="5" presetID="1" presetClass="entr" presetSubtype="0" fill="hold" nodeType="clickEffect">
+                                  <p:stCondLst>
+                                    <p:cond delay="0"/>
+                                  </p:stCondLst>
+                                  <p:childTnLst>
+                                    <p:set>
+                                      <p:cBhvr>
+                                        <p:cTn id="6" dur="1" fill="hold">
+                                          <p:stCondLst>
+                                            <p:cond delay="0"/>
+                                          </p:stCondLst>
+                                        </p:cTn>
+                                        <p:tgtEl>
+                                          <p:spTgt spid="7"/>
+                                        </p:tgtEl>
+                                        <p:attrNameLst>
+                                          <p:attrName>style.visibility</p:attrName>
+                                        </p:attrNameLst>
+                                      </p:cBhvr>
+                                      <p:to>
+                                        <p:strVal val="visible"/>
+                                      </p:to>
+                                    </p:set>
+                                  </p:childTnLst>
+                                </p:cTn>
+                              </p:par>
+                            </p:childTnLst>
+                          </p:cTn>
+                        </p:par>
+                      </p:childTnLst>
+                    </p:cTn>
+                  </p:par>
+                  <p:par>
+                    <p:cTn id="7" fill="hold">
+                      <p:stCondLst>
+                        <p:cond delay="indefinite"/>
+                      </p:stCondLst>
+                      <p:childTnLst>
+                        <p:par>
+                          <p:cTn id="8" fill="hold">
+                            <p:stCondLst>
+                              <p:cond delay="0"/>
+                            </p:stCondLst>
+                            <p:childTnLst>
+                              <p:par>
+                                <p:cTn id="9" presetID="1" presetClass="entr" presetSubtype="0" fill="hold" nodeType="clickEffect">
+                                  <p:stCondLst>
+                                    <p:cond delay="0"/>
+                                  </p:stCondLst>
+                                  <p:childTnLst>
+                                    <p:set>
+                                      <p:cBhvr>
+                                        <p:cTn id="10" dur="1" fill="hold">
+                                          <p:stCondLst>
+                                            <p:cond delay="0"/>
+                                          </p:stCondLst>
+                                        </p:cTn>
+                                        <p:tgtEl>
+                                          <p:spTgt spid="4"/>
+                                        </p:tgtEl>
+                                        <p:attrNameLst>
+                                          <p:attrName>style.visibility</p:attrName>
+                                        </p:attrNameLst>
+                                      </p:cBhvr>
+                                      <p:to>
+                                        <p:strVal val="visible"/>
+                                      </p:to>
+                                    </p:set>
+                                  </p:childTnLst>
+                                </p:cTn>
+                              </p:par>
+                            </p:childTnLst>
+                          </p:cTn>
+                        </p:par>
+                      </p:childTnLst>
+                    </p:cTn>
+                  </p:par>
+                  <p:par>
+                    <p:cTn id="11" fill="hold">
+                      <p:stCondLst>
+                        <p:cond delay="indefinite"/>
+                      </p:stCondLst>
+                      <p:childTnLst>
+                        <p:par>
+                          <p:cTn id="12" fill="hold">
+                            <p:stCondLst>
+                              <p:cond delay="0"/>
+                            </p:stCondLst>
+                            <p:childTnLst>
+                              <p:par>
+                                <p:cTn id="13" presetID="1" presetClass="entr" presetSubtype="0" fill="hold" nodeType="clickEffect">
+                                  <p:stCondLst>
+                                    <p:cond delay="0"/>
+                                  </p:stCondLst>
+                                  <p:childTnLst>
+                                    <p:set>
+                                      <p:cBhvr>
+                                        <p:cTn id="14" dur="1" fill="hold">
+                                          <p:stCondLst>
+                                            <p:cond delay="0"/>
+                                          </p:stCondLst>
+                                        </p:cTn>
+                                        <p:tgtEl>
+                                          <p:spTgt spid="5"/>
+                                        </p:tgtEl>
+                                        <p:attrNameLst>
+                                          <p:attrName>style.visibility</p:attrName>
+                                        </p:attrNameLst>
+                                      </p:cBhvr>
+                                      <p:to>
+                                        <p:strVal val="visible"/>
+                                      </p:to>
+                                    </p:set>
+                                  </p:childTnLst>
+                                </p:cTn>
+                              </p:par>
+                            </p:childTnLst>
+                          </p:cTn>
+                        </p:par>
+                      </p:childTnLst>
+                    </p:cTn>
+                  </p:par>
+                  <p:par>
+                    <p:cTn id="15" fill="hold">
+                      <p:stCondLst>
+                        <p:cond delay="indefinite"/>
+                      </p:stCondLst>
+                      <p:childTnLst>
+                        <p:par>
+                          <p:cTn id="16" fill="hold">
+                            <p:stCondLst>
+                              <p:cond delay="0"/>
+                            </p:stCondLst>
+                            <p:childTnLst>
+                              <p:par>
+                                <p:cTn id="17" presetID="1" presetClass="entr" presetSubtype="0" fill="hold" nodeType="clickEffect">
+                                  <p:stCondLst>
+                                    <p:cond delay="0"/>
+                                  </p:stCondLst>
+                                  <p:childTnLst>
+                                    <p:set>
+                                      <p:cBhvr>
+                                        <p:cTn id="18" dur="1" fill="hold">
+                                          <p:stCondLst>
+                                            <p:cond delay="0"/>
+                                          </p:stCondLst>
+                                        </p:cTn>
+                                        <p:tgtEl>
+                                          <p:spTgt spid="6"/>
+                                        </p:tgtEl>
+                                        <p:attrNameLst>
+                                          <p:attrName>style.visibility</p:attrName>
+                                        </p:attrNameLst>
+                                      </p:cBhvr>
+                                      <p:to>
+                                        <p:strVal val="visible"/>
+                                      </p:to>
+                                    </p:set>
+                                  </p:childTnLst>
+                                </p:cTn>
+                              </p:par>
+                            </p:childTnLst>
+                          </p:cTn>
+                        </p:par>
+                      </p:childTnLst>
+                    </p:cTn>
+                  </p:par>
+                  <p:par>
+                    <p:cTn id="19" fill="hold">
+                      <p:stCondLst>
+                        <p:cond delay="indefinite"/>
+                      </p:stCondLst>
+                      <p:childTnLst>
+                        <p:par>
+                          <p:cTn id="20" fill="hold">
+                            <p:stCondLst>
+                              <p:cond delay="0"/>
+                            </p:stCondLst>
+                            <p:childTnLst>
+                              <p:par>
+                                <p:cTn id="21" presetID="1" presetClass="entr" presetSubtype="0" fill="hold" grpId="0" nodeType="clickEffect">
+                                  <p:stCondLst>
+                                    <p:cond delay="0"/>
+                                  </p:stCondLst>
+                                  <p:childTnLst>
+                                    <p:set>
+                                      <p:cBhvr>
+                                        <p:cTn id="22" dur="1" fill="hold">
+                                          <p:stCondLst>
+                                            <p:cond delay="0"/>
+                                          </p:stCondLst>
+                                        </p:cTn>
+                                        <p:tgtEl>
+                                          <p:spTgt spid="3">
+                                            <p:txEl>
+                                              <p:pRg st="2" end="2"/>
+                                            </p:txEl>
+                                          </p:spTgt>
+                                        </p:tgtEl>
+                                        <p:attrNameLst>
+                                          <p:attrName>style.visibility</p:attrName>
+                                        </p:attrNameLst>
+                                      </p:cBhvr>
+                                      <p:to>
+                                        <p:strVal val="visible"/>
+                                      </p:to>
+                                    </p:set>
+                                  </p:childTnLst>
+                                </p:cTn>
+                              </p:par>
+                            </p:childTnLst>
+                          </p:cTn>
+                        </p:par>
+                      </p:childTnLst>
+                    </p:cTn>
+                  </p:par>
+                  <p:par>
+                    <p:cTn id="23" fill="hold">
+                      <p:stCondLst>
+                        <p:cond delay="indefinite"/>
+                      </p:stCondLst>
+                      <p:childTnLst>
+                        <p:par>
+                          <p:cTn id="24" fill="hold">
+                            <p:stCondLst>
+                              <p:cond delay="0"/>
+                            </p:stCondLst>
+                            <p:childTnLst>
+                              <p:par>
+                                <p:cTn id="25" presetID="1" presetClass="entr" presetSubtype="0" fill="hold" grpId="0" nodeType="clickEffect">
+                                  <p:stCondLst>
+                                    <p:cond delay="0"/>
+                                  </p:stCondLst>
+                                  <p:childTnLst>
+                                    <p:set>
+                                      <p:cBhvr>
+                                        <p:cTn id="26" dur="1" fill="hold">
+                                          <p:stCondLst>
+                                            <p:cond delay="0"/>
+                                          </p:stCondLst>
+                                        </p:cTn>
+                                        <p:tgtEl>
+                                          <p:spTgt spid="3">
+                                            <p:txEl>
+                                              <p:pRg st="3" end="3"/>
+                                            </p:txEl>
+                                          </p:spTgt>
+                                        </p:tgtEl>
+                                        <p:attrNameLst>
+                                          <p:attrName>style.visibility</p:attrName>
+                                        </p:attrNameLst>
+                                      </p:cBhvr>
+                                      <p:to>
+                                        <p:strVal val="visible"/>
+                                      </p:to>
+                                    </p:set>
+                                  </p:childTnLst>
+                                </p:cTn>
+                              </p:par>
+                            </p:childTnLst>
+                          </p:cTn>
+                        </p:par>
+                      </p:childTnLst>
+                    </p:cTn>
+                  </p:par>
+                  <p:par>
+                    <p:cTn id="27" fill="hold">
+                      <p:stCondLst>
+                        <p:cond delay="indefinite"/>
+                      </p:stCondLst>
+                      <p:childTnLst>
+                        <p:par>
+                          <p:cTn id="28" fill="hold">
+                            <p:stCondLst>
+                              <p:cond delay="0"/>
+                            </p:stCondLst>
+                            <p:childTnLst>
+                              <p:par>
+                                <p:cTn id="29" presetID="1" presetClass="entr" presetSubtype="0" fill="hold" grpId="0" nodeType="clickEffect">
+                                  <p:stCondLst>
+                                    <p:cond delay="0"/>
+                                  </p:stCondLst>
+                                  <p:childTnLst>
+                                    <p:set>
+                                      <p:cBhvr>
+                                        <p:cTn id="30" dur="1" fill="hold">
+                                          <p:stCondLst>
+                                            <p:cond delay="0"/>
+                                          </p:stCondLst>
+                                        </p:cTn>
+                                        <p:tgtEl>
+                                          <p:spTgt spid="3">
+                                            <p:txEl>
+                                              <p:pRg st="4" end="4"/>
+                                            </p:txEl>
+                                          </p:spTgt>
+                                        </p:tgtEl>
+                                        <p:attrNameLst>
+                                          <p:attrName>style.visibility</p:attrName>
+                                        </p:attrNameLst>
+                                      </p:cBhvr>
+                                      <p:to>
+                                        <p:strVal val="visible"/>
+                                      </p:to>
+                                    </p:set>
+                                  </p:childTnLst>
+                                </p:cTn>
+                              </p:par>
+                            </p:childTnLst>
+                          </p:cTn>
+                        </p:par>
+                      </p:childTnLst>
+                    </p:cTn>
+                  </p:par>
+                  <p:par>
+                    <p:cTn id="31" fill="hold">
+                      <p:stCondLst>
+                        <p:cond delay="indefinite"/>
+                      </p:stCondLst>
+                      <p:childTnLst>
+                        <p:par>
+                          <p:cTn id="32" fill="hold">
+                            <p:stCondLst>
+                              <p:cond delay="0"/>
+                            </p:stCondLst>
+                            <p:childTnLst>
+                              <p:par>
+                                <p:cTn id="33" presetID="1" presetClass="entr" presetSubtype="0" fill="hold" grpId="0" nodeType="clickEffect">
+                                  <p:stCondLst>
+                                    <p:cond delay="0"/>
+                                  </p:stCondLst>
+                                  <p:childTnLst>
+                                    <p:set>
+                                      <p:cBhvr>
+                                        <p:cTn id="34" dur="1" fill="hold">
+                                          <p:stCondLst>
+                                            <p:cond delay="0"/>
+                                          </p:stCondLst>
+                                        </p:cTn>
+                                        <p:tgtEl>
+                                          <p:spTgt spid="3">
+                                            <p:txEl>
+                                              <p:pRg st="5" end="5"/>
+                                            </p:txEl>
+                                          </p:spTgt>
+                                        </p:tgtEl>
+                                        <p:attrNameLst>
+                                          <p:attrName>style.visibility</p:attrName>
+                                        </p:attrNameLst>
+                                      </p:cBhvr>
+                                      <p:to>
+                                        <p:strVal val="visible"/>
+                                      </p:to>
+                                    </p:set>
+                                  </p:childTnLst>
+                                </p:cTn>
+                              </p:par>
+                            </p:childTnLst>
+                          </p:cTn>
+                        </p:par>
+                      </p:childTnLst>
+                    </p:cTn>
+                  </p:par>
+                  <p:par>
+                    <p:cTn id="35" fill="hold">
+                      <p:stCondLst>
+                        <p:cond delay="indefinite"/>
+                      </p:stCondLst>
+                      <p:childTnLst>
+                        <p:par>
+                          <p:cTn id="36" fill="hold">
+                            <p:stCondLst>
+                              <p:cond delay="0"/>
+                            </p:stCondLst>
+                            <p:childTnLst>
+                              <p:par>
+                                <p:cTn id="37" presetID="1" presetClass="entr" presetSubtype="0" fill="hold" grpId="0" nodeType="clickEffect">
+                                  <p:stCondLst>
+                                    <p:cond delay="0"/>
+                                  </p:stCondLst>
+                                  <p:childTnLst>
+                                    <p:set>
+                                      <p:cBhvr>
+                                        <p:cTn id="38" dur="1" fill="hold">
+                                          <p:stCondLst>
+                                            <p:cond delay="0"/>
+                                          </p:stCondLst>
+                                        </p:cTn>
+                                        <p:tgtEl>
+                                          <p:spTgt spid="3">
+                                            <p:txEl>
+                                              <p:pRg st="6" end="6"/>
+                                            </p:txEl>
+                                          </p:spTgt>
+                                        </p:tgtEl>
+                                        <p:attrNameLst>
+                                          <p:attrName>style.visibility</p:attrName>
+                                        </p:attrNameLst>
+                                      </p:cBhvr>
+                                      <p:to>
+                                        <p:strVal val="visible"/>
+                                      </p:to>
+                                    </p:set>
+                                  </p:childTnLst>
+                                </p:cTn>
+                              </p:par>
+                            </p:childTnLst>
+                          </p:cTn>
+                        </p:par>
+                      </p:childTnLst>
+                    </p:cTn>
+                  </p:par>
+                  <p:par>
+                    <p:cTn id="39" fill="hold">
+                      <p:stCondLst>
+                        <p:cond delay="indefinite"/>
+                      </p:stCondLst>
+                      <p:childTnLst>
+                        <p:par>
+                          <p:cTn id="40" fill="hold">
+                            <p:stCondLst>
+                              <p:cond delay="0"/>
+                            </p:stCondLst>
+                            <p:childTnLst>
+                              <p:par>
+                                <p:cTn id="41" presetID="1" presetClass="entr" presetSubtype="0" fill="hold" grpId="0" nodeType="clickEffect">
+                                  <p:stCondLst>
+                                    <p:cond delay="0"/>
+                                  </p:stCondLst>
+                                  <p:childTnLst>
+                                    <p:set>
+                                      <p:cBhvr>
+                                        <p:cTn id="42" dur="1" fill="hold">
+                                          <p:stCondLst>
+                                            <p:cond delay="0"/>
+                                          </p:stCondLst>
+                                        </p:cTn>
+                                        <p:tgtEl>
+                                          <p:spTgt spid="3">
+                                            <p:txEl>
+                                              <p:pRg st="7" end="7"/>
+                                            </p:txEl>
+                                          </p:spTgt>
+                                        </p:tgtEl>
+                                        <p:attrNameLst>
+                                          <p:attrName>style.visibility</p:attrName>
+                                        </p:attrNameLst>
+                                      </p:cBhvr>
+                                      <p:to>
+                                        <p:strVal val="visible"/>
+                                      </p:to>
+                                    </p:set>
+                                  </p:childTnLst>
+                                </p:cTn>
+                              </p:par>
+                            </p:childTnLst>
+                          </p:cTn>
+                        </p:par>
+                      </p:childTnLst>
+                    </p:cTn>
+                  </p:par>
+                </p:childTnLst>
+              </p:cTn>
+              <p:prevCondLst>
+                <p:cond evt="onPrev" delay="0">
+                  <p:tgtEl>
+                    <p:sldTgt/>
+                  </p:tgtEl>
+                </p:cond>
+              </p:prevCondLst>
+              <p:nextCondLst>
+                <p:cond evt="onNext" delay="0">
+                  <p:tgtEl>
+                    <p:sldTgt/>
+                  </p:tgtEl>
+                </p:cond>
+              </p:nextCondLst>
+            </p:seq>
+          </p:childTnLst>
+        </p:cTn>
+      </p:par>
+    </p:tnLst>
+    <p:bldLst>
+      <p:bldP spid="3" grpId="0" build="p"/>
+    </p:bldLst>
+  </p:timing>
+</p:sld>
+</file>
+
 <file path=ppt/slides/slide33.xml><?xml version="1.0" encoding="utf-8"?>
 <p:sld xmlns:a="http://schemas.openxmlformats.org/drawingml/2006/main" xmlns:r="http://schemas.openxmlformats.org/officeDocument/2006/relationships" xmlns:p="http://schemas.openxmlformats.org/presentationml/2006/main">
   <p:cSld>
@@ -12369,7 +12829,7 @@
           <a:p>
             <a:r>
               <a:rPr lang="en-US" dirty="0" smtClean="0"/>
-              <a:t>How common is SQL injection?</a:t>
+              <a:t>Some Demos!</a:t>
             </a:r>
             <a:endParaRPr lang="en-US" dirty="0"/>
           </a:p>
@@ -12390,62 +12850,452 @@
           <a:bodyPr/>
           <a:lstStyle/>
           <a:p>
-            <a:r>
-              <a:rPr lang="en-US" dirty="0" smtClean="0"/>
-              <a:t>Microsoft, Adobe, Sony, Yahoo!</a:t>
-            </a:r>
-          </a:p>
-          <a:p>
-            <a:r>
-              <a:rPr lang="en-US" dirty="0" smtClean="0"/>
-              <a:t>Oklahoma, Rhode Island, Taiwan, British Royal Navy</a:t>
-            </a:r>
-          </a:p>
-          <a:p>
-            <a:r>
-              <a:rPr lang="en-US" dirty="0" smtClean="0"/>
-              <a:t>The Pirate Bay</a:t>
-            </a:r>
-          </a:p>
-          <a:p>
-            <a:r>
-              <a:rPr lang="en-US" dirty="0" smtClean="0"/>
-              <a:t>MySQL.com</a:t>
-            </a:r>
-          </a:p>
-          <a:p>
-            <a:r>
-              <a:rPr lang="en-US" dirty="0" smtClean="0"/>
-              <a:t>Harvard, Princeton, Stanford, Cornell, Johns Hopkins</a:t>
-            </a:r>
-          </a:p>
-          <a:p>
-            <a:r>
-              <a:rPr lang="en-US" dirty="0" smtClean="0"/>
-              <a:t>Kaspersky Labs</a:t>
-            </a:r>
-          </a:p>
-          <a:p>
-            <a:r>
-              <a:rPr lang="en-US" dirty="0" smtClean="0"/>
-              <a:t>Alberto Gonzalez (~130 million credit card numbers)</a:t>
-            </a:r>
-          </a:p>
-          <a:p>
-            <a:endParaRPr lang="en-US" dirty="0" smtClean="0"/>
-          </a:p>
-          <a:p>
-            <a:endParaRPr lang="en-US" dirty="0" smtClean="0"/>
-          </a:p>
-          <a:p>
-            <a:endParaRPr lang="en-US" dirty="0"/>
+            <a:endParaRPr lang="en-US"/>
           </a:p>
         </p:txBody>
       </p:sp>
     </p:spTree>
     <p:extLst>
       <p:ext uri="{BB962C8B-B14F-4D97-AF65-F5344CB8AC3E}">
-        <p14:creationId xmlns:p14="http://schemas.microsoft.com/office/powerpoint/2010/main" val="300079602"/>
+        <p14:creationId xmlns:p14="http://schemas.microsoft.com/office/powerpoint/2010/main" val="1105564053"/>
+      </p:ext>
+    </p:extLst>
+  </p:cSld>
+  <p:clrMapOvr>
+    <a:masterClrMapping/>
+  </p:clrMapOvr>
+  <p:timing>
+    <p:tnLst>
+      <p:par>
+        <p:cTn id="1" dur="indefinite" restart="never" nodeType="tmRoot"/>
+      </p:par>
+    </p:tnLst>
+  </p:timing>
+</p:sld>
+</file>
+
+<file path=ppt/slides/slide34.xml><?xml version="1.0" encoding="utf-8"?>
+<p:sld xmlns:a="http://schemas.openxmlformats.org/drawingml/2006/main" xmlns:r="http://schemas.openxmlformats.org/officeDocument/2006/relationships" xmlns:p="http://schemas.openxmlformats.org/presentationml/2006/main">
+  <p:cSld>
+    <p:spTree>
+      <p:nvGrpSpPr>
+        <p:cNvPr id="1" name=""/>
+        <p:cNvGrpSpPr/>
+        <p:nvPr/>
+      </p:nvGrpSpPr>
+      <p:grpSpPr>
+        <a:xfrm>
+          <a:off x="0" y="0"/>
+          <a:ext cx="0" cy="0"/>
+          <a:chOff x="0" y="0"/>
+          <a:chExt cx="0" cy="0"/>
+        </a:xfrm>
+      </p:grpSpPr>
+    </p:spTree>
+    <p:extLst>
+      <p:ext uri="{BB962C8B-B14F-4D97-AF65-F5344CB8AC3E}">
+        <p14:creationId xmlns:p14="http://schemas.microsoft.com/office/powerpoint/2010/main" val="4152831869"/>
+      </p:ext>
+    </p:extLst>
+  </p:cSld>
+  <p:clrMapOvr>
+    <a:masterClrMapping/>
+  </p:clrMapOvr>
+  <p:timing>
+    <p:tnLst>
+      <p:par>
+        <p:cTn id="1" dur="indefinite" restart="never" nodeType="tmRoot"/>
+      </p:par>
+    </p:tnLst>
+  </p:timing>
+</p:sld>
+</file>
+
+<file path=ppt/slides/slide35.xml><?xml version="1.0" encoding="utf-8"?>
+<p:sld xmlns:a="http://schemas.openxmlformats.org/drawingml/2006/main" xmlns:r="http://schemas.openxmlformats.org/officeDocument/2006/relationships" xmlns:p="http://schemas.openxmlformats.org/presentationml/2006/main">
+  <p:cSld>
+    <p:spTree>
+      <p:nvGrpSpPr>
+        <p:cNvPr id="1" name=""/>
+        <p:cNvGrpSpPr/>
+        <p:nvPr/>
+      </p:nvGrpSpPr>
+      <p:grpSpPr>
+        <a:xfrm>
+          <a:off x="0" y="0"/>
+          <a:ext cx="0" cy="0"/>
+          <a:chOff x="0" y="0"/>
+          <a:chExt cx="0" cy="0"/>
+        </a:xfrm>
+      </p:grpSpPr>
+      <p:sp>
+        <p:nvSpPr>
+          <p:cNvPr id="3" name="Content Placeholder 2"/>
+          <p:cNvSpPr>
+            <a:spLocks noGrp="1"/>
+          </p:cNvSpPr>
+          <p:nvPr>
+            <p:ph idx="1"/>
+          </p:nvPr>
+        </p:nvSpPr>
+        <p:spPr/>
+        <p:txBody>
+          <a:bodyPr/>
+          <a:lstStyle/>
+          <a:p>
+            <a:pPr marL="0" indent="0">
+              <a:buNone/>
+            </a:pPr>
+            <a:r>
+              <a:rPr lang="en-US" dirty="0" smtClean="0"/>
+              <a:t>“I escape everything before showing it, and I use prepared statements. I’m clear, right?”</a:t>
+            </a:r>
+            <a:br>
+              <a:rPr lang="en-US" dirty="0" smtClean="0"/>
+            </a:br>
+            <a:endParaRPr lang="en-US" dirty="0" smtClean="0"/>
+          </a:p>
+          <a:p>
+            <a:pPr marL="0" indent="0">
+              <a:buNone/>
+            </a:pPr>
+            <a:r>
+              <a:rPr lang="en-US" dirty="0" smtClean="0"/>
+              <a:t>… Sadly, no.</a:t>
+            </a:r>
+          </a:p>
+        </p:txBody>
+      </p:sp>
+    </p:spTree>
+    <p:extLst>
+      <p:ext uri="{BB962C8B-B14F-4D97-AF65-F5344CB8AC3E}">
+        <p14:creationId xmlns:p14="http://schemas.microsoft.com/office/powerpoint/2010/main" val="593321947"/>
+      </p:ext>
+    </p:extLst>
+  </p:cSld>
+  <p:clrMapOvr>
+    <a:masterClrMapping/>
+  </p:clrMapOvr>
+  <p:timing>
+    <p:tnLst>
+      <p:par>
+        <p:cTn id="1" dur="indefinite" restart="never" nodeType="tmRoot">
+          <p:childTnLst>
+            <p:seq concurrent="1" nextAc="seek">
+              <p:cTn id="2" dur="indefinite" nodeType="mainSeq">
+                <p:childTnLst>
+                  <p:par>
+                    <p:cTn id="3" fill="hold">
+                      <p:stCondLst>
+                        <p:cond delay="indefinite"/>
+                      </p:stCondLst>
+                      <p:childTnLst>
+                        <p:par>
+                          <p:cTn id="4" fill="hold">
+                            <p:stCondLst>
+                              <p:cond delay="0"/>
+                            </p:stCondLst>
+                            <p:childTnLst>
+                              <p:par>
+                                <p:cTn id="5" presetID="1" presetClass="entr" presetSubtype="0" fill="hold" grpId="0" nodeType="clickEffect">
+                                  <p:stCondLst>
+                                    <p:cond delay="0"/>
+                                  </p:stCondLst>
+                                  <p:childTnLst>
+                                    <p:set>
+                                      <p:cBhvr>
+                                        <p:cTn id="6" dur="1" fill="hold">
+                                          <p:stCondLst>
+                                            <p:cond delay="0"/>
+                                          </p:stCondLst>
+                                        </p:cTn>
+                                        <p:tgtEl>
+                                          <p:spTgt spid="3">
+                                            <p:txEl>
+                                              <p:pRg st="0" end="0"/>
+                                            </p:txEl>
+                                          </p:spTgt>
+                                        </p:tgtEl>
+                                        <p:attrNameLst>
+                                          <p:attrName>style.visibility</p:attrName>
+                                        </p:attrNameLst>
+                                      </p:cBhvr>
+                                      <p:to>
+                                        <p:strVal val="visible"/>
+                                      </p:to>
+                                    </p:set>
+                                  </p:childTnLst>
+                                </p:cTn>
+                              </p:par>
+                            </p:childTnLst>
+                          </p:cTn>
+                        </p:par>
+                      </p:childTnLst>
+                    </p:cTn>
+                  </p:par>
+                  <p:par>
+                    <p:cTn id="7" fill="hold">
+                      <p:stCondLst>
+                        <p:cond delay="indefinite"/>
+                      </p:stCondLst>
+                      <p:childTnLst>
+                        <p:par>
+                          <p:cTn id="8" fill="hold">
+                            <p:stCondLst>
+                              <p:cond delay="0"/>
+                            </p:stCondLst>
+                            <p:childTnLst>
+                              <p:par>
+                                <p:cTn id="9" presetID="1" presetClass="entr" presetSubtype="0" fill="hold" grpId="0" nodeType="clickEffect">
+                                  <p:stCondLst>
+                                    <p:cond delay="0"/>
+                                  </p:stCondLst>
+                                  <p:childTnLst>
+                                    <p:set>
+                                      <p:cBhvr>
+                                        <p:cTn id="10" dur="1" fill="hold">
+                                          <p:stCondLst>
+                                            <p:cond delay="0"/>
+                                          </p:stCondLst>
+                                        </p:cTn>
+                                        <p:tgtEl>
+                                          <p:spTgt spid="3">
+                                            <p:txEl>
+                                              <p:pRg st="1" end="1"/>
+                                            </p:txEl>
+                                          </p:spTgt>
+                                        </p:tgtEl>
+                                        <p:attrNameLst>
+                                          <p:attrName>style.visibility</p:attrName>
+                                        </p:attrNameLst>
+                                      </p:cBhvr>
+                                      <p:to>
+                                        <p:strVal val="visible"/>
+                                      </p:to>
+                                    </p:set>
+                                  </p:childTnLst>
+                                </p:cTn>
+                              </p:par>
+                            </p:childTnLst>
+                          </p:cTn>
+                        </p:par>
+                      </p:childTnLst>
+                    </p:cTn>
+                  </p:par>
+                </p:childTnLst>
+              </p:cTn>
+              <p:prevCondLst>
+                <p:cond evt="onPrev" delay="0">
+                  <p:tgtEl>
+                    <p:sldTgt/>
+                  </p:tgtEl>
+                </p:cond>
+              </p:prevCondLst>
+              <p:nextCondLst>
+                <p:cond evt="onNext" delay="0">
+                  <p:tgtEl>
+                    <p:sldTgt/>
+                  </p:tgtEl>
+                </p:cond>
+              </p:nextCondLst>
+            </p:seq>
+          </p:childTnLst>
+        </p:cTn>
+      </p:par>
+    </p:tnLst>
+    <p:bldLst>
+      <p:bldP spid="3" grpId="0" build="p"/>
+    </p:bldLst>
+  </p:timing>
+</p:sld>
+</file>
+
+<file path=ppt/slides/slide36.xml><?xml version="1.0" encoding="utf-8"?>
+<p:sld xmlns:a="http://schemas.openxmlformats.org/drawingml/2006/main" xmlns:r="http://schemas.openxmlformats.org/officeDocument/2006/relationships" xmlns:p="http://schemas.openxmlformats.org/presentationml/2006/main">
+  <p:cSld>
+    <p:spTree>
+      <p:nvGrpSpPr>
+        <p:cNvPr id="1" name=""/>
+        <p:cNvGrpSpPr/>
+        <p:nvPr/>
+      </p:nvGrpSpPr>
+      <p:grpSpPr>
+        <a:xfrm>
+          <a:off x="0" y="0"/>
+          <a:ext cx="0" cy="0"/>
+          <a:chOff x="0" y="0"/>
+          <a:chExt cx="0" cy="0"/>
+        </a:xfrm>
+      </p:grpSpPr>
+      <p:sp>
+        <p:nvSpPr>
+          <p:cNvPr id="2" name="Title 1"/>
+          <p:cNvSpPr>
+            <a:spLocks noGrp="1"/>
+          </p:cNvSpPr>
+          <p:nvPr>
+            <p:ph type="title"/>
+          </p:nvPr>
+        </p:nvSpPr>
+        <p:spPr/>
+        <p:txBody>
+          <a:bodyPr/>
+          <a:lstStyle/>
+          <a:p>
+            <a:r>
+              <a:rPr lang="en-US" dirty="0" smtClean="0"/>
+              <a:t>Cross-Site Request Forgery</a:t>
+            </a:r>
+            <a:endParaRPr lang="en-US" dirty="0"/>
+          </a:p>
+        </p:txBody>
+      </p:sp>
+      <p:sp>
+        <p:nvSpPr>
+          <p:cNvPr id="3" name="Content Placeholder 2"/>
+          <p:cNvSpPr>
+            <a:spLocks noGrp="1"/>
+          </p:cNvSpPr>
+          <p:nvPr>
+            <p:ph idx="1"/>
+          </p:nvPr>
+        </p:nvSpPr>
+        <p:spPr/>
+        <p:txBody>
+          <a:bodyPr/>
+          <a:lstStyle/>
+          <a:p>
+            <a:r>
+              <a:rPr lang="en-US" dirty="0" smtClean="0"/>
+              <a:t>Also called “session riding</a:t>
+            </a:r>
+            <a:r>
+              <a:rPr lang="en-US" dirty="0" smtClean="0"/>
+              <a:t>”</a:t>
+            </a:r>
+          </a:p>
+          <a:p>
+            <a:r>
+              <a:rPr lang="en-US" dirty="0" smtClean="0"/>
+              <a:t>What if Eve sends Alice “Hey, click this link:</a:t>
+            </a:r>
+            <a:br>
+              <a:rPr lang="en-US" dirty="0" smtClean="0"/>
+            </a:br>
+            <a:r>
+              <a:rPr lang="en-US" dirty="0" smtClean="0"/>
+              <a:t>	</a:t>
+            </a:r>
+            <a:r>
+              <a:rPr lang="en-US" sz="1600" dirty="0" smtClean="0"/>
+              <a:t>&lt;a </a:t>
+            </a:r>
+            <a:r>
+              <a:rPr lang="en-US" sz="1600" dirty="0" err="1" smtClean="0"/>
+              <a:t>href</a:t>
+            </a:r>
+            <a:r>
+              <a:rPr lang="en-US" sz="1600" dirty="0" smtClean="0"/>
+              <a:t>=</a:t>
+            </a:r>
+            <a:r>
+              <a:rPr lang="en-US" sz="1600" dirty="0" smtClean="0">
+                <a:hlinkClick r:id="rId2"/>
+              </a:rPr>
+              <a:t>http</a:t>
+            </a:r>
+            <a:r>
+              <a:rPr lang="en-US" sz="1600" dirty="0">
+                <a:hlinkClick r:id="rId2"/>
+              </a:rPr>
+              <a:t>://</a:t>
+            </a:r>
+            <a:r>
+              <a:rPr lang="en-US" sz="1600" dirty="0" smtClean="0">
+                <a:hlinkClick r:id="rId2"/>
+              </a:rPr>
+              <a:t>bank.example.com/withdraw?account=Alice&amp;amount=1000000&amp;for=Eve</a:t>
+            </a:r>
+            <a:r>
+              <a:rPr lang="en-US" sz="1600" dirty="0" smtClean="0"/>
+              <a:t>&gt;click&lt;/a&gt;</a:t>
+            </a:r>
+            <a:r>
+              <a:rPr lang="en-US" dirty="0" smtClean="0"/>
+              <a:t>”?</a:t>
+            </a:r>
+            <a:endParaRPr lang="en-US" sz="2000" dirty="0"/>
+          </a:p>
+          <a:p>
+            <a:r>
+              <a:rPr lang="en-US" dirty="0" smtClean="0"/>
+              <a:t>What if Eve serves Alice the HTML</a:t>
+            </a:r>
+            <a:br>
+              <a:rPr lang="en-US" dirty="0" smtClean="0"/>
+            </a:br>
+            <a:r>
+              <a:rPr lang="en-US" dirty="0" smtClean="0"/>
+              <a:t>	</a:t>
+            </a:r>
+            <a:r>
+              <a:rPr lang="en-US" sz="1800" dirty="0" smtClean="0"/>
+              <a:t>&lt;</a:t>
+            </a:r>
+            <a:r>
+              <a:rPr lang="en-US" sz="1800" dirty="0" err="1" smtClean="0"/>
+              <a:t>img</a:t>
+            </a:r>
+            <a:r>
+              <a:rPr lang="en-US" sz="1800" dirty="0" smtClean="0"/>
+              <a:t> </a:t>
+            </a:r>
+            <a:r>
+              <a:rPr lang="en-US" sz="1800" dirty="0" err="1" smtClean="0"/>
+              <a:t>src</a:t>
+            </a:r>
+            <a:r>
+              <a:rPr lang="en-US" sz="1800" dirty="0" smtClean="0"/>
+              <a:t>=</a:t>
+            </a:r>
+            <a:r>
+              <a:rPr lang="en-US" sz="1800" dirty="0" smtClean="0">
+                <a:hlinkClick r:id="rId2"/>
+              </a:rPr>
+              <a:t>http</a:t>
+            </a:r>
+            <a:r>
+              <a:rPr lang="en-US" sz="1800" dirty="0">
+                <a:hlinkClick r:id="rId2"/>
+              </a:rPr>
+              <a:t>://</a:t>
+            </a:r>
+            <a:r>
+              <a:rPr lang="en-US" sz="1800" dirty="0" smtClean="0">
+                <a:hlinkClick r:id="rId2"/>
+              </a:rPr>
+              <a:t>bank.example.com/withdraw?account=Alice&amp;amount=1000000&amp;for=Eve</a:t>
+            </a:r>
+            <a:r>
+              <a:rPr lang="en-US" sz="1800" dirty="0"/>
+              <a:t> </a:t>
+            </a:r>
+            <a:r>
+              <a:rPr lang="en-US" sz="1800" dirty="0" smtClean="0"/>
+              <a:t>/&gt; </a:t>
+            </a:r>
+            <a:r>
+              <a:rPr lang="en-US" dirty="0" smtClean="0"/>
+              <a:t>?</a:t>
+            </a:r>
+            <a:endParaRPr lang="en-US" dirty="0" smtClean="0"/>
+          </a:p>
+        </p:txBody>
+      </p:sp>
+    </p:spTree>
+    <p:extLst>
+      <p:ext uri="{BB962C8B-B14F-4D97-AF65-F5344CB8AC3E}">
+        <p14:creationId xmlns:p14="http://schemas.microsoft.com/office/powerpoint/2010/main" val="2186868831"/>
       </p:ext>
     </p:extLst>
   </p:cSld>
@@ -12607,829 +13457,6 @@
                       </p:childTnLst>
                     </p:cTn>
                   </p:par>
-                  <p:par>
-                    <p:cTn id="15" fill="hold">
-                      <p:stCondLst>
-                        <p:cond delay="indefinite"/>
-                      </p:stCondLst>
-                      <p:childTnLst>
-                        <p:par>
-                          <p:cTn id="16" fill="hold">
-                            <p:stCondLst>
-                              <p:cond delay="0"/>
-                            </p:stCondLst>
-                            <p:childTnLst>
-                              <p:par>
-                                <p:cTn id="17" presetID="1" presetClass="entr" presetSubtype="0" fill="hold" grpId="0" nodeType="clickEffect">
-                                  <p:stCondLst>
-                                    <p:cond delay="0"/>
-                                  </p:stCondLst>
-                                  <p:childTnLst>
-                                    <p:set>
-                                      <p:cBhvr>
-                                        <p:cTn id="18" dur="1" fill="hold">
-                                          <p:stCondLst>
-                                            <p:cond delay="0"/>
-                                          </p:stCondLst>
-                                        </p:cTn>
-                                        <p:tgtEl>
-                                          <p:spTgt spid="3">
-                                            <p:txEl>
-                                              <p:pRg st="3" end="3"/>
-                                            </p:txEl>
-                                          </p:spTgt>
-                                        </p:tgtEl>
-                                        <p:attrNameLst>
-                                          <p:attrName>style.visibility</p:attrName>
-                                        </p:attrNameLst>
-                                      </p:cBhvr>
-                                      <p:to>
-                                        <p:strVal val="visible"/>
-                                      </p:to>
-                                    </p:set>
-                                  </p:childTnLst>
-                                </p:cTn>
-                              </p:par>
-                            </p:childTnLst>
-                          </p:cTn>
-                        </p:par>
-                      </p:childTnLst>
-                    </p:cTn>
-                  </p:par>
-                  <p:par>
-                    <p:cTn id="19" fill="hold">
-                      <p:stCondLst>
-                        <p:cond delay="indefinite"/>
-                      </p:stCondLst>
-                      <p:childTnLst>
-                        <p:par>
-                          <p:cTn id="20" fill="hold">
-                            <p:stCondLst>
-                              <p:cond delay="0"/>
-                            </p:stCondLst>
-                            <p:childTnLst>
-                              <p:par>
-                                <p:cTn id="21" presetID="1" presetClass="entr" presetSubtype="0" fill="hold" grpId="0" nodeType="clickEffect">
-                                  <p:stCondLst>
-                                    <p:cond delay="0"/>
-                                  </p:stCondLst>
-                                  <p:childTnLst>
-                                    <p:set>
-                                      <p:cBhvr>
-                                        <p:cTn id="22" dur="1" fill="hold">
-                                          <p:stCondLst>
-                                            <p:cond delay="0"/>
-                                          </p:stCondLst>
-                                        </p:cTn>
-                                        <p:tgtEl>
-                                          <p:spTgt spid="3">
-                                            <p:txEl>
-                                              <p:pRg st="4" end="4"/>
-                                            </p:txEl>
-                                          </p:spTgt>
-                                        </p:tgtEl>
-                                        <p:attrNameLst>
-                                          <p:attrName>style.visibility</p:attrName>
-                                        </p:attrNameLst>
-                                      </p:cBhvr>
-                                      <p:to>
-                                        <p:strVal val="visible"/>
-                                      </p:to>
-                                    </p:set>
-                                  </p:childTnLst>
-                                </p:cTn>
-                              </p:par>
-                            </p:childTnLst>
-                          </p:cTn>
-                        </p:par>
-                      </p:childTnLst>
-                    </p:cTn>
-                  </p:par>
-                  <p:par>
-                    <p:cTn id="23" fill="hold">
-                      <p:stCondLst>
-                        <p:cond delay="indefinite"/>
-                      </p:stCondLst>
-                      <p:childTnLst>
-                        <p:par>
-                          <p:cTn id="24" fill="hold">
-                            <p:stCondLst>
-                              <p:cond delay="0"/>
-                            </p:stCondLst>
-                            <p:childTnLst>
-                              <p:par>
-                                <p:cTn id="25" presetID="1" presetClass="entr" presetSubtype="0" fill="hold" grpId="0" nodeType="clickEffect">
-                                  <p:stCondLst>
-                                    <p:cond delay="0"/>
-                                  </p:stCondLst>
-                                  <p:childTnLst>
-                                    <p:set>
-                                      <p:cBhvr>
-                                        <p:cTn id="26" dur="1" fill="hold">
-                                          <p:stCondLst>
-                                            <p:cond delay="0"/>
-                                          </p:stCondLst>
-                                        </p:cTn>
-                                        <p:tgtEl>
-                                          <p:spTgt spid="3">
-                                            <p:txEl>
-                                              <p:pRg st="5" end="5"/>
-                                            </p:txEl>
-                                          </p:spTgt>
-                                        </p:tgtEl>
-                                        <p:attrNameLst>
-                                          <p:attrName>style.visibility</p:attrName>
-                                        </p:attrNameLst>
-                                      </p:cBhvr>
-                                      <p:to>
-                                        <p:strVal val="visible"/>
-                                      </p:to>
-                                    </p:set>
-                                  </p:childTnLst>
-                                </p:cTn>
-                              </p:par>
-                            </p:childTnLst>
-                          </p:cTn>
-                        </p:par>
-                      </p:childTnLst>
-                    </p:cTn>
-                  </p:par>
-                  <p:par>
-                    <p:cTn id="27" fill="hold">
-                      <p:stCondLst>
-                        <p:cond delay="indefinite"/>
-                      </p:stCondLst>
-                      <p:childTnLst>
-                        <p:par>
-                          <p:cTn id="28" fill="hold">
-                            <p:stCondLst>
-                              <p:cond delay="0"/>
-                            </p:stCondLst>
-                            <p:childTnLst>
-                              <p:par>
-                                <p:cTn id="29" presetID="1" presetClass="entr" presetSubtype="0" fill="hold" grpId="0" nodeType="clickEffect">
-                                  <p:stCondLst>
-                                    <p:cond delay="0"/>
-                                  </p:stCondLst>
-                                  <p:childTnLst>
-                                    <p:set>
-                                      <p:cBhvr>
-                                        <p:cTn id="30" dur="1" fill="hold">
-                                          <p:stCondLst>
-                                            <p:cond delay="0"/>
-                                          </p:stCondLst>
-                                        </p:cTn>
-                                        <p:tgtEl>
-                                          <p:spTgt spid="3">
-                                            <p:txEl>
-                                              <p:pRg st="6" end="6"/>
-                                            </p:txEl>
-                                          </p:spTgt>
-                                        </p:tgtEl>
-                                        <p:attrNameLst>
-                                          <p:attrName>style.visibility</p:attrName>
-                                        </p:attrNameLst>
-                                      </p:cBhvr>
-                                      <p:to>
-                                        <p:strVal val="visible"/>
-                                      </p:to>
-                                    </p:set>
-                                  </p:childTnLst>
-                                </p:cTn>
-                              </p:par>
-                            </p:childTnLst>
-                          </p:cTn>
-                        </p:par>
-                      </p:childTnLst>
-                    </p:cTn>
-                  </p:par>
-                </p:childTnLst>
-              </p:cTn>
-              <p:prevCondLst>
-                <p:cond evt="onPrev" delay="0">
-                  <p:tgtEl>
-                    <p:sldTgt/>
-                  </p:tgtEl>
-                </p:cond>
-              </p:prevCondLst>
-              <p:nextCondLst>
-                <p:cond evt="onNext" delay="0">
-                  <p:tgtEl>
-                    <p:sldTgt/>
-                  </p:tgtEl>
-                </p:cond>
-              </p:nextCondLst>
-            </p:seq>
-          </p:childTnLst>
-        </p:cTn>
-      </p:par>
-    </p:tnLst>
-    <p:bldLst>
-      <p:bldP spid="3" grpId="0" build="p"/>
-    </p:bldLst>
-  </p:timing>
-</p:sld>
-</file>
-
-<file path=ppt/slides/slide34.xml><?xml version="1.0" encoding="utf-8"?>
-<p:sld xmlns:a="http://schemas.openxmlformats.org/drawingml/2006/main" xmlns:r="http://schemas.openxmlformats.org/officeDocument/2006/relationships" xmlns:p="http://schemas.openxmlformats.org/presentationml/2006/main">
-  <p:cSld>
-    <p:spTree>
-      <p:nvGrpSpPr>
-        <p:cNvPr id="1" name=""/>
-        <p:cNvGrpSpPr/>
-        <p:nvPr/>
-      </p:nvGrpSpPr>
-      <p:grpSpPr>
-        <a:xfrm>
-          <a:off x="0" y="0"/>
-          <a:ext cx="0" cy="0"/>
-          <a:chOff x="0" y="0"/>
-          <a:chExt cx="0" cy="0"/>
-        </a:xfrm>
-      </p:grpSpPr>
-      <p:sp>
-        <p:nvSpPr>
-          <p:cNvPr id="2" name="Title 1"/>
-          <p:cNvSpPr>
-            <a:spLocks noGrp="1"/>
-          </p:cNvSpPr>
-          <p:nvPr>
-            <p:ph type="title"/>
-          </p:nvPr>
-        </p:nvSpPr>
-        <p:spPr/>
-        <p:txBody>
-          <a:bodyPr/>
-          <a:lstStyle/>
-          <a:p>
-            <a:r>
-              <a:rPr lang="en-US" dirty="0" smtClean="0"/>
-              <a:t>Some Demos!</a:t>
-            </a:r>
-            <a:endParaRPr lang="en-US" dirty="0"/>
-          </a:p>
-        </p:txBody>
-      </p:sp>
-      <p:sp>
-        <p:nvSpPr>
-          <p:cNvPr id="3" name="Content Placeholder 2"/>
-          <p:cNvSpPr>
-            <a:spLocks noGrp="1"/>
-          </p:cNvSpPr>
-          <p:nvPr>
-            <p:ph idx="1"/>
-          </p:nvPr>
-        </p:nvSpPr>
-        <p:spPr/>
-        <p:txBody>
-          <a:bodyPr/>
-          <a:lstStyle/>
-          <a:p>
-            <a:endParaRPr lang="en-US"/>
-          </a:p>
-        </p:txBody>
-      </p:sp>
-    </p:spTree>
-    <p:extLst>
-      <p:ext uri="{BB962C8B-B14F-4D97-AF65-F5344CB8AC3E}">
-        <p14:creationId xmlns:p14="http://schemas.microsoft.com/office/powerpoint/2010/main" val="1105564053"/>
-      </p:ext>
-    </p:extLst>
-  </p:cSld>
-  <p:clrMapOvr>
-    <a:masterClrMapping/>
-  </p:clrMapOvr>
-  <p:timing>
-    <p:tnLst>
-      <p:par>
-        <p:cTn id="1" dur="indefinite" restart="never" nodeType="tmRoot"/>
-      </p:par>
-    </p:tnLst>
-  </p:timing>
-</p:sld>
-</file>
-
-<file path=ppt/slides/slide35.xml><?xml version="1.0" encoding="utf-8"?>
-<p:sld xmlns:a="http://schemas.openxmlformats.org/drawingml/2006/main" xmlns:r="http://schemas.openxmlformats.org/officeDocument/2006/relationships" xmlns:p="http://schemas.openxmlformats.org/presentationml/2006/main">
-  <p:cSld>
-    <p:spTree>
-      <p:nvGrpSpPr>
-        <p:cNvPr id="1" name=""/>
-        <p:cNvGrpSpPr/>
-        <p:nvPr/>
-      </p:nvGrpSpPr>
-      <p:grpSpPr>
-        <a:xfrm>
-          <a:off x="0" y="0"/>
-          <a:ext cx="0" cy="0"/>
-          <a:chOff x="0" y="0"/>
-          <a:chExt cx="0" cy="0"/>
-        </a:xfrm>
-      </p:grpSpPr>
-    </p:spTree>
-    <p:extLst>
-      <p:ext uri="{BB962C8B-B14F-4D97-AF65-F5344CB8AC3E}">
-        <p14:creationId xmlns:p14="http://schemas.microsoft.com/office/powerpoint/2010/main" val="4152831869"/>
-      </p:ext>
-    </p:extLst>
-  </p:cSld>
-  <p:clrMapOvr>
-    <a:masterClrMapping/>
-  </p:clrMapOvr>
-  <p:timing>
-    <p:tnLst>
-      <p:par>
-        <p:cTn id="1" dur="indefinite" restart="never" nodeType="tmRoot"/>
-      </p:par>
-    </p:tnLst>
-  </p:timing>
-</p:sld>
-</file>
-
-<file path=ppt/slides/slide36.xml><?xml version="1.0" encoding="utf-8"?>
-<p:sld xmlns:a="http://schemas.openxmlformats.org/drawingml/2006/main" xmlns:r="http://schemas.openxmlformats.org/officeDocument/2006/relationships" xmlns:p="http://schemas.openxmlformats.org/presentationml/2006/main">
-  <p:cSld>
-    <p:spTree>
-      <p:nvGrpSpPr>
-        <p:cNvPr id="1" name=""/>
-        <p:cNvGrpSpPr/>
-        <p:nvPr/>
-      </p:nvGrpSpPr>
-      <p:grpSpPr>
-        <a:xfrm>
-          <a:off x="0" y="0"/>
-          <a:ext cx="0" cy="0"/>
-          <a:chOff x="0" y="0"/>
-          <a:chExt cx="0" cy="0"/>
-        </a:xfrm>
-      </p:grpSpPr>
-      <p:sp>
-        <p:nvSpPr>
-          <p:cNvPr id="3" name="Content Placeholder 2"/>
-          <p:cNvSpPr>
-            <a:spLocks noGrp="1"/>
-          </p:cNvSpPr>
-          <p:nvPr>
-            <p:ph idx="1"/>
-          </p:nvPr>
-        </p:nvSpPr>
-        <p:spPr/>
-        <p:txBody>
-          <a:bodyPr/>
-          <a:lstStyle/>
-          <a:p>
-            <a:pPr marL="0" indent="0">
-              <a:buNone/>
-            </a:pPr>
-            <a:r>
-              <a:rPr lang="en-US" dirty="0" smtClean="0"/>
-              <a:t>“I escape everything before showing it, and I use prepared statements. I’m clear, right?”</a:t>
-            </a:r>
-            <a:br>
-              <a:rPr lang="en-US" dirty="0" smtClean="0"/>
-            </a:br>
-            <a:endParaRPr lang="en-US" dirty="0" smtClean="0"/>
-          </a:p>
-          <a:p>
-            <a:pPr marL="0" indent="0">
-              <a:buNone/>
-            </a:pPr>
-            <a:r>
-              <a:rPr lang="en-US" dirty="0" smtClean="0"/>
-              <a:t>… Sadly, no.</a:t>
-            </a:r>
-          </a:p>
-        </p:txBody>
-      </p:sp>
-    </p:spTree>
-    <p:extLst>
-      <p:ext uri="{BB962C8B-B14F-4D97-AF65-F5344CB8AC3E}">
-        <p14:creationId xmlns:p14="http://schemas.microsoft.com/office/powerpoint/2010/main" val="593321947"/>
-      </p:ext>
-    </p:extLst>
-  </p:cSld>
-  <p:clrMapOvr>
-    <a:masterClrMapping/>
-  </p:clrMapOvr>
-  <p:timing>
-    <p:tnLst>
-      <p:par>
-        <p:cTn id="1" dur="indefinite" restart="never" nodeType="tmRoot">
-          <p:childTnLst>
-            <p:seq concurrent="1" nextAc="seek">
-              <p:cTn id="2" dur="indefinite" nodeType="mainSeq">
-                <p:childTnLst>
-                  <p:par>
-                    <p:cTn id="3" fill="hold">
-                      <p:stCondLst>
-                        <p:cond delay="indefinite"/>
-                      </p:stCondLst>
-                      <p:childTnLst>
-                        <p:par>
-                          <p:cTn id="4" fill="hold">
-                            <p:stCondLst>
-                              <p:cond delay="0"/>
-                            </p:stCondLst>
-                            <p:childTnLst>
-                              <p:par>
-                                <p:cTn id="5" presetID="1" presetClass="entr" presetSubtype="0" fill="hold" grpId="0" nodeType="clickEffect">
-                                  <p:stCondLst>
-                                    <p:cond delay="0"/>
-                                  </p:stCondLst>
-                                  <p:childTnLst>
-                                    <p:set>
-                                      <p:cBhvr>
-                                        <p:cTn id="6" dur="1" fill="hold">
-                                          <p:stCondLst>
-                                            <p:cond delay="0"/>
-                                          </p:stCondLst>
-                                        </p:cTn>
-                                        <p:tgtEl>
-                                          <p:spTgt spid="3">
-                                            <p:txEl>
-                                              <p:pRg st="0" end="0"/>
-                                            </p:txEl>
-                                          </p:spTgt>
-                                        </p:tgtEl>
-                                        <p:attrNameLst>
-                                          <p:attrName>style.visibility</p:attrName>
-                                        </p:attrNameLst>
-                                      </p:cBhvr>
-                                      <p:to>
-                                        <p:strVal val="visible"/>
-                                      </p:to>
-                                    </p:set>
-                                  </p:childTnLst>
-                                </p:cTn>
-                              </p:par>
-                            </p:childTnLst>
-                          </p:cTn>
-                        </p:par>
-                      </p:childTnLst>
-                    </p:cTn>
-                  </p:par>
-                  <p:par>
-                    <p:cTn id="7" fill="hold">
-                      <p:stCondLst>
-                        <p:cond delay="indefinite"/>
-                      </p:stCondLst>
-                      <p:childTnLst>
-                        <p:par>
-                          <p:cTn id="8" fill="hold">
-                            <p:stCondLst>
-                              <p:cond delay="0"/>
-                            </p:stCondLst>
-                            <p:childTnLst>
-                              <p:par>
-                                <p:cTn id="9" presetID="1" presetClass="entr" presetSubtype="0" fill="hold" grpId="0" nodeType="clickEffect">
-                                  <p:stCondLst>
-                                    <p:cond delay="0"/>
-                                  </p:stCondLst>
-                                  <p:childTnLst>
-                                    <p:set>
-                                      <p:cBhvr>
-                                        <p:cTn id="10" dur="1" fill="hold">
-                                          <p:stCondLst>
-                                            <p:cond delay="0"/>
-                                          </p:stCondLst>
-                                        </p:cTn>
-                                        <p:tgtEl>
-                                          <p:spTgt spid="3">
-                                            <p:txEl>
-                                              <p:pRg st="1" end="1"/>
-                                            </p:txEl>
-                                          </p:spTgt>
-                                        </p:tgtEl>
-                                        <p:attrNameLst>
-                                          <p:attrName>style.visibility</p:attrName>
-                                        </p:attrNameLst>
-                                      </p:cBhvr>
-                                      <p:to>
-                                        <p:strVal val="visible"/>
-                                      </p:to>
-                                    </p:set>
-                                  </p:childTnLst>
-                                </p:cTn>
-                              </p:par>
-                            </p:childTnLst>
-                          </p:cTn>
-                        </p:par>
-                      </p:childTnLst>
-                    </p:cTn>
-                  </p:par>
-                </p:childTnLst>
-              </p:cTn>
-              <p:prevCondLst>
-                <p:cond evt="onPrev" delay="0">
-                  <p:tgtEl>
-                    <p:sldTgt/>
-                  </p:tgtEl>
-                </p:cond>
-              </p:prevCondLst>
-              <p:nextCondLst>
-                <p:cond evt="onNext" delay="0">
-                  <p:tgtEl>
-                    <p:sldTgt/>
-                  </p:tgtEl>
-                </p:cond>
-              </p:nextCondLst>
-            </p:seq>
-          </p:childTnLst>
-        </p:cTn>
-      </p:par>
-    </p:tnLst>
-    <p:bldLst>
-      <p:bldP spid="3" grpId="0" build="p"/>
-    </p:bldLst>
-  </p:timing>
-</p:sld>
-</file>
-
-<file path=ppt/slides/slide37.xml><?xml version="1.0" encoding="utf-8"?>
-<p:sld xmlns:a="http://schemas.openxmlformats.org/drawingml/2006/main" xmlns:r="http://schemas.openxmlformats.org/officeDocument/2006/relationships" xmlns:p="http://schemas.openxmlformats.org/presentationml/2006/main">
-  <p:cSld>
-    <p:spTree>
-      <p:nvGrpSpPr>
-        <p:cNvPr id="1" name=""/>
-        <p:cNvGrpSpPr/>
-        <p:nvPr/>
-      </p:nvGrpSpPr>
-      <p:grpSpPr>
-        <a:xfrm>
-          <a:off x="0" y="0"/>
-          <a:ext cx="0" cy="0"/>
-          <a:chOff x="0" y="0"/>
-          <a:chExt cx="0" cy="0"/>
-        </a:xfrm>
-      </p:grpSpPr>
-      <p:sp>
-        <p:nvSpPr>
-          <p:cNvPr id="2" name="Title 1"/>
-          <p:cNvSpPr>
-            <a:spLocks noGrp="1"/>
-          </p:cNvSpPr>
-          <p:nvPr>
-            <p:ph type="title"/>
-          </p:nvPr>
-        </p:nvSpPr>
-        <p:spPr/>
-        <p:txBody>
-          <a:bodyPr/>
-          <a:lstStyle/>
-          <a:p>
-            <a:r>
-              <a:rPr lang="en-US" dirty="0" smtClean="0"/>
-              <a:t>Cross-Site Request Forgery</a:t>
-            </a:r>
-            <a:endParaRPr lang="en-US" dirty="0"/>
-          </a:p>
-        </p:txBody>
-      </p:sp>
-      <p:sp>
-        <p:nvSpPr>
-          <p:cNvPr id="3" name="Content Placeholder 2"/>
-          <p:cNvSpPr>
-            <a:spLocks noGrp="1"/>
-          </p:cNvSpPr>
-          <p:nvPr>
-            <p:ph idx="1"/>
-          </p:nvPr>
-        </p:nvSpPr>
-        <p:spPr/>
-        <p:txBody>
-          <a:bodyPr/>
-          <a:lstStyle/>
-          <a:p>
-            <a:r>
-              <a:rPr lang="en-US" dirty="0" smtClean="0"/>
-              <a:t>Also called “session riding”</a:t>
-            </a:r>
-          </a:p>
-          <a:p>
-            <a:r>
-              <a:rPr lang="en-US" dirty="0" smtClean="0"/>
-              <a:t>What happens if Alice sees a message containing this?</a:t>
-            </a:r>
-          </a:p>
-          <a:p>
-            <a:pPr marL="0" indent="0">
-              <a:buNone/>
-            </a:pPr>
-            <a:endParaRPr lang="en-US" sz="2000" dirty="0" smtClean="0"/>
-          </a:p>
-          <a:p>
-            <a:pPr marL="0" indent="0">
-              <a:buNone/>
-            </a:pPr>
-            <a:r>
-              <a:rPr lang="en-US" sz="2000" dirty="0" smtClean="0"/>
-              <a:t>   [</a:t>
-            </a:r>
-            <a:r>
-              <a:rPr lang="en-US" sz="2000" dirty="0" err="1" smtClean="0"/>
-              <a:t>img</a:t>
-            </a:r>
-            <a:r>
-              <a:rPr lang="en-US" sz="2000" dirty="0" smtClean="0"/>
-              <a:t>]</a:t>
-            </a:r>
-            <a:r>
-              <a:rPr lang="en-US" sz="2000" dirty="0" smtClean="0">
-                <a:hlinkClick r:id="rId2"/>
-              </a:rPr>
-              <a:t>http</a:t>
-            </a:r>
-            <a:r>
-              <a:rPr lang="en-US" sz="2000" dirty="0">
-                <a:hlinkClick r:id="rId2"/>
-              </a:rPr>
-              <a:t>://</a:t>
-            </a:r>
-            <a:r>
-              <a:rPr lang="en-US" sz="2000" dirty="0" smtClean="0">
-                <a:hlinkClick r:id="rId2"/>
-              </a:rPr>
-              <a:t>bank.example.com/withdraw?account=Alice&amp;amount=1000000&amp;for=Eve</a:t>
-            </a:r>
-            <a:r>
-              <a:rPr lang="en-US" sz="2000" dirty="0" smtClean="0"/>
-              <a:t>[/img]</a:t>
-            </a:r>
-          </a:p>
-          <a:p>
-            <a:pPr marL="0" indent="0">
-              <a:buNone/>
-            </a:pPr>
-            <a:endParaRPr lang="en-US" sz="2000" dirty="0" smtClean="0"/>
-          </a:p>
-        </p:txBody>
-      </p:sp>
-    </p:spTree>
-    <p:extLst>
-      <p:ext uri="{BB962C8B-B14F-4D97-AF65-F5344CB8AC3E}">
-        <p14:creationId xmlns:p14="http://schemas.microsoft.com/office/powerpoint/2010/main" val="2186868831"/>
-      </p:ext>
-    </p:extLst>
-  </p:cSld>
-  <p:clrMapOvr>
-    <a:masterClrMapping/>
-  </p:clrMapOvr>
-  <p:timing>
-    <p:tnLst>
-      <p:par>
-        <p:cTn id="1" dur="indefinite" restart="never" nodeType="tmRoot">
-          <p:childTnLst>
-            <p:seq concurrent="1" nextAc="seek">
-              <p:cTn id="2" dur="indefinite" nodeType="mainSeq">
-                <p:childTnLst>
-                  <p:par>
-                    <p:cTn id="3" fill="hold">
-                      <p:stCondLst>
-                        <p:cond delay="indefinite"/>
-                      </p:stCondLst>
-                      <p:childTnLst>
-                        <p:par>
-                          <p:cTn id="4" fill="hold">
-                            <p:stCondLst>
-                              <p:cond delay="0"/>
-                            </p:stCondLst>
-                            <p:childTnLst>
-                              <p:par>
-                                <p:cTn id="5" presetID="1" presetClass="entr" presetSubtype="0" fill="hold" grpId="0" nodeType="clickEffect">
-                                  <p:stCondLst>
-                                    <p:cond delay="0"/>
-                                  </p:stCondLst>
-                                  <p:childTnLst>
-                                    <p:set>
-                                      <p:cBhvr>
-                                        <p:cTn id="6" dur="1" fill="hold">
-                                          <p:stCondLst>
-                                            <p:cond delay="0"/>
-                                          </p:stCondLst>
-                                        </p:cTn>
-                                        <p:tgtEl>
-                                          <p:spTgt spid="3">
-                                            <p:txEl>
-                                              <p:pRg st="0" end="0"/>
-                                            </p:txEl>
-                                          </p:spTgt>
-                                        </p:tgtEl>
-                                        <p:attrNameLst>
-                                          <p:attrName>style.visibility</p:attrName>
-                                        </p:attrNameLst>
-                                      </p:cBhvr>
-                                      <p:to>
-                                        <p:strVal val="visible"/>
-                                      </p:to>
-                                    </p:set>
-                                  </p:childTnLst>
-                                </p:cTn>
-                              </p:par>
-                            </p:childTnLst>
-                          </p:cTn>
-                        </p:par>
-                      </p:childTnLst>
-                    </p:cTn>
-                  </p:par>
-                  <p:par>
-                    <p:cTn id="7" fill="hold">
-                      <p:stCondLst>
-                        <p:cond delay="indefinite"/>
-                      </p:stCondLst>
-                      <p:childTnLst>
-                        <p:par>
-                          <p:cTn id="8" fill="hold">
-                            <p:stCondLst>
-                              <p:cond delay="0"/>
-                            </p:stCondLst>
-                            <p:childTnLst>
-                              <p:par>
-                                <p:cTn id="9" presetID="1" presetClass="entr" presetSubtype="0" fill="hold" grpId="0" nodeType="clickEffect">
-                                  <p:stCondLst>
-                                    <p:cond delay="0"/>
-                                  </p:stCondLst>
-                                  <p:childTnLst>
-                                    <p:set>
-                                      <p:cBhvr>
-                                        <p:cTn id="10" dur="1" fill="hold">
-                                          <p:stCondLst>
-                                            <p:cond delay="0"/>
-                                          </p:stCondLst>
-                                        </p:cTn>
-                                        <p:tgtEl>
-                                          <p:spTgt spid="3">
-                                            <p:txEl>
-                                              <p:pRg st="1" end="1"/>
-                                            </p:txEl>
-                                          </p:spTgt>
-                                        </p:tgtEl>
-                                        <p:attrNameLst>
-                                          <p:attrName>style.visibility</p:attrName>
-                                        </p:attrNameLst>
-                                      </p:cBhvr>
-                                      <p:to>
-                                        <p:strVal val="visible"/>
-                                      </p:to>
-                                    </p:set>
-                                  </p:childTnLst>
-                                </p:cTn>
-                              </p:par>
-                            </p:childTnLst>
-                          </p:cTn>
-                        </p:par>
-                      </p:childTnLst>
-                    </p:cTn>
-                  </p:par>
-                  <p:par>
-                    <p:cTn id="11" fill="hold">
-                      <p:stCondLst>
-                        <p:cond delay="indefinite"/>
-                      </p:stCondLst>
-                      <p:childTnLst>
-                        <p:par>
-                          <p:cTn id="12" fill="hold">
-                            <p:stCondLst>
-                              <p:cond delay="0"/>
-                            </p:stCondLst>
-                            <p:childTnLst>
-                              <p:par>
-                                <p:cTn id="13" presetID="1" presetClass="entr" presetSubtype="0" fill="hold" grpId="0" nodeType="clickEffect">
-                                  <p:stCondLst>
-                                    <p:cond delay="0"/>
-                                  </p:stCondLst>
-                                  <p:childTnLst>
-                                    <p:set>
-                                      <p:cBhvr>
-                                        <p:cTn id="14" dur="1" fill="hold">
-                                          <p:stCondLst>
-                                            <p:cond delay="0"/>
-                                          </p:stCondLst>
-                                        </p:cTn>
-                                        <p:tgtEl>
-                                          <p:spTgt spid="3">
-                                            <p:txEl>
-                                              <p:pRg st="3" end="3"/>
-                                            </p:txEl>
-                                          </p:spTgt>
-                                        </p:tgtEl>
-                                        <p:attrNameLst>
-                                          <p:attrName>style.visibility</p:attrName>
-                                        </p:attrNameLst>
-                                      </p:cBhvr>
-                                      <p:to>
-                                        <p:strVal val="visible"/>
-                                      </p:to>
-                                    </p:set>
-                                  </p:childTnLst>
-                                </p:cTn>
-                              </p:par>
-                            </p:childTnLst>
-                          </p:cTn>
-                        </p:par>
-                      </p:childTnLst>
-                    </p:cTn>
-                  </p:par>
                 </p:childTnLst>
               </p:cTn>
               <p:prevCondLst>
@@ -13458,7 +13485,7 @@
 </p:sld>
 </file>
 
-<file path=ppt/slides/slide38.xml><?xml version="1.0" encoding="utf-8"?>
+<file path=ppt/slides/slide37.xml><?xml version="1.0" encoding="utf-8"?>
 <p:sld xmlns:a="http://schemas.openxmlformats.org/drawingml/2006/main" xmlns:r="http://schemas.openxmlformats.org/officeDocument/2006/relationships" xmlns:p="http://schemas.openxmlformats.org/presentationml/2006/main">
   <p:cSld>
     <p:spTree>
@@ -13953,6 +13980,419 @@
 </p:sld>
 </file>
 
+<file path=ppt/slides/slide38.xml><?xml version="1.0" encoding="utf-8"?>
+<p:sld xmlns:a="http://schemas.openxmlformats.org/drawingml/2006/main" xmlns:r="http://schemas.openxmlformats.org/officeDocument/2006/relationships" xmlns:p="http://schemas.openxmlformats.org/presentationml/2006/main">
+  <p:cSld>
+    <p:spTree>
+      <p:nvGrpSpPr>
+        <p:cNvPr id="1" name=""/>
+        <p:cNvGrpSpPr/>
+        <p:nvPr/>
+      </p:nvGrpSpPr>
+      <p:grpSpPr>
+        <a:xfrm>
+          <a:off x="0" y="0"/>
+          <a:ext cx="0" cy="0"/>
+          <a:chOff x="0" y="0"/>
+          <a:chExt cx="0" cy="0"/>
+        </a:xfrm>
+      </p:grpSpPr>
+      <p:sp>
+        <p:nvSpPr>
+          <p:cNvPr id="2" name="Title 1"/>
+          <p:cNvSpPr>
+            <a:spLocks noGrp="1"/>
+          </p:cNvSpPr>
+          <p:nvPr>
+            <p:ph type="title"/>
+          </p:nvPr>
+        </p:nvSpPr>
+        <p:spPr/>
+        <p:txBody>
+          <a:bodyPr/>
+          <a:lstStyle/>
+          <a:p>
+            <a:r>
+              <a:rPr lang="en-US" dirty="0" smtClean="0"/>
+              <a:t>Another Way to go Wrong</a:t>
+            </a:r>
+            <a:endParaRPr lang="en-US" dirty="0"/>
+          </a:p>
+        </p:txBody>
+      </p:sp>
+      <p:sp>
+        <p:nvSpPr>
+          <p:cNvPr id="5" name="TextBox 4"/>
+          <p:cNvSpPr txBox="1"/>
+          <p:nvPr/>
+        </p:nvSpPr>
+        <p:spPr>
+          <a:xfrm>
+            <a:off x="1326776" y="1550894"/>
+            <a:ext cx="10121153" cy="4524315"/>
+          </a:xfrm>
+          <a:prstGeom prst="rect">
+            <a:avLst/>
+          </a:prstGeom>
+          <a:noFill/>
+        </p:spPr>
+        <p:txBody>
+          <a:bodyPr wrap="square" rtlCol="0">
+            <a:spAutoFit/>
+          </a:bodyPr>
+          <a:lstStyle/>
+          <a:p>
+            <a:r>
+              <a:rPr lang="en-US" b="1" dirty="0"/>
+              <a:t>&lt;?</a:t>
+            </a:r>
+            <a:r>
+              <a:rPr lang="en-US" dirty="0" err="1"/>
+              <a:t>php</a:t>
+            </a:r>
+            <a:endParaRPr lang="en-US" dirty="0"/>
+          </a:p>
+          <a:p>
+            <a:r>
+              <a:rPr lang="en-US" dirty="0" smtClean="0"/>
+              <a:t>	</a:t>
+            </a:r>
+            <a:r>
+              <a:rPr lang="en-US" dirty="0" err="1" smtClean="0"/>
+              <a:t>session_start</a:t>
+            </a:r>
+            <a:r>
+              <a:rPr lang="en-US" dirty="0"/>
+              <a:t>();</a:t>
+            </a:r>
+          </a:p>
+          <a:p>
+            <a:r>
+              <a:rPr lang="en-US" b="1" dirty="0" smtClean="0"/>
+              <a:t>	if </a:t>
+            </a:r>
+            <a:r>
+              <a:rPr lang="en-US" dirty="0"/>
+              <a:t>($_FILES["</a:t>
+            </a:r>
+            <a:r>
+              <a:rPr lang="en-US" dirty="0" err="1"/>
+              <a:t>dispic</a:t>
+            </a:r>
+            <a:r>
+              <a:rPr lang="en-US" dirty="0"/>
+              <a:t>"]["error"] </a:t>
+            </a:r>
+            <a:r>
+              <a:rPr lang="en-US" b="1" dirty="0"/>
+              <a:t>&gt; </a:t>
+            </a:r>
+            <a:r>
+              <a:rPr lang="en-US" dirty="0"/>
+              <a:t>0) {</a:t>
+            </a:r>
+          </a:p>
+          <a:p>
+            <a:r>
+              <a:rPr lang="es-ES" b="1" dirty="0" smtClean="0"/>
+              <a:t>		echo </a:t>
+            </a:r>
+            <a:r>
+              <a:rPr lang="es-ES" dirty="0"/>
+              <a:t>"&lt;p&gt;Error: " </a:t>
+            </a:r>
+            <a:r>
+              <a:rPr lang="es-ES" b="1" dirty="0"/>
+              <a:t>. </a:t>
+            </a:r>
+            <a:r>
+              <a:rPr lang="es-ES" dirty="0"/>
+              <a:t>$_FILES["</a:t>
+            </a:r>
+            <a:r>
+              <a:rPr lang="es-ES" dirty="0" err="1"/>
+              <a:t>dispic</a:t>
+            </a:r>
+            <a:r>
+              <a:rPr lang="es-ES" dirty="0"/>
+              <a:t>"]["error"] </a:t>
+            </a:r>
+            <a:r>
+              <a:rPr lang="es-ES" b="1" dirty="0"/>
+              <a:t>. </a:t>
+            </a:r>
+            <a:r>
+              <a:rPr lang="es-ES" dirty="0"/>
+              <a:t>"&lt;/p&gt;";</a:t>
+            </a:r>
+          </a:p>
+          <a:p>
+            <a:r>
+              <a:rPr lang="en-US" dirty="0" smtClean="0"/>
+              <a:t>	}</a:t>
+            </a:r>
+            <a:endParaRPr lang="en-US" dirty="0"/>
+          </a:p>
+          <a:p>
+            <a:r>
+              <a:rPr lang="en-US" b="1" dirty="0" smtClean="0"/>
+              <a:t>	else</a:t>
+            </a:r>
+            <a:endParaRPr lang="en-US" b="1" dirty="0"/>
+          </a:p>
+          <a:p>
+            <a:r>
+              <a:rPr lang="en-US" dirty="0" smtClean="0"/>
+              <a:t>	{</a:t>
+            </a:r>
+            <a:endParaRPr lang="en-US" dirty="0"/>
+          </a:p>
+          <a:p>
+            <a:r>
+              <a:rPr lang="en-US" dirty="0" smtClean="0"/>
+              <a:t>		$</a:t>
+            </a:r>
+            <a:r>
+              <a:rPr lang="en-US" dirty="0" err="1"/>
+              <a:t>dest_dir</a:t>
+            </a:r>
+            <a:r>
+              <a:rPr lang="en-US" dirty="0"/>
+              <a:t> </a:t>
+            </a:r>
+            <a:r>
+              <a:rPr lang="en-US" b="1" dirty="0"/>
+              <a:t>= </a:t>
+            </a:r>
+            <a:r>
+              <a:rPr lang="en-US" dirty="0"/>
+              <a:t>"uploads/";</a:t>
+            </a:r>
+          </a:p>
+          <a:p>
+            <a:r>
+              <a:rPr lang="en-US" dirty="0" smtClean="0"/>
+              <a:t>		$</a:t>
+            </a:r>
+            <a:r>
+              <a:rPr lang="en-US" dirty="0" err="1"/>
+              <a:t>dest</a:t>
+            </a:r>
+            <a:r>
+              <a:rPr lang="en-US" dirty="0"/>
+              <a:t> </a:t>
+            </a:r>
+            <a:r>
+              <a:rPr lang="en-US" b="1" dirty="0"/>
+              <a:t>= </a:t>
+            </a:r>
+            <a:r>
+              <a:rPr lang="en-US" dirty="0"/>
+              <a:t>$</a:t>
+            </a:r>
+            <a:r>
+              <a:rPr lang="en-US" dirty="0" err="1"/>
+              <a:t>dest_dir</a:t>
+            </a:r>
+            <a:r>
+              <a:rPr lang="en-US" dirty="0"/>
+              <a:t> </a:t>
+            </a:r>
+            <a:r>
+              <a:rPr lang="en-US" b="1" dirty="0"/>
+              <a:t>. </a:t>
+            </a:r>
+            <a:r>
+              <a:rPr lang="en-US" dirty="0" err="1"/>
+              <a:t>basename</a:t>
+            </a:r>
+            <a:r>
+              <a:rPr lang="en-US" dirty="0"/>
+              <a:t>($_FILES["</a:t>
+            </a:r>
+            <a:r>
+              <a:rPr lang="en-US" dirty="0" err="1"/>
+              <a:t>dispic</a:t>
+            </a:r>
+            <a:r>
+              <a:rPr lang="en-US" dirty="0"/>
+              <a:t>"]["name"]);</a:t>
+            </a:r>
+          </a:p>
+          <a:p>
+            <a:r>
+              <a:rPr lang="en-US" dirty="0" smtClean="0"/>
+              <a:t>		$</a:t>
+            </a:r>
+            <a:r>
+              <a:rPr lang="en-US" dirty="0" err="1"/>
+              <a:t>src</a:t>
+            </a:r>
+            <a:r>
+              <a:rPr lang="en-US" dirty="0"/>
+              <a:t> </a:t>
+            </a:r>
+            <a:r>
+              <a:rPr lang="en-US" b="1" dirty="0"/>
+              <a:t>= </a:t>
+            </a:r>
+            <a:r>
+              <a:rPr lang="en-US" dirty="0"/>
+              <a:t>$_FILES["</a:t>
+            </a:r>
+            <a:r>
+              <a:rPr lang="en-US" dirty="0" err="1"/>
+              <a:t>dispic</a:t>
+            </a:r>
+            <a:r>
+              <a:rPr lang="en-US" dirty="0"/>
+              <a:t>"]["</a:t>
+            </a:r>
+            <a:r>
+              <a:rPr lang="en-US" dirty="0" err="1"/>
+              <a:t>tmp_name</a:t>
+            </a:r>
+            <a:r>
+              <a:rPr lang="en-US" dirty="0"/>
+              <a:t>"];</a:t>
+            </a:r>
+          </a:p>
+          <a:p>
+            <a:r>
+              <a:rPr lang="en-US" b="1" dirty="0" smtClean="0"/>
+              <a:t>		if </a:t>
+            </a:r>
+            <a:r>
+              <a:rPr lang="en-US" dirty="0"/>
+              <a:t>(</a:t>
+            </a:r>
+            <a:r>
+              <a:rPr lang="en-US" dirty="0" err="1"/>
+              <a:t>move_uploaded_file</a:t>
+            </a:r>
+            <a:r>
+              <a:rPr lang="en-US" dirty="0"/>
+              <a:t>($</a:t>
+            </a:r>
+            <a:r>
+              <a:rPr lang="en-US" dirty="0" err="1"/>
+              <a:t>src</a:t>
+            </a:r>
+            <a:r>
+              <a:rPr lang="en-US" dirty="0"/>
+              <a:t>, $</a:t>
+            </a:r>
+            <a:r>
+              <a:rPr lang="en-US" dirty="0" err="1"/>
+              <a:t>dest</a:t>
+            </a:r>
+            <a:r>
+              <a:rPr lang="en-US" dirty="0"/>
+              <a:t>)) {</a:t>
+            </a:r>
+          </a:p>
+          <a:p>
+            <a:r>
+              <a:rPr lang="en-US" dirty="0" smtClean="0"/>
+              <a:t>			$_</a:t>
+            </a:r>
+            <a:r>
+              <a:rPr lang="en-US" dirty="0"/>
+              <a:t>SESSION["</a:t>
+            </a:r>
+            <a:r>
+              <a:rPr lang="en-US" dirty="0" err="1"/>
+              <a:t>dispic_url</a:t>
+            </a:r>
+            <a:r>
+              <a:rPr lang="en-US" dirty="0"/>
+              <a:t>"] </a:t>
+            </a:r>
+            <a:r>
+              <a:rPr lang="en-US" b="1" dirty="0"/>
+              <a:t>= </a:t>
+            </a:r>
+            <a:r>
+              <a:rPr lang="en-US" dirty="0"/>
+              <a:t>$</a:t>
+            </a:r>
+            <a:r>
+              <a:rPr lang="en-US" dirty="0" err="1"/>
+              <a:t>dest</a:t>
+            </a:r>
+            <a:r>
+              <a:rPr lang="en-US" dirty="0"/>
+              <a:t>;</a:t>
+            </a:r>
+          </a:p>
+          <a:p>
+            <a:r>
+              <a:rPr lang="en-US" dirty="0" smtClean="0"/>
+              <a:t>			</a:t>
+            </a:r>
+            <a:r>
+              <a:rPr lang="en-US" dirty="0" err="1" smtClean="0"/>
+              <a:t>chmod</a:t>
+            </a:r>
+            <a:r>
+              <a:rPr lang="en-US" dirty="0"/>
+              <a:t>($</a:t>
+            </a:r>
+            <a:r>
+              <a:rPr lang="en-US" dirty="0" err="1"/>
+              <a:t>dest</a:t>
+            </a:r>
+            <a:r>
+              <a:rPr lang="en-US" dirty="0"/>
+              <a:t>, 0644);</a:t>
+            </a:r>
+          </a:p>
+          <a:p>
+            <a:r>
+              <a:rPr lang="en-US" b="1" dirty="0" smtClean="0"/>
+              <a:t>			echo </a:t>
+            </a:r>
+            <a:r>
+              <a:rPr lang="en-US" dirty="0"/>
+              <a:t>"&lt;p&gt;Successfully uploaded your display picture.&lt;/p&gt;";</a:t>
+            </a:r>
+          </a:p>
+          <a:p>
+            <a:r>
+              <a:rPr lang="en-US" dirty="0" smtClean="0"/>
+              <a:t>		}</a:t>
+            </a:r>
+            <a:endParaRPr lang="en-US" dirty="0"/>
+          </a:p>
+          <a:p>
+            <a:r>
+              <a:rPr lang="en-US" dirty="0" smtClean="0"/>
+              <a:t>	}</a:t>
+            </a:r>
+            <a:endParaRPr lang="en-US" dirty="0"/>
+          </a:p>
+        </p:txBody>
+      </p:sp>
+    </p:spTree>
+    <p:extLst>
+      <p:ext uri="{BB962C8B-B14F-4D97-AF65-F5344CB8AC3E}">
+        <p14:creationId xmlns:p14="http://schemas.microsoft.com/office/powerpoint/2010/main" val="1407764466"/>
+      </p:ext>
+    </p:extLst>
+  </p:cSld>
+  <p:clrMapOvr>
+    <a:masterClrMapping/>
+  </p:clrMapOvr>
+  <p:timing>
+    <p:tnLst>
+      <p:par>
+        <p:cTn id="1" dur="indefinite" restart="never" nodeType="tmRoot"/>
+      </p:par>
+    </p:tnLst>
+  </p:timing>
+</p:sld>
+</file>
+
 <file path=ppt/slides/slide39.xml><?xml version="1.0" encoding="utf-8"?>
 <p:sld xmlns:a="http://schemas.openxmlformats.org/drawingml/2006/main" xmlns:r="http://schemas.openxmlformats.org/officeDocument/2006/relationships" xmlns:p="http://schemas.openxmlformats.org/presentationml/2006/main">
   <p:cSld>
@@ -13986,8 +14426,12 @@
           <a:lstStyle/>
           <a:p>
             <a:r>
-              <a:rPr lang="en-US" dirty="0" smtClean="0"/>
-              <a:t>Thanks for coming!</a:t>
+              <a:rPr lang="en-US" dirty="0" err="1" smtClean="0"/>
+              <a:t>Hm</a:t>
+            </a:r>
+            <a:r>
+              <a:rPr lang="en-US" dirty="0" smtClean="0"/>
+              <a:t>…</a:t>
             </a:r>
             <a:endParaRPr lang="en-US" dirty="0"/>
           </a:p>
@@ -14010,62 +14454,16 @@
           <a:p>
             <a:r>
               <a:rPr lang="en-US" dirty="0" smtClean="0"/>
-              <a:t>If you have any more questions:</a:t>
-            </a:r>
-          </a:p>
-          <a:p>
-            <a:pPr lvl="1"/>
-            <a:r>
-              <a:rPr lang="en-US" dirty="0" smtClean="0">
-                <a:hlinkClick r:id="rId2"/>
-              </a:rPr>
-              <a:t>mserrano@cmu.edu</a:t>
-            </a:r>
-            <a:endParaRPr lang="en-US" dirty="0" smtClean="0"/>
-          </a:p>
-          <a:p>
-            <a:pPr lvl="1"/>
-            <a:r>
-              <a:rPr lang="en-US" dirty="0" smtClean="0">
-                <a:hlinkClick r:id="rId3"/>
-              </a:rPr>
-              <a:t>rgoulden@cmu.edu</a:t>
-            </a:r>
-            <a:endParaRPr lang="en-US" dirty="0" smtClean="0"/>
-          </a:p>
-          <a:p>
-            <a:r>
-              <a:rPr lang="en-US" dirty="0" smtClean="0"/>
-              <a:t>Source code for vulnerable websites on my </a:t>
-            </a:r>
-            <a:r>
-              <a:rPr lang="en-US" dirty="0" err="1" smtClean="0"/>
-              <a:t>Github</a:t>
-            </a:r>
-            <a:r>
-              <a:rPr lang="en-US" dirty="0" smtClean="0"/>
-              <a:t> (mserrano)</a:t>
-            </a:r>
-          </a:p>
-          <a:p>
-            <a:pPr lvl="1"/>
-            <a:r>
-              <a:rPr lang="en-US" dirty="0" smtClean="0"/>
-              <a:t>Slides, too</a:t>
-            </a:r>
-          </a:p>
-          <a:p>
-            <a:r>
-              <a:rPr lang="en-US" dirty="0" smtClean="0"/>
-              <a:t>If you want to join PPP, meetings are on Fridays at 5pm in CIC2101</a:t>
-            </a:r>
+              <a:t>What if my picture has code in it?</a:t>
+            </a:r>
+            <a:endParaRPr lang="en-US" dirty="0"/>
           </a:p>
         </p:txBody>
       </p:sp>
     </p:spTree>
     <p:extLst>
       <p:ext uri="{BB962C8B-B14F-4D97-AF65-F5344CB8AC3E}">
-        <p14:creationId xmlns:p14="http://schemas.microsoft.com/office/powerpoint/2010/main" val="4180369051"/>
+        <p14:creationId xmlns:p14="http://schemas.microsoft.com/office/powerpoint/2010/main" val="489475349"/>
       </p:ext>
     </p:extLst>
   </p:cSld>
@@ -14553,6 +14951,151 @@
 </p:sld>
 </file>
 
+<file path=ppt/slides/slide40.xml><?xml version="1.0" encoding="utf-8"?>
+<p:sld xmlns:a="http://schemas.openxmlformats.org/drawingml/2006/main" xmlns:r="http://schemas.openxmlformats.org/officeDocument/2006/relationships" xmlns:p="http://schemas.openxmlformats.org/presentationml/2006/main">
+  <p:cSld>
+    <p:spTree>
+      <p:nvGrpSpPr>
+        <p:cNvPr id="1" name=""/>
+        <p:cNvGrpSpPr/>
+        <p:nvPr/>
+      </p:nvGrpSpPr>
+      <p:grpSpPr>
+        <a:xfrm>
+          <a:off x="0" y="0"/>
+          <a:ext cx="0" cy="0"/>
+          <a:chOff x="0" y="0"/>
+          <a:chExt cx="0" cy="0"/>
+        </a:xfrm>
+      </p:grpSpPr>
+      <p:sp>
+        <p:nvSpPr>
+          <p:cNvPr id="2" name="Title 1"/>
+          <p:cNvSpPr>
+            <a:spLocks noGrp="1"/>
+          </p:cNvSpPr>
+          <p:nvPr>
+            <p:ph type="title"/>
+          </p:nvPr>
+        </p:nvSpPr>
+        <p:spPr/>
+        <p:txBody>
+          <a:bodyPr/>
+          <a:lstStyle/>
+          <a:p>
+            <a:r>
+              <a:rPr lang="en-US" dirty="0" smtClean="0"/>
+              <a:t>Thanks for coming!</a:t>
+            </a:r>
+            <a:endParaRPr lang="en-US" dirty="0"/>
+          </a:p>
+        </p:txBody>
+      </p:sp>
+      <p:sp>
+        <p:nvSpPr>
+          <p:cNvPr id="3" name="Content Placeholder 2"/>
+          <p:cNvSpPr>
+            <a:spLocks noGrp="1"/>
+          </p:cNvSpPr>
+          <p:nvPr>
+            <p:ph idx="1"/>
+          </p:nvPr>
+        </p:nvSpPr>
+        <p:spPr/>
+        <p:txBody>
+          <a:bodyPr/>
+          <a:lstStyle/>
+          <a:p>
+            <a:r>
+              <a:rPr lang="en-US" dirty="0" smtClean="0"/>
+              <a:t>If you have any more questions:</a:t>
+            </a:r>
+          </a:p>
+          <a:p>
+            <a:pPr lvl="1"/>
+            <a:r>
+              <a:rPr lang="en-US" dirty="0" smtClean="0">
+                <a:hlinkClick r:id="rId2"/>
+              </a:rPr>
+              <a:t>mserrano@andrew.cmu.edu</a:t>
+            </a:r>
+            <a:endParaRPr lang="en-US" dirty="0" smtClean="0"/>
+          </a:p>
+          <a:p>
+            <a:pPr lvl="1"/>
+            <a:r>
+              <a:rPr lang="en-US" dirty="0" smtClean="0">
+                <a:hlinkClick r:id="rId3"/>
+              </a:rPr>
+              <a:t>rgoulden@andrew.cmu.edu</a:t>
+            </a:r>
+            <a:endParaRPr lang="en-US" dirty="0" smtClean="0"/>
+          </a:p>
+          <a:p>
+            <a:r>
+              <a:rPr lang="en-US" dirty="0" smtClean="0"/>
+              <a:t>Source code for vulnerable websites on my </a:t>
+            </a:r>
+            <a:r>
+              <a:rPr lang="en-US" dirty="0" err="1" smtClean="0"/>
+              <a:t>Github</a:t>
+            </a:r>
+            <a:r>
+              <a:rPr lang="en-US" dirty="0" smtClean="0"/>
+              <a:t> (mserrano)</a:t>
+            </a:r>
+          </a:p>
+          <a:p>
+            <a:pPr lvl="1"/>
+            <a:r>
+              <a:rPr lang="en-US" dirty="0" smtClean="0"/>
+              <a:t>Slides, too</a:t>
+            </a:r>
+          </a:p>
+          <a:p>
+            <a:r>
+              <a:rPr lang="en-US" dirty="0" smtClean="0"/>
+              <a:t>If you want to join PPP, meetings are on Fridays at 5pm in </a:t>
+            </a:r>
+            <a:r>
+              <a:rPr lang="en-US" dirty="0" smtClean="0"/>
+              <a:t>CIC2101</a:t>
+            </a:r>
+          </a:p>
+          <a:p>
+            <a:pPr lvl="1"/>
+            <a:r>
+              <a:rPr lang="en-US" dirty="0" smtClean="0"/>
+              <a:t>Or you can join the mailing list – </a:t>
+            </a:r>
+            <a:r>
+              <a:rPr lang="en-US" dirty="0" err="1" smtClean="0"/>
+              <a:t>plaid-parliament-pwning@lists.andrew</a:t>
+            </a:r>
+            <a:endParaRPr lang="en-US" dirty="0" smtClean="0"/>
+          </a:p>
+        </p:txBody>
+      </p:sp>
+    </p:spTree>
+    <p:extLst>
+      <p:ext uri="{BB962C8B-B14F-4D97-AF65-F5344CB8AC3E}">
+        <p14:creationId xmlns:p14="http://schemas.microsoft.com/office/powerpoint/2010/main" val="4180369051"/>
+      </p:ext>
+    </p:extLst>
+  </p:cSld>
+  <p:clrMapOvr>
+    <a:masterClrMapping/>
+  </p:clrMapOvr>
+  <p:timing>
+    <p:tnLst>
+      <p:par>
+        <p:cTn id="1" dur="indefinite" restart="never" nodeType="tmRoot"/>
+      </p:par>
+    </p:tnLst>
+  </p:timing>
+</p:sld>
+</file>
+
 <file path=ppt/slides/slide5.xml><?xml version="1.0" encoding="utf-8"?>
 <p:sld xmlns:a="http://schemas.openxmlformats.org/drawingml/2006/main" xmlns:r="http://schemas.openxmlformats.org/officeDocument/2006/relationships" xmlns:p="http://schemas.openxmlformats.org/presentationml/2006/main">
   <p:cSld>
@@ -14615,19 +15158,19 @@
             </a:pPr>
             <a:r>
               <a:rPr lang="en-US" sz="4000" dirty="0" smtClean="0"/>
-              <a:t>Do </a:t>
-            </a:r>
-            <a:r>
-              <a:rPr lang="en-US" sz="4000" b="1" dirty="0" smtClean="0">
-                <a:solidFill>
-                  <a:schemeClr val="tx1"/>
-                </a:solidFill>
-              </a:rPr>
-              <a:t>not</a:t>
+              <a:t>You </a:t>
+            </a:r>
+            <a:r>
+              <a:rPr lang="en-US" sz="4000" b="1" dirty="0" smtClean="0"/>
+              <a:t>cannot</a:t>
             </a:r>
             <a:r>
               <a:rPr lang="en-US" sz="4000" dirty="0" smtClean="0"/>
-              <a:t> trust the user.</a:t>
+              <a:t> </a:t>
+            </a:r>
+            <a:r>
+              <a:rPr lang="en-US" sz="4000" dirty="0" smtClean="0"/>
+              <a:t>trust the user.</a:t>
             </a:r>
           </a:p>
           <a:p>
@@ -14636,15 +15179,15 @@
             </a:pPr>
             <a:r>
               <a:rPr lang="en-US" sz="4000" dirty="0" smtClean="0"/>
-              <a:t>Any data you trust </a:t>
-            </a:r>
-            <a:r>
-              <a:rPr lang="en-US" sz="4000" i="1" dirty="0" smtClean="0"/>
-              <a:t>cannot be modified by the user without detection</a:t>
+              <a:t>You </a:t>
+            </a:r>
+            <a:r>
+              <a:rPr lang="en-US" sz="4000" b="1" dirty="0" smtClean="0"/>
+              <a:t>cannot</a:t>
             </a:r>
             <a:r>
               <a:rPr lang="en-US" sz="4000" dirty="0" smtClean="0"/>
-              <a:t>.</a:t>
+              <a:t> trust any data that the user can modify to conform to your expectations.</a:t>
             </a:r>
             <a:endParaRPr lang="en-US" sz="4000" dirty="0"/>
           </a:p>
@@ -14704,6 +15247,495 @@
           <a:p>
             <a:r>
               <a:rPr lang="en-US" dirty="0" smtClean="0"/>
+              <a:t>Web Applications</a:t>
+            </a:r>
+            <a:endParaRPr lang="en-US" dirty="0"/>
+          </a:p>
+        </p:txBody>
+      </p:sp>
+      <p:sp>
+        <p:nvSpPr>
+          <p:cNvPr id="3" name="Content Placeholder 2"/>
+          <p:cNvSpPr>
+            <a:spLocks noGrp="1"/>
+          </p:cNvSpPr>
+          <p:nvPr>
+            <p:ph idx="1"/>
+          </p:nvPr>
+        </p:nvSpPr>
+        <p:spPr/>
+        <p:txBody>
+          <a:bodyPr>
+            <a:normAutofit/>
+          </a:bodyPr>
+          <a:lstStyle/>
+          <a:p>
+            <a:r>
+              <a:rPr lang="en-US" dirty="0" smtClean="0"/>
+              <a:t>Basically impossible to hack a static </a:t>
+            </a:r>
+            <a:r>
+              <a:rPr lang="en-US" dirty="0" smtClean="0"/>
+              <a:t>site – no user input</a:t>
+            </a:r>
+          </a:p>
+          <a:p>
+            <a:r>
+              <a:rPr lang="en-US" dirty="0" smtClean="0"/>
+              <a:t>But sites aren’t static HTML!</a:t>
+            </a:r>
+          </a:p>
+          <a:p>
+            <a:pPr lvl="1"/>
+            <a:r>
+              <a:rPr lang="en-US" dirty="0" err="1" smtClean="0"/>
+              <a:t>Reddit</a:t>
+            </a:r>
+            <a:r>
+              <a:rPr lang="en-US" dirty="0" smtClean="0"/>
+              <a:t> </a:t>
+            </a:r>
+            <a:r>
+              <a:rPr lang="en-US" dirty="0"/>
+              <a:t>(Common Lisp, Python), Facebook (PHP), Google (C++, Java, Go), Twitter (Ruby, Python</a:t>
+            </a:r>
+            <a:r>
+              <a:rPr lang="en-US" dirty="0" smtClean="0"/>
+              <a:t>)</a:t>
+            </a:r>
+            <a:endParaRPr lang="en-US" dirty="0" smtClean="0"/>
+          </a:p>
+          <a:p>
+            <a:r>
+              <a:rPr lang="en-US" dirty="0" smtClean="0"/>
+              <a:t>But </a:t>
+            </a:r>
+            <a:r>
+              <a:rPr lang="en-US" dirty="0" smtClean="0"/>
+              <a:t>there are frequently applications sitting behind web servers…</a:t>
+            </a:r>
+          </a:p>
+          <a:p>
+            <a:pPr lvl="1"/>
+            <a:r>
+              <a:rPr lang="en-US" dirty="0" smtClean="0"/>
+              <a:t>PHP, Python, Ruby, Perl, Haskell, JavaScript, even SML!</a:t>
+            </a:r>
+          </a:p>
+          <a:p>
+            <a:r>
+              <a:rPr lang="en-US" dirty="0" smtClean="0"/>
+              <a:t>There are applications written in </a:t>
+            </a:r>
+            <a:r>
+              <a:rPr lang="en-US" i="1" dirty="0" smtClean="0"/>
+              <a:t>full-fledged programming languages</a:t>
+            </a:r>
+            <a:r>
+              <a:rPr lang="en-US" dirty="0" smtClean="0"/>
+              <a:t> sitting behind webservers and responding to user </a:t>
+            </a:r>
+            <a:r>
+              <a:rPr lang="en-US" dirty="0" smtClean="0"/>
+              <a:t>input</a:t>
+            </a:r>
+          </a:p>
+          <a:p>
+            <a:r>
+              <a:rPr lang="en-US" dirty="0" smtClean="0"/>
+              <a:t>Full-fledged applications are full of bugs.</a:t>
+            </a:r>
+            <a:endParaRPr lang="en-US" dirty="0" smtClean="0"/>
+          </a:p>
+        </p:txBody>
+      </p:sp>
+    </p:spTree>
+    <p:extLst>
+      <p:ext uri="{BB962C8B-B14F-4D97-AF65-F5344CB8AC3E}">
+        <p14:creationId xmlns:p14="http://schemas.microsoft.com/office/powerpoint/2010/main" val="4240612040"/>
+      </p:ext>
+    </p:extLst>
+  </p:cSld>
+  <p:clrMapOvr>
+    <a:masterClrMapping/>
+  </p:clrMapOvr>
+  <p:timing>
+    <p:tnLst>
+      <p:par>
+        <p:cTn id="1" dur="indefinite" restart="never" nodeType="tmRoot">
+          <p:childTnLst>
+            <p:seq concurrent="1" nextAc="seek">
+              <p:cTn id="2" dur="indefinite" nodeType="mainSeq">
+                <p:childTnLst>
+                  <p:par>
+                    <p:cTn id="3" fill="hold">
+                      <p:stCondLst>
+                        <p:cond delay="indefinite"/>
+                      </p:stCondLst>
+                      <p:childTnLst>
+                        <p:par>
+                          <p:cTn id="4" fill="hold">
+                            <p:stCondLst>
+                              <p:cond delay="0"/>
+                            </p:stCondLst>
+                            <p:childTnLst>
+                              <p:par>
+                                <p:cTn id="5" presetID="1" presetClass="entr" presetSubtype="0" fill="hold" grpId="0" nodeType="clickEffect">
+                                  <p:stCondLst>
+                                    <p:cond delay="0"/>
+                                  </p:stCondLst>
+                                  <p:childTnLst>
+                                    <p:set>
+                                      <p:cBhvr>
+                                        <p:cTn id="6" dur="1" fill="hold">
+                                          <p:stCondLst>
+                                            <p:cond delay="0"/>
+                                          </p:stCondLst>
+                                        </p:cTn>
+                                        <p:tgtEl>
+                                          <p:spTgt spid="3">
+                                            <p:txEl>
+                                              <p:pRg st="0" end="0"/>
+                                            </p:txEl>
+                                          </p:spTgt>
+                                        </p:tgtEl>
+                                        <p:attrNameLst>
+                                          <p:attrName>style.visibility</p:attrName>
+                                        </p:attrNameLst>
+                                      </p:cBhvr>
+                                      <p:to>
+                                        <p:strVal val="visible"/>
+                                      </p:to>
+                                    </p:set>
+                                  </p:childTnLst>
+                                </p:cTn>
+                              </p:par>
+                            </p:childTnLst>
+                          </p:cTn>
+                        </p:par>
+                      </p:childTnLst>
+                    </p:cTn>
+                  </p:par>
+                  <p:par>
+                    <p:cTn id="7" fill="hold">
+                      <p:stCondLst>
+                        <p:cond delay="indefinite"/>
+                      </p:stCondLst>
+                      <p:childTnLst>
+                        <p:par>
+                          <p:cTn id="8" fill="hold">
+                            <p:stCondLst>
+                              <p:cond delay="0"/>
+                            </p:stCondLst>
+                            <p:childTnLst>
+                              <p:par>
+                                <p:cTn id="9" presetID="1" presetClass="entr" presetSubtype="0" fill="hold" grpId="0" nodeType="clickEffect">
+                                  <p:stCondLst>
+                                    <p:cond delay="0"/>
+                                  </p:stCondLst>
+                                  <p:childTnLst>
+                                    <p:set>
+                                      <p:cBhvr>
+                                        <p:cTn id="10" dur="1" fill="hold">
+                                          <p:stCondLst>
+                                            <p:cond delay="0"/>
+                                          </p:stCondLst>
+                                        </p:cTn>
+                                        <p:tgtEl>
+                                          <p:spTgt spid="3">
+                                            <p:txEl>
+                                              <p:pRg st="1" end="1"/>
+                                            </p:txEl>
+                                          </p:spTgt>
+                                        </p:tgtEl>
+                                        <p:attrNameLst>
+                                          <p:attrName>style.visibility</p:attrName>
+                                        </p:attrNameLst>
+                                      </p:cBhvr>
+                                      <p:to>
+                                        <p:strVal val="visible"/>
+                                      </p:to>
+                                    </p:set>
+                                  </p:childTnLst>
+                                </p:cTn>
+                              </p:par>
+                              <p:par>
+                                <p:cTn id="11" presetID="1" presetClass="entr" presetSubtype="0" fill="hold" grpId="0" nodeType="withEffect">
+                                  <p:stCondLst>
+                                    <p:cond delay="0"/>
+                                  </p:stCondLst>
+                                  <p:childTnLst>
+                                    <p:set>
+                                      <p:cBhvr>
+                                        <p:cTn id="12" dur="1" fill="hold">
+                                          <p:stCondLst>
+                                            <p:cond delay="0"/>
+                                          </p:stCondLst>
+                                        </p:cTn>
+                                        <p:tgtEl>
+                                          <p:spTgt spid="3">
+                                            <p:txEl>
+                                              <p:pRg st="2" end="2"/>
+                                            </p:txEl>
+                                          </p:spTgt>
+                                        </p:tgtEl>
+                                        <p:attrNameLst>
+                                          <p:attrName>style.visibility</p:attrName>
+                                        </p:attrNameLst>
+                                      </p:cBhvr>
+                                      <p:to>
+                                        <p:strVal val="visible"/>
+                                      </p:to>
+                                    </p:set>
+                                  </p:childTnLst>
+                                </p:cTn>
+                              </p:par>
+                            </p:childTnLst>
+                          </p:cTn>
+                        </p:par>
+                      </p:childTnLst>
+                    </p:cTn>
+                  </p:par>
+                  <p:par>
+                    <p:cTn id="13" fill="hold">
+                      <p:stCondLst>
+                        <p:cond delay="indefinite"/>
+                      </p:stCondLst>
+                      <p:childTnLst>
+                        <p:par>
+                          <p:cTn id="14" fill="hold">
+                            <p:stCondLst>
+                              <p:cond delay="0"/>
+                            </p:stCondLst>
+                            <p:childTnLst>
+                              <p:par>
+                                <p:cTn id="15" presetID="1" presetClass="entr" presetSubtype="0" fill="hold" grpId="0" nodeType="clickEffect">
+                                  <p:stCondLst>
+                                    <p:cond delay="0"/>
+                                  </p:stCondLst>
+                                  <p:childTnLst>
+                                    <p:set>
+                                      <p:cBhvr>
+                                        <p:cTn id="16" dur="1" fill="hold">
+                                          <p:stCondLst>
+                                            <p:cond delay="0"/>
+                                          </p:stCondLst>
+                                        </p:cTn>
+                                        <p:tgtEl>
+                                          <p:spTgt spid="3">
+                                            <p:txEl>
+                                              <p:pRg st="3" end="3"/>
+                                            </p:txEl>
+                                          </p:spTgt>
+                                        </p:tgtEl>
+                                        <p:attrNameLst>
+                                          <p:attrName>style.visibility</p:attrName>
+                                        </p:attrNameLst>
+                                      </p:cBhvr>
+                                      <p:to>
+                                        <p:strVal val="visible"/>
+                                      </p:to>
+                                    </p:set>
+                                  </p:childTnLst>
+                                </p:cTn>
+                              </p:par>
+                              <p:par>
+                                <p:cTn id="17" presetID="1" presetClass="entr" presetSubtype="0" fill="hold" grpId="0" nodeType="withEffect">
+                                  <p:stCondLst>
+                                    <p:cond delay="0"/>
+                                  </p:stCondLst>
+                                  <p:childTnLst>
+                                    <p:set>
+                                      <p:cBhvr>
+                                        <p:cTn id="18" dur="1" fill="hold">
+                                          <p:stCondLst>
+                                            <p:cond delay="0"/>
+                                          </p:stCondLst>
+                                        </p:cTn>
+                                        <p:tgtEl>
+                                          <p:spTgt spid="3">
+                                            <p:txEl>
+                                              <p:pRg st="4" end="4"/>
+                                            </p:txEl>
+                                          </p:spTgt>
+                                        </p:tgtEl>
+                                        <p:attrNameLst>
+                                          <p:attrName>style.visibility</p:attrName>
+                                        </p:attrNameLst>
+                                      </p:cBhvr>
+                                      <p:to>
+                                        <p:strVal val="visible"/>
+                                      </p:to>
+                                    </p:set>
+                                  </p:childTnLst>
+                                </p:cTn>
+                              </p:par>
+                            </p:childTnLst>
+                          </p:cTn>
+                        </p:par>
+                      </p:childTnLst>
+                    </p:cTn>
+                  </p:par>
+                  <p:par>
+                    <p:cTn id="19" fill="hold">
+                      <p:stCondLst>
+                        <p:cond delay="indefinite"/>
+                      </p:stCondLst>
+                      <p:childTnLst>
+                        <p:par>
+                          <p:cTn id="20" fill="hold">
+                            <p:stCondLst>
+                              <p:cond delay="0"/>
+                            </p:stCondLst>
+                            <p:childTnLst>
+                              <p:par>
+                                <p:cTn id="21" presetID="1" presetClass="entr" presetSubtype="0" fill="hold" grpId="0" nodeType="clickEffect">
+                                  <p:stCondLst>
+                                    <p:cond delay="0"/>
+                                  </p:stCondLst>
+                                  <p:childTnLst>
+                                    <p:set>
+                                      <p:cBhvr>
+                                        <p:cTn id="22" dur="1" fill="hold">
+                                          <p:stCondLst>
+                                            <p:cond delay="0"/>
+                                          </p:stCondLst>
+                                        </p:cTn>
+                                        <p:tgtEl>
+                                          <p:spTgt spid="3">
+                                            <p:txEl>
+                                              <p:pRg st="5" end="5"/>
+                                            </p:txEl>
+                                          </p:spTgt>
+                                        </p:tgtEl>
+                                        <p:attrNameLst>
+                                          <p:attrName>style.visibility</p:attrName>
+                                        </p:attrNameLst>
+                                      </p:cBhvr>
+                                      <p:to>
+                                        <p:strVal val="visible"/>
+                                      </p:to>
+                                    </p:set>
+                                  </p:childTnLst>
+                                </p:cTn>
+                              </p:par>
+                            </p:childTnLst>
+                          </p:cTn>
+                        </p:par>
+                      </p:childTnLst>
+                    </p:cTn>
+                  </p:par>
+                  <p:par>
+                    <p:cTn id="23" fill="hold">
+                      <p:stCondLst>
+                        <p:cond delay="indefinite"/>
+                      </p:stCondLst>
+                      <p:childTnLst>
+                        <p:par>
+                          <p:cTn id="24" fill="hold">
+                            <p:stCondLst>
+                              <p:cond delay="0"/>
+                            </p:stCondLst>
+                            <p:childTnLst>
+                              <p:par>
+                                <p:cTn id="25" presetID="1" presetClass="entr" presetSubtype="0" fill="hold" grpId="0" nodeType="clickEffect">
+                                  <p:stCondLst>
+                                    <p:cond delay="0"/>
+                                  </p:stCondLst>
+                                  <p:childTnLst>
+                                    <p:set>
+                                      <p:cBhvr>
+                                        <p:cTn id="26" dur="1" fill="hold">
+                                          <p:stCondLst>
+                                            <p:cond delay="0"/>
+                                          </p:stCondLst>
+                                        </p:cTn>
+                                        <p:tgtEl>
+                                          <p:spTgt spid="3">
+                                            <p:txEl>
+                                              <p:pRg st="6" end="6"/>
+                                            </p:txEl>
+                                          </p:spTgt>
+                                        </p:tgtEl>
+                                        <p:attrNameLst>
+                                          <p:attrName>style.visibility</p:attrName>
+                                        </p:attrNameLst>
+                                      </p:cBhvr>
+                                      <p:to>
+                                        <p:strVal val="visible"/>
+                                      </p:to>
+                                    </p:set>
+                                  </p:childTnLst>
+                                </p:cTn>
+                              </p:par>
+                            </p:childTnLst>
+                          </p:cTn>
+                        </p:par>
+                      </p:childTnLst>
+                    </p:cTn>
+                  </p:par>
+                </p:childTnLst>
+              </p:cTn>
+              <p:prevCondLst>
+                <p:cond evt="onPrev" delay="0">
+                  <p:tgtEl>
+                    <p:sldTgt/>
+                  </p:tgtEl>
+                </p:cond>
+              </p:prevCondLst>
+              <p:nextCondLst>
+                <p:cond evt="onNext" delay="0">
+                  <p:tgtEl>
+                    <p:sldTgt/>
+                  </p:tgtEl>
+                </p:cond>
+              </p:nextCondLst>
+            </p:seq>
+          </p:childTnLst>
+        </p:cTn>
+      </p:par>
+    </p:tnLst>
+    <p:bldLst>
+      <p:bldP spid="3" grpId="0" uiExpand="1" build="p"/>
+    </p:bldLst>
+  </p:timing>
+</p:sld>
+</file>
+
+<file path=ppt/slides/slide7.xml><?xml version="1.0" encoding="utf-8"?>
+<p:sld xmlns:a="http://schemas.openxmlformats.org/drawingml/2006/main" xmlns:r="http://schemas.openxmlformats.org/officeDocument/2006/relationships" xmlns:p="http://schemas.openxmlformats.org/presentationml/2006/main">
+  <p:cSld>
+    <p:spTree>
+      <p:nvGrpSpPr>
+        <p:cNvPr id="1" name=""/>
+        <p:cNvGrpSpPr/>
+        <p:nvPr/>
+      </p:nvGrpSpPr>
+      <p:grpSpPr>
+        <a:xfrm>
+          <a:off x="0" y="0"/>
+          <a:ext cx="0" cy="0"/>
+          <a:chOff x="0" y="0"/>
+          <a:chExt cx="0" cy="0"/>
+        </a:xfrm>
+      </p:grpSpPr>
+      <p:sp>
+        <p:nvSpPr>
+          <p:cNvPr id="2" name="Title 1"/>
+          <p:cNvSpPr>
+            <a:spLocks noGrp="1"/>
+          </p:cNvSpPr>
+          <p:nvPr>
+            <p:ph type="title"/>
+          </p:nvPr>
+        </p:nvSpPr>
+        <p:spPr/>
+        <p:txBody>
+          <a:bodyPr/>
+          <a:lstStyle/>
+          <a:p>
+            <a:r>
+              <a:rPr lang="en-US" dirty="0" smtClean="0"/>
               <a:t>URLs and Requests</a:t>
             </a:r>
             <a:endParaRPr lang="en-US" dirty="0"/>
@@ -14797,6 +15829,36 @@
           </a:p>
         </p:txBody>
       </p:sp>
+      <p:pic>
+        <p:nvPicPr>
+          <p:cNvPr id="4" name="Picture 3"/>
+          <p:cNvPicPr>
+            <a:picLocks noChangeAspect="1"/>
+          </p:cNvPicPr>
+          <p:nvPr/>
+        </p:nvPicPr>
+        <p:blipFill>
+          <a:blip r:embed="rId4">
+            <a:extLst>
+              <a:ext uri="{28A0092B-C50C-407E-A947-70E740481C1C}">
+                <a14:useLocalDpi xmlns:a14="http://schemas.microsoft.com/office/drawing/2010/main" val="0"/>
+              </a:ext>
+            </a:extLst>
+          </a:blip>
+          <a:stretch>
+            <a:fillRect/>
+          </a:stretch>
+        </p:blipFill>
+        <p:spPr>
+          <a:xfrm>
+            <a:off x="6760964" y="3886800"/>
+            <a:ext cx="4999153" cy="1684166"/>
+          </a:xfrm>
+          <a:prstGeom prst="rect">
+            <a:avLst/>
+          </a:prstGeom>
+        </p:spPr>
+      </p:pic>
     </p:spTree>
     <p:extLst>
       <p:ext uri="{BB962C8B-B14F-4D97-AF65-F5344CB8AC3E}">
@@ -15284,7 +16346,7 @@
 </p:sld>
 </file>
 
-<file path=ppt/slides/slide7.xml><?xml version="1.0" encoding="utf-8"?>
+<file path=ppt/slides/slide8.xml><?xml version="1.0" encoding="utf-8"?>
 <p:sld xmlns:a="http://schemas.openxmlformats.org/drawingml/2006/main" xmlns:r="http://schemas.openxmlformats.org/officeDocument/2006/relationships" xmlns:p="http://schemas.openxmlformats.org/presentationml/2006/main">
   <p:cSld>
     <p:spTree>
@@ -15361,6 +16423,36 @@
           </a:p>
         </p:txBody>
       </p:sp>
+      <p:pic>
+        <p:nvPicPr>
+          <p:cNvPr id="4" name="Picture 3"/>
+          <p:cNvPicPr>
+            <a:picLocks noChangeAspect="1"/>
+          </p:cNvPicPr>
+          <p:nvPr/>
+        </p:nvPicPr>
+        <p:blipFill>
+          <a:blip r:embed="rId2">
+            <a:extLst>
+              <a:ext uri="{28A0092B-C50C-407E-A947-70E740481C1C}">
+                <a14:useLocalDpi xmlns:a14="http://schemas.microsoft.com/office/drawing/2010/main" val="0"/>
+              </a:ext>
+            </a:extLst>
+          </a:blip>
+          <a:stretch>
+            <a:fillRect/>
+          </a:stretch>
+        </p:blipFill>
+        <p:spPr>
+          <a:xfrm>
+            <a:off x="3596423" y="3868870"/>
+            <a:ext cx="4999153" cy="1684166"/>
+          </a:xfrm>
+          <a:prstGeom prst="rect">
+            <a:avLst/>
+          </a:prstGeom>
+        </p:spPr>
+      </p:pic>
     </p:spTree>
     <p:extLst>
       <p:ext uri="{BB962C8B-B14F-4D97-AF65-F5344CB8AC3E}">
@@ -15381,7 +16473,7 @@
 </p:sld>
 </file>
 
-<file path=ppt/slides/slide8.xml><?xml version="1.0" encoding="utf-8"?>
+<file path=ppt/slides/slide9.xml><?xml version="1.0" encoding="utf-8"?>
 <p:sld xmlns:a="http://schemas.openxmlformats.org/drawingml/2006/main" xmlns:r="http://schemas.openxmlformats.org/officeDocument/2006/relationships" xmlns:p="http://schemas.openxmlformats.org/presentationml/2006/main">
   <p:cSld>
     <p:spTree>
@@ -15649,478 +16741,6 @@
                                           <p:spTgt spid="3">
                                             <p:txEl>
                                               <p:pRg st="3" end="3"/>
-                                            </p:txEl>
-                                          </p:spTgt>
-                                        </p:tgtEl>
-                                        <p:attrNameLst>
-                                          <p:attrName>style.visibility</p:attrName>
-                                        </p:attrNameLst>
-                                      </p:cBhvr>
-                                      <p:to>
-                                        <p:strVal val="visible"/>
-                                      </p:to>
-                                    </p:set>
-                                  </p:childTnLst>
-                                </p:cTn>
-                              </p:par>
-                            </p:childTnLst>
-                          </p:cTn>
-                        </p:par>
-                      </p:childTnLst>
-                    </p:cTn>
-                  </p:par>
-                </p:childTnLst>
-              </p:cTn>
-              <p:prevCondLst>
-                <p:cond evt="onPrev" delay="0">
-                  <p:tgtEl>
-                    <p:sldTgt/>
-                  </p:tgtEl>
-                </p:cond>
-              </p:prevCondLst>
-              <p:nextCondLst>
-                <p:cond evt="onNext" delay="0">
-                  <p:tgtEl>
-                    <p:sldTgt/>
-                  </p:tgtEl>
-                </p:cond>
-              </p:nextCondLst>
-            </p:seq>
-          </p:childTnLst>
-        </p:cTn>
-      </p:par>
-    </p:tnLst>
-    <p:bldLst>
-      <p:bldP spid="3" grpId="0" uiExpand="1" build="p"/>
-    </p:bldLst>
-  </p:timing>
-</p:sld>
-</file>
-
-<file path=ppt/slides/slide9.xml><?xml version="1.0" encoding="utf-8"?>
-<p:sld xmlns:a="http://schemas.openxmlformats.org/drawingml/2006/main" xmlns:r="http://schemas.openxmlformats.org/officeDocument/2006/relationships" xmlns:p="http://schemas.openxmlformats.org/presentationml/2006/main">
-  <p:cSld>
-    <p:spTree>
-      <p:nvGrpSpPr>
-        <p:cNvPr id="1" name=""/>
-        <p:cNvGrpSpPr/>
-        <p:nvPr/>
-      </p:nvGrpSpPr>
-      <p:grpSpPr>
-        <a:xfrm>
-          <a:off x="0" y="0"/>
-          <a:ext cx="0" cy="0"/>
-          <a:chOff x="0" y="0"/>
-          <a:chExt cx="0" cy="0"/>
-        </a:xfrm>
-      </p:grpSpPr>
-      <p:sp>
-        <p:nvSpPr>
-          <p:cNvPr id="2" name="Title 1"/>
-          <p:cNvSpPr>
-            <a:spLocks noGrp="1"/>
-          </p:cNvSpPr>
-          <p:nvPr>
-            <p:ph type="title"/>
-          </p:nvPr>
-        </p:nvSpPr>
-        <p:spPr/>
-        <p:txBody>
-          <a:bodyPr/>
-          <a:lstStyle/>
-          <a:p>
-            <a:r>
-              <a:rPr lang="en-US" dirty="0" smtClean="0"/>
-              <a:t>Web Applications</a:t>
-            </a:r>
-            <a:endParaRPr lang="en-US" dirty="0"/>
-          </a:p>
-        </p:txBody>
-      </p:sp>
-      <p:sp>
-        <p:nvSpPr>
-          <p:cNvPr id="3" name="Content Placeholder 2"/>
-          <p:cNvSpPr>
-            <a:spLocks noGrp="1"/>
-          </p:cNvSpPr>
-          <p:nvPr>
-            <p:ph idx="1"/>
-          </p:nvPr>
-        </p:nvSpPr>
-        <p:spPr/>
-        <p:txBody>
-          <a:bodyPr>
-            <a:normAutofit/>
-          </a:bodyPr>
-          <a:lstStyle/>
-          <a:p>
-            <a:r>
-              <a:rPr lang="en-US" dirty="0" smtClean="0"/>
-              <a:t>Basically impossible to hack a static site</a:t>
-            </a:r>
-          </a:p>
-          <a:p>
-            <a:r>
-              <a:rPr lang="en-US" dirty="0" smtClean="0"/>
-              <a:t>But there are frequently applications sitting behind web servers…</a:t>
-            </a:r>
-          </a:p>
-          <a:p>
-            <a:pPr lvl="1"/>
-            <a:r>
-              <a:rPr lang="en-US" dirty="0" smtClean="0"/>
-              <a:t>PHP, Python, Ruby, Perl, Haskell, JavaScript, even SML!</a:t>
-            </a:r>
-          </a:p>
-          <a:p>
-            <a:r>
-              <a:rPr lang="en-US" dirty="0" smtClean="0"/>
-              <a:t>There are applications written in </a:t>
-            </a:r>
-            <a:r>
-              <a:rPr lang="en-US" i="1" dirty="0" smtClean="0"/>
-              <a:t>full-fledged programming languages</a:t>
-            </a:r>
-            <a:r>
-              <a:rPr lang="en-US" dirty="0" smtClean="0"/>
-              <a:t> sitting behind webservers and responding to user input</a:t>
-            </a:r>
-          </a:p>
-          <a:p>
-            <a:r>
-              <a:rPr lang="en-US" dirty="0" smtClean="0"/>
-              <a:t>This is dangerous… We all use:</a:t>
-            </a:r>
-          </a:p>
-          <a:p>
-            <a:pPr lvl="1"/>
-            <a:r>
-              <a:rPr lang="en-US" dirty="0" err="1" smtClean="0"/>
-              <a:t>Reddit</a:t>
-            </a:r>
-            <a:r>
-              <a:rPr lang="en-US" dirty="0"/>
-              <a:t> </a:t>
-            </a:r>
-            <a:r>
-              <a:rPr lang="en-US" dirty="0" smtClean="0"/>
-              <a:t>(Common Lisp, Python), Facebook (PHP), Google (C++, Java, Go), Twitter (Ruby, Python)</a:t>
-            </a:r>
-            <a:endParaRPr lang="en-US" dirty="0"/>
-          </a:p>
-          <a:p>
-            <a:r>
-              <a:rPr lang="en-US" dirty="0" smtClean="0"/>
-              <a:t>But hate getting owned!</a:t>
-            </a:r>
-          </a:p>
-        </p:txBody>
-      </p:sp>
-    </p:spTree>
-    <p:extLst>
-      <p:ext uri="{BB962C8B-B14F-4D97-AF65-F5344CB8AC3E}">
-        <p14:creationId xmlns:p14="http://schemas.microsoft.com/office/powerpoint/2010/main" val="4240612040"/>
-      </p:ext>
-    </p:extLst>
-  </p:cSld>
-  <p:clrMapOvr>
-    <a:masterClrMapping/>
-  </p:clrMapOvr>
-  <p:timing>
-    <p:tnLst>
-      <p:par>
-        <p:cTn id="1" dur="indefinite" restart="never" nodeType="tmRoot">
-          <p:childTnLst>
-            <p:seq concurrent="1" nextAc="seek">
-              <p:cTn id="2" dur="indefinite" nodeType="mainSeq">
-                <p:childTnLst>
-                  <p:par>
-                    <p:cTn id="3" fill="hold">
-                      <p:stCondLst>
-                        <p:cond delay="indefinite"/>
-                      </p:stCondLst>
-                      <p:childTnLst>
-                        <p:par>
-                          <p:cTn id="4" fill="hold">
-                            <p:stCondLst>
-                              <p:cond delay="0"/>
-                            </p:stCondLst>
-                            <p:childTnLst>
-                              <p:par>
-                                <p:cTn id="5" presetID="1" presetClass="entr" presetSubtype="0" fill="hold" grpId="0" nodeType="clickEffect">
-                                  <p:stCondLst>
-                                    <p:cond delay="0"/>
-                                  </p:stCondLst>
-                                  <p:childTnLst>
-                                    <p:set>
-                                      <p:cBhvr>
-                                        <p:cTn id="6" dur="1" fill="hold">
-                                          <p:stCondLst>
-                                            <p:cond delay="0"/>
-                                          </p:stCondLst>
-                                        </p:cTn>
-                                        <p:tgtEl>
-                                          <p:spTgt spid="3">
-                                            <p:txEl>
-                                              <p:pRg st="0" end="0"/>
-                                            </p:txEl>
-                                          </p:spTgt>
-                                        </p:tgtEl>
-                                        <p:attrNameLst>
-                                          <p:attrName>style.visibility</p:attrName>
-                                        </p:attrNameLst>
-                                      </p:cBhvr>
-                                      <p:to>
-                                        <p:strVal val="visible"/>
-                                      </p:to>
-                                    </p:set>
-                                  </p:childTnLst>
-                                </p:cTn>
-                              </p:par>
-                            </p:childTnLst>
-                          </p:cTn>
-                        </p:par>
-                      </p:childTnLst>
-                    </p:cTn>
-                  </p:par>
-                  <p:par>
-                    <p:cTn id="7" fill="hold">
-                      <p:stCondLst>
-                        <p:cond delay="indefinite"/>
-                      </p:stCondLst>
-                      <p:childTnLst>
-                        <p:par>
-                          <p:cTn id="8" fill="hold">
-                            <p:stCondLst>
-                              <p:cond delay="0"/>
-                            </p:stCondLst>
-                            <p:childTnLst>
-                              <p:par>
-                                <p:cTn id="9" presetID="1" presetClass="entr" presetSubtype="0" fill="hold" grpId="0" nodeType="clickEffect">
-                                  <p:stCondLst>
-                                    <p:cond delay="0"/>
-                                  </p:stCondLst>
-                                  <p:childTnLst>
-                                    <p:set>
-                                      <p:cBhvr>
-                                        <p:cTn id="10" dur="1" fill="hold">
-                                          <p:stCondLst>
-                                            <p:cond delay="0"/>
-                                          </p:stCondLst>
-                                        </p:cTn>
-                                        <p:tgtEl>
-                                          <p:spTgt spid="3">
-                                            <p:txEl>
-                                              <p:pRg st="1" end="1"/>
-                                            </p:txEl>
-                                          </p:spTgt>
-                                        </p:tgtEl>
-                                        <p:attrNameLst>
-                                          <p:attrName>style.visibility</p:attrName>
-                                        </p:attrNameLst>
-                                      </p:cBhvr>
-                                      <p:to>
-                                        <p:strVal val="visible"/>
-                                      </p:to>
-                                    </p:set>
-                                  </p:childTnLst>
-                                </p:cTn>
-                              </p:par>
-                              <p:par>
-                                <p:cTn id="11" presetID="1" presetClass="entr" presetSubtype="0" fill="hold" grpId="0" nodeType="withEffect">
-                                  <p:stCondLst>
-                                    <p:cond delay="0"/>
-                                  </p:stCondLst>
-                                  <p:childTnLst>
-                                    <p:set>
-                                      <p:cBhvr>
-                                        <p:cTn id="12" dur="1" fill="hold">
-                                          <p:stCondLst>
-                                            <p:cond delay="0"/>
-                                          </p:stCondLst>
-                                        </p:cTn>
-                                        <p:tgtEl>
-                                          <p:spTgt spid="3">
-                                            <p:txEl>
-                                              <p:pRg st="2" end="2"/>
-                                            </p:txEl>
-                                          </p:spTgt>
-                                        </p:tgtEl>
-                                        <p:attrNameLst>
-                                          <p:attrName>style.visibility</p:attrName>
-                                        </p:attrNameLst>
-                                      </p:cBhvr>
-                                      <p:to>
-                                        <p:strVal val="visible"/>
-                                      </p:to>
-                                    </p:set>
-                                  </p:childTnLst>
-                                </p:cTn>
-                              </p:par>
-                            </p:childTnLst>
-                          </p:cTn>
-                        </p:par>
-                      </p:childTnLst>
-                    </p:cTn>
-                  </p:par>
-                  <p:par>
-                    <p:cTn id="13" fill="hold">
-                      <p:stCondLst>
-                        <p:cond delay="indefinite"/>
-                      </p:stCondLst>
-                      <p:childTnLst>
-                        <p:par>
-                          <p:cTn id="14" fill="hold">
-                            <p:stCondLst>
-                              <p:cond delay="0"/>
-                            </p:stCondLst>
-                            <p:childTnLst>
-                              <p:par>
-                                <p:cTn id="15" presetID="1" presetClass="entr" presetSubtype="0" fill="hold" grpId="0" nodeType="clickEffect">
-                                  <p:stCondLst>
-                                    <p:cond delay="0"/>
-                                  </p:stCondLst>
-                                  <p:childTnLst>
-                                    <p:set>
-                                      <p:cBhvr>
-                                        <p:cTn id="16" dur="1" fill="hold">
-                                          <p:stCondLst>
-                                            <p:cond delay="0"/>
-                                          </p:stCondLst>
-                                        </p:cTn>
-                                        <p:tgtEl>
-                                          <p:spTgt spid="3">
-                                            <p:txEl>
-                                              <p:pRg st="3" end="3"/>
-                                            </p:txEl>
-                                          </p:spTgt>
-                                        </p:tgtEl>
-                                        <p:attrNameLst>
-                                          <p:attrName>style.visibility</p:attrName>
-                                        </p:attrNameLst>
-                                      </p:cBhvr>
-                                      <p:to>
-                                        <p:strVal val="visible"/>
-                                      </p:to>
-                                    </p:set>
-                                  </p:childTnLst>
-                                </p:cTn>
-                              </p:par>
-                            </p:childTnLst>
-                          </p:cTn>
-                        </p:par>
-                      </p:childTnLst>
-                    </p:cTn>
-                  </p:par>
-                  <p:par>
-                    <p:cTn id="17" fill="hold">
-                      <p:stCondLst>
-                        <p:cond delay="indefinite"/>
-                      </p:stCondLst>
-                      <p:childTnLst>
-                        <p:par>
-                          <p:cTn id="18" fill="hold">
-                            <p:stCondLst>
-                              <p:cond delay="0"/>
-                            </p:stCondLst>
-                            <p:childTnLst>
-                              <p:par>
-                                <p:cTn id="19" presetID="1" presetClass="entr" presetSubtype="0" fill="hold" grpId="0" nodeType="clickEffect">
-                                  <p:stCondLst>
-                                    <p:cond delay="0"/>
-                                  </p:stCondLst>
-                                  <p:childTnLst>
-                                    <p:set>
-                                      <p:cBhvr>
-                                        <p:cTn id="20" dur="1" fill="hold">
-                                          <p:stCondLst>
-                                            <p:cond delay="0"/>
-                                          </p:stCondLst>
-                                        </p:cTn>
-                                        <p:tgtEl>
-                                          <p:spTgt spid="3">
-                                            <p:txEl>
-                                              <p:pRg st="4" end="4"/>
-                                            </p:txEl>
-                                          </p:spTgt>
-                                        </p:tgtEl>
-                                        <p:attrNameLst>
-                                          <p:attrName>style.visibility</p:attrName>
-                                        </p:attrNameLst>
-                                      </p:cBhvr>
-                                      <p:to>
-                                        <p:strVal val="visible"/>
-                                      </p:to>
-                                    </p:set>
-                                  </p:childTnLst>
-                                </p:cTn>
-                              </p:par>
-                              <p:par>
-                                <p:cTn id="21" presetID="1" presetClass="entr" presetSubtype="0" fill="hold" grpId="0" nodeType="withEffect">
-                                  <p:stCondLst>
-                                    <p:cond delay="0"/>
-                                  </p:stCondLst>
-                                  <p:childTnLst>
-                                    <p:set>
-                                      <p:cBhvr>
-                                        <p:cTn id="22" dur="1" fill="hold">
-                                          <p:stCondLst>
-                                            <p:cond delay="0"/>
-                                          </p:stCondLst>
-                                        </p:cTn>
-                                        <p:tgtEl>
-                                          <p:spTgt spid="3">
-                                            <p:txEl>
-                                              <p:pRg st="5" end="5"/>
-                                            </p:txEl>
-                                          </p:spTgt>
-                                        </p:tgtEl>
-                                        <p:attrNameLst>
-                                          <p:attrName>style.visibility</p:attrName>
-                                        </p:attrNameLst>
-                                      </p:cBhvr>
-                                      <p:to>
-                                        <p:strVal val="visible"/>
-                                      </p:to>
-                                    </p:set>
-                                  </p:childTnLst>
-                                </p:cTn>
-                              </p:par>
-                            </p:childTnLst>
-                          </p:cTn>
-                        </p:par>
-                      </p:childTnLst>
-                    </p:cTn>
-                  </p:par>
-                  <p:par>
-                    <p:cTn id="23" fill="hold">
-                      <p:stCondLst>
-                        <p:cond delay="indefinite"/>
-                      </p:stCondLst>
-                      <p:childTnLst>
-                        <p:par>
-                          <p:cTn id="24" fill="hold">
-                            <p:stCondLst>
-                              <p:cond delay="0"/>
-                            </p:stCondLst>
-                            <p:childTnLst>
-                              <p:par>
-                                <p:cTn id="25" presetID="1" presetClass="entr" presetSubtype="0" fill="hold" grpId="0" nodeType="clickEffect">
-                                  <p:stCondLst>
-                                    <p:cond delay="0"/>
-                                  </p:stCondLst>
-                                  <p:childTnLst>
-                                    <p:set>
-                                      <p:cBhvr>
-                                        <p:cTn id="26" dur="1" fill="hold">
-                                          <p:stCondLst>
-                                            <p:cond delay="0"/>
-                                          </p:stCondLst>
-                                        </p:cTn>
-                                        <p:tgtEl>
-                                          <p:spTgt spid="3">
-                                            <p:txEl>
-                                              <p:pRg st="6" end="6"/>
                                             </p:txEl>
                                           </p:spTgt>
                                         </p:tgtEl>

--- a/crashcourse-websec/slides.pptx
+++ b/crashcourse-websec/slides.pptx
@@ -24,27 +24,28 @@
     <p:sldId id="273" r:id="rId18"/>
     <p:sldId id="274" r:id="rId19"/>
     <p:sldId id="296" r:id="rId20"/>
-    <p:sldId id="275" r:id="rId21"/>
-    <p:sldId id="277" r:id="rId22"/>
-    <p:sldId id="278" r:id="rId23"/>
-    <p:sldId id="279" r:id="rId24"/>
-    <p:sldId id="280" r:id="rId25"/>
-    <p:sldId id="281" r:id="rId26"/>
-    <p:sldId id="282" r:id="rId27"/>
-    <p:sldId id="283" r:id="rId28"/>
-    <p:sldId id="284" r:id="rId29"/>
-    <p:sldId id="285" r:id="rId30"/>
-    <p:sldId id="286" r:id="rId31"/>
-    <p:sldId id="287" r:id="rId32"/>
-    <p:sldId id="288" r:id="rId33"/>
-    <p:sldId id="289" r:id="rId34"/>
-    <p:sldId id="292" r:id="rId35"/>
-    <p:sldId id="290" r:id="rId36"/>
-    <p:sldId id="291" r:id="rId37"/>
-    <p:sldId id="293" r:id="rId38"/>
-    <p:sldId id="268" r:id="rId39"/>
-    <p:sldId id="276" r:id="rId40"/>
-    <p:sldId id="294" r:id="rId41"/>
+    <p:sldId id="297" r:id="rId21"/>
+    <p:sldId id="275" r:id="rId22"/>
+    <p:sldId id="277" r:id="rId23"/>
+    <p:sldId id="278" r:id="rId24"/>
+    <p:sldId id="279" r:id="rId25"/>
+    <p:sldId id="280" r:id="rId26"/>
+    <p:sldId id="281" r:id="rId27"/>
+    <p:sldId id="282" r:id="rId28"/>
+    <p:sldId id="283" r:id="rId29"/>
+    <p:sldId id="284" r:id="rId30"/>
+    <p:sldId id="285" r:id="rId31"/>
+    <p:sldId id="286" r:id="rId32"/>
+    <p:sldId id="287" r:id="rId33"/>
+    <p:sldId id="288" r:id="rId34"/>
+    <p:sldId id="289" r:id="rId35"/>
+    <p:sldId id="292" r:id="rId36"/>
+    <p:sldId id="290" r:id="rId37"/>
+    <p:sldId id="291" r:id="rId38"/>
+    <p:sldId id="293" r:id="rId39"/>
+    <p:sldId id="268" r:id="rId40"/>
+    <p:sldId id="276" r:id="rId41"/>
+    <p:sldId id="294" r:id="rId42"/>
   </p:sldIdLst>
   <p:sldSz cx="12192000" cy="6858000"/>
   <p:notesSz cx="6858000" cy="9144000"/>
@@ -6113,11 +6114,7 @@
             <a:pPr lvl="1"/>
             <a:r>
               <a:rPr lang="en-US" dirty="0" smtClean="0"/>
-              <a:t>Use some cryptography to ward against malicious </a:t>
-            </a:r>
-            <a:r>
-              <a:rPr lang="en-US" dirty="0" smtClean="0"/>
-              <a:t>users</a:t>
+              <a:t>Use some cryptography to ward against malicious users</a:t>
             </a:r>
           </a:p>
           <a:p>
@@ -6154,9 +6151,355 @@
   <p:timing>
     <p:tnLst>
       <p:par>
-        <p:cTn id="1" dur="indefinite" restart="never" nodeType="tmRoot"/>
+        <p:cTn id="1" dur="indefinite" restart="never" nodeType="tmRoot">
+          <p:childTnLst>
+            <p:seq concurrent="1" nextAc="seek">
+              <p:cTn id="2" dur="indefinite" nodeType="mainSeq">
+                <p:childTnLst>
+                  <p:par>
+                    <p:cTn id="3" fill="hold">
+                      <p:stCondLst>
+                        <p:cond delay="indefinite"/>
+                      </p:stCondLst>
+                      <p:childTnLst>
+                        <p:par>
+                          <p:cTn id="4" fill="hold">
+                            <p:stCondLst>
+                              <p:cond delay="0"/>
+                            </p:stCondLst>
+                            <p:childTnLst>
+                              <p:par>
+                                <p:cTn id="5" presetID="1" presetClass="entr" presetSubtype="0" fill="hold" grpId="0" nodeType="clickEffect">
+                                  <p:stCondLst>
+                                    <p:cond delay="0"/>
+                                  </p:stCondLst>
+                                  <p:childTnLst>
+                                    <p:set>
+                                      <p:cBhvr>
+                                        <p:cTn id="6" dur="1" fill="hold">
+                                          <p:stCondLst>
+                                            <p:cond delay="0"/>
+                                          </p:stCondLst>
+                                        </p:cTn>
+                                        <p:tgtEl>
+                                          <p:spTgt spid="3">
+                                            <p:txEl>
+                                              <p:pRg st="0" end="0"/>
+                                            </p:txEl>
+                                          </p:spTgt>
+                                        </p:tgtEl>
+                                        <p:attrNameLst>
+                                          <p:attrName>style.visibility</p:attrName>
+                                        </p:attrNameLst>
+                                      </p:cBhvr>
+                                      <p:to>
+                                        <p:strVal val="visible"/>
+                                      </p:to>
+                                    </p:set>
+                                  </p:childTnLst>
+                                </p:cTn>
+                              </p:par>
+                              <p:par>
+                                <p:cTn id="7" presetID="1" presetClass="entr" presetSubtype="0" fill="hold" grpId="0" nodeType="withEffect">
+                                  <p:stCondLst>
+                                    <p:cond delay="0"/>
+                                  </p:stCondLst>
+                                  <p:childTnLst>
+                                    <p:set>
+                                      <p:cBhvr>
+                                        <p:cTn id="8" dur="1" fill="hold">
+                                          <p:stCondLst>
+                                            <p:cond delay="0"/>
+                                          </p:stCondLst>
+                                        </p:cTn>
+                                        <p:tgtEl>
+                                          <p:spTgt spid="3">
+                                            <p:txEl>
+                                              <p:pRg st="1" end="1"/>
+                                            </p:txEl>
+                                          </p:spTgt>
+                                        </p:tgtEl>
+                                        <p:attrNameLst>
+                                          <p:attrName>style.visibility</p:attrName>
+                                        </p:attrNameLst>
+                                      </p:cBhvr>
+                                      <p:to>
+                                        <p:strVal val="visible"/>
+                                      </p:to>
+                                    </p:set>
+                                  </p:childTnLst>
+                                </p:cTn>
+                              </p:par>
+                            </p:childTnLst>
+                          </p:cTn>
+                        </p:par>
+                      </p:childTnLst>
+                    </p:cTn>
+                  </p:par>
+                  <p:par>
+                    <p:cTn id="9" fill="hold">
+                      <p:stCondLst>
+                        <p:cond delay="indefinite"/>
+                      </p:stCondLst>
+                      <p:childTnLst>
+                        <p:par>
+                          <p:cTn id="10" fill="hold">
+                            <p:stCondLst>
+                              <p:cond delay="0"/>
+                            </p:stCondLst>
+                            <p:childTnLst>
+                              <p:par>
+                                <p:cTn id="11" presetID="1" presetClass="entr" presetSubtype="0" fill="hold" grpId="0" nodeType="clickEffect">
+                                  <p:stCondLst>
+                                    <p:cond delay="0"/>
+                                  </p:stCondLst>
+                                  <p:childTnLst>
+                                    <p:set>
+                                      <p:cBhvr>
+                                        <p:cTn id="12" dur="1" fill="hold">
+                                          <p:stCondLst>
+                                            <p:cond delay="0"/>
+                                          </p:stCondLst>
+                                        </p:cTn>
+                                        <p:tgtEl>
+                                          <p:spTgt spid="3">
+                                            <p:txEl>
+                                              <p:pRg st="2" end="2"/>
+                                            </p:txEl>
+                                          </p:spTgt>
+                                        </p:tgtEl>
+                                        <p:attrNameLst>
+                                          <p:attrName>style.visibility</p:attrName>
+                                        </p:attrNameLst>
+                                      </p:cBhvr>
+                                      <p:to>
+                                        <p:strVal val="visible"/>
+                                      </p:to>
+                                    </p:set>
+                                  </p:childTnLst>
+                                </p:cTn>
+                              </p:par>
+                              <p:par>
+                                <p:cTn id="13" presetID="1" presetClass="entr" presetSubtype="0" fill="hold" grpId="0" nodeType="withEffect">
+                                  <p:stCondLst>
+                                    <p:cond delay="0"/>
+                                  </p:stCondLst>
+                                  <p:childTnLst>
+                                    <p:set>
+                                      <p:cBhvr>
+                                        <p:cTn id="14" dur="1" fill="hold">
+                                          <p:stCondLst>
+                                            <p:cond delay="0"/>
+                                          </p:stCondLst>
+                                        </p:cTn>
+                                        <p:tgtEl>
+                                          <p:spTgt spid="3">
+                                            <p:txEl>
+                                              <p:pRg st="3" end="3"/>
+                                            </p:txEl>
+                                          </p:spTgt>
+                                        </p:tgtEl>
+                                        <p:attrNameLst>
+                                          <p:attrName>style.visibility</p:attrName>
+                                        </p:attrNameLst>
+                                      </p:cBhvr>
+                                      <p:to>
+                                        <p:strVal val="visible"/>
+                                      </p:to>
+                                    </p:set>
+                                  </p:childTnLst>
+                                </p:cTn>
+                              </p:par>
+                              <p:par>
+                                <p:cTn id="15" presetID="1" presetClass="entr" presetSubtype="0" fill="hold" grpId="0" nodeType="withEffect">
+                                  <p:stCondLst>
+                                    <p:cond delay="0"/>
+                                  </p:stCondLst>
+                                  <p:childTnLst>
+                                    <p:set>
+                                      <p:cBhvr>
+                                        <p:cTn id="16" dur="1" fill="hold">
+                                          <p:stCondLst>
+                                            <p:cond delay="0"/>
+                                          </p:stCondLst>
+                                        </p:cTn>
+                                        <p:tgtEl>
+                                          <p:spTgt spid="3">
+                                            <p:txEl>
+                                              <p:pRg st="4" end="4"/>
+                                            </p:txEl>
+                                          </p:spTgt>
+                                        </p:tgtEl>
+                                        <p:attrNameLst>
+                                          <p:attrName>style.visibility</p:attrName>
+                                        </p:attrNameLst>
+                                      </p:cBhvr>
+                                      <p:to>
+                                        <p:strVal val="visible"/>
+                                      </p:to>
+                                    </p:set>
+                                  </p:childTnLst>
+                                </p:cTn>
+                              </p:par>
+                            </p:childTnLst>
+                          </p:cTn>
+                        </p:par>
+                      </p:childTnLst>
+                    </p:cTn>
+                  </p:par>
+                  <p:par>
+                    <p:cTn id="17" fill="hold">
+                      <p:stCondLst>
+                        <p:cond delay="indefinite"/>
+                      </p:stCondLst>
+                      <p:childTnLst>
+                        <p:par>
+                          <p:cTn id="18" fill="hold">
+                            <p:stCondLst>
+                              <p:cond delay="0"/>
+                            </p:stCondLst>
+                            <p:childTnLst>
+                              <p:par>
+                                <p:cTn id="19" presetID="1" presetClass="entr" presetSubtype="0" fill="hold" grpId="0" nodeType="clickEffect">
+                                  <p:stCondLst>
+                                    <p:cond delay="0"/>
+                                  </p:stCondLst>
+                                  <p:childTnLst>
+                                    <p:set>
+                                      <p:cBhvr>
+                                        <p:cTn id="20" dur="1" fill="hold">
+                                          <p:stCondLst>
+                                            <p:cond delay="0"/>
+                                          </p:stCondLst>
+                                        </p:cTn>
+                                        <p:tgtEl>
+                                          <p:spTgt spid="3">
+                                            <p:txEl>
+                                              <p:pRg st="5" end="5"/>
+                                            </p:txEl>
+                                          </p:spTgt>
+                                        </p:tgtEl>
+                                        <p:attrNameLst>
+                                          <p:attrName>style.visibility</p:attrName>
+                                        </p:attrNameLst>
+                                      </p:cBhvr>
+                                      <p:to>
+                                        <p:strVal val="visible"/>
+                                      </p:to>
+                                    </p:set>
+                                  </p:childTnLst>
+                                </p:cTn>
+                              </p:par>
+                              <p:par>
+                                <p:cTn id="21" presetID="1" presetClass="entr" presetSubtype="0" fill="hold" grpId="0" nodeType="withEffect">
+                                  <p:stCondLst>
+                                    <p:cond delay="0"/>
+                                  </p:stCondLst>
+                                  <p:childTnLst>
+                                    <p:set>
+                                      <p:cBhvr>
+                                        <p:cTn id="22" dur="1" fill="hold">
+                                          <p:stCondLst>
+                                            <p:cond delay="0"/>
+                                          </p:stCondLst>
+                                        </p:cTn>
+                                        <p:tgtEl>
+                                          <p:spTgt spid="3">
+                                            <p:txEl>
+                                              <p:pRg st="6" end="6"/>
+                                            </p:txEl>
+                                          </p:spTgt>
+                                        </p:tgtEl>
+                                        <p:attrNameLst>
+                                          <p:attrName>style.visibility</p:attrName>
+                                        </p:attrNameLst>
+                                      </p:cBhvr>
+                                      <p:to>
+                                        <p:strVal val="visible"/>
+                                      </p:to>
+                                    </p:set>
+                                  </p:childTnLst>
+                                </p:cTn>
+                              </p:par>
+                            </p:childTnLst>
+                          </p:cTn>
+                        </p:par>
+                      </p:childTnLst>
+                    </p:cTn>
+                  </p:par>
+                  <p:par>
+                    <p:cTn id="23" fill="hold">
+                      <p:stCondLst>
+                        <p:cond delay="indefinite"/>
+                      </p:stCondLst>
+                      <p:childTnLst>
+                        <p:par>
+                          <p:cTn id="24" fill="hold">
+                            <p:stCondLst>
+                              <p:cond delay="0"/>
+                            </p:stCondLst>
+                            <p:childTnLst>
+                              <p:par>
+                                <p:cTn id="25" presetID="1" presetClass="entr" presetSubtype="0" fill="hold" grpId="0" nodeType="clickEffect">
+                                  <p:stCondLst>
+                                    <p:cond delay="0"/>
+                                  </p:stCondLst>
+                                  <p:childTnLst>
+                                    <p:set>
+                                      <p:cBhvr>
+                                        <p:cTn id="26" dur="1" fill="hold">
+                                          <p:stCondLst>
+                                            <p:cond delay="0"/>
+                                          </p:stCondLst>
+                                        </p:cTn>
+                                        <p:tgtEl>
+                                          <p:spTgt spid="3">
+                                            <p:txEl>
+                                              <p:pRg st="7" end="7"/>
+                                            </p:txEl>
+                                          </p:spTgt>
+                                        </p:tgtEl>
+                                        <p:attrNameLst>
+                                          <p:attrName>style.visibility</p:attrName>
+                                        </p:attrNameLst>
+                                      </p:cBhvr>
+                                      <p:to>
+                                        <p:strVal val="visible"/>
+                                      </p:to>
+                                    </p:set>
+                                  </p:childTnLst>
+                                </p:cTn>
+                              </p:par>
+                            </p:childTnLst>
+                          </p:cTn>
+                        </p:par>
+                      </p:childTnLst>
+                    </p:cTn>
+                  </p:par>
+                </p:childTnLst>
+              </p:cTn>
+              <p:prevCondLst>
+                <p:cond evt="onPrev" delay="0">
+                  <p:tgtEl>
+                    <p:sldTgt/>
+                  </p:tgtEl>
+                </p:cond>
+              </p:prevCondLst>
+              <p:nextCondLst>
+                <p:cond evt="onNext" delay="0">
+                  <p:tgtEl>
+                    <p:sldTgt/>
+                  </p:tgtEl>
+                </p:cond>
+              </p:nextCondLst>
+            </p:seq>
+          </p:childTnLst>
+        </p:cTn>
       </p:par>
     </p:tnLst>
+    <p:bldLst>
+      <p:bldP spid="3" grpId="0" uiExpand="1" build="p"/>
+    </p:bldLst>
   </p:timing>
 </p:sld>
 </file>
@@ -6550,11 +6893,7 @@
           <a:p>
             <a:r>
               <a:rPr lang="en-US" dirty="0" smtClean="0"/>
-              <a:t>Inject </a:t>
-            </a:r>
-            <a:r>
-              <a:rPr lang="en-US" dirty="0" smtClean="0"/>
-              <a:t>code into a page on a domain with sensitive information</a:t>
+              <a:t>Inject code into a page on a domain with sensitive information</a:t>
             </a:r>
           </a:p>
           <a:p>
@@ -6576,15 +6915,7 @@
             </a:r>
             <a:r>
               <a:rPr lang="en-US" i="1" dirty="0" smtClean="0"/>
-              <a:t>everywhere </a:t>
-            </a:r>
-            <a:r>
-              <a:rPr lang="en-US" i="1" dirty="0" smtClean="0"/>
-              <a:t>you </a:t>
-            </a:r>
-            <a:r>
-              <a:rPr lang="en-US" i="1" dirty="0" smtClean="0"/>
-              <a:t>can find</a:t>
+              <a:t>everywhere you can find</a:t>
             </a:r>
             <a:endParaRPr lang="en-US" dirty="0"/>
           </a:p>
@@ -7963,16 +8294,316 @@
           <a:p>
             <a:r>
               <a:rPr lang="en-US" dirty="0" smtClean="0"/>
-              <a:t>Demo(s)!</a:t>
+              <a:t>How common is XSS?</a:t>
             </a:r>
             <a:endParaRPr lang="en-US" dirty="0"/>
           </a:p>
         </p:txBody>
       </p:sp>
+      <p:pic>
+        <p:nvPicPr>
+          <p:cNvPr id="4" name="Picture 3"/>
+          <p:cNvPicPr>
+            <a:picLocks noChangeAspect="1"/>
+          </p:cNvPicPr>
+          <p:nvPr/>
+        </p:nvPicPr>
+        <p:blipFill>
+          <a:blip r:embed="rId2">
+            <a:extLst>
+              <a:ext uri="{28A0092B-C50C-407E-A947-70E740481C1C}">
+                <a14:useLocalDpi xmlns:a14="http://schemas.microsoft.com/office/drawing/2010/main" val="0"/>
+              </a:ext>
+            </a:extLst>
+          </a:blip>
+          <a:stretch>
+            <a:fillRect/>
+          </a:stretch>
+        </p:blipFill>
+        <p:spPr>
+          <a:xfrm>
+            <a:off x="688848" y="1615440"/>
+            <a:ext cx="3316224" cy="829056"/>
+          </a:xfrm>
+          <a:prstGeom prst="rect">
+            <a:avLst/>
+          </a:prstGeom>
+        </p:spPr>
+      </p:pic>
+      <p:pic>
+        <p:nvPicPr>
+          <p:cNvPr id="5" name="Picture 4"/>
+          <p:cNvPicPr>
+            <a:picLocks noChangeAspect="1"/>
+          </p:cNvPicPr>
+          <p:nvPr/>
+        </p:nvPicPr>
+        <p:blipFill>
+          <a:blip r:embed="rId3">
+            <a:extLst>
+              <a:ext uri="{28A0092B-C50C-407E-A947-70E740481C1C}">
+                <a14:useLocalDpi xmlns:a14="http://schemas.microsoft.com/office/drawing/2010/main" val="0"/>
+              </a:ext>
+            </a:extLst>
+          </a:blip>
+          <a:stretch>
+            <a:fillRect/>
+          </a:stretch>
+        </p:blipFill>
+        <p:spPr>
+          <a:xfrm>
+            <a:off x="4934712" y="1495681"/>
+            <a:ext cx="1092310" cy="1061278"/>
+          </a:xfrm>
+          <a:prstGeom prst="rect">
+            <a:avLst/>
+          </a:prstGeom>
+        </p:spPr>
+      </p:pic>
+      <p:pic>
+        <p:nvPicPr>
+          <p:cNvPr id="6" name="Picture 5"/>
+          <p:cNvPicPr>
+            <a:picLocks noChangeAspect="1"/>
+          </p:cNvPicPr>
+          <p:nvPr/>
+        </p:nvPicPr>
+        <p:blipFill>
+          <a:blip r:embed="rId4">
+            <a:extLst>
+              <a:ext uri="{28A0092B-C50C-407E-A947-70E740481C1C}">
+                <a14:useLocalDpi xmlns:a14="http://schemas.microsoft.com/office/drawing/2010/main" val="0"/>
+              </a:ext>
+            </a:extLst>
+          </a:blip>
+          <a:stretch>
+            <a:fillRect/>
+          </a:stretch>
+        </p:blipFill>
+        <p:spPr>
+          <a:xfrm>
+            <a:off x="7327392" y="928975"/>
+            <a:ext cx="1691640" cy="1699192"/>
+          </a:xfrm>
+          <a:prstGeom prst="rect">
+            <a:avLst/>
+          </a:prstGeom>
+        </p:spPr>
+      </p:pic>
+      <p:pic>
+        <p:nvPicPr>
+          <p:cNvPr id="7" name="Picture 6"/>
+          <p:cNvPicPr>
+            <a:picLocks noChangeAspect="1"/>
+          </p:cNvPicPr>
+          <p:nvPr/>
+        </p:nvPicPr>
+        <p:blipFill>
+          <a:blip r:embed="rId5">
+            <a:extLst>
+              <a:ext uri="{28A0092B-C50C-407E-A947-70E740481C1C}">
+                <a14:useLocalDpi xmlns:a14="http://schemas.microsoft.com/office/drawing/2010/main" val="0"/>
+              </a:ext>
+            </a:extLst>
+          </a:blip>
+          <a:stretch>
+            <a:fillRect/>
+          </a:stretch>
+        </p:blipFill>
+        <p:spPr>
+          <a:xfrm>
+            <a:off x="917257" y="2941003"/>
+            <a:ext cx="3590925" cy="1276350"/>
+          </a:xfrm>
+          <a:prstGeom prst="rect">
+            <a:avLst/>
+          </a:prstGeom>
+        </p:spPr>
+      </p:pic>
+      <p:pic>
+        <p:nvPicPr>
+          <p:cNvPr id="8" name="Picture 7"/>
+          <p:cNvPicPr>
+            <a:picLocks noChangeAspect="1"/>
+          </p:cNvPicPr>
+          <p:nvPr/>
+        </p:nvPicPr>
+        <p:blipFill>
+          <a:blip r:embed="rId6">
+            <a:extLst>
+              <a:ext uri="{28A0092B-C50C-407E-A947-70E740481C1C}">
+                <a14:useLocalDpi xmlns:a14="http://schemas.microsoft.com/office/drawing/2010/main" val="0"/>
+              </a:ext>
+            </a:extLst>
+          </a:blip>
+          <a:stretch>
+            <a:fillRect/>
+          </a:stretch>
+        </p:blipFill>
+        <p:spPr>
+          <a:xfrm>
+            <a:off x="4982051" y="3118611"/>
+            <a:ext cx="2895600" cy="1485900"/>
+          </a:xfrm>
+          <a:prstGeom prst="rect">
+            <a:avLst/>
+          </a:prstGeom>
+        </p:spPr>
+      </p:pic>
+      <p:pic>
+        <p:nvPicPr>
+          <p:cNvPr id="9" name="Picture 8"/>
+          <p:cNvPicPr>
+            <a:picLocks noChangeAspect="1"/>
+          </p:cNvPicPr>
+          <p:nvPr/>
+        </p:nvPicPr>
+        <p:blipFill>
+          <a:blip r:embed="rId7">
+            <a:extLst>
+              <a:ext uri="{28A0092B-C50C-407E-A947-70E740481C1C}">
+                <a14:useLocalDpi xmlns:a14="http://schemas.microsoft.com/office/drawing/2010/main" val="0"/>
+              </a:ext>
+            </a:extLst>
+          </a:blip>
+          <a:stretch>
+            <a:fillRect/>
+          </a:stretch>
+        </p:blipFill>
+        <p:spPr>
+          <a:xfrm>
+            <a:off x="8384856" y="2784585"/>
+            <a:ext cx="2133600" cy="2143125"/>
+          </a:xfrm>
+          <a:prstGeom prst="rect">
+            <a:avLst/>
+          </a:prstGeom>
+        </p:spPr>
+      </p:pic>
+      <p:pic>
+        <p:nvPicPr>
+          <p:cNvPr id="10" name="Picture 9"/>
+          <p:cNvPicPr>
+            <a:picLocks noChangeAspect="1"/>
+          </p:cNvPicPr>
+          <p:nvPr/>
+        </p:nvPicPr>
+        <p:blipFill>
+          <a:blip r:embed="rId8">
+            <a:extLst>
+              <a:ext uri="{28A0092B-C50C-407E-A947-70E740481C1C}">
+                <a14:useLocalDpi xmlns:a14="http://schemas.microsoft.com/office/drawing/2010/main" val="0"/>
+              </a:ext>
+            </a:extLst>
+          </a:blip>
+          <a:stretch>
+            <a:fillRect/>
+          </a:stretch>
+        </p:blipFill>
+        <p:spPr>
+          <a:xfrm>
+            <a:off x="1303021" y="4363974"/>
+            <a:ext cx="2105025" cy="2171700"/>
+          </a:xfrm>
+          <a:prstGeom prst="rect">
+            <a:avLst/>
+          </a:prstGeom>
+        </p:spPr>
+      </p:pic>
+      <p:pic>
+        <p:nvPicPr>
+          <p:cNvPr id="11" name="Picture 10"/>
+          <p:cNvPicPr>
+            <a:picLocks noChangeAspect="1"/>
+          </p:cNvPicPr>
+          <p:nvPr/>
+        </p:nvPicPr>
+        <p:blipFill>
+          <a:blip r:embed="rId9">
+            <a:extLst>
+              <a:ext uri="{28A0092B-C50C-407E-A947-70E740481C1C}">
+                <a14:useLocalDpi xmlns:a14="http://schemas.microsoft.com/office/drawing/2010/main" val="0"/>
+              </a:ext>
+            </a:extLst>
+          </a:blip>
+          <a:stretch>
+            <a:fillRect/>
+          </a:stretch>
+        </p:blipFill>
+        <p:spPr>
+          <a:xfrm>
+            <a:off x="4207383" y="4780276"/>
+            <a:ext cx="2381250" cy="1914525"/>
+          </a:xfrm>
+          <a:prstGeom prst="rect">
+            <a:avLst/>
+          </a:prstGeom>
+        </p:spPr>
+      </p:pic>
+      <p:pic>
+        <p:nvPicPr>
+          <p:cNvPr id="12" name="Picture 11"/>
+          <p:cNvPicPr>
+            <a:picLocks noChangeAspect="1"/>
+          </p:cNvPicPr>
+          <p:nvPr/>
+        </p:nvPicPr>
+        <p:blipFill>
+          <a:blip r:embed="rId10">
+            <a:extLst>
+              <a:ext uri="{28A0092B-C50C-407E-A947-70E740481C1C}">
+                <a14:useLocalDpi xmlns:a14="http://schemas.microsoft.com/office/drawing/2010/main" val="0"/>
+              </a:ext>
+            </a:extLst>
+          </a:blip>
+          <a:stretch>
+            <a:fillRect/>
+          </a:stretch>
+        </p:blipFill>
+        <p:spPr>
+          <a:xfrm>
+            <a:off x="7590282" y="5052188"/>
+            <a:ext cx="2857500" cy="1600200"/>
+          </a:xfrm>
+          <a:prstGeom prst="rect">
+            <a:avLst/>
+          </a:prstGeom>
+        </p:spPr>
+      </p:pic>
+      <p:pic>
+        <p:nvPicPr>
+          <p:cNvPr id="13" name="Picture 12"/>
+          <p:cNvPicPr>
+            <a:picLocks noChangeAspect="1"/>
+          </p:cNvPicPr>
+          <p:nvPr/>
+        </p:nvPicPr>
+        <p:blipFill>
+          <a:blip r:embed="rId11" cstate="print">
+            <a:extLst>
+              <a:ext uri="{28A0092B-C50C-407E-A947-70E740481C1C}">
+                <a14:useLocalDpi xmlns:a14="http://schemas.microsoft.com/office/drawing/2010/main" val="0"/>
+              </a:ext>
+            </a:extLst>
+          </a:blip>
+          <a:stretch>
+            <a:fillRect/>
+          </a:stretch>
+        </p:blipFill>
+        <p:spPr>
+          <a:xfrm>
+            <a:off x="9584129" y="662940"/>
+            <a:ext cx="1921587" cy="2055495"/>
+          </a:xfrm>
+          <a:prstGeom prst="rect">
+            <a:avLst/>
+          </a:prstGeom>
+        </p:spPr>
+      </p:pic>
     </p:spTree>
     <p:extLst>
       <p:ext uri="{BB962C8B-B14F-4D97-AF65-F5344CB8AC3E}">
-        <p14:creationId xmlns:p14="http://schemas.microsoft.com/office/powerpoint/2010/main" val="43830645"/>
+        <p14:creationId xmlns:p14="http://schemas.microsoft.com/office/powerpoint/2010/main" val="2598681913"/>
       </p:ext>
     </p:extLst>
   </p:cSld>
@@ -7982,7 +8613,480 @@
   <p:timing>
     <p:tnLst>
       <p:par>
-        <p:cTn id="1" dur="indefinite" restart="never" nodeType="tmRoot"/>
+        <p:cTn id="1" dur="indefinite" restart="never" nodeType="tmRoot">
+          <p:childTnLst>
+            <p:seq concurrent="1" nextAc="seek">
+              <p:cTn id="2" dur="indefinite" nodeType="mainSeq">
+                <p:childTnLst>
+                  <p:par>
+                    <p:cTn id="3" fill="hold">
+                      <p:stCondLst>
+                        <p:cond delay="indefinite"/>
+                      </p:stCondLst>
+                      <p:childTnLst>
+                        <p:par>
+                          <p:cTn id="4" fill="hold">
+                            <p:stCondLst>
+                              <p:cond delay="0"/>
+                            </p:stCondLst>
+                            <p:childTnLst>
+                              <p:par>
+                                <p:cTn id="5" presetID="1" presetClass="entr" presetSubtype="0" fill="hold" nodeType="clickEffect">
+                                  <p:stCondLst>
+                                    <p:cond delay="0"/>
+                                  </p:stCondLst>
+                                  <p:childTnLst>
+                                    <p:set>
+                                      <p:cBhvr>
+                                        <p:cTn id="6" dur="1" fill="hold">
+                                          <p:stCondLst>
+                                            <p:cond delay="0"/>
+                                          </p:stCondLst>
+                                        </p:cTn>
+                                        <p:tgtEl>
+                                          <p:spTgt spid="4"/>
+                                        </p:tgtEl>
+                                        <p:attrNameLst>
+                                          <p:attrName>style.visibility</p:attrName>
+                                        </p:attrNameLst>
+                                      </p:cBhvr>
+                                      <p:to>
+                                        <p:strVal val="visible"/>
+                                      </p:to>
+                                    </p:set>
+                                  </p:childTnLst>
+                                </p:cTn>
+                              </p:par>
+                            </p:childTnLst>
+                          </p:cTn>
+                        </p:par>
+                      </p:childTnLst>
+                    </p:cTn>
+                  </p:par>
+                  <p:par>
+                    <p:cTn id="7" fill="hold">
+                      <p:stCondLst>
+                        <p:cond delay="indefinite"/>
+                      </p:stCondLst>
+                      <p:childTnLst>
+                        <p:par>
+                          <p:cTn id="8" fill="hold">
+                            <p:stCondLst>
+                              <p:cond delay="0"/>
+                            </p:stCondLst>
+                            <p:childTnLst>
+                              <p:par>
+                                <p:cTn id="9" presetID="1" presetClass="entr" presetSubtype="0" fill="hold" nodeType="clickEffect">
+                                  <p:stCondLst>
+                                    <p:cond delay="0"/>
+                                  </p:stCondLst>
+                                  <p:childTnLst>
+                                    <p:set>
+                                      <p:cBhvr>
+                                        <p:cTn id="10" dur="1" fill="hold">
+                                          <p:stCondLst>
+                                            <p:cond delay="0"/>
+                                          </p:stCondLst>
+                                        </p:cTn>
+                                        <p:tgtEl>
+                                          <p:spTgt spid="5"/>
+                                        </p:tgtEl>
+                                        <p:attrNameLst>
+                                          <p:attrName>style.visibility</p:attrName>
+                                        </p:attrNameLst>
+                                      </p:cBhvr>
+                                      <p:to>
+                                        <p:strVal val="visible"/>
+                                      </p:to>
+                                    </p:set>
+                                  </p:childTnLst>
+                                </p:cTn>
+                              </p:par>
+                            </p:childTnLst>
+                          </p:cTn>
+                        </p:par>
+                      </p:childTnLst>
+                    </p:cTn>
+                  </p:par>
+                  <p:par>
+                    <p:cTn id="11" fill="hold">
+                      <p:stCondLst>
+                        <p:cond delay="indefinite"/>
+                      </p:stCondLst>
+                      <p:childTnLst>
+                        <p:par>
+                          <p:cTn id="12" fill="hold">
+                            <p:stCondLst>
+                              <p:cond delay="0"/>
+                            </p:stCondLst>
+                            <p:childTnLst>
+                              <p:par>
+                                <p:cTn id="13" presetID="1" presetClass="entr" presetSubtype="0" fill="hold" nodeType="clickEffect">
+                                  <p:stCondLst>
+                                    <p:cond delay="0"/>
+                                  </p:stCondLst>
+                                  <p:childTnLst>
+                                    <p:set>
+                                      <p:cBhvr>
+                                        <p:cTn id="14" dur="1" fill="hold">
+                                          <p:stCondLst>
+                                            <p:cond delay="0"/>
+                                          </p:stCondLst>
+                                        </p:cTn>
+                                        <p:tgtEl>
+                                          <p:spTgt spid="6"/>
+                                        </p:tgtEl>
+                                        <p:attrNameLst>
+                                          <p:attrName>style.visibility</p:attrName>
+                                        </p:attrNameLst>
+                                      </p:cBhvr>
+                                      <p:to>
+                                        <p:strVal val="visible"/>
+                                      </p:to>
+                                    </p:set>
+                                  </p:childTnLst>
+                                </p:cTn>
+                              </p:par>
+                            </p:childTnLst>
+                          </p:cTn>
+                        </p:par>
+                      </p:childTnLst>
+                    </p:cTn>
+                  </p:par>
+                  <p:par>
+                    <p:cTn id="15" fill="hold">
+                      <p:stCondLst>
+                        <p:cond delay="indefinite"/>
+                      </p:stCondLst>
+                      <p:childTnLst>
+                        <p:par>
+                          <p:cTn id="16" fill="hold">
+                            <p:stCondLst>
+                              <p:cond delay="0"/>
+                            </p:stCondLst>
+                            <p:childTnLst>
+                              <p:par>
+                                <p:cTn id="17" presetID="1" presetClass="entr" presetSubtype="0" fill="hold" nodeType="clickEffect">
+                                  <p:stCondLst>
+                                    <p:cond delay="0"/>
+                                  </p:stCondLst>
+                                  <p:childTnLst>
+                                    <p:set>
+                                      <p:cBhvr>
+                                        <p:cTn id="18" dur="1" fill="hold">
+                                          <p:stCondLst>
+                                            <p:cond delay="0"/>
+                                          </p:stCondLst>
+                                        </p:cTn>
+                                        <p:tgtEl>
+                                          <p:spTgt spid="7"/>
+                                        </p:tgtEl>
+                                        <p:attrNameLst>
+                                          <p:attrName>style.visibility</p:attrName>
+                                        </p:attrNameLst>
+                                      </p:cBhvr>
+                                      <p:to>
+                                        <p:strVal val="visible"/>
+                                      </p:to>
+                                    </p:set>
+                                  </p:childTnLst>
+                                </p:cTn>
+                              </p:par>
+                            </p:childTnLst>
+                          </p:cTn>
+                        </p:par>
+                      </p:childTnLst>
+                    </p:cTn>
+                  </p:par>
+                  <p:par>
+                    <p:cTn id="19" fill="hold">
+                      <p:stCondLst>
+                        <p:cond delay="indefinite"/>
+                      </p:stCondLst>
+                      <p:childTnLst>
+                        <p:par>
+                          <p:cTn id="20" fill="hold">
+                            <p:stCondLst>
+                              <p:cond delay="0"/>
+                            </p:stCondLst>
+                            <p:childTnLst>
+                              <p:par>
+                                <p:cTn id="21" presetID="1" presetClass="entr" presetSubtype="0" fill="hold" nodeType="clickEffect">
+                                  <p:stCondLst>
+                                    <p:cond delay="0"/>
+                                  </p:stCondLst>
+                                  <p:childTnLst>
+                                    <p:set>
+                                      <p:cBhvr>
+                                        <p:cTn id="22" dur="1" fill="hold">
+                                          <p:stCondLst>
+                                            <p:cond delay="0"/>
+                                          </p:stCondLst>
+                                        </p:cTn>
+                                        <p:tgtEl>
+                                          <p:spTgt spid="8"/>
+                                        </p:tgtEl>
+                                        <p:attrNameLst>
+                                          <p:attrName>style.visibility</p:attrName>
+                                        </p:attrNameLst>
+                                      </p:cBhvr>
+                                      <p:to>
+                                        <p:strVal val="visible"/>
+                                      </p:to>
+                                    </p:set>
+                                  </p:childTnLst>
+                                </p:cTn>
+                              </p:par>
+                            </p:childTnLst>
+                          </p:cTn>
+                        </p:par>
+                      </p:childTnLst>
+                    </p:cTn>
+                  </p:par>
+                  <p:par>
+                    <p:cTn id="23" fill="hold">
+                      <p:stCondLst>
+                        <p:cond delay="indefinite"/>
+                      </p:stCondLst>
+                      <p:childTnLst>
+                        <p:par>
+                          <p:cTn id="24" fill="hold">
+                            <p:stCondLst>
+                              <p:cond delay="0"/>
+                            </p:stCondLst>
+                            <p:childTnLst>
+                              <p:par>
+                                <p:cTn id="25" presetID="1" presetClass="entr" presetSubtype="0" fill="hold" nodeType="clickEffect">
+                                  <p:stCondLst>
+                                    <p:cond delay="0"/>
+                                  </p:stCondLst>
+                                  <p:childTnLst>
+                                    <p:set>
+                                      <p:cBhvr>
+                                        <p:cTn id="26" dur="1" fill="hold">
+                                          <p:stCondLst>
+                                            <p:cond delay="0"/>
+                                          </p:stCondLst>
+                                        </p:cTn>
+                                        <p:tgtEl>
+                                          <p:spTgt spid="10"/>
+                                        </p:tgtEl>
+                                        <p:attrNameLst>
+                                          <p:attrName>style.visibility</p:attrName>
+                                        </p:attrNameLst>
+                                      </p:cBhvr>
+                                      <p:to>
+                                        <p:strVal val="visible"/>
+                                      </p:to>
+                                    </p:set>
+                                  </p:childTnLst>
+                                </p:cTn>
+                              </p:par>
+                            </p:childTnLst>
+                          </p:cTn>
+                        </p:par>
+                      </p:childTnLst>
+                    </p:cTn>
+                  </p:par>
+                  <p:par>
+                    <p:cTn id="27" fill="hold">
+                      <p:stCondLst>
+                        <p:cond delay="indefinite"/>
+                      </p:stCondLst>
+                      <p:childTnLst>
+                        <p:par>
+                          <p:cTn id="28" fill="hold">
+                            <p:stCondLst>
+                              <p:cond delay="0"/>
+                            </p:stCondLst>
+                            <p:childTnLst>
+                              <p:par>
+                                <p:cTn id="29" presetID="1" presetClass="entr" presetSubtype="0" fill="hold" nodeType="clickEffect">
+                                  <p:stCondLst>
+                                    <p:cond delay="0"/>
+                                  </p:stCondLst>
+                                  <p:childTnLst>
+                                    <p:set>
+                                      <p:cBhvr>
+                                        <p:cTn id="30" dur="1" fill="hold">
+                                          <p:stCondLst>
+                                            <p:cond delay="0"/>
+                                          </p:stCondLst>
+                                        </p:cTn>
+                                        <p:tgtEl>
+                                          <p:spTgt spid="11"/>
+                                        </p:tgtEl>
+                                        <p:attrNameLst>
+                                          <p:attrName>style.visibility</p:attrName>
+                                        </p:attrNameLst>
+                                      </p:cBhvr>
+                                      <p:to>
+                                        <p:strVal val="visible"/>
+                                      </p:to>
+                                    </p:set>
+                                  </p:childTnLst>
+                                </p:cTn>
+                              </p:par>
+                            </p:childTnLst>
+                          </p:cTn>
+                        </p:par>
+                      </p:childTnLst>
+                    </p:cTn>
+                  </p:par>
+                  <p:par>
+                    <p:cTn id="31" fill="hold">
+                      <p:stCondLst>
+                        <p:cond delay="indefinite"/>
+                      </p:stCondLst>
+                      <p:childTnLst>
+                        <p:par>
+                          <p:cTn id="32" fill="hold">
+                            <p:stCondLst>
+                              <p:cond delay="0"/>
+                            </p:stCondLst>
+                            <p:childTnLst>
+                              <p:par>
+                                <p:cTn id="33" presetID="1" presetClass="entr" presetSubtype="0" fill="hold" nodeType="clickEffect">
+                                  <p:stCondLst>
+                                    <p:cond delay="0"/>
+                                  </p:stCondLst>
+                                  <p:childTnLst>
+                                    <p:set>
+                                      <p:cBhvr>
+                                        <p:cTn id="34" dur="1" fill="hold">
+                                          <p:stCondLst>
+                                            <p:cond delay="0"/>
+                                          </p:stCondLst>
+                                        </p:cTn>
+                                        <p:tgtEl>
+                                          <p:spTgt spid="9"/>
+                                        </p:tgtEl>
+                                        <p:attrNameLst>
+                                          <p:attrName>style.visibility</p:attrName>
+                                        </p:attrNameLst>
+                                      </p:cBhvr>
+                                      <p:to>
+                                        <p:strVal val="visible"/>
+                                      </p:to>
+                                    </p:set>
+                                  </p:childTnLst>
+                                </p:cTn>
+                              </p:par>
+                            </p:childTnLst>
+                          </p:cTn>
+                        </p:par>
+                      </p:childTnLst>
+                    </p:cTn>
+                  </p:par>
+                  <p:par>
+                    <p:cTn id="35" fill="hold">
+                      <p:stCondLst>
+                        <p:cond delay="indefinite"/>
+                      </p:stCondLst>
+                      <p:childTnLst>
+                        <p:par>
+                          <p:cTn id="36" fill="hold">
+                            <p:stCondLst>
+                              <p:cond delay="0"/>
+                            </p:stCondLst>
+                            <p:childTnLst>
+                              <p:par>
+                                <p:cTn id="37" presetID="1" presetClass="entr" presetSubtype="0" fill="hold" nodeType="clickEffect">
+                                  <p:stCondLst>
+                                    <p:cond delay="0"/>
+                                  </p:stCondLst>
+                                  <p:childTnLst>
+                                    <p:set>
+                                      <p:cBhvr>
+                                        <p:cTn id="38" dur="1" fill="hold">
+                                          <p:stCondLst>
+                                            <p:cond delay="0"/>
+                                          </p:stCondLst>
+                                        </p:cTn>
+                                        <p:tgtEl>
+                                          <p:spTgt spid="12"/>
+                                        </p:tgtEl>
+                                        <p:attrNameLst>
+                                          <p:attrName>style.visibility</p:attrName>
+                                        </p:attrNameLst>
+                                      </p:cBhvr>
+                                      <p:to>
+                                        <p:strVal val="visible"/>
+                                      </p:to>
+                                    </p:set>
+                                  </p:childTnLst>
+                                </p:cTn>
+                              </p:par>
+                            </p:childTnLst>
+                          </p:cTn>
+                        </p:par>
+                      </p:childTnLst>
+                    </p:cTn>
+                  </p:par>
+                  <p:par>
+                    <p:cTn id="39" fill="hold">
+                      <p:stCondLst>
+                        <p:cond delay="indefinite"/>
+                      </p:stCondLst>
+                      <p:childTnLst>
+                        <p:par>
+                          <p:cTn id="40" fill="hold">
+                            <p:stCondLst>
+                              <p:cond delay="0"/>
+                            </p:stCondLst>
+                            <p:childTnLst>
+                              <p:par>
+                                <p:cTn id="41" presetID="1" presetClass="entr" presetSubtype="0" fill="hold" nodeType="clickEffect">
+                                  <p:stCondLst>
+                                    <p:cond delay="0"/>
+                                  </p:stCondLst>
+                                  <p:childTnLst>
+                                    <p:set>
+                                      <p:cBhvr>
+                                        <p:cTn id="42" dur="1" fill="hold">
+                                          <p:stCondLst>
+                                            <p:cond delay="0"/>
+                                          </p:stCondLst>
+                                        </p:cTn>
+                                        <p:tgtEl>
+                                          <p:spTgt spid="13"/>
+                                        </p:tgtEl>
+                                        <p:attrNameLst>
+                                          <p:attrName>style.visibility</p:attrName>
+                                        </p:attrNameLst>
+                                      </p:cBhvr>
+                                      <p:to>
+                                        <p:strVal val="visible"/>
+                                      </p:to>
+                                    </p:set>
+                                  </p:childTnLst>
+                                </p:cTn>
+                              </p:par>
+                            </p:childTnLst>
+                          </p:cTn>
+                        </p:par>
+                      </p:childTnLst>
+                    </p:cTn>
+                  </p:par>
+                </p:childTnLst>
+              </p:cTn>
+              <p:prevCondLst>
+                <p:cond evt="onPrev" delay="0">
+                  <p:tgtEl>
+                    <p:sldTgt/>
+                  </p:tgtEl>
+                </p:cond>
+              </p:prevCondLst>
+              <p:nextCondLst>
+                <p:cond evt="onNext" delay="0">
+                  <p:tgtEl>
+                    <p:sldTgt/>
+                  </p:tgtEl>
+                </p:cond>
+              </p:nextCondLst>
+            </p:seq>
+          </p:childTnLst>
+        </p:cTn>
       </p:par>
     </p:tnLst>
   </p:timing>
@@ -8023,6 +9127,66 @@
           <a:p>
             <a:r>
               <a:rPr lang="en-US" dirty="0" smtClean="0"/>
+              <a:t>Demo(s)!</a:t>
+            </a:r>
+            <a:endParaRPr lang="en-US" dirty="0"/>
+          </a:p>
+        </p:txBody>
+      </p:sp>
+    </p:spTree>
+    <p:extLst>
+      <p:ext uri="{BB962C8B-B14F-4D97-AF65-F5344CB8AC3E}">
+        <p14:creationId xmlns:p14="http://schemas.microsoft.com/office/powerpoint/2010/main" val="43830645"/>
+      </p:ext>
+    </p:extLst>
+  </p:cSld>
+  <p:clrMapOvr>
+    <a:masterClrMapping/>
+  </p:clrMapOvr>
+  <p:timing>
+    <p:tnLst>
+      <p:par>
+        <p:cTn id="1" dur="indefinite" restart="never" nodeType="tmRoot"/>
+      </p:par>
+    </p:tnLst>
+  </p:timing>
+</p:sld>
+</file>
+
+<file path=ppt/slides/slide22.xml><?xml version="1.0" encoding="utf-8"?>
+<p:sld xmlns:a="http://schemas.openxmlformats.org/drawingml/2006/main" xmlns:r="http://schemas.openxmlformats.org/officeDocument/2006/relationships" xmlns:p="http://schemas.openxmlformats.org/presentationml/2006/main">
+  <p:cSld>
+    <p:spTree>
+      <p:nvGrpSpPr>
+        <p:cNvPr id="1" name=""/>
+        <p:cNvGrpSpPr/>
+        <p:nvPr/>
+      </p:nvGrpSpPr>
+      <p:grpSpPr>
+        <a:xfrm>
+          <a:off x="0" y="0"/>
+          <a:ext cx="0" cy="0"/>
+          <a:chOff x="0" y="0"/>
+          <a:chExt cx="0" cy="0"/>
+        </a:xfrm>
+      </p:grpSpPr>
+      <p:sp>
+        <p:nvSpPr>
+          <p:cNvPr id="2" name="Title 1"/>
+          <p:cNvSpPr>
+            <a:spLocks noGrp="1"/>
+          </p:cNvSpPr>
+          <p:nvPr>
+            <p:ph type="title"/>
+          </p:nvPr>
+        </p:nvSpPr>
+        <p:spPr/>
+        <p:txBody>
+          <a:bodyPr/>
+          <a:lstStyle/>
+          <a:p>
+            <a:r>
+              <a:rPr lang="en-US" dirty="0" smtClean="0"/>
               <a:t>Databases</a:t>
             </a:r>
             <a:endParaRPr lang="en-US" dirty="0"/>
@@ -8096,7 +9260,7 @@
 </p:sld>
 </file>
 
-<file path=ppt/slides/slide22.xml><?xml version="1.0" encoding="utf-8"?>
+<file path=ppt/slides/slide23.xml><?xml version="1.0" encoding="utf-8"?>
 <p:sld xmlns:a="http://schemas.openxmlformats.org/drawingml/2006/main" xmlns:r="http://schemas.openxmlformats.org/officeDocument/2006/relationships" xmlns:p="http://schemas.openxmlformats.org/presentationml/2006/main">
   <p:cSld>
     <p:spTree>
@@ -8721,7 +9885,7 @@
 </p:sld>
 </file>
 
-<file path=ppt/slides/slide23.xml><?xml version="1.0" encoding="utf-8"?>
+<file path=ppt/slides/slide24.xml><?xml version="1.0" encoding="utf-8"?>
 <p:sld xmlns:a="http://schemas.openxmlformats.org/drawingml/2006/main" xmlns:r="http://schemas.openxmlformats.org/officeDocument/2006/relationships" xmlns:p="http://schemas.openxmlformats.org/presentationml/2006/main">
   <p:cSld>
     <p:spTree>
@@ -9125,7 +10289,7 @@
 </p:sld>
 </file>
 
-<file path=ppt/slides/slide24.xml><?xml version="1.0" encoding="utf-8"?>
+<file path=ppt/slides/slide25.xml><?xml version="1.0" encoding="utf-8"?>
 <p:sld xmlns:a="http://schemas.openxmlformats.org/drawingml/2006/main" xmlns:r="http://schemas.openxmlformats.org/officeDocument/2006/relationships" xmlns:p="http://schemas.openxmlformats.org/presentationml/2006/main">
   <p:cSld>
     <p:spTree>
@@ -9180,16 +10344,9 @@
           <a:bodyPr/>
           <a:lstStyle/>
           <a:p>
-            <a:r>
-              <a:rPr lang="en-US" dirty="0" smtClean="0"/>
-              <a:t>Very, very bad</a:t>
-            </a:r>
-          </a:p>
-          <a:p>
-            <a:r>
-              <a:rPr lang="en-US" dirty="0" smtClean="0"/>
-              <a:t>Why?</a:t>
-            </a:r>
+            <a:pPr marL="0" indent="0">
+              <a:buNone/>
+            </a:pPr>
             <a:r>
               <a:rPr lang="en-US" dirty="0"/>
               <a:t/>
@@ -9232,14 +10389,89 @@
   <p:timing>
     <p:tnLst>
       <p:par>
-        <p:cTn id="1" dur="indefinite" restart="never" nodeType="tmRoot"/>
+        <p:cTn id="1" dur="indefinite" restart="never" nodeType="tmRoot">
+          <p:childTnLst>
+            <p:seq concurrent="1" nextAc="seek">
+              <p:cTn id="2" dur="indefinite" nodeType="mainSeq">
+                <p:childTnLst>
+                  <p:par>
+                    <p:cTn id="3" fill="hold">
+                      <p:stCondLst>
+                        <p:cond delay="indefinite"/>
+                      </p:stCondLst>
+                      <p:childTnLst>
+                        <p:par>
+                          <p:cTn id="4" fill="hold">
+                            <p:stCondLst>
+                              <p:cond delay="0"/>
+                            </p:stCondLst>
+                            <p:childTnLst>
+                              <p:par>
+                                <p:cTn id="5" presetID="1" presetClass="entr" presetSubtype="0" fill="hold" grpId="0" nodeType="clickEffect">
+                                  <p:stCondLst>
+                                    <p:cond delay="0"/>
+                                  </p:stCondLst>
+                                  <p:childTnLst>
+                                    <p:set>
+                                      <p:cBhvr>
+                                        <p:cTn id="6" dur="1" fill="hold">
+                                          <p:stCondLst>
+                                            <p:cond delay="0"/>
+                                          </p:stCondLst>
+                                        </p:cTn>
+                                        <p:tgtEl>
+                                          <p:spTgt spid="3">
+                                            <p:txEl>
+                                              <p:pRg st="0" end="0"/>
+                                            </p:txEl>
+                                          </p:spTgt>
+                                        </p:tgtEl>
+                                        <p:attrNameLst>
+                                          <p:attrName>style.visibility</p:attrName>
+                                        </p:attrNameLst>
+                                      </p:cBhvr>
+                                      <p:to>
+                                        <p:strVal val="visible"/>
+                                      </p:to>
+                                    </p:set>
+                                  </p:childTnLst>
+                                </p:cTn>
+                              </p:par>
+                            </p:childTnLst>
+                          </p:cTn>
+                        </p:par>
+                      </p:childTnLst>
+                    </p:cTn>
+                  </p:par>
+                </p:childTnLst>
+              </p:cTn>
+              <p:prevCondLst>
+                <p:cond evt="onPrev" delay="0">
+                  <p:tgtEl>
+                    <p:sldTgt/>
+                  </p:tgtEl>
+                </p:cond>
+              </p:prevCondLst>
+              <p:nextCondLst>
+                <p:cond evt="onNext" delay="0">
+                  <p:tgtEl>
+                    <p:sldTgt/>
+                  </p:tgtEl>
+                </p:cond>
+              </p:nextCondLst>
+            </p:seq>
+          </p:childTnLst>
+        </p:cTn>
       </p:par>
     </p:tnLst>
+    <p:bldLst>
+      <p:bldP spid="3" grpId="0" build="p"/>
+    </p:bldLst>
   </p:timing>
 </p:sld>
 </file>
 
-<file path=ppt/slides/slide25.xml><?xml version="1.0" encoding="utf-8"?>
+<file path=ppt/slides/slide26.xml><?xml version="1.0" encoding="utf-8"?>
 <p:sld xmlns:a="http://schemas.openxmlformats.org/drawingml/2006/main" xmlns:r="http://schemas.openxmlformats.org/officeDocument/2006/relationships" xmlns:p="http://schemas.openxmlformats.org/presentationml/2006/main">
   <p:cSld>
     <p:spTree>
@@ -9588,7 +10820,7 @@
 </p:sld>
 </file>
 
-<file path=ppt/slides/slide26.xml><?xml version="1.0" encoding="utf-8"?>
+<file path=ppt/slides/slide27.xml><?xml version="1.0" encoding="utf-8"?>
 <p:sld xmlns:a="http://schemas.openxmlformats.org/drawingml/2006/main" xmlns:r="http://schemas.openxmlformats.org/officeDocument/2006/relationships" xmlns:p="http://schemas.openxmlformats.org/presentationml/2006/main">
   <p:cSld>
     <p:spTree>
@@ -9864,88 +11096,6 @@
 </p:sld>
 </file>
 
-<file path=ppt/slides/slide27.xml><?xml version="1.0" encoding="utf-8"?>
-<p:sld xmlns:a="http://schemas.openxmlformats.org/drawingml/2006/main" xmlns:r="http://schemas.openxmlformats.org/officeDocument/2006/relationships" xmlns:p="http://schemas.openxmlformats.org/presentationml/2006/main">
-  <p:cSld>
-    <p:spTree>
-      <p:nvGrpSpPr>
-        <p:cNvPr id="1" name=""/>
-        <p:cNvGrpSpPr/>
-        <p:nvPr/>
-      </p:nvGrpSpPr>
-      <p:grpSpPr>
-        <a:xfrm>
-          <a:off x="0" y="0"/>
-          <a:ext cx="0" cy="0"/>
-          <a:chOff x="0" y="0"/>
-          <a:chExt cx="0" cy="0"/>
-        </a:xfrm>
-      </p:grpSpPr>
-      <p:sp>
-        <p:nvSpPr>
-          <p:cNvPr id="2" name="Title 1"/>
-          <p:cNvSpPr>
-            <a:spLocks noGrp="1"/>
-          </p:cNvSpPr>
-          <p:nvPr>
-            <p:ph type="title"/>
-          </p:nvPr>
-        </p:nvSpPr>
-        <p:spPr/>
-        <p:txBody>
-          <a:bodyPr/>
-          <a:lstStyle/>
-          <a:p>
-            <a:r>
-              <a:rPr lang="en-US" dirty="0" smtClean="0"/>
-              <a:t>Example</a:t>
-            </a:r>
-            <a:endParaRPr lang="en-US" dirty="0"/>
-          </a:p>
-        </p:txBody>
-      </p:sp>
-      <p:sp>
-        <p:nvSpPr>
-          <p:cNvPr id="3" name="Content Placeholder 2"/>
-          <p:cNvSpPr>
-            <a:spLocks noGrp="1"/>
-          </p:cNvSpPr>
-          <p:nvPr>
-            <p:ph idx="1"/>
-          </p:nvPr>
-        </p:nvSpPr>
-        <p:spPr/>
-        <p:txBody>
-          <a:bodyPr/>
-          <a:lstStyle/>
-          <a:p>
-            <a:pPr marL="0" indent="0">
-              <a:buNone/>
-            </a:pPr>
-            <a:endParaRPr lang="en-US" dirty="0"/>
-          </a:p>
-        </p:txBody>
-      </p:sp>
-    </p:spTree>
-    <p:extLst>
-      <p:ext uri="{BB962C8B-B14F-4D97-AF65-F5344CB8AC3E}">
-        <p14:creationId xmlns:p14="http://schemas.microsoft.com/office/powerpoint/2010/main" val="2483259108"/>
-      </p:ext>
-    </p:extLst>
-  </p:cSld>
-  <p:clrMapOvr>
-    <a:masterClrMapping/>
-  </p:clrMapOvr>
-  <p:timing>
-    <p:tnLst>
-      <p:par>
-        <p:cTn id="1" dur="indefinite" restart="never" nodeType="tmRoot"/>
-      </p:par>
-    </p:tnLst>
-  </p:timing>
-</p:sld>
-</file>
-
 <file path=ppt/slides/slide28.xml><?xml version="1.0" encoding="utf-8"?>
 <p:sld xmlns:a="http://schemas.openxmlformats.org/drawingml/2006/main" xmlns:r="http://schemas.openxmlformats.org/officeDocument/2006/relationships" xmlns:p="http://schemas.openxmlformats.org/presentationml/2006/main">
   <p:cSld>
@@ -9980,6 +11130,66 @@
           <a:p>
             <a:r>
               <a:rPr lang="en-US" dirty="0" smtClean="0"/>
+              <a:t>Example</a:t>
+            </a:r>
+            <a:endParaRPr lang="en-US" dirty="0"/>
+          </a:p>
+        </p:txBody>
+      </p:sp>
+    </p:spTree>
+    <p:extLst>
+      <p:ext uri="{BB962C8B-B14F-4D97-AF65-F5344CB8AC3E}">
+        <p14:creationId xmlns:p14="http://schemas.microsoft.com/office/powerpoint/2010/main" val="2483259108"/>
+      </p:ext>
+    </p:extLst>
+  </p:cSld>
+  <p:clrMapOvr>
+    <a:masterClrMapping/>
+  </p:clrMapOvr>
+  <p:timing>
+    <p:tnLst>
+      <p:par>
+        <p:cTn id="1" dur="indefinite" restart="never" nodeType="tmRoot"/>
+      </p:par>
+    </p:tnLst>
+  </p:timing>
+</p:sld>
+</file>
+
+<file path=ppt/slides/slide29.xml><?xml version="1.0" encoding="utf-8"?>
+<p:sld xmlns:a="http://schemas.openxmlformats.org/drawingml/2006/main" xmlns:r="http://schemas.openxmlformats.org/officeDocument/2006/relationships" xmlns:p="http://schemas.openxmlformats.org/presentationml/2006/main">
+  <p:cSld>
+    <p:spTree>
+      <p:nvGrpSpPr>
+        <p:cNvPr id="1" name=""/>
+        <p:cNvGrpSpPr/>
+        <p:nvPr/>
+      </p:nvGrpSpPr>
+      <p:grpSpPr>
+        <a:xfrm>
+          <a:off x="0" y="0"/>
+          <a:ext cx="0" cy="0"/>
+          <a:chOff x="0" y="0"/>
+          <a:chExt cx="0" cy="0"/>
+        </a:xfrm>
+      </p:grpSpPr>
+      <p:sp>
+        <p:nvSpPr>
+          <p:cNvPr id="2" name="Title 1"/>
+          <p:cNvSpPr>
+            <a:spLocks noGrp="1"/>
+          </p:cNvSpPr>
+          <p:nvPr>
+            <p:ph type="title"/>
+          </p:nvPr>
+        </p:nvSpPr>
+        <p:spPr/>
+        <p:txBody>
+          <a:bodyPr/>
+          <a:lstStyle/>
+          <a:p>
+            <a:r>
+              <a:rPr lang="en-US" dirty="0" smtClean="0"/>
               <a:t>How do you remember all that?</a:t>
             </a:r>
             <a:endParaRPr lang="en-US" dirty="0"/>
@@ -10015,6 +11225,36 @@
           </a:p>
         </p:txBody>
       </p:sp>
+      <p:pic>
+        <p:nvPicPr>
+          <p:cNvPr id="4" name="Picture 3"/>
+          <p:cNvPicPr>
+            <a:picLocks noChangeAspect="1"/>
+          </p:cNvPicPr>
+          <p:nvPr/>
+        </p:nvPicPr>
+        <p:blipFill>
+          <a:blip r:embed="rId2">
+            <a:extLst>
+              <a:ext uri="{28A0092B-C50C-407E-A947-70E740481C1C}">
+                <a14:useLocalDpi xmlns:a14="http://schemas.microsoft.com/office/drawing/2010/main" val="0"/>
+              </a:ext>
+            </a:extLst>
+          </a:blip>
+          <a:stretch>
+            <a:fillRect/>
+          </a:stretch>
+        </p:blipFill>
+        <p:spPr>
+          <a:xfrm>
+            <a:off x="3083421" y="3081516"/>
+            <a:ext cx="5530227" cy="3493020"/>
+          </a:xfrm>
+          <a:prstGeom prst="rect">
+            <a:avLst/>
+          </a:prstGeom>
+        </p:spPr>
+      </p:pic>
     </p:spTree>
     <p:extLst>
       <p:ext uri="{BB962C8B-B14F-4D97-AF65-F5344CB8AC3E}">
@@ -10035,7 +11275,434 @@
 </p:sld>
 </file>
 
-<file path=ppt/slides/slide29.xml><?xml version="1.0" encoding="utf-8"?>
+<file path=ppt/slides/slide3.xml><?xml version="1.0" encoding="utf-8"?>
+<p:sld xmlns:a="http://schemas.openxmlformats.org/drawingml/2006/main" xmlns:r="http://schemas.openxmlformats.org/officeDocument/2006/relationships" xmlns:p="http://schemas.openxmlformats.org/presentationml/2006/main">
+  <p:cSld>
+    <p:spTree>
+      <p:nvGrpSpPr>
+        <p:cNvPr id="1" name=""/>
+        <p:cNvGrpSpPr/>
+        <p:nvPr/>
+      </p:nvGrpSpPr>
+      <p:grpSpPr>
+        <a:xfrm>
+          <a:off x="0" y="0"/>
+          <a:ext cx="0" cy="0"/>
+          <a:chOff x="0" y="0"/>
+          <a:chExt cx="0" cy="0"/>
+        </a:xfrm>
+      </p:grpSpPr>
+      <p:sp>
+        <p:nvSpPr>
+          <p:cNvPr id="7" name="Title 6"/>
+          <p:cNvSpPr>
+            <a:spLocks noGrp="1"/>
+          </p:cNvSpPr>
+          <p:nvPr>
+            <p:ph type="title"/>
+          </p:nvPr>
+        </p:nvSpPr>
+        <p:spPr/>
+        <p:txBody>
+          <a:bodyPr/>
+          <a:lstStyle/>
+          <a:p>
+            <a:r>
+              <a:rPr lang="en-US" dirty="0" smtClean="0"/>
+              <a:t>Who are we?</a:t>
+            </a:r>
+            <a:endParaRPr lang="en-US" dirty="0"/>
+          </a:p>
+        </p:txBody>
+      </p:sp>
+      <p:sp>
+        <p:nvSpPr>
+          <p:cNvPr id="8" name="Content Placeholder 7"/>
+          <p:cNvSpPr>
+            <a:spLocks noGrp="1"/>
+          </p:cNvSpPr>
+          <p:nvPr>
+            <p:ph idx="1"/>
+          </p:nvPr>
+        </p:nvSpPr>
+        <p:spPr>
+          <a:xfrm>
+            <a:off x="838200" y="2438400"/>
+            <a:ext cx="5935224" cy="2671482"/>
+          </a:xfrm>
+        </p:spPr>
+        <p:txBody>
+          <a:bodyPr>
+            <a:normAutofit/>
+          </a:bodyPr>
+          <a:lstStyle/>
+          <a:p>
+            <a:r>
+              <a:rPr lang="en-US" dirty="0" smtClean="0"/>
+              <a:t>Co-leaders of PPP</a:t>
+            </a:r>
+          </a:p>
+          <a:p>
+            <a:pPr lvl="1"/>
+            <a:r>
+              <a:rPr lang="en-US" dirty="0" smtClean="0"/>
+              <a:t>http://pwning.net</a:t>
+            </a:r>
+          </a:p>
+          <a:p>
+            <a:pPr lvl="1"/>
+            <a:r>
+              <a:rPr lang="en-US" dirty="0" smtClean="0"/>
+              <a:t>CMU’s competitive security team</a:t>
+            </a:r>
+          </a:p>
+          <a:p>
+            <a:pPr lvl="1"/>
+            <a:r>
+              <a:rPr lang="en-US" dirty="0" smtClean="0"/>
+              <a:t>Currently ranked the best in the world</a:t>
+            </a:r>
+          </a:p>
+          <a:p>
+            <a:pPr lvl="2"/>
+            <a:r>
+              <a:rPr lang="en-US" dirty="0" smtClean="0"/>
+              <a:t>First place holders at DEFCON, Hack.lu, Ghost in the </a:t>
+            </a:r>
+            <a:r>
+              <a:rPr lang="en-US" dirty="0" err="1" smtClean="0"/>
+              <a:t>Shellcode</a:t>
+            </a:r>
+            <a:r>
+              <a:rPr lang="en-US" dirty="0" smtClean="0"/>
+              <a:t>, CSAW CTF, others</a:t>
+            </a:r>
+            <a:endParaRPr lang="en-US" dirty="0"/>
+          </a:p>
+        </p:txBody>
+      </p:sp>
+      <p:pic>
+        <p:nvPicPr>
+          <p:cNvPr id="9" name="Picture 8"/>
+          <p:cNvPicPr>
+            <a:picLocks noChangeAspect="1"/>
+          </p:cNvPicPr>
+          <p:nvPr/>
+        </p:nvPicPr>
+        <p:blipFill>
+          <a:blip r:embed="rId2">
+            <a:extLst>
+              <a:ext uri="{28A0092B-C50C-407E-A947-70E740481C1C}">
+                <a14:useLocalDpi xmlns:a14="http://schemas.microsoft.com/office/drawing/2010/main" val="0"/>
+              </a:ext>
+            </a:extLst>
+          </a:blip>
+          <a:stretch>
+            <a:fillRect/>
+          </a:stretch>
+        </p:blipFill>
+        <p:spPr>
+          <a:xfrm>
+            <a:off x="7996519" y="2267823"/>
+            <a:ext cx="2302262" cy="2394352"/>
+          </a:xfrm>
+          <a:prstGeom prst="rect">
+            <a:avLst/>
+          </a:prstGeom>
+        </p:spPr>
+      </p:pic>
+    </p:spTree>
+    <p:extLst>
+      <p:ext uri="{BB962C8B-B14F-4D97-AF65-F5344CB8AC3E}">
+        <p14:creationId xmlns:p14="http://schemas.microsoft.com/office/powerpoint/2010/main" val="869614413"/>
+      </p:ext>
+    </p:extLst>
+  </p:cSld>
+  <p:clrMapOvr>
+    <a:masterClrMapping/>
+  </p:clrMapOvr>
+  <p:timing>
+    <p:tnLst>
+      <p:par>
+        <p:cTn id="1" dur="indefinite" restart="never" nodeType="tmRoot">
+          <p:childTnLst>
+            <p:seq concurrent="1" nextAc="seek">
+              <p:cTn id="2" dur="indefinite" nodeType="mainSeq">
+                <p:childTnLst>
+                  <p:par>
+                    <p:cTn id="3" fill="hold">
+                      <p:stCondLst>
+                        <p:cond delay="indefinite"/>
+                      </p:stCondLst>
+                      <p:childTnLst>
+                        <p:par>
+                          <p:cTn id="4" fill="hold">
+                            <p:stCondLst>
+                              <p:cond delay="0"/>
+                            </p:stCondLst>
+                            <p:childTnLst>
+                              <p:par>
+                                <p:cTn id="5" presetID="1" presetClass="entr" presetSubtype="0" fill="hold" grpId="0" nodeType="clickEffect">
+                                  <p:stCondLst>
+                                    <p:cond delay="0"/>
+                                  </p:stCondLst>
+                                  <p:childTnLst>
+                                    <p:set>
+                                      <p:cBhvr>
+                                        <p:cTn id="6" dur="1" fill="hold">
+                                          <p:stCondLst>
+                                            <p:cond delay="0"/>
+                                          </p:stCondLst>
+                                        </p:cTn>
+                                        <p:tgtEl>
+                                          <p:spTgt spid="8">
+                                            <p:txEl>
+                                              <p:pRg st="0" end="0"/>
+                                            </p:txEl>
+                                          </p:spTgt>
+                                        </p:tgtEl>
+                                        <p:attrNameLst>
+                                          <p:attrName>style.visibility</p:attrName>
+                                        </p:attrNameLst>
+                                      </p:cBhvr>
+                                      <p:to>
+                                        <p:strVal val="visible"/>
+                                      </p:to>
+                                    </p:set>
+                                  </p:childTnLst>
+                                </p:cTn>
+                              </p:par>
+                            </p:childTnLst>
+                          </p:cTn>
+                        </p:par>
+                      </p:childTnLst>
+                    </p:cTn>
+                  </p:par>
+                  <p:par>
+                    <p:cTn id="7" fill="hold">
+                      <p:stCondLst>
+                        <p:cond delay="indefinite"/>
+                      </p:stCondLst>
+                      <p:childTnLst>
+                        <p:par>
+                          <p:cTn id="8" fill="hold">
+                            <p:stCondLst>
+                              <p:cond delay="0"/>
+                            </p:stCondLst>
+                            <p:childTnLst>
+                              <p:par>
+                                <p:cTn id="9" presetID="1" presetClass="entr" presetSubtype="0" fill="hold" grpId="0" nodeType="clickEffect">
+                                  <p:stCondLst>
+                                    <p:cond delay="0"/>
+                                  </p:stCondLst>
+                                  <p:childTnLst>
+                                    <p:set>
+                                      <p:cBhvr>
+                                        <p:cTn id="10" dur="1" fill="hold">
+                                          <p:stCondLst>
+                                            <p:cond delay="0"/>
+                                          </p:stCondLst>
+                                        </p:cTn>
+                                        <p:tgtEl>
+                                          <p:spTgt spid="8">
+                                            <p:txEl>
+                                              <p:pRg st="1" end="1"/>
+                                            </p:txEl>
+                                          </p:spTgt>
+                                        </p:tgtEl>
+                                        <p:attrNameLst>
+                                          <p:attrName>style.visibility</p:attrName>
+                                        </p:attrNameLst>
+                                      </p:cBhvr>
+                                      <p:to>
+                                        <p:strVal val="visible"/>
+                                      </p:to>
+                                    </p:set>
+                                  </p:childTnLst>
+                                </p:cTn>
+                              </p:par>
+                            </p:childTnLst>
+                          </p:cTn>
+                        </p:par>
+                      </p:childTnLst>
+                    </p:cTn>
+                  </p:par>
+                  <p:par>
+                    <p:cTn id="11" fill="hold">
+                      <p:stCondLst>
+                        <p:cond delay="indefinite"/>
+                      </p:stCondLst>
+                      <p:childTnLst>
+                        <p:par>
+                          <p:cTn id="12" fill="hold">
+                            <p:stCondLst>
+                              <p:cond delay="0"/>
+                            </p:stCondLst>
+                            <p:childTnLst>
+                              <p:par>
+                                <p:cTn id="13" presetID="1" presetClass="entr" presetSubtype="0" fill="hold" grpId="0" nodeType="clickEffect">
+                                  <p:stCondLst>
+                                    <p:cond delay="0"/>
+                                  </p:stCondLst>
+                                  <p:childTnLst>
+                                    <p:set>
+                                      <p:cBhvr>
+                                        <p:cTn id="14" dur="1" fill="hold">
+                                          <p:stCondLst>
+                                            <p:cond delay="0"/>
+                                          </p:stCondLst>
+                                        </p:cTn>
+                                        <p:tgtEl>
+                                          <p:spTgt spid="8">
+                                            <p:txEl>
+                                              <p:pRg st="2" end="2"/>
+                                            </p:txEl>
+                                          </p:spTgt>
+                                        </p:tgtEl>
+                                        <p:attrNameLst>
+                                          <p:attrName>style.visibility</p:attrName>
+                                        </p:attrNameLst>
+                                      </p:cBhvr>
+                                      <p:to>
+                                        <p:strVal val="visible"/>
+                                      </p:to>
+                                    </p:set>
+                                  </p:childTnLst>
+                                </p:cTn>
+                              </p:par>
+                            </p:childTnLst>
+                          </p:cTn>
+                        </p:par>
+                      </p:childTnLst>
+                    </p:cTn>
+                  </p:par>
+                  <p:par>
+                    <p:cTn id="15" fill="hold">
+                      <p:stCondLst>
+                        <p:cond delay="indefinite"/>
+                      </p:stCondLst>
+                      <p:childTnLst>
+                        <p:par>
+                          <p:cTn id="16" fill="hold">
+                            <p:stCondLst>
+                              <p:cond delay="0"/>
+                            </p:stCondLst>
+                            <p:childTnLst>
+                              <p:par>
+                                <p:cTn id="17" presetID="1" presetClass="entr" presetSubtype="0" fill="hold" grpId="0" nodeType="clickEffect">
+                                  <p:stCondLst>
+                                    <p:cond delay="0"/>
+                                  </p:stCondLst>
+                                  <p:childTnLst>
+                                    <p:set>
+                                      <p:cBhvr>
+                                        <p:cTn id="18" dur="1" fill="hold">
+                                          <p:stCondLst>
+                                            <p:cond delay="0"/>
+                                          </p:stCondLst>
+                                        </p:cTn>
+                                        <p:tgtEl>
+                                          <p:spTgt spid="8">
+                                            <p:txEl>
+                                              <p:pRg st="3" end="3"/>
+                                            </p:txEl>
+                                          </p:spTgt>
+                                        </p:tgtEl>
+                                        <p:attrNameLst>
+                                          <p:attrName>style.visibility</p:attrName>
+                                        </p:attrNameLst>
+                                      </p:cBhvr>
+                                      <p:to>
+                                        <p:strVal val="visible"/>
+                                      </p:to>
+                                    </p:set>
+                                  </p:childTnLst>
+                                </p:cTn>
+                              </p:par>
+                            </p:childTnLst>
+                          </p:cTn>
+                        </p:par>
+                      </p:childTnLst>
+                    </p:cTn>
+                  </p:par>
+                  <p:par>
+                    <p:cTn id="19" fill="hold">
+                      <p:stCondLst>
+                        <p:cond delay="indefinite"/>
+                      </p:stCondLst>
+                      <p:childTnLst>
+                        <p:par>
+                          <p:cTn id="20" fill="hold">
+                            <p:stCondLst>
+                              <p:cond delay="0"/>
+                            </p:stCondLst>
+                            <p:childTnLst>
+                              <p:par>
+                                <p:cTn id="21" presetID="1" presetClass="entr" presetSubtype="0" fill="hold" grpId="0" nodeType="clickEffect">
+                                  <p:stCondLst>
+                                    <p:cond delay="0"/>
+                                  </p:stCondLst>
+                                  <p:childTnLst>
+                                    <p:set>
+                                      <p:cBhvr>
+                                        <p:cTn id="22" dur="1" fill="hold">
+                                          <p:stCondLst>
+                                            <p:cond delay="0"/>
+                                          </p:stCondLst>
+                                        </p:cTn>
+                                        <p:tgtEl>
+                                          <p:spTgt spid="8">
+                                            <p:txEl>
+                                              <p:pRg st="4" end="4"/>
+                                            </p:txEl>
+                                          </p:spTgt>
+                                        </p:tgtEl>
+                                        <p:attrNameLst>
+                                          <p:attrName>style.visibility</p:attrName>
+                                        </p:attrNameLst>
+                                      </p:cBhvr>
+                                      <p:to>
+                                        <p:strVal val="visible"/>
+                                      </p:to>
+                                    </p:set>
+                                  </p:childTnLst>
+                                </p:cTn>
+                              </p:par>
+                            </p:childTnLst>
+                          </p:cTn>
+                        </p:par>
+                      </p:childTnLst>
+                    </p:cTn>
+                  </p:par>
+                </p:childTnLst>
+              </p:cTn>
+              <p:prevCondLst>
+                <p:cond evt="onPrev" delay="0">
+                  <p:tgtEl>
+                    <p:sldTgt/>
+                  </p:tgtEl>
+                </p:cond>
+              </p:prevCondLst>
+              <p:nextCondLst>
+                <p:cond evt="onNext" delay="0">
+                  <p:tgtEl>
+                    <p:sldTgt/>
+                  </p:tgtEl>
+                </p:cond>
+              </p:nextCondLst>
+            </p:seq>
+          </p:childTnLst>
+        </p:cTn>
+      </p:par>
+    </p:tnLst>
+    <p:bldLst>
+      <p:bldP spid="8" grpId="0" uiExpand="1" build="p"/>
+    </p:bldLst>
+  </p:timing>
+</p:sld>
+</file>
+
+<file path=ppt/slides/slide30.xml><?xml version="1.0" encoding="utf-8"?>
 <p:sld xmlns:a="http://schemas.openxmlformats.org/drawingml/2006/main" xmlns:r="http://schemas.openxmlformats.org/officeDocument/2006/relationships" xmlns:p="http://schemas.openxmlformats.org/presentationml/2006/main">
   <p:cSld>
     <p:spTree>
@@ -10647,434 +12314,7 @@
 </p:sld>
 </file>
 
-<file path=ppt/slides/slide3.xml><?xml version="1.0" encoding="utf-8"?>
-<p:sld xmlns:a="http://schemas.openxmlformats.org/drawingml/2006/main" xmlns:r="http://schemas.openxmlformats.org/officeDocument/2006/relationships" xmlns:p="http://schemas.openxmlformats.org/presentationml/2006/main">
-  <p:cSld>
-    <p:spTree>
-      <p:nvGrpSpPr>
-        <p:cNvPr id="1" name=""/>
-        <p:cNvGrpSpPr/>
-        <p:nvPr/>
-      </p:nvGrpSpPr>
-      <p:grpSpPr>
-        <a:xfrm>
-          <a:off x="0" y="0"/>
-          <a:ext cx="0" cy="0"/>
-          <a:chOff x="0" y="0"/>
-          <a:chExt cx="0" cy="0"/>
-        </a:xfrm>
-      </p:grpSpPr>
-      <p:sp>
-        <p:nvSpPr>
-          <p:cNvPr id="7" name="Title 6"/>
-          <p:cNvSpPr>
-            <a:spLocks noGrp="1"/>
-          </p:cNvSpPr>
-          <p:nvPr>
-            <p:ph type="title"/>
-          </p:nvPr>
-        </p:nvSpPr>
-        <p:spPr/>
-        <p:txBody>
-          <a:bodyPr/>
-          <a:lstStyle/>
-          <a:p>
-            <a:r>
-              <a:rPr lang="en-US" dirty="0" smtClean="0"/>
-              <a:t>Who are we?</a:t>
-            </a:r>
-            <a:endParaRPr lang="en-US" dirty="0"/>
-          </a:p>
-        </p:txBody>
-      </p:sp>
-      <p:sp>
-        <p:nvSpPr>
-          <p:cNvPr id="8" name="Content Placeholder 7"/>
-          <p:cNvSpPr>
-            <a:spLocks noGrp="1"/>
-          </p:cNvSpPr>
-          <p:nvPr>
-            <p:ph idx="1"/>
-          </p:nvPr>
-        </p:nvSpPr>
-        <p:spPr>
-          <a:xfrm>
-            <a:off x="838200" y="2438400"/>
-            <a:ext cx="5935224" cy="2671482"/>
-          </a:xfrm>
-        </p:spPr>
-        <p:txBody>
-          <a:bodyPr>
-            <a:normAutofit/>
-          </a:bodyPr>
-          <a:lstStyle/>
-          <a:p>
-            <a:r>
-              <a:rPr lang="en-US" dirty="0" smtClean="0"/>
-              <a:t>Co-leaders of PPP</a:t>
-            </a:r>
-          </a:p>
-          <a:p>
-            <a:pPr lvl="1"/>
-            <a:r>
-              <a:rPr lang="en-US" dirty="0" smtClean="0"/>
-              <a:t>http://pwning.net</a:t>
-            </a:r>
-          </a:p>
-          <a:p>
-            <a:pPr lvl="1"/>
-            <a:r>
-              <a:rPr lang="en-US" dirty="0" smtClean="0"/>
-              <a:t>CMU’s competitive security team</a:t>
-            </a:r>
-          </a:p>
-          <a:p>
-            <a:pPr lvl="1"/>
-            <a:r>
-              <a:rPr lang="en-US" dirty="0" smtClean="0"/>
-              <a:t>Currently ranked the best in the world</a:t>
-            </a:r>
-          </a:p>
-          <a:p>
-            <a:pPr lvl="2"/>
-            <a:r>
-              <a:rPr lang="en-US" dirty="0" smtClean="0"/>
-              <a:t>First place holders at DEFCON, Hack.lu, Ghost in the </a:t>
-            </a:r>
-            <a:r>
-              <a:rPr lang="en-US" dirty="0" err="1" smtClean="0"/>
-              <a:t>Shellcode</a:t>
-            </a:r>
-            <a:r>
-              <a:rPr lang="en-US" dirty="0" smtClean="0"/>
-              <a:t>, CSAW CTF, others</a:t>
-            </a:r>
-            <a:endParaRPr lang="en-US" dirty="0"/>
-          </a:p>
-        </p:txBody>
-      </p:sp>
-      <p:pic>
-        <p:nvPicPr>
-          <p:cNvPr id="9" name="Picture 8"/>
-          <p:cNvPicPr>
-            <a:picLocks noChangeAspect="1"/>
-          </p:cNvPicPr>
-          <p:nvPr/>
-        </p:nvPicPr>
-        <p:blipFill>
-          <a:blip r:embed="rId2">
-            <a:extLst>
-              <a:ext uri="{28A0092B-C50C-407E-A947-70E740481C1C}">
-                <a14:useLocalDpi xmlns:a14="http://schemas.microsoft.com/office/drawing/2010/main" val="0"/>
-              </a:ext>
-            </a:extLst>
-          </a:blip>
-          <a:stretch>
-            <a:fillRect/>
-          </a:stretch>
-        </p:blipFill>
-        <p:spPr>
-          <a:xfrm>
-            <a:off x="7996519" y="2267823"/>
-            <a:ext cx="2302262" cy="2394352"/>
-          </a:xfrm>
-          <a:prstGeom prst="rect">
-            <a:avLst/>
-          </a:prstGeom>
-        </p:spPr>
-      </p:pic>
-    </p:spTree>
-    <p:extLst>
-      <p:ext uri="{BB962C8B-B14F-4D97-AF65-F5344CB8AC3E}">
-        <p14:creationId xmlns:p14="http://schemas.microsoft.com/office/powerpoint/2010/main" val="869614413"/>
-      </p:ext>
-    </p:extLst>
-  </p:cSld>
-  <p:clrMapOvr>
-    <a:masterClrMapping/>
-  </p:clrMapOvr>
-  <p:timing>
-    <p:tnLst>
-      <p:par>
-        <p:cTn id="1" dur="indefinite" restart="never" nodeType="tmRoot">
-          <p:childTnLst>
-            <p:seq concurrent="1" nextAc="seek">
-              <p:cTn id="2" dur="indefinite" nodeType="mainSeq">
-                <p:childTnLst>
-                  <p:par>
-                    <p:cTn id="3" fill="hold">
-                      <p:stCondLst>
-                        <p:cond delay="indefinite"/>
-                      </p:stCondLst>
-                      <p:childTnLst>
-                        <p:par>
-                          <p:cTn id="4" fill="hold">
-                            <p:stCondLst>
-                              <p:cond delay="0"/>
-                            </p:stCondLst>
-                            <p:childTnLst>
-                              <p:par>
-                                <p:cTn id="5" presetID="1" presetClass="entr" presetSubtype="0" fill="hold" grpId="0" nodeType="clickEffect">
-                                  <p:stCondLst>
-                                    <p:cond delay="0"/>
-                                  </p:stCondLst>
-                                  <p:childTnLst>
-                                    <p:set>
-                                      <p:cBhvr>
-                                        <p:cTn id="6" dur="1" fill="hold">
-                                          <p:stCondLst>
-                                            <p:cond delay="0"/>
-                                          </p:stCondLst>
-                                        </p:cTn>
-                                        <p:tgtEl>
-                                          <p:spTgt spid="8">
-                                            <p:txEl>
-                                              <p:pRg st="0" end="0"/>
-                                            </p:txEl>
-                                          </p:spTgt>
-                                        </p:tgtEl>
-                                        <p:attrNameLst>
-                                          <p:attrName>style.visibility</p:attrName>
-                                        </p:attrNameLst>
-                                      </p:cBhvr>
-                                      <p:to>
-                                        <p:strVal val="visible"/>
-                                      </p:to>
-                                    </p:set>
-                                  </p:childTnLst>
-                                </p:cTn>
-                              </p:par>
-                            </p:childTnLst>
-                          </p:cTn>
-                        </p:par>
-                      </p:childTnLst>
-                    </p:cTn>
-                  </p:par>
-                  <p:par>
-                    <p:cTn id="7" fill="hold">
-                      <p:stCondLst>
-                        <p:cond delay="indefinite"/>
-                      </p:stCondLst>
-                      <p:childTnLst>
-                        <p:par>
-                          <p:cTn id="8" fill="hold">
-                            <p:stCondLst>
-                              <p:cond delay="0"/>
-                            </p:stCondLst>
-                            <p:childTnLst>
-                              <p:par>
-                                <p:cTn id="9" presetID="1" presetClass="entr" presetSubtype="0" fill="hold" grpId="0" nodeType="clickEffect">
-                                  <p:stCondLst>
-                                    <p:cond delay="0"/>
-                                  </p:stCondLst>
-                                  <p:childTnLst>
-                                    <p:set>
-                                      <p:cBhvr>
-                                        <p:cTn id="10" dur="1" fill="hold">
-                                          <p:stCondLst>
-                                            <p:cond delay="0"/>
-                                          </p:stCondLst>
-                                        </p:cTn>
-                                        <p:tgtEl>
-                                          <p:spTgt spid="8">
-                                            <p:txEl>
-                                              <p:pRg st="1" end="1"/>
-                                            </p:txEl>
-                                          </p:spTgt>
-                                        </p:tgtEl>
-                                        <p:attrNameLst>
-                                          <p:attrName>style.visibility</p:attrName>
-                                        </p:attrNameLst>
-                                      </p:cBhvr>
-                                      <p:to>
-                                        <p:strVal val="visible"/>
-                                      </p:to>
-                                    </p:set>
-                                  </p:childTnLst>
-                                </p:cTn>
-                              </p:par>
-                            </p:childTnLst>
-                          </p:cTn>
-                        </p:par>
-                      </p:childTnLst>
-                    </p:cTn>
-                  </p:par>
-                  <p:par>
-                    <p:cTn id="11" fill="hold">
-                      <p:stCondLst>
-                        <p:cond delay="indefinite"/>
-                      </p:stCondLst>
-                      <p:childTnLst>
-                        <p:par>
-                          <p:cTn id="12" fill="hold">
-                            <p:stCondLst>
-                              <p:cond delay="0"/>
-                            </p:stCondLst>
-                            <p:childTnLst>
-                              <p:par>
-                                <p:cTn id="13" presetID="1" presetClass="entr" presetSubtype="0" fill="hold" grpId="0" nodeType="clickEffect">
-                                  <p:stCondLst>
-                                    <p:cond delay="0"/>
-                                  </p:stCondLst>
-                                  <p:childTnLst>
-                                    <p:set>
-                                      <p:cBhvr>
-                                        <p:cTn id="14" dur="1" fill="hold">
-                                          <p:stCondLst>
-                                            <p:cond delay="0"/>
-                                          </p:stCondLst>
-                                        </p:cTn>
-                                        <p:tgtEl>
-                                          <p:spTgt spid="8">
-                                            <p:txEl>
-                                              <p:pRg st="2" end="2"/>
-                                            </p:txEl>
-                                          </p:spTgt>
-                                        </p:tgtEl>
-                                        <p:attrNameLst>
-                                          <p:attrName>style.visibility</p:attrName>
-                                        </p:attrNameLst>
-                                      </p:cBhvr>
-                                      <p:to>
-                                        <p:strVal val="visible"/>
-                                      </p:to>
-                                    </p:set>
-                                  </p:childTnLst>
-                                </p:cTn>
-                              </p:par>
-                            </p:childTnLst>
-                          </p:cTn>
-                        </p:par>
-                      </p:childTnLst>
-                    </p:cTn>
-                  </p:par>
-                  <p:par>
-                    <p:cTn id="15" fill="hold">
-                      <p:stCondLst>
-                        <p:cond delay="indefinite"/>
-                      </p:stCondLst>
-                      <p:childTnLst>
-                        <p:par>
-                          <p:cTn id="16" fill="hold">
-                            <p:stCondLst>
-                              <p:cond delay="0"/>
-                            </p:stCondLst>
-                            <p:childTnLst>
-                              <p:par>
-                                <p:cTn id="17" presetID="1" presetClass="entr" presetSubtype="0" fill="hold" grpId="0" nodeType="clickEffect">
-                                  <p:stCondLst>
-                                    <p:cond delay="0"/>
-                                  </p:stCondLst>
-                                  <p:childTnLst>
-                                    <p:set>
-                                      <p:cBhvr>
-                                        <p:cTn id="18" dur="1" fill="hold">
-                                          <p:stCondLst>
-                                            <p:cond delay="0"/>
-                                          </p:stCondLst>
-                                        </p:cTn>
-                                        <p:tgtEl>
-                                          <p:spTgt spid="8">
-                                            <p:txEl>
-                                              <p:pRg st="3" end="3"/>
-                                            </p:txEl>
-                                          </p:spTgt>
-                                        </p:tgtEl>
-                                        <p:attrNameLst>
-                                          <p:attrName>style.visibility</p:attrName>
-                                        </p:attrNameLst>
-                                      </p:cBhvr>
-                                      <p:to>
-                                        <p:strVal val="visible"/>
-                                      </p:to>
-                                    </p:set>
-                                  </p:childTnLst>
-                                </p:cTn>
-                              </p:par>
-                            </p:childTnLst>
-                          </p:cTn>
-                        </p:par>
-                      </p:childTnLst>
-                    </p:cTn>
-                  </p:par>
-                  <p:par>
-                    <p:cTn id="19" fill="hold">
-                      <p:stCondLst>
-                        <p:cond delay="indefinite"/>
-                      </p:stCondLst>
-                      <p:childTnLst>
-                        <p:par>
-                          <p:cTn id="20" fill="hold">
-                            <p:stCondLst>
-                              <p:cond delay="0"/>
-                            </p:stCondLst>
-                            <p:childTnLst>
-                              <p:par>
-                                <p:cTn id="21" presetID="1" presetClass="entr" presetSubtype="0" fill="hold" grpId="0" nodeType="clickEffect">
-                                  <p:stCondLst>
-                                    <p:cond delay="0"/>
-                                  </p:stCondLst>
-                                  <p:childTnLst>
-                                    <p:set>
-                                      <p:cBhvr>
-                                        <p:cTn id="22" dur="1" fill="hold">
-                                          <p:stCondLst>
-                                            <p:cond delay="0"/>
-                                          </p:stCondLst>
-                                        </p:cTn>
-                                        <p:tgtEl>
-                                          <p:spTgt spid="8">
-                                            <p:txEl>
-                                              <p:pRg st="4" end="4"/>
-                                            </p:txEl>
-                                          </p:spTgt>
-                                        </p:tgtEl>
-                                        <p:attrNameLst>
-                                          <p:attrName>style.visibility</p:attrName>
-                                        </p:attrNameLst>
-                                      </p:cBhvr>
-                                      <p:to>
-                                        <p:strVal val="visible"/>
-                                      </p:to>
-                                    </p:set>
-                                  </p:childTnLst>
-                                </p:cTn>
-                              </p:par>
-                            </p:childTnLst>
-                          </p:cTn>
-                        </p:par>
-                      </p:childTnLst>
-                    </p:cTn>
-                  </p:par>
-                </p:childTnLst>
-              </p:cTn>
-              <p:prevCondLst>
-                <p:cond evt="onPrev" delay="0">
-                  <p:tgtEl>
-                    <p:sldTgt/>
-                  </p:tgtEl>
-                </p:cond>
-              </p:prevCondLst>
-              <p:nextCondLst>
-                <p:cond evt="onNext" delay="0">
-                  <p:tgtEl>
-                    <p:sldTgt/>
-                  </p:tgtEl>
-                </p:cond>
-              </p:nextCondLst>
-            </p:seq>
-          </p:childTnLst>
-        </p:cTn>
-      </p:par>
-    </p:tnLst>
-    <p:bldLst>
-      <p:bldP spid="8" grpId="0" uiExpand="1" build="p"/>
-    </p:bldLst>
-  </p:timing>
-</p:sld>
-</file>
-
-<file path=ppt/slides/slide30.xml><?xml version="1.0" encoding="utf-8"?>
+<file path=ppt/slides/slide31.xml><?xml version="1.0" encoding="utf-8"?>
 <p:sld xmlns:a="http://schemas.openxmlformats.org/drawingml/2006/main" xmlns:r="http://schemas.openxmlformats.org/officeDocument/2006/relationships" xmlns:p="http://schemas.openxmlformats.org/presentationml/2006/main">
   <p:cSld>
     <p:spTree>
@@ -11645,7 +12885,7 @@
 </p:sld>
 </file>
 
-<file path=ppt/slides/slide31.xml><?xml version="1.0" encoding="utf-8"?>
+<file path=ppt/slides/slide32.xml><?xml version="1.0" encoding="utf-8"?>
 <p:sld xmlns:a="http://schemas.openxmlformats.org/drawingml/2006/main" xmlns:r="http://schemas.openxmlformats.org/officeDocument/2006/relationships" xmlns:p="http://schemas.openxmlformats.org/presentationml/2006/main">
   <p:cSld>
     <p:spTree>
@@ -12044,7 +13284,7 @@
 </p:sld>
 </file>
 
-<file path=ppt/slides/slide32.xml><?xml version="1.0" encoding="utf-8"?>
+<file path=ppt/slides/slide33.xml><?xml version="1.0" encoding="utf-8"?>
 <p:sld xmlns:a="http://schemas.openxmlformats.org/drawingml/2006/main" xmlns:r="http://schemas.openxmlformats.org/officeDocument/2006/relationships" xmlns:p="http://schemas.openxmlformats.org/presentationml/2006/main">
   <p:cSld>
     <p:spTree>
@@ -12080,77 +13320,6 @@
               <a:rPr lang="en-US" dirty="0" smtClean="0"/>
               <a:t>How common is SQL injection?</a:t>
             </a:r>
-            <a:endParaRPr lang="en-US" dirty="0"/>
-          </a:p>
-        </p:txBody>
-      </p:sp>
-      <p:sp>
-        <p:nvSpPr>
-          <p:cNvPr id="3" name="Content Placeholder 2"/>
-          <p:cNvSpPr>
-            <a:spLocks noGrp="1"/>
-          </p:cNvSpPr>
-          <p:nvPr>
-            <p:ph idx="1"/>
-          </p:nvPr>
-        </p:nvSpPr>
-        <p:spPr/>
-        <p:txBody>
-          <a:bodyPr/>
-          <a:lstStyle/>
-          <a:p>
-            <a:endParaRPr lang="en-US" dirty="0" smtClean="0"/>
-          </a:p>
-          <a:p>
-            <a:endParaRPr lang="en-US" dirty="0"/>
-          </a:p>
-          <a:p>
-            <a:r>
-              <a:rPr lang="en-US" dirty="0" smtClean="0"/>
-              <a:t>Oklahoma</a:t>
-            </a:r>
-            <a:r>
-              <a:rPr lang="en-US" dirty="0" smtClean="0"/>
-              <a:t>, Rhode Island, Taiwan, British Royal Navy</a:t>
-            </a:r>
-          </a:p>
-          <a:p>
-            <a:r>
-              <a:rPr lang="en-US" dirty="0" smtClean="0"/>
-              <a:t>The Pirate Bay</a:t>
-            </a:r>
-          </a:p>
-          <a:p>
-            <a:r>
-              <a:rPr lang="en-US" dirty="0" smtClean="0"/>
-              <a:t>MySQL.com</a:t>
-            </a:r>
-          </a:p>
-          <a:p>
-            <a:r>
-              <a:rPr lang="en-US" dirty="0" smtClean="0"/>
-              <a:t>Harvard, Princeton, Stanford, Cornell, Johns Hopkins</a:t>
-            </a:r>
-          </a:p>
-          <a:p>
-            <a:r>
-              <a:rPr lang="en-US" dirty="0" smtClean="0"/>
-              <a:t>Kaspersky Labs</a:t>
-            </a:r>
-          </a:p>
-          <a:p>
-            <a:r>
-              <a:rPr lang="en-US" dirty="0" smtClean="0"/>
-              <a:t>Alberto Gonzalez (~130 million credit card numbers)</a:t>
-            </a:r>
-          </a:p>
-          <a:p>
-            <a:endParaRPr lang="en-US" dirty="0" smtClean="0"/>
-          </a:p>
-          <a:p>
-            <a:endParaRPr lang="en-US" dirty="0" smtClean="0"/>
-          </a:p>
-          <a:p>
             <a:endParaRPr lang="en-US" dirty="0"/>
           </a:p>
         </p:txBody>
@@ -12267,8 +13436,338 @@
         </p:blipFill>
         <p:spPr>
           <a:xfrm>
-            <a:off x="1003872" y="1482856"/>
+            <a:off x="1024858" y="1413557"/>
             <a:ext cx="2105710" cy="1184462"/>
+          </a:xfrm>
+          <a:prstGeom prst="rect">
+            <a:avLst/>
+          </a:prstGeom>
+        </p:spPr>
+      </p:pic>
+      <p:pic>
+        <p:nvPicPr>
+          <p:cNvPr id="8" name="Picture 7"/>
+          <p:cNvPicPr>
+            <a:picLocks noChangeAspect="1"/>
+          </p:cNvPicPr>
+          <p:nvPr/>
+        </p:nvPicPr>
+        <p:blipFill>
+          <a:blip r:embed="rId6" cstate="print">
+            <a:extLst>
+              <a:ext uri="{28A0092B-C50C-407E-A947-70E740481C1C}">
+                <a14:useLocalDpi xmlns:a14="http://schemas.microsoft.com/office/drawing/2010/main" val="0"/>
+              </a:ext>
+            </a:extLst>
+          </a:blip>
+          <a:stretch>
+            <a:fillRect/>
+          </a:stretch>
+        </p:blipFill>
+        <p:spPr>
+          <a:xfrm>
+            <a:off x="8183626" y="2735005"/>
+            <a:ext cx="3647393" cy="868056"/>
+          </a:xfrm>
+          <a:prstGeom prst="rect">
+            <a:avLst/>
+          </a:prstGeom>
+        </p:spPr>
+      </p:pic>
+      <p:pic>
+        <p:nvPicPr>
+          <p:cNvPr id="9" name="Picture 8"/>
+          <p:cNvPicPr>
+            <a:picLocks noChangeAspect="1"/>
+          </p:cNvPicPr>
+          <p:nvPr/>
+        </p:nvPicPr>
+        <p:blipFill>
+          <a:blip r:embed="rId7">
+            <a:extLst>
+              <a:ext uri="{28A0092B-C50C-407E-A947-70E740481C1C}">
+                <a14:useLocalDpi xmlns:a14="http://schemas.microsoft.com/office/drawing/2010/main" val="0"/>
+              </a:ext>
+            </a:extLst>
+          </a:blip>
+          <a:stretch>
+            <a:fillRect/>
+          </a:stretch>
+        </p:blipFill>
+        <p:spPr>
+          <a:xfrm>
+            <a:off x="6332030" y="2581711"/>
+            <a:ext cx="1565338" cy="1565338"/>
+          </a:xfrm>
+          <a:prstGeom prst="rect">
+            <a:avLst/>
+          </a:prstGeom>
+        </p:spPr>
+      </p:pic>
+      <p:pic>
+        <p:nvPicPr>
+          <p:cNvPr id="10" name="Picture 9"/>
+          <p:cNvPicPr>
+            <a:picLocks noChangeAspect="1"/>
+          </p:cNvPicPr>
+          <p:nvPr/>
+        </p:nvPicPr>
+        <p:blipFill>
+          <a:blip r:embed="rId8">
+            <a:extLst>
+              <a:ext uri="{28A0092B-C50C-407E-A947-70E740481C1C}">
+                <a14:useLocalDpi xmlns:a14="http://schemas.microsoft.com/office/drawing/2010/main" val="0"/>
+              </a:ext>
+            </a:extLst>
+          </a:blip>
+          <a:stretch>
+            <a:fillRect/>
+          </a:stretch>
+        </p:blipFill>
+        <p:spPr>
+          <a:xfrm>
+            <a:off x="3940458" y="2705012"/>
+            <a:ext cx="1981706" cy="1318735"/>
+          </a:xfrm>
+          <a:prstGeom prst="rect">
+            <a:avLst/>
+          </a:prstGeom>
+        </p:spPr>
+      </p:pic>
+      <p:pic>
+        <p:nvPicPr>
+          <p:cNvPr id="11" name="Picture 10"/>
+          <p:cNvPicPr>
+            <a:picLocks noChangeAspect="1"/>
+          </p:cNvPicPr>
+          <p:nvPr/>
+        </p:nvPicPr>
+        <p:blipFill>
+          <a:blip r:embed="rId9">
+            <a:extLst>
+              <a:ext uri="{28A0092B-C50C-407E-A947-70E740481C1C}">
+                <a14:useLocalDpi xmlns:a14="http://schemas.microsoft.com/office/drawing/2010/main" val="0"/>
+              </a:ext>
+            </a:extLst>
+          </a:blip>
+          <a:stretch>
+            <a:fillRect/>
+          </a:stretch>
+        </p:blipFill>
+        <p:spPr>
+          <a:xfrm>
+            <a:off x="793430" y="2744329"/>
+            <a:ext cx="2838450" cy="1609725"/>
+          </a:xfrm>
+          <a:prstGeom prst="rect">
+            <a:avLst/>
+          </a:prstGeom>
+        </p:spPr>
+      </p:pic>
+      <p:pic>
+        <p:nvPicPr>
+          <p:cNvPr id="12" name="Picture 11"/>
+          <p:cNvPicPr>
+            <a:picLocks noChangeAspect="1"/>
+          </p:cNvPicPr>
+          <p:nvPr/>
+        </p:nvPicPr>
+        <p:blipFill>
+          <a:blip r:embed="rId10">
+            <a:extLst>
+              <a:ext uri="{28A0092B-C50C-407E-A947-70E740481C1C}">
+                <a14:useLocalDpi xmlns:a14="http://schemas.microsoft.com/office/drawing/2010/main" val="0"/>
+              </a:ext>
+            </a:extLst>
+          </a:blip>
+          <a:stretch>
+            <a:fillRect/>
+          </a:stretch>
+        </p:blipFill>
+        <p:spPr>
+          <a:xfrm>
+            <a:off x="10223511" y="3710334"/>
+            <a:ext cx="1438867" cy="1397990"/>
+          </a:xfrm>
+          <a:prstGeom prst="rect">
+            <a:avLst/>
+          </a:prstGeom>
+        </p:spPr>
+      </p:pic>
+      <p:pic>
+        <p:nvPicPr>
+          <p:cNvPr id="13" name="Picture 12"/>
+          <p:cNvPicPr>
+            <a:picLocks noChangeAspect="1"/>
+          </p:cNvPicPr>
+          <p:nvPr/>
+        </p:nvPicPr>
+        <p:blipFill>
+          <a:blip r:embed="rId11">
+            <a:extLst>
+              <a:ext uri="{28A0092B-C50C-407E-A947-70E740481C1C}">
+                <a14:useLocalDpi xmlns:a14="http://schemas.microsoft.com/office/drawing/2010/main" val="0"/>
+              </a:ext>
+            </a:extLst>
+          </a:blip>
+          <a:stretch>
+            <a:fillRect/>
+          </a:stretch>
+        </p:blipFill>
+        <p:spPr>
+          <a:xfrm>
+            <a:off x="8453727" y="3737998"/>
+            <a:ext cx="1422411" cy="1582683"/>
+          </a:xfrm>
+          <a:prstGeom prst="rect">
+            <a:avLst/>
+          </a:prstGeom>
+        </p:spPr>
+      </p:pic>
+      <p:pic>
+        <p:nvPicPr>
+          <p:cNvPr id="14" name="Picture 13"/>
+          <p:cNvPicPr>
+            <a:picLocks noChangeAspect="1"/>
+          </p:cNvPicPr>
+          <p:nvPr/>
+        </p:nvPicPr>
+        <p:blipFill>
+          <a:blip r:embed="rId12">
+            <a:extLst>
+              <a:ext uri="{28A0092B-C50C-407E-A947-70E740481C1C}">
+                <a14:useLocalDpi xmlns:a14="http://schemas.microsoft.com/office/drawing/2010/main" val="0"/>
+              </a:ext>
+            </a:extLst>
+          </a:blip>
+          <a:stretch>
+            <a:fillRect/>
+          </a:stretch>
+        </p:blipFill>
+        <p:spPr>
+          <a:xfrm>
+            <a:off x="6705112" y="4230731"/>
+            <a:ext cx="1021308" cy="1424456"/>
+          </a:xfrm>
+          <a:prstGeom prst="rect">
+            <a:avLst/>
+          </a:prstGeom>
+        </p:spPr>
+      </p:pic>
+      <p:pic>
+        <p:nvPicPr>
+          <p:cNvPr id="15" name="Picture 14"/>
+          <p:cNvPicPr>
+            <a:picLocks noChangeAspect="1"/>
+          </p:cNvPicPr>
+          <p:nvPr/>
+        </p:nvPicPr>
+        <p:blipFill>
+          <a:blip r:embed="rId13">
+            <a:extLst>
+              <a:ext uri="{28A0092B-C50C-407E-A947-70E740481C1C}">
+                <a14:useLocalDpi xmlns:a14="http://schemas.microsoft.com/office/drawing/2010/main" val="0"/>
+              </a:ext>
+            </a:extLst>
+          </a:blip>
+          <a:stretch>
+            <a:fillRect/>
+          </a:stretch>
+        </p:blipFill>
+        <p:spPr>
+          <a:xfrm>
+            <a:off x="4253288" y="4158684"/>
+            <a:ext cx="1392114" cy="1392114"/>
+          </a:xfrm>
+          <a:prstGeom prst="rect">
+            <a:avLst/>
+          </a:prstGeom>
+        </p:spPr>
+      </p:pic>
+      <p:pic>
+        <p:nvPicPr>
+          <p:cNvPr id="16" name="Picture 15"/>
+          <p:cNvPicPr>
+            <a:picLocks noChangeAspect="1"/>
+          </p:cNvPicPr>
+          <p:nvPr/>
+        </p:nvPicPr>
+        <p:blipFill>
+          <a:blip r:embed="rId14">
+            <a:extLst>
+              <a:ext uri="{28A0092B-C50C-407E-A947-70E740481C1C}">
+                <a14:useLocalDpi xmlns:a14="http://schemas.microsoft.com/office/drawing/2010/main" val="0"/>
+              </a:ext>
+            </a:extLst>
+          </a:blip>
+          <a:stretch>
+            <a:fillRect/>
+          </a:stretch>
+        </p:blipFill>
+        <p:spPr>
+          <a:xfrm>
+            <a:off x="1946855" y="4444589"/>
+            <a:ext cx="1421831" cy="1428178"/>
+          </a:xfrm>
+          <a:prstGeom prst="rect">
+            <a:avLst/>
+          </a:prstGeom>
+        </p:spPr>
+      </p:pic>
+      <p:pic>
+        <p:nvPicPr>
+          <p:cNvPr id="17" name="Picture 16"/>
+          <p:cNvPicPr>
+            <a:picLocks noChangeAspect="1"/>
+          </p:cNvPicPr>
+          <p:nvPr/>
+        </p:nvPicPr>
+        <p:blipFill>
+          <a:blip r:embed="rId15">
+            <a:extLst>
+              <a:ext uri="{28A0092B-C50C-407E-A947-70E740481C1C}">
+                <a14:useLocalDpi xmlns:a14="http://schemas.microsoft.com/office/drawing/2010/main" val="0"/>
+              </a:ext>
+            </a:extLst>
+          </a:blip>
+          <a:stretch>
+            <a:fillRect/>
+          </a:stretch>
+        </p:blipFill>
+        <p:spPr>
+          <a:xfrm>
+            <a:off x="3421126" y="5738869"/>
+            <a:ext cx="4762500" cy="1085850"/>
+          </a:xfrm>
+          <a:prstGeom prst="rect">
+            <a:avLst/>
+          </a:prstGeom>
+        </p:spPr>
+      </p:pic>
+      <p:pic>
+        <p:nvPicPr>
+          <p:cNvPr id="18" name="Picture 17"/>
+          <p:cNvPicPr>
+            <a:picLocks noChangeAspect="1"/>
+          </p:cNvPicPr>
+          <p:nvPr/>
+        </p:nvPicPr>
+        <p:blipFill>
+          <a:blip r:embed="rId16">
+            <a:extLst>
+              <a:ext uri="{28A0092B-C50C-407E-A947-70E740481C1C}">
+                <a14:useLocalDpi xmlns:a14="http://schemas.microsoft.com/office/drawing/2010/main" val="0"/>
+              </a:ext>
+            </a:extLst>
+          </a:blip>
+          <a:stretch>
+            <a:fillRect/>
+          </a:stretch>
+        </p:blipFill>
+        <p:spPr>
+          <a:xfrm>
+            <a:off x="346654" y="4799782"/>
+            <a:ext cx="1356407" cy="1578364"/>
           </a:xfrm>
           <a:prstGeom prst="rect">
             <a:avLst/>
@@ -12486,7 +13985,7 @@
                             </p:stCondLst>
                             <p:childTnLst>
                               <p:par>
-                                <p:cTn id="21" presetID="1" presetClass="entr" presetSubtype="0" fill="hold" grpId="0" nodeType="clickEffect">
+                                <p:cTn id="21" presetID="1" presetClass="entr" presetSubtype="0" fill="hold" nodeType="clickEffect">
                                   <p:stCondLst>
                                     <p:cond delay="0"/>
                                   </p:stCondLst>
@@ -12499,11 +13998,7 @@
                                           </p:stCondLst>
                                         </p:cTn>
                                         <p:tgtEl>
-                                          <p:spTgt spid="3">
-                                            <p:txEl>
-                                              <p:pRg st="2" end="2"/>
-                                            </p:txEl>
-                                          </p:spTgt>
+                                          <p:spTgt spid="11"/>
                                         </p:tgtEl>
                                         <p:attrNameLst>
                                           <p:attrName>style.visibility</p:attrName>
@@ -12535,7 +14030,7 @@
                             </p:stCondLst>
                             <p:childTnLst>
                               <p:par>
-                                <p:cTn id="25" presetID="1" presetClass="entr" presetSubtype="0" fill="hold" grpId="0" nodeType="clickEffect">
+                                <p:cTn id="25" presetID="1" presetClass="entr" presetSubtype="0" fill="hold" nodeType="clickEffect">
                                   <p:stCondLst>
                                     <p:cond delay="0"/>
                                   </p:stCondLst>
@@ -12548,11 +14043,7 @@
                                           </p:stCondLst>
                                         </p:cTn>
                                         <p:tgtEl>
-                                          <p:spTgt spid="3">
-                                            <p:txEl>
-                                              <p:pRg st="3" end="3"/>
-                                            </p:txEl>
-                                          </p:spTgt>
+                                          <p:spTgt spid="10"/>
                                         </p:tgtEl>
                                         <p:attrNameLst>
                                           <p:attrName>style.visibility</p:attrName>
@@ -12584,7 +14075,7 @@
                             </p:stCondLst>
                             <p:childTnLst>
                               <p:par>
-                                <p:cTn id="29" presetID="1" presetClass="entr" presetSubtype="0" fill="hold" grpId="0" nodeType="clickEffect">
+                                <p:cTn id="29" presetID="1" presetClass="entr" presetSubtype="0" fill="hold" nodeType="clickEffect">
                                   <p:stCondLst>
                                     <p:cond delay="0"/>
                                   </p:stCondLst>
@@ -12597,11 +14088,7 @@
                                           </p:stCondLst>
                                         </p:cTn>
                                         <p:tgtEl>
-                                          <p:spTgt spid="3">
-                                            <p:txEl>
-                                              <p:pRg st="4" end="4"/>
-                                            </p:txEl>
-                                          </p:spTgt>
+                                          <p:spTgt spid="9"/>
                                         </p:tgtEl>
                                         <p:attrNameLst>
                                           <p:attrName>style.visibility</p:attrName>
@@ -12633,7 +14120,7 @@
                             </p:stCondLst>
                             <p:childTnLst>
                               <p:par>
-                                <p:cTn id="33" presetID="1" presetClass="entr" presetSubtype="0" fill="hold" grpId="0" nodeType="clickEffect">
+                                <p:cTn id="33" presetID="1" presetClass="entr" presetSubtype="0" fill="hold" nodeType="clickEffect">
                                   <p:stCondLst>
                                     <p:cond delay="0"/>
                                   </p:stCondLst>
@@ -12646,11 +14133,7 @@
                                           </p:stCondLst>
                                         </p:cTn>
                                         <p:tgtEl>
-                                          <p:spTgt spid="3">
-                                            <p:txEl>
-                                              <p:pRg st="5" end="5"/>
-                                            </p:txEl>
-                                          </p:spTgt>
+                                          <p:spTgt spid="8"/>
                                         </p:tgtEl>
                                         <p:attrNameLst>
                                           <p:attrName>style.visibility</p:attrName>
@@ -12682,7 +14165,7 @@
                             </p:stCondLst>
                             <p:childTnLst>
                               <p:par>
-                                <p:cTn id="37" presetID="1" presetClass="entr" presetSubtype="0" fill="hold" grpId="0" nodeType="clickEffect">
+                                <p:cTn id="37" presetID="1" presetClass="entr" presetSubtype="0" fill="hold" nodeType="clickEffect">
                                   <p:stCondLst>
                                     <p:cond delay="0"/>
                                   </p:stCondLst>
@@ -12695,11 +14178,7 @@
                                           </p:stCondLst>
                                         </p:cTn>
                                         <p:tgtEl>
-                                          <p:spTgt spid="3">
-                                            <p:txEl>
-                                              <p:pRg st="6" end="6"/>
-                                            </p:txEl>
-                                          </p:spTgt>
+                                          <p:spTgt spid="12"/>
                                         </p:tgtEl>
                                         <p:attrNameLst>
                                           <p:attrName>style.visibility</p:attrName>
@@ -12731,7 +14210,7 @@
                             </p:stCondLst>
                             <p:childTnLst>
                               <p:par>
-                                <p:cTn id="41" presetID="1" presetClass="entr" presetSubtype="0" fill="hold" grpId="0" nodeType="clickEffect">
+                                <p:cTn id="41" presetID="1" presetClass="entr" presetSubtype="0" fill="hold" nodeType="clickEffect">
                                   <p:stCondLst>
                                     <p:cond delay="0"/>
                                   </p:stCondLst>
@@ -12744,11 +14223,232 @@
                                           </p:stCondLst>
                                         </p:cTn>
                                         <p:tgtEl>
-                                          <p:spTgt spid="3">
-                                            <p:txEl>
-                                              <p:pRg st="7" end="7"/>
-                                            </p:txEl>
-                                          </p:spTgt>
+                                          <p:spTgt spid="13"/>
+                                        </p:tgtEl>
+                                        <p:attrNameLst>
+                                          <p:attrName>style.visibility</p:attrName>
+                                        </p:attrNameLst>
+                                      </p:cBhvr>
+                                      <p:to>
+                                        <p:strVal val="visible"/>
+                                      </p:to>
+                                    </p:set>
+                                  </p:childTnLst>
+                                </p:cTn>
+                              </p:par>
+                            </p:childTnLst>
+                          </p:cTn>
+                        </p:par>
+                      </p:childTnLst>
+                    </p:cTn>
+                  </p:par>
+                  <p:par>
+                    <p:cTn id="43" fill="hold">
+                      <p:stCondLst>
+                        <p:cond delay="indefinite"/>
+                      </p:stCondLst>
+                      <p:childTnLst>
+                        <p:par>
+                          <p:cTn id="44" fill="hold">
+                            <p:stCondLst>
+                              <p:cond delay="0"/>
+                            </p:stCondLst>
+                            <p:childTnLst>
+                              <p:par>
+                                <p:cTn id="45" presetID="1" presetClass="entr" presetSubtype="0" fill="hold" nodeType="clickEffect">
+                                  <p:stCondLst>
+                                    <p:cond delay="0"/>
+                                  </p:stCondLst>
+                                  <p:childTnLst>
+                                    <p:set>
+                                      <p:cBhvr>
+                                        <p:cTn id="46" dur="1" fill="hold">
+                                          <p:stCondLst>
+                                            <p:cond delay="0"/>
+                                          </p:stCondLst>
+                                        </p:cTn>
+                                        <p:tgtEl>
+                                          <p:spTgt spid="14"/>
+                                        </p:tgtEl>
+                                        <p:attrNameLst>
+                                          <p:attrName>style.visibility</p:attrName>
+                                        </p:attrNameLst>
+                                      </p:cBhvr>
+                                      <p:to>
+                                        <p:strVal val="visible"/>
+                                      </p:to>
+                                    </p:set>
+                                  </p:childTnLst>
+                                </p:cTn>
+                              </p:par>
+                            </p:childTnLst>
+                          </p:cTn>
+                        </p:par>
+                      </p:childTnLst>
+                    </p:cTn>
+                  </p:par>
+                  <p:par>
+                    <p:cTn id="47" fill="hold">
+                      <p:stCondLst>
+                        <p:cond delay="indefinite"/>
+                      </p:stCondLst>
+                      <p:childTnLst>
+                        <p:par>
+                          <p:cTn id="48" fill="hold">
+                            <p:stCondLst>
+                              <p:cond delay="0"/>
+                            </p:stCondLst>
+                            <p:childTnLst>
+                              <p:par>
+                                <p:cTn id="49" presetID="1" presetClass="entr" presetSubtype="0" fill="hold" nodeType="clickEffect">
+                                  <p:stCondLst>
+                                    <p:cond delay="0"/>
+                                  </p:stCondLst>
+                                  <p:childTnLst>
+                                    <p:set>
+                                      <p:cBhvr>
+                                        <p:cTn id="50" dur="1" fill="hold">
+                                          <p:stCondLst>
+                                            <p:cond delay="0"/>
+                                          </p:stCondLst>
+                                        </p:cTn>
+                                        <p:tgtEl>
+                                          <p:spTgt spid="15"/>
+                                        </p:tgtEl>
+                                        <p:attrNameLst>
+                                          <p:attrName>style.visibility</p:attrName>
+                                        </p:attrNameLst>
+                                      </p:cBhvr>
+                                      <p:to>
+                                        <p:strVal val="visible"/>
+                                      </p:to>
+                                    </p:set>
+                                  </p:childTnLst>
+                                </p:cTn>
+                              </p:par>
+                            </p:childTnLst>
+                          </p:cTn>
+                        </p:par>
+                      </p:childTnLst>
+                    </p:cTn>
+                  </p:par>
+                  <p:par>
+                    <p:cTn id="51" fill="hold">
+                      <p:stCondLst>
+                        <p:cond delay="indefinite"/>
+                      </p:stCondLst>
+                      <p:childTnLst>
+                        <p:par>
+                          <p:cTn id="52" fill="hold">
+                            <p:stCondLst>
+                              <p:cond delay="0"/>
+                            </p:stCondLst>
+                            <p:childTnLst>
+                              <p:par>
+                                <p:cTn id="53" presetID="1" presetClass="entr" presetSubtype="0" fill="hold" nodeType="clickEffect">
+                                  <p:stCondLst>
+                                    <p:cond delay="0"/>
+                                  </p:stCondLst>
+                                  <p:childTnLst>
+                                    <p:set>
+                                      <p:cBhvr>
+                                        <p:cTn id="54" dur="1" fill="hold">
+                                          <p:stCondLst>
+                                            <p:cond delay="0"/>
+                                          </p:stCondLst>
+                                        </p:cTn>
+                                        <p:tgtEl>
+                                          <p:spTgt spid="16"/>
+                                        </p:tgtEl>
+                                        <p:attrNameLst>
+                                          <p:attrName>style.visibility</p:attrName>
+                                        </p:attrNameLst>
+                                      </p:cBhvr>
+                                      <p:to>
+                                        <p:strVal val="visible"/>
+                                      </p:to>
+                                    </p:set>
+                                  </p:childTnLst>
+                                </p:cTn>
+                              </p:par>
+                            </p:childTnLst>
+                          </p:cTn>
+                        </p:par>
+                      </p:childTnLst>
+                    </p:cTn>
+                  </p:par>
+                  <p:par>
+                    <p:cTn id="55" fill="hold">
+                      <p:stCondLst>
+                        <p:cond delay="indefinite"/>
+                      </p:stCondLst>
+                      <p:childTnLst>
+                        <p:par>
+                          <p:cTn id="56" fill="hold">
+                            <p:stCondLst>
+                              <p:cond delay="0"/>
+                            </p:stCondLst>
+                            <p:childTnLst>
+                              <p:par>
+                                <p:cTn id="57" presetID="1" presetClass="entr" presetSubtype="0" fill="hold" nodeType="clickEffect">
+                                  <p:stCondLst>
+                                    <p:cond delay="0"/>
+                                  </p:stCondLst>
+                                  <p:childTnLst>
+                                    <p:set>
+                                      <p:cBhvr>
+                                        <p:cTn id="58" dur="1" fill="hold">
+                                          <p:stCondLst>
+                                            <p:cond delay="0"/>
+                                          </p:stCondLst>
+                                        </p:cTn>
+                                        <p:tgtEl>
+                                          <p:spTgt spid="17"/>
+                                        </p:tgtEl>
+                                        <p:attrNameLst>
+                                          <p:attrName>style.visibility</p:attrName>
+                                        </p:attrNameLst>
+                                      </p:cBhvr>
+                                      <p:to>
+                                        <p:strVal val="visible"/>
+                                      </p:to>
+                                    </p:set>
+                                  </p:childTnLst>
+                                </p:cTn>
+                              </p:par>
+                            </p:childTnLst>
+                          </p:cTn>
+                        </p:par>
+                      </p:childTnLst>
+                    </p:cTn>
+                  </p:par>
+                  <p:par>
+                    <p:cTn id="59" fill="hold">
+                      <p:stCondLst>
+                        <p:cond delay="indefinite"/>
+                      </p:stCondLst>
+                      <p:childTnLst>
+                        <p:par>
+                          <p:cTn id="60" fill="hold">
+                            <p:stCondLst>
+                              <p:cond delay="0"/>
+                            </p:stCondLst>
+                            <p:childTnLst>
+                              <p:par>
+                                <p:cTn id="61" presetID="1" presetClass="entr" presetSubtype="0" fill="hold" nodeType="clickEffect">
+                                  <p:stCondLst>
+                                    <p:cond delay="0"/>
+                                  </p:stCondLst>
+                                  <p:childTnLst>
+                                    <p:set>
+                                      <p:cBhvr>
+                                        <p:cTn id="62" dur="1" fill="hold">
+                                          <p:stCondLst>
+                                            <p:cond delay="0"/>
+                                          </p:stCondLst>
+                                        </p:cTn>
+                                        <p:tgtEl>
+                                          <p:spTgt spid="18"/>
                                         </p:tgtEl>
                                         <p:attrNameLst>
                                           <p:attrName>style.visibility</p:attrName>
@@ -12788,14 +14488,11 @@
         </p:cTn>
       </p:par>
     </p:tnLst>
-    <p:bldLst>
-      <p:bldP spid="3" grpId="0" build="p"/>
-    </p:bldLst>
   </p:timing>
 </p:sld>
 </file>
 
-<file path=ppt/slides/slide33.xml><?xml version="1.0" encoding="utf-8"?>
+<file path=ppt/slides/slide34.xml><?xml version="1.0" encoding="utf-8"?>
 <p:sld xmlns:a="http://schemas.openxmlformats.org/drawingml/2006/main" xmlns:r="http://schemas.openxmlformats.org/officeDocument/2006/relationships" xmlns:p="http://schemas.openxmlformats.org/presentationml/2006/main">
   <p:cSld>
     <p:spTree>
@@ -12829,28 +14526,9 @@
           <a:p>
             <a:r>
               <a:rPr lang="en-US" dirty="0" smtClean="0"/>
-              <a:t>Some Demos!</a:t>
+              <a:t>A Demo!</a:t>
             </a:r>
             <a:endParaRPr lang="en-US" dirty="0"/>
-          </a:p>
-        </p:txBody>
-      </p:sp>
-      <p:sp>
-        <p:nvSpPr>
-          <p:cNvPr id="3" name="Content Placeholder 2"/>
-          <p:cNvSpPr>
-            <a:spLocks noGrp="1"/>
-          </p:cNvSpPr>
-          <p:nvPr>
-            <p:ph idx="1"/>
-          </p:nvPr>
-        </p:nvSpPr>
-        <p:spPr/>
-        <p:txBody>
-          <a:bodyPr/>
-          <a:lstStyle/>
-          <a:p>
-            <a:endParaRPr lang="en-US"/>
           </a:p>
         </p:txBody>
       </p:sp>
@@ -12874,7 +14552,7 @@
 </p:sld>
 </file>
 
-<file path=ppt/slides/slide34.xml><?xml version="1.0" encoding="utf-8"?>
+<file path=ppt/slides/slide35.xml><?xml version="1.0" encoding="utf-8"?>
 <p:sld xmlns:a="http://schemas.openxmlformats.org/drawingml/2006/main" xmlns:r="http://schemas.openxmlformats.org/officeDocument/2006/relationships" xmlns:p="http://schemas.openxmlformats.org/presentationml/2006/main">
   <p:cSld>
     <p:spTree>
@@ -12911,7 +14589,7 @@
 </p:sld>
 </file>
 
-<file path=ppt/slides/slide35.xml><?xml version="1.0" encoding="utf-8"?>
+<file path=ppt/slides/slide36.xml><?xml version="1.0" encoding="utf-8"?>
 <p:sld xmlns:a="http://schemas.openxmlformats.org/drawingml/2006/main" xmlns:r="http://schemas.openxmlformats.org/officeDocument/2006/relationships" xmlns:p="http://schemas.openxmlformats.org/presentationml/2006/main">
   <p:cSld>
     <p:spTree>
@@ -13110,7 +14788,7 @@
 </p:sld>
 </file>
 
-<file path=ppt/slides/slide36.xml><?xml version="1.0" encoding="utf-8"?>
+<file path=ppt/slides/slide37.xml><?xml version="1.0" encoding="utf-8"?>
 <p:sld xmlns:a="http://schemas.openxmlformats.org/drawingml/2006/main" xmlns:r="http://schemas.openxmlformats.org/officeDocument/2006/relationships" xmlns:p="http://schemas.openxmlformats.org/presentationml/2006/main">
   <p:cSld>
     <p:spTree>
@@ -13167,11 +14845,7 @@
           <a:p>
             <a:r>
               <a:rPr lang="en-US" dirty="0" smtClean="0"/>
-              <a:t>Also called “session riding</a:t>
-            </a:r>
-            <a:r>
-              <a:rPr lang="en-US" dirty="0" smtClean="0"/>
-              <a:t>”</a:t>
+              <a:t>Also called “session riding”</a:t>
             </a:r>
           </a:p>
           <a:p>
@@ -13288,7 +14962,6 @@
               <a:rPr lang="en-US" dirty="0" smtClean="0"/>
               <a:t>?</a:t>
             </a:r>
-            <a:endParaRPr lang="en-US" dirty="0" smtClean="0"/>
           </a:p>
         </p:txBody>
       </p:sp>
@@ -13485,7 +15158,7 @@
 </p:sld>
 </file>
 
-<file path=ppt/slides/slide37.xml><?xml version="1.0" encoding="utf-8"?>
+<file path=ppt/slides/slide38.xml><?xml version="1.0" encoding="utf-8"?>
 <p:sld xmlns:a="http://schemas.openxmlformats.org/drawingml/2006/main" xmlns:r="http://schemas.openxmlformats.org/officeDocument/2006/relationships" xmlns:p="http://schemas.openxmlformats.org/presentationml/2006/main">
   <p:cSld>
     <p:spTree>
@@ -13980,419 +15653,6 @@
 </p:sld>
 </file>
 
-<file path=ppt/slides/slide38.xml><?xml version="1.0" encoding="utf-8"?>
-<p:sld xmlns:a="http://schemas.openxmlformats.org/drawingml/2006/main" xmlns:r="http://schemas.openxmlformats.org/officeDocument/2006/relationships" xmlns:p="http://schemas.openxmlformats.org/presentationml/2006/main">
-  <p:cSld>
-    <p:spTree>
-      <p:nvGrpSpPr>
-        <p:cNvPr id="1" name=""/>
-        <p:cNvGrpSpPr/>
-        <p:nvPr/>
-      </p:nvGrpSpPr>
-      <p:grpSpPr>
-        <a:xfrm>
-          <a:off x="0" y="0"/>
-          <a:ext cx="0" cy="0"/>
-          <a:chOff x="0" y="0"/>
-          <a:chExt cx="0" cy="0"/>
-        </a:xfrm>
-      </p:grpSpPr>
-      <p:sp>
-        <p:nvSpPr>
-          <p:cNvPr id="2" name="Title 1"/>
-          <p:cNvSpPr>
-            <a:spLocks noGrp="1"/>
-          </p:cNvSpPr>
-          <p:nvPr>
-            <p:ph type="title"/>
-          </p:nvPr>
-        </p:nvSpPr>
-        <p:spPr/>
-        <p:txBody>
-          <a:bodyPr/>
-          <a:lstStyle/>
-          <a:p>
-            <a:r>
-              <a:rPr lang="en-US" dirty="0" smtClean="0"/>
-              <a:t>Another Way to go Wrong</a:t>
-            </a:r>
-            <a:endParaRPr lang="en-US" dirty="0"/>
-          </a:p>
-        </p:txBody>
-      </p:sp>
-      <p:sp>
-        <p:nvSpPr>
-          <p:cNvPr id="5" name="TextBox 4"/>
-          <p:cNvSpPr txBox="1"/>
-          <p:nvPr/>
-        </p:nvSpPr>
-        <p:spPr>
-          <a:xfrm>
-            <a:off x="1326776" y="1550894"/>
-            <a:ext cx="10121153" cy="4524315"/>
-          </a:xfrm>
-          <a:prstGeom prst="rect">
-            <a:avLst/>
-          </a:prstGeom>
-          <a:noFill/>
-        </p:spPr>
-        <p:txBody>
-          <a:bodyPr wrap="square" rtlCol="0">
-            <a:spAutoFit/>
-          </a:bodyPr>
-          <a:lstStyle/>
-          <a:p>
-            <a:r>
-              <a:rPr lang="en-US" b="1" dirty="0"/>
-              <a:t>&lt;?</a:t>
-            </a:r>
-            <a:r>
-              <a:rPr lang="en-US" dirty="0" err="1"/>
-              <a:t>php</a:t>
-            </a:r>
-            <a:endParaRPr lang="en-US" dirty="0"/>
-          </a:p>
-          <a:p>
-            <a:r>
-              <a:rPr lang="en-US" dirty="0" smtClean="0"/>
-              <a:t>	</a:t>
-            </a:r>
-            <a:r>
-              <a:rPr lang="en-US" dirty="0" err="1" smtClean="0"/>
-              <a:t>session_start</a:t>
-            </a:r>
-            <a:r>
-              <a:rPr lang="en-US" dirty="0"/>
-              <a:t>();</a:t>
-            </a:r>
-          </a:p>
-          <a:p>
-            <a:r>
-              <a:rPr lang="en-US" b="1" dirty="0" smtClean="0"/>
-              <a:t>	if </a:t>
-            </a:r>
-            <a:r>
-              <a:rPr lang="en-US" dirty="0"/>
-              <a:t>($_FILES["</a:t>
-            </a:r>
-            <a:r>
-              <a:rPr lang="en-US" dirty="0" err="1"/>
-              <a:t>dispic</a:t>
-            </a:r>
-            <a:r>
-              <a:rPr lang="en-US" dirty="0"/>
-              <a:t>"]["error"] </a:t>
-            </a:r>
-            <a:r>
-              <a:rPr lang="en-US" b="1" dirty="0"/>
-              <a:t>&gt; </a:t>
-            </a:r>
-            <a:r>
-              <a:rPr lang="en-US" dirty="0"/>
-              <a:t>0) {</a:t>
-            </a:r>
-          </a:p>
-          <a:p>
-            <a:r>
-              <a:rPr lang="es-ES" b="1" dirty="0" smtClean="0"/>
-              <a:t>		echo </a:t>
-            </a:r>
-            <a:r>
-              <a:rPr lang="es-ES" dirty="0"/>
-              <a:t>"&lt;p&gt;Error: " </a:t>
-            </a:r>
-            <a:r>
-              <a:rPr lang="es-ES" b="1" dirty="0"/>
-              <a:t>. </a:t>
-            </a:r>
-            <a:r>
-              <a:rPr lang="es-ES" dirty="0"/>
-              <a:t>$_FILES["</a:t>
-            </a:r>
-            <a:r>
-              <a:rPr lang="es-ES" dirty="0" err="1"/>
-              <a:t>dispic</a:t>
-            </a:r>
-            <a:r>
-              <a:rPr lang="es-ES" dirty="0"/>
-              <a:t>"]["error"] </a:t>
-            </a:r>
-            <a:r>
-              <a:rPr lang="es-ES" b="1" dirty="0"/>
-              <a:t>. </a:t>
-            </a:r>
-            <a:r>
-              <a:rPr lang="es-ES" dirty="0"/>
-              <a:t>"&lt;/p&gt;";</a:t>
-            </a:r>
-          </a:p>
-          <a:p>
-            <a:r>
-              <a:rPr lang="en-US" dirty="0" smtClean="0"/>
-              <a:t>	}</a:t>
-            </a:r>
-            <a:endParaRPr lang="en-US" dirty="0"/>
-          </a:p>
-          <a:p>
-            <a:r>
-              <a:rPr lang="en-US" b="1" dirty="0" smtClean="0"/>
-              <a:t>	else</a:t>
-            </a:r>
-            <a:endParaRPr lang="en-US" b="1" dirty="0"/>
-          </a:p>
-          <a:p>
-            <a:r>
-              <a:rPr lang="en-US" dirty="0" smtClean="0"/>
-              <a:t>	{</a:t>
-            </a:r>
-            <a:endParaRPr lang="en-US" dirty="0"/>
-          </a:p>
-          <a:p>
-            <a:r>
-              <a:rPr lang="en-US" dirty="0" smtClean="0"/>
-              <a:t>		$</a:t>
-            </a:r>
-            <a:r>
-              <a:rPr lang="en-US" dirty="0" err="1"/>
-              <a:t>dest_dir</a:t>
-            </a:r>
-            <a:r>
-              <a:rPr lang="en-US" dirty="0"/>
-              <a:t> </a:t>
-            </a:r>
-            <a:r>
-              <a:rPr lang="en-US" b="1" dirty="0"/>
-              <a:t>= </a:t>
-            </a:r>
-            <a:r>
-              <a:rPr lang="en-US" dirty="0"/>
-              <a:t>"uploads/";</a:t>
-            </a:r>
-          </a:p>
-          <a:p>
-            <a:r>
-              <a:rPr lang="en-US" dirty="0" smtClean="0"/>
-              <a:t>		$</a:t>
-            </a:r>
-            <a:r>
-              <a:rPr lang="en-US" dirty="0" err="1"/>
-              <a:t>dest</a:t>
-            </a:r>
-            <a:r>
-              <a:rPr lang="en-US" dirty="0"/>
-              <a:t> </a:t>
-            </a:r>
-            <a:r>
-              <a:rPr lang="en-US" b="1" dirty="0"/>
-              <a:t>= </a:t>
-            </a:r>
-            <a:r>
-              <a:rPr lang="en-US" dirty="0"/>
-              <a:t>$</a:t>
-            </a:r>
-            <a:r>
-              <a:rPr lang="en-US" dirty="0" err="1"/>
-              <a:t>dest_dir</a:t>
-            </a:r>
-            <a:r>
-              <a:rPr lang="en-US" dirty="0"/>
-              <a:t> </a:t>
-            </a:r>
-            <a:r>
-              <a:rPr lang="en-US" b="1" dirty="0"/>
-              <a:t>. </a:t>
-            </a:r>
-            <a:r>
-              <a:rPr lang="en-US" dirty="0" err="1"/>
-              <a:t>basename</a:t>
-            </a:r>
-            <a:r>
-              <a:rPr lang="en-US" dirty="0"/>
-              <a:t>($_FILES["</a:t>
-            </a:r>
-            <a:r>
-              <a:rPr lang="en-US" dirty="0" err="1"/>
-              <a:t>dispic</a:t>
-            </a:r>
-            <a:r>
-              <a:rPr lang="en-US" dirty="0"/>
-              <a:t>"]["name"]);</a:t>
-            </a:r>
-          </a:p>
-          <a:p>
-            <a:r>
-              <a:rPr lang="en-US" dirty="0" smtClean="0"/>
-              <a:t>		$</a:t>
-            </a:r>
-            <a:r>
-              <a:rPr lang="en-US" dirty="0" err="1"/>
-              <a:t>src</a:t>
-            </a:r>
-            <a:r>
-              <a:rPr lang="en-US" dirty="0"/>
-              <a:t> </a:t>
-            </a:r>
-            <a:r>
-              <a:rPr lang="en-US" b="1" dirty="0"/>
-              <a:t>= </a:t>
-            </a:r>
-            <a:r>
-              <a:rPr lang="en-US" dirty="0"/>
-              <a:t>$_FILES["</a:t>
-            </a:r>
-            <a:r>
-              <a:rPr lang="en-US" dirty="0" err="1"/>
-              <a:t>dispic</a:t>
-            </a:r>
-            <a:r>
-              <a:rPr lang="en-US" dirty="0"/>
-              <a:t>"]["</a:t>
-            </a:r>
-            <a:r>
-              <a:rPr lang="en-US" dirty="0" err="1"/>
-              <a:t>tmp_name</a:t>
-            </a:r>
-            <a:r>
-              <a:rPr lang="en-US" dirty="0"/>
-              <a:t>"];</a:t>
-            </a:r>
-          </a:p>
-          <a:p>
-            <a:r>
-              <a:rPr lang="en-US" b="1" dirty="0" smtClean="0"/>
-              <a:t>		if </a:t>
-            </a:r>
-            <a:r>
-              <a:rPr lang="en-US" dirty="0"/>
-              <a:t>(</a:t>
-            </a:r>
-            <a:r>
-              <a:rPr lang="en-US" dirty="0" err="1"/>
-              <a:t>move_uploaded_file</a:t>
-            </a:r>
-            <a:r>
-              <a:rPr lang="en-US" dirty="0"/>
-              <a:t>($</a:t>
-            </a:r>
-            <a:r>
-              <a:rPr lang="en-US" dirty="0" err="1"/>
-              <a:t>src</a:t>
-            </a:r>
-            <a:r>
-              <a:rPr lang="en-US" dirty="0"/>
-              <a:t>, $</a:t>
-            </a:r>
-            <a:r>
-              <a:rPr lang="en-US" dirty="0" err="1"/>
-              <a:t>dest</a:t>
-            </a:r>
-            <a:r>
-              <a:rPr lang="en-US" dirty="0"/>
-              <a:t>)) {</a:t>
-            </a:r>
-          </a:p>
-          <a:p>
-            <a:r>
-              <a:rPr lang="en-US" dirty="0" smtClean="0"/>
-              <a:t>			$_</a:t>
-            </a:r>
-            <a:r>
-              <a:rPr lang="en-US" dirty="0"/>
-              <a:t>SESSION["</a:t>
-            </a:r>
-            <a:r>
-              <a:rPr lang="en-US" dirty="0" err="1"/>
-              <a:t>dispic_url</a:t>
-            </a:r>
-            <a:r>
-              <a:rPr lang="en-US" dirty="0"/>
-              <a:t>"] </a:t>
-            </a:r>
-            <a:r>
-              <a:rPr lang="en-US" b="1" dirty="0"/>
-              <a:t>= </a:t>
-            </a:r>
-            <a:r>
-              <a:rPr lang="en-US" dirty="0"/>
-              <a:t>$</a:t>
-            </a:r>
-            <a:r>
-              <a:rPr lang="en-US" dirty="0" err="1"/>
-              <a:t>dest</a:t>
-            </a:r>
-            <a:r>
-              <a:rPr lang="en-US" dirty="0"/>
-              <a:t>;</a:t>
-            </a:r>
-          </a:p>
-          <a:p>
-            <a:r>
-              <a:rPr lang="en-US" dirty="0" smtClean="0"/>
-              <a:t>			</a:t>
-            </a:r>
-            <a:r>
-              <a:rPr lang="en-US" dirty="0" err="1" smtClean="0"/>
-              <a:t>chmod</a:t>
-            </a:r>
-            <a:r>
-              <a:rPr lang="en-US" dirty="0"/>
-              <a:t>($</a:t>
-            </a:r>
-            <a:r>
-              <a:rPr lang="en-US" dirty="0" err="1"/>
-              <a:t>dest</a:t>
-            </a:r>
-            <a:r>
-              <a:rPr lang="en-US" dirty="0"/>
-              <a:t>, 0644);</a:t>
-            </a:r>
-          </a:p>
-          <a:p>
-            <a:r>
-              <a:rPr lang="en-US" b="1" dirty="0" smtClean="0"/>
-              <a:t>			echo </a:t>
-            </a:r>
-            <a:r>
-              <a:rPr lang="en-US" dirty="0"/>
-              <a:t>"&lt;p&gt;Successfully uploaded your display picture.&lt;/p&gt;";</a:t>
-            </a:r>
-          </a:p>
-          <a:p>
-            <a:r>
-              <a:rPr lang="en-US" dirty="0" smtClean="0"/>
-              <a:t>		}</a:t>
-            </a:r>
-            <a:endParaRPr lang="en-US" dirty="0"/>
-          </a:p>
-          <a:p>
-            <a:r>
-              <a:rPr lang="en-US" dirty="0" smtClean="0"/>
-              <a:t>	}</a:t>
-            </a:r>
-            <a:endParaRPr lang="en-US" dirty="0"/>
-          </a:p>
-        </p:txBody>
-      </p:sp>
-    </p:spTree>
-    <p:extLst>
-      <p:ext uri="{BB962C8B-B14F-4D97-AF65-F5344CB8AC3E}">
-        <p14:creationId xmlns:p14="http://schemas.microsoft.com/office/powerpoint/2010/main" val="1407764466"/>
-      </p:ext>
-    </p:extLst>
-  </p:cSld>
-  <p:clrMapOvr>
-    <a:masterClrMapping/>
-  </p:clrMapOvr>
-  <p:timing>
-    <p:tnLst>
-      <p:par>
-        <p:cTn id="1" dur="indefinite" restart="never" nodeType="tmRoot"/>
-      </p:par>
-    </p:tnLst>
-  </p:timing>
-</p:sld>
-</file>
-
 <file path=ppt/slides/slide39.xml><?xml version="1.0" encoding="utf-8"?>
 <p:sld xmlns:a="http://schemas.openxmlformats.org/drawingml/2006/main" xmlns:r="http://schemas.openxmlformats.org/officeDocument/2006/relationships" xmlns:p="http://schemas.openxmlformats.org/presentationml/2006/main">
   <p:cSld>
@@ -14426,12 +15686,8 @@
           <a:lstStyle/>
           <a:p>
             <a:r>
-              <a:rPr lang="en-US" dirty="0" err="1" smtClean="0"/>
-              <a:t>Hm</a:t>
-            </a:r>
-            <a:r>
-              <a:rPr lang="en-US" dirty="0" smtClean="0"/>
-              <a:t>…</a:t>
+              <a:rPr lang="en-US" dirty="0" smtClean="0"/>
+              <a:t>Another Way to go Wrong</a:t>
             </a:r>
             <a:endParaRPr lang="en-US" dirty="0"/>
           </a:p>
@@ -14439,22 +15695,352 @@
       </p:sp>
       <p:sp>
         <p:nvSpPr>
-          <p:cNvPr id="3" name="Content Placeholder 2"/>
-          <p:cNvSpPr>
-            <a:spLocks noGrp="1"/>
-          </p:cNvSpPr>
-          <p:nvPr>
-            <p:ph idx="1"/>
-          </p:nvPr>
+          <p:cNvPr id="5" name="TextBox 4"/>
+          <p:cNvSpPr txBox="1"/>
+          <p:nvPr/>
         </p:nvSpPr>
-        <p:spPr/>
+        <p:spPr>
+          <a:xfrm>
+            <a:off x="1326776" y="1550894"/>
+            <a:ext cx="10121153" cy="4524315"/>
+          </a:xfrm>
+          <a:prstGeom prst="rect">
+            <a:avLst/>
+          </a:prstGeom>
+          <a:noFill/>
+        </p:spPr>
         <p:txBody>
-          <a:bodyPr/>
+          <a:bodyPr wrap="square" rtlCol="0">
+            <a:spAutoFit/>
+          </a:bodyPr>
           <a:lstStyle/>
           <a:p>
             <a:r>
-              <a:rPr lang="en-US" dirty="0" smtClean="0"/>
-              <a:t>What if my picture has code in it?</a:t>
+              <a:rPr lang="en-US" b="1" dirty="0"/>
+              <a:t>&lt;?</a:t>
+            </a:r>
+            <a:r>
+              <a:rPr lang="en-US" dirty="0" err="1"/>
+              <a:t>php</a:t>
+            </a:r>
+            <a:endParaRPr lang="en-US" dirty="0"/>
+          </a:p>
+          <a:p>
+            <a:r>
+              <a:rPr lang="en-US" dirty="0" smtClean="0"/>
+              <a:t>	</a:t>
+            </a:r>
+            <a:r>
+              <a:rPr lang="en-US" dirty="0" err="1" smtClean="0"/>
+              <a:t>session_start</a:t>
+            </a:r>
+            <a:r>
+              <a:rPr lang="en-US" dirty="0"/>
+              <a:t>();</a:t>
+            </a:r>
+          </a:p>
+          <a:p>
+            <a:r>
+              <a:rPr lang="en-US" b="1" dirty="0" smtClean="0"/>
+              <a:t>	if </a:t>
+            </a:r>
+            <a:r>
+              <a:rPr lang="en-US" dirty="0"/>
+              <a:t>($_FILES["</a:t>
+            </a:r>
+            <a:r>
+              <a:rPr lang="en-US" dirty="0" err="1"/>
+              <a:t>dispic</a:t>
+            </a:r>
+            <a:r>
+              <a:rPr lang="en-US" dirty="0"/>
+              <a:t>"]["error"] </a:t>
+            </a:r>
+            <a:r>
+              <a:rPr lang="en-US" b="1" dirty="0"/>
+              <a:t>&gt; </a:t>
+            </a:r>
+            <a:r>
+              <a:rPr lang="en-US" dirty="0"/>
+              <a:t>0) {</a:t>
+            </a:r>
+          </a:p>
+          <a:p>
+            <a:r>
+              <a:rPr lang="es-ES" b="1" dirty="0" smtClean="0"/>
+              <a:t>		echo </a:t>
+            </a:r>
+            <a:r>
+              <a:rPr lang="es-ES" dirty="0"/>
+              <a:t>"&lt;p&gt;Error: " </a:t>
+            </a:r>
+            <a:r>
+              <a:rPr lang="es-ES" b="1" dirty="0"/>
+              <a:t>. </a:t>
+            </a:r>
+            <a:r>
+              <a:rPr lang="es-ES" dirty="0"/>
+              <a:t>$_FILES["</a:t>
+            </a:r>
+            <a:r>
+              <a:rPr lang="es-ES" dirty="0" err="1"/>
+              <a:t>dispic</a:t>
+            </a:r>
+            <a:r>
+              <a:rPr lang="es-ES" dirty="0"/>
+              <a:t>"]["error"] </a:t>
+            </a:r>
+            <a:r>
+              <a:rPr lang="es-ES" b="1" dirty="0"/>
+              <a:t>. </a:t>
+            </a:r>
+            <a:r>
+              <a:rPr lang="es-ES" dirty="0"/>
+              <a:t>"&lt;/p&gt;";</a:t>
+            </a:r>
+          </a:p>
+          <a:p>
+            <a:r>
+              <a:rPr lang="en-US" dirty="0" smtClean="0"/>
+              <a:t>	}</a:t>
+            </a:r>
+            <a:endParaRPr lang="en-US" dirty="0"/>
+          </a:p>
+          <a:p>
+            <a:r>
+              <a:rPr lang="en-US" b="1" dirty="0" smtClean="0"/>
+              <a:t>	else</a:t>
+            </a:r>
+            <a:endParaRPr lang="en-US" b="1" dirty="0"/>
+          </a:p>
+          <a:p>
+            <a:r>
+              <a:rPr lang="en-US" dirty="0" smtClean="0"/>
+              <a:t>	{</a:t>
+            </a:r>
+            <a:endParaRPr lang="en-US" dirty="0"/>
+          </a:p>
+          <a:p>
+            <a:r>
+              <a:rPr lang="en-US" dirty="0" smtClean="0"/>
+              <a:t>		$</a:t>
+            </a:r>
+            <a:r>
+              <a:rPr lang="en-US" dirty="0" err="1"/>
+              <a:t>dest_dir</a:t>
+            </a:r>
+            <a:r>
+              <a:rPr lang="en-US" dirty="0"/>
+              <a:t> </a:t>
+            </a:r>
+            <a:r>
+              <a:rPr lang="en-US" b="1" dirty="0"/>
+              <a:t>= </a:t>
+            </a:r>
+            <a:r>
+              <a:rPr lang="en-US" dirty="0"/>
+              <a:t>"uploads/";</a:t>
+            </a:r>
+          </a:p>
+          <a:p>
+            <a:r>
+              <a:rPr lang="en-US" dirty="0" smtClean="0"/>
+              <a:t>		$</a:t>
+            </a:r>
+            <a:r>
+              <a:rPr lang="en-US" dirty="0" err="1"/>
+              <a:t>dest</a:t>
+            </a:r>
+            <a:r>
+              <a:rPr lang="en-US" dirty="0"/>
+              <a:t> </a:t>
+            </a:r>
+            <a:r>
+              <a:rPr lang="en-US" b="1" dirty="0"/>
+              <a:t>= </a:t>
+            </a:r>
+            <a:r>
+              <a:rPr lang="en-US" dirty="0"/>
+              <a:t>$</a:t>
+            </a:r>
+            <a:r>
+              <a:rPr lang="en-US" dirty="0" err="1"/>
+              <a:t>dest_dir</a:t>
+            </a:r>
+            <a:r>
+              <a:rPr lang="en-US" dirty="0"/>
+              <a:t> </a:t>
+            </a:r>
+            <a:r>
+              <a:rPr lang="en-US" b="1" dirty="0"/>
+              <a:t>. </a:t>
+            </a:r>
+            <a:r>
+              <a:rPr lang="en-US" dirty="0" err="1"/>
+              <a:t>basename</a:t>
+            </a:r>
+            <a:r>
+              <a:rPr lang="en-US" dirty="0"/>
+              <a:t>($_FILES["</a:t>
+            </a:r>
+            <a:r>
+              <a:rPr lang="en-US" dirty="0" err="1"/>
+              <a:t>dispic</a:t>
+            </a:r>
+            <a:r>
+              <a:rPr lang="en-US" dirty="0"/>
+              <a:t>"]["name"]);</a:t>
+            </a:r>
+          </a:p>
+          <a:p>
+            <a:r>
+              <a:rPr lang="en-US" dirty="0" smtClean="0"/>
+              <a:t>		$</a:t>
+            </a:r>
+            <a:r>
+              <a:rPr lang="en-US" dirty="0" err="1"/>
+              <a:t>src</a:t>
+            </a:r>
+            <a:r>
+              <a:rPr lang="en-US" dirty="0"/>
+              <a:t> </a:t>
+            </a:r>
+            <a:r>
+              <a:rPr lang="en-US" b="1" dirty="0"/>
+              <a:t>= </a:t>
+            </a:r>
+            <a:r>
+              <a:rPr lang="en-US" dirty="0"/>
+              <a:t>$_FILES["</a:t>
+            </a:r>
+            <a:r>
+              <a:rPr lang="en-US" dirty="0" err="1"/>
+              <a:t>dispic</a:t>
+            </a:r>
+            <a:r>
+              <a:rPr lang="en-US" dirty="0"/>
+              <a:t>"]["</a:t>
+            </a:r>
+            <a:r>
+              <a:rPr lang="en-US" dirty="0" err="1"/>
+              <a:t>tmp_name</a:t>
+            </a:r>
+            <a:r>
+              <a:rPr lang="en-US" dirty="0"/>
+              <a:t>"];</a:t>
+            </a:r>
+          </a:p>
+          <a:p>
+            <a:r>
+              <a:rPr lang="en-US" b="1" dirty="0" smtClean="0"/>
+              <a:t>		if </a:t>
+            </a:r>
+            <a:r>
+              <a:rPr lang="en-US" dirty="0"/>
+              <a:t>(</a:t>
+            </a:r>
+            <a:r>
+              <a:rPr lang="en-US" dirty="0" err="1"/>
+              <a:t>move_uploaded_file</a:t>
+            </a:r>
+            <a:r>
+              <a:rPr lang="en-US" dirty="0"/>
+              <a:t>($</a:t>
+            </a:r>
+            <a:r>
+              <a:rPr lang="en-US" dirty="0" err="1"/>
+              <a:t>src</a:t>
+            </a:r>
+            <a:r>
+              <a:rPr lang="en-US" dirty="0"/>
+              <a:t>, $</a:t>
+            </a:r>
+            <a:r>
+              <a:rPr lang="en-US" dirty="0" err="1"/>
+              <a:t>dest</a:t>
+            </a:r>
+            <a:r>
+              <a:rPr lang="en-US" dirty="0"/>
+              <a:t>)) {</a:t>
+            </a:r>
+          </a:p>
+          <a:p>
+            <a:r>
+              <a:rPr lang="en-US" dirty="0" smtClean="0"/>
+              <a:t>			$_</a:t>
+            </a:r>
+            <a:r>
+              <a:rPr lang="en-US" dirty="0"/>
+              <a:t>SESSION["</a:t>
+            </a:r>
+            <a:r>
+              <a:rPr lang="en-US" dirty="0" err="1"/>
+              <a:t>dispic_url</a:t>
+            </a:r>
+            <a:r>
+              <a:rPr lang="en-US" dirty="0"/>
+              <a:t>"] </a:t>
+            </a:r>
+            <a:r>
+              <a:rPr lang="en-US" b="1" dirty="0"/>
+              <a:t>= </a:t>
+            </a:r>
+            <a:r>
+              <a:rPr lang="en-US" dirty="0"/>
+              <a:t>$</a:t>
+            </a:r>
+            <a:r>
+              <a:rPr lang="en-US" dirty="0" err="1"/>
+              <a:t>dest</a:t>
+            </a:r>
+            <a:r>
+              <a:rPr lang="en-US" dirty="0"/>
+              <a:t>;</a:t>
+            </a:r>
+          </a:p>
+          <a:p>
+            <a:r>
+              <a:rPr lang="en-US" dirty="0" smtClean="0"/>
+              <a:t>			</a:t>
+            </a:r>
+            <a:r>
+              <a:rPr lang="en-US" dirty="0" err="1" smtClean="0"/>
+              <a:t>chmod</a:t>
+            </a:r>
+            <a:r>
+              <a:rPr lang="en-US" dirty="0"/>
+              <a:t>($</a:t>
+            </a:r>
+            <a:r>
+              <a:rPr lang="en-US" dirty="0" err="1"/>
+              <a:t>dest</a:t>
+            </a:r>
+            <a:r>
+              <a:rPr lang="en-US" dirty="0"/>
+              <a:t>, 0644);</a:t>
+            </a:r>
+          </a:p>
+          <a:p>
+            <a:r>
+              <a:rPr lang="en-US" b="1" dirty="0" smtClean="0"/>
+              <a:t>			echo </a:t>
+            </a:r>
+            <a:r>
+              <a:rPr lang="en-US" dirty="0"/>
+              <a:t>"&lt;p&gt;Successfully uploaded your display picture.&lt;/p&gt;";</a:t>
+            </a:r>
+          </a:p>
+          <a:p>
+            <a:r>
+              <a:rPr lang="en-US" dirty="0" smtClean="0"/>
+              <a:t>		}</a:t>
+            </a:r>
+            <a:endParaRPr lang="en-US" dirty="0"/>
+          </a:p>
+          <a:p>
+            <a:r>
+              <a:rPr lang="en-US" dirty="0" smtClean="0"/>
+              <a:t>	}</a:t>
             </a:r>
             <a:endParaRPr lang="en-US" dirty="0"/>
           </a:p>
@@ -14463,7 +16049,7 @@
     </p:spTree>
     <p:extLst>
       <p:ext uri="{BB962C8B-B14F-4D97-AF65-F5344CB8AC3E}">
-        <p14:creationId xmlns:p14="http://schemas.microsoft.com/office/powerpoint/2010/main" val="489475349"/>
+        <p14:creationId xmlns:p14="http://schemas.microsoft.com/office/powerpoint/2010/main" val="1407764466"/>
       </p:ext>
     </p:extLst>
   </p:cSld>
@@ -14984,8 +16570,12 @@
           <a:lstStyle/>
           <a:p>
             <a:r>
-              <a:rPr lang="en-US" dirty="0" smtClean="0"/>
-              <a:t>Thanks for coming!</a:t>
+              <a:rPr lang="en-US" dirty="0" err="1" smtClean="0"/>
+              <a:t>Hm</a:t>
+            </a:r>
+            <a:r>
+              <a:rPr lang="en-US" dirty="0" smtClean="0"/>
+              <a:t>…</a:t>
             </a:r>
             <a:endParaRPr lang="en-US" dirty="0"/>
           </a:p>
@@ -15008,6 +16598,89 @@
           <a:p>
             <a:r>
               <a:rPr lang="en-US" dirty="0" smtClean="0"/>
+              <a:t>What if my picture has code in it?</a:t>
+            </a:r>
+            <a:endParaRPr lang="en-US" dirty="0"/>
+          </a:p>
+        </p:txBody>
+      </p:sp>
+    </p:spTree>
+    <p:extLst>
+      <p:ext uri="{BB962C8B-B14F-4D97-AF65-F5344CB8AC3E}">
+        <p14:creationId xmlns:p14="http://schemas.microsoft.com/office/powerpoint/2010/main" val="489475349"/>
+      </p:ext>
+    </p:extLst>
+  </p:cSld>
+  <p:clrMapOvr>
+    <a:masterClrMapping/>
+  </p:clrMapOvr>
+  <p:timing>
+    <p:tnLst>
+      <p:par>
+        <p:cTn id="1" dur="indefinite" restart="never" nodeType="tmRoot"/>
+      </p:par>
+    </p:tnLst>
+  </p:timing>
+</p:sld>
+</file>
+
+<file path=ppt/slides/slide41.xml><?xml version="1.0" encoding="utf-8"?>
+<p:sld xmlns:a="http://schemas.openxmlformats.org/drawingml/2006/main" xmlns:r="http://schemas.openxmlformats.org/officeDocument/2006/relationships" xmlns:p="http://schemas.openxmlformats.org/presentationml/2006/main">
+  <p:cSld>
+    <p:spTree>
+      <p:nvGrpSpPr>
+        <p:cNvPr id="1" name=""/>
+        <p:cNvGrpSpPr/>
+        <p:nvPr/>
+      </p:nvGrpSpPr>
+      <p:grpSpPr>
+        <a:xfrm>
+          <a:off x="0" y="0"/>
+          <a:ext cx="0" cy="0"/>
+          <a:chOff x="0" y="0"/>
+          <a:chExt cx="0" cy="0"/>
+        </a:xfrm>
+      </p:grpSpPr>
+      <p:sp>
+        <p:nvSpPr>
+          <p:cNvPr id="2" name="Title 1"/>
+          <p:cNvSpPr>
+            <a:spLocks noGrp="1"/>
+          </p:cNvSpPr>
+          <p:nvPr>
+            <p:ph type="title"/>
+          </p:nvPr>
+        </p:nvSpPr>
+        <p:spPr/>
+        <p:txBody>
+          <a:bodyPr/>
+          <a:lstStyle/>
+          <a:p>
+            <a:r>
+              <a:rPr lang="en-US" dirty="0" smtClean="0"/>
+              <a:t>Thanks for coming!</a:t>
+            </a:r>
+            <a:endParaRPr lang="en-US" dirty="0"/>
+          </a:p>
+        </p:txBody>
+      </p:sp>
+      <p:sp>
+        <p:nvSpPr>
+          <p:cNvPr id="3" name="Content Placeholder 2"/>
+          <p:cNvSpPr>
+            <a:spLocks noGrp="1"/>
+          </p:cNvSpPr>
+          <p:nvPr>
+            <p:ph idx="1"/>
+          </p:nvPr>
+        </p:nvSpPr>
+        <p:spPr/>
+        <p:txBody>
+          <a:bodyPr/>
+          <a:lstStyle/>
+          <a:p>
+            <a:r>
+              <a:rPr lang="en-US" dirty="0" smtClean="0"/>
               <a:t>If you have any more questions:</a:t>
             </a:r>
           </a:p>
@@ -15034,32 +16707,49 @@
           <a:p>
             <a:r>
               <a:rPr lang="en-US" dirty="0" smtClean="0"/>
-              <a:t>Source code for vulnerable websites on my </a:t>
+              <a:t>Source code for vulnerable </a:t>
+            </a:r>
+            <a:r>
+              <a:rPr lang="en-US" dirty="0" smtClean="0"/>
+              <a:t>websites </a:t>
+            </a:r>
+            <a:r>
+              <a:rPr lang="en-US" dirty="0" smtClean="0"/>
+              <a:t>will soon™ be</a:t>
+            </a:r>
+            <a:r>
+              <a:rPr lang="en-US" dirty="0" smtClean="0"/>
+              <a:t> </a:t>
+            </a:r>
+            <a:r>
+              <a:rPr lang="en-US" dirty="0" smtClean="0"/>
+              <a:t>on my </a:t>
             </a:r>
             <a:r>
               <a:rPr lang="en-US" dirty="0" err="1" smtClean="0"/>
               <a:t>Github</a:t>
             </a:r>
-            <a:r>
-              <a:rPr lang="en-US" dirty="0" smtClean="0"/>
-              <a:t> (mserrano)</a:t>
-            </a:r>
+            <a:endParaRPr lang="en-US" dirty="0" smtClean="0"/>
           </a:p>
           <a:p>
             <a:pPr lvl="1"/>
             <a:r>
               <a:rPr lang="en-US" dirty="0" smtClean="0"/>
+              <a:t>github.com/mserrano/talks</a:t>
+            </a:r>
+            <a:endParaRPr lang="en-US" dirty="0" smtClean="0"/>
+          </a:p>
+          <a:p>
+            <a:pPr lvl="1"/>
+            <a:r>
+              <a:rPr lang="en-US" dirty="0" smtClean="0"/>
               <a:t>Slides, too</a:t>
             </a:r>
           </a:p>
           <a:p>
             <a:r>
               <a:rPr lang="en-US" dirty="0" smtClean="0"/>
-              <a:t>If you want to join PPP, meetings are on Fridays at 5pm in </a:t>
-            </a:r>
-            <a:r>
-              <a:rPr lang="en-US" dirty="0" smtClean="0"/>
-              <a:t>CIC2101</a:t>
+              <a:t>If you want to join PPP, meetings are on Fridays at 5pm in CIC2101</a:t>
             </a:r>
           </a:p>
           <a:p>
@@ -15166,11 +16856,7 @@
             </a:r>
             <a:r>
               <a:rPr lang="en-US" sz="4000" dirty="0" smtClean="0"/>
-              <a:t> </a:t>
-            </a:r>
-            <a:r>
-              <a:rPr lang="en-US" sz="4000" dirty="0" smtClean="0"/>
-              <a:t>trust the user.</a:t>
+              <a:t> trust the user.</a:t>
             </a:r>
           </a:p>
           <a:p>
@@ -15272,11 +16958,7 @@
           <a:p>
             <a:r>
               <a:rPr lang="en-US" dirty="0" smtClean="0"/>
-              <a:t>Basically impossible to hack a static </a:t>
-            </a:r>
-            <a:r>
-              <a:rPr lang="en-US" dirty="0" smtClean="0"/>
-              <a:t>site – no user input</a:t>
+              <a:t>Basically impossible to hack a static site – no user input</a:t>
             </a:r>
           </a:p>
           <a:p>
@@ -15303,16 +16985,11 @@
               <a:rPr lang="en-US" dirty="0" smtClean="0"/>
               <a:t>)</a:t>
             </a:r>
-            <a:endParaRPr lang="en-US" dirty="0" smtClean="0"/>
-          </a:p>
-          <a:p>
-            <a:r>
-              <a:rPr lang="en-US" dirty="0" smtClean="0"/>
-              <a:t>But </a:t>
-            </a:r>
-            <a:r>
-              <a:rPr lang="en-US" dirty="0" smtClean="0"/>
-              <a:t>there are frequently applications sitting behind web servers…</a:t>
+          </a:p>
+          <a:p>
+            <a:r>
+              <a:rPr lang="en-US" dirty="0" smtClean="0"/>
+              <a:t>But there are frequently applications sitting behind web servers…</a:t>
             </a:r>
           </a:p>
           <a:p>
@@ -15333,11 +17010,7 @@
             </a:r>
             <a:r>
               <a:rPr lang="en-US" dirty="0" smtClean="0"/>
-              <a:t> sitting behind webservers and responding to user </a:t>
-            </a:r>
-            <a:r>
-              <a:rPr lang="en-US" dirty="0" smtClean="0"/>
-              <a:t>input</a:t>
+              <a:t> sitting behind webservers and responding to user input</a:t>
             </a:r>
           </a:p>
           <a:p>
@@ -15345,7 +17018,6 @@
               <a:rPr lang="en-US" dirty="0" smtClean="0"/>
               <a:t>Full-fledged applications are full of bugs.</a:t>
             </a:r>
-            <a:endParaRPr lang="en-US" dirty="0" smtClean="0"/>
           </a:p>
         </p:txBody>
       </p:sp>
@@ -16318,6 +17990,51 @@
                       </p:childTnLst>
                     </p:cTn>
                   </p:par>
+                  <p:par>
+                    <p:cTn id="39" fill="hold">
+                      <p:stCondLst>
+                        <p:cond delay="indefinite"/>
+                      </p:stCondLst>
+                      <p:childTnLst>
+                        <p:par>
+                          <p:cTn id="40" fill="hold">
+                            <p:stCondLst>
+                              <p:cond delay="0"/>
+                            </p:stCondLst>
+                            <p:childTnLst>
+                              <p:par>
+                                <p:cTn id="41" presetID="1" presetClass="entr" presetSubtype="0" fill="hold" nodeType="clickEffect">
+                                  <p:stCondLst>
+                                    <p:cond delay="0"/>
+                                  </p:stCondLst>
+                                  <p:childTnLst>
+                                    <p:set>
+                                      <p:cBhvr>
+                                        <p:cTn id="42" dur="1" fill="hold">
+                                          <p:stCondLst>
+                                            <p:cond delay="0"/>
+                                          </p:stCondLst>
+                                        </p:cTn>
+                                        <p:tgtEl>
+                                          <p:spTgt spid="4"/>
+                                        </p:tgtEl>
+                                        <p:attrNameLst>
+                                          <p:attrName>style.visibility</p:attrName>
+                                        </p:attrNameLst>
+                                      </p:cBhvr>
+                                      <p:to>
+                                        <p:strVal val="visible"/>
+                                      </p:to>
+                                    </p:set>
+                                  </p:childTnLst>
+                                </p:cTn>
+                              </p:par>
+                            </p:childTnLst>
+                          </p:cTn>
+                        </p:par>
+                      </p:childTnLst>
+                    </p:cTn>
+                  </p:par>
                 </p:childTnLst>
               </p:cTn>
               <p:prevCondLst>
